--- a/Lectures2024/CITS5503CloudComputingIntro_week1.pptx
+++ b/Lectures2024/CITS5503CloudComputingIntro_week1.pptx
@@ -5,10 +5,10 @@
     <p:sldMasterId id="2147483749" r:id="rId1"/>
   </p:sldMasterIdLst>
   <p:notesMasterIdLst>
-    <p:notesMasterId r:id="rId65"/>
+    <p:notesMasterId r:id="rId66"/>
   </p:notesMasterIdLst>
   <p:handoutMasterIdLst>
-    <p:handoutMasterId r:id="rId66"/>
+    <p:handoutMasterId r:id="rId67"/>
   </p:handoutMasterIdLst>
   <p:sldIdLst>
     <p:sldId id="1344" r:id="rId2"/>
@@ -16,11 +16,11 @@
     <p:sldId id="1347" r:id="rId4"/>
     <p:sldId id="1349" r:id="rId5"/>
     <p:sldId id="1348" r:id="rId6"/>
-    <p:sldId id="1329" r:id="rId7"/>
-    <p:sldId id="1350" r:id="rId8"/>
-    <p:sldId id="1351" r:id="rId9"/>
-    <p:sldId id="1352" r:id="rId10"/>
-    <p:sldId id="260" r:id="rId11"/>
+    <p:sldId id="1376" r:id="rId7"/>
+    <p:sldId id="1329" r:id="rId8"/>
+    <p:sldId id="1350" r:id="rId9"/>
+    <p:sldId id="1351" r:id="rId10"/>
+    <p:sldId id="1352" r:id="rId11"/>
     <p:sldId id="312" r:id="rId12"/>
     <p:sldId id="276" r:id="rId13"/>
     <p:sldId id="319" r:id="rId14"/>
@@ -33,47 +33,48 @@
     <p:sldId id="322" r:id="rId21"/>
     <p:sldId id="273" r:id="rId22"/>
     <p:sldId id="539" r:id="rId23"/>
-    <p:sldId id="1356" r:id="rId24"/>
-    <p:sldId id="1353" r:id="rId25"/>
-    <p:sldId id="1354" r:id="rId26"/>
-    <p:sldId id="536" r:id="rId27"/>
-    <p:sldId id="346" r:id="rId28"/>
-    <p:sldId id="274" r:id="rId29"/>
-    <p:sldId id="541" r:id="rId30"/>
-    <p:sldId id="342" r:id="rId31"/>
-    <p:sldId id="288" r:id="rId32"/>
-    <p:sldId id="1295" r:id="rId33"/>
-    <p:sldId id="290" r:id="rId34"/>
-    <p:sldId id="1365" r:id="rId35"/>
-    <p:sldId id="1366" r:id="rId36"/>
-    <p:sldId id="1367" r:id="rId37"/>
-    <p:sldId id="264" r:id="rId38"/>
-    <p:sldId id="265" r:id="rId39"/>
-    <p:sldId id="266" r:id="rId40"/>
-    <p:sldId id="267" r:id="rId41"/>
-    <p:sldId id="1361" r:id="rId42"/>
-    <p:sldId id="269" r:id="rId43"/>
-    <p:sldId id="270" r:id="rId44"/>
-    <p:sldId id="271" r:id="rId45"/>
-    <p:sldId id="272" r:id="rId46"/>
-    <p:sldId id="275" r:id="rId47"/>
-    <p:sldId id="1363" r:id="rId48"/>
-    <p:sldId id="1362" r:id="rId49"/>
-    <p:sldId id="287" r:id="rId50"/>
-    <p:sldId id="291" r:id="rId51"/>
-    <p:sldId id="299" r:id="rId52"/>
-    <p:sldId id="302" r:id="rId53"/>
-    <p:sldId id="490" r:id="rId54"/>
-    <p:sldId id="1358" r:id="rId55"/>
-    <p:sldId id="1360" r:id="rId56"/>
-    <p:sldId id="1372" r:id="rId57"/>
-    <p:sldId id="1373" r:id="rId58"/>
-    <p:sldId id="1369" r:id="rId59"/>
-    <p:sldId id="1364" r:id="rId60"/>
-    <p:sldId id="1370" r:id="rId61"/>
-    <p:sldId id="1371" r:id="rId62"/>
-    <p:sldId id="268" r:id="rId63"/>
-    <p:sldId id="333" r:id="rId64"/>
+    <p:sldId id="1353" r:id="rId24"/>
+    <p:sldId id="1356" r:id="rId25"/>
+    <p:sldId id="1375" r:id="rId26"/>
+    <p:sldId id="1354" r:id="rId27"/>
+    <p:sldId id="536" r:id="rId28"/>
+    <p:sldId id="346" r:id="rId29"/>
+    <p:sldId id="274" r:id="rId30"/>
+    <p:sldId id="541" r:id="rId31"/>
+    <p:sldId id="342" r:id="rId32"/>
+    <p:sldId id="288" r:id="rId33"/>
+    <p:sldId id="1295" r:id="rId34"/>
+    <p:sldId id="290" r:id="rId35"/>
+    <p:sldId id="1365" r:id="rId36"/>
+    <p:sldId id="1366" r:id="rId37"/>
+    <p:sldId id="1367" r:id="rId38"/>
+    <p:sldId id="264" r:id="rId39"/>
+    <p:sldId id="265" r:id="rId40"/>
+    <p:sldId id="266" r:id="rId41"/>
+    <p:sldId id="267" r:id="rId42"/>
+    <p:sldId id="1361" r:id="rId43"/>
+    <p:sldId id="269" r:id="rId44"/>
+    <p:sldId id="270" r:id="rId45"/>
+    <p:sldId id="271" r:id="rId46"/>
+    <p:sldId id="272" r:id="rId47"/>
+    <p:sldId id="275" r:id="rId48"/>
+    <p:sldId id="1363" r:id="rId49"/>
+    <p:sldId id="1362" r:id="rId50"/>
+    <p:sldId id="287" r:id="rId51"/>
+    <p:sldId id="291" r:id="rId52"/>
+    <p:sldId id="299" r:id="rId53"/>
+    <p:sldId id="302" r:id="rId54"/>
+    <p:sldId id="490" r:id="rId55"/>
+    <p:sldId id="1358" r:id="rId56"/>
+    <p:sldId id="1360" r:id="rId57"/>
+    <p:sldId id="1372" r:id="rId58"/>
+    <p:sldId id="1373" r:id="rId59"/>
+    <p:sldId id="1369" r:id="rId60"/>
+    <p:sldId id="1364" r:id="rId61"/>
+    <p:sldId id="1370" r:id="rId62"/>
+    <p:sldId id="1371" r:id="rId63"/>
+    <p:sldId id="268" r:id="rId64"/>
+    <p:sldId id="333" r:id="rId65"/>
   </p:sldIdLst>
   <p:sldSz cx="9144000" cy="6858000" type="screen4x3"/>
   <p:notesSz cx="7315200" cy="9601200"/>
@@ -295,10 +296,17 @@
   <pc:docChgLst>
     <pc:chgData name="张 智" userId="36bdf691fd3510be" providerId="LiveId" clId="{D05EFBDE-8E17-4BF0-9C9C-A20410AB5915}"/>
     <pc:docChg chg="undo custSel addSld delSld modSld sldOrd">
-      <pc:chgData name="张 智" userId="36bdf691fd3510be" providerId="LiveId" clId="{D05EFBDE-8E17-4BF0-9C9C-A20410AB5915}" dt="2024-07-22T08:01:24.021" v="3976" actId="20577"/>
+      <pc:chgData name="张 智" userId="36bdf691fd3510be" providerId="LiveId" clId="{D05EFBDE-8E17-4BF0-9C9C-A20410AB5915}" dt="2024-07-22T15:11:33.234" v="5710" actId="20577"/>
       <pc:docMkLst>
         <pc:docMk/>
       </pc:docMkLst>
+      <pc:sldChg chg="del">
+        <pc:chgData name="张 智" userId="36bdf691fd3510be" providerId="LiveId" clId="{D05EFBDE-8E17-4BF0-9C9C-A20410AB5915}" dt="2024-07-22T14:36:29.835" v="5140" actId="2696"/>
+        <pc:sldMkLst>
+          <pc:docMk/>
+          <pc:sldMk cId="3503711615" sldId="260"/>
+        </pc:sldMkLst>
+      </pc:sldChg>
       <pc:sldChg chg="modSp add del mod">
         <pc:chgData name="张 智" userId="36bdf691fd3510be" providerId="LiveId" clId="{D05EFBDE-8E17-4BF0-9C9C-A20410AB5915}" dt="2024-07-17T04:50:39.253" v="819" actId="2696"/>
         <pc:sldMkLst>
@@ -315,13 +323,13 @@
         </pc:spChg>
       </pc:sldChg>
       <pc:sldChg chg="modSp mod modNotesTx">
-        <pc:chgData name="张 智" userId="36bdf691fd3510be" providerId="LiveId" clId="{D05EFBDE-8E17-4BF0-9C9C-A20410AB5915}" dt="2024-07-17T06:52:56.446" v="2206" actId="20577"/>
+        <pc:chgData name="张 智" userId="36bdf691fd3510be" providerId="LiveId" clId="{D05EFBDE-8E17-4BF0-9C9C-A20410AB5915}" dt="2024-07-22T14:50:54.436" v="5483" actId="20577"/>
         <pc:sldMkLst>
           <pc:docMk/>
           <pc:sldMk cId="1469224897" sldId="273"/>
         </pc:sldMkLst>
         <pc:spChg chg="mod">
-          <ac:chgData name="张 智" userId="36bdf691fd3510be" providerId="LiveId" clId="{D05EFBDE-8E17-4BF0-9C9C-A20410AB5915}" dt="2024-07-17T06:52:56.446" v="2206" actId="20577"/>
+          <ac:chgData name="张 智" userId="36bdf691fd3510be" providerId="LiveId" clId="{D05EFBDE-8E17-4BF0-9C9C-A20410AB5915}" dt="2024-07-22T14:50:49.275" v="5482" actId="20577"/>
           <ac:spMkLst>
             <pc:docMk/>
             <pc:sldMk cId="1469224897" sldId="273"/>
@@ -330,7 +338,7 @@
         </pc:spChg>
       </pc:sldChg>
       <pc:sldChg chg="modSp mod modNotesTx">
-        <pc:chgData name="张 智" userId="36bdf691fd3510be" providerId="LiveId" clId="{D05EFBDE-8E17-4BF0-9C9C-A20410AB5915}" dt="2024-07-19T08:05:24.264" v="2879" actId="20577"/>
+        <pc:chgData name="张 智" userId="36bdf691fd3510be" providerId="LiveId" clId="{D05EFBDE-8E17-4BF0-9C9C-A20410AB5915}" dt="2024-07-22T14:58:46.130" v="5682" actId="20577"/>
         <pc:sldMkLst>
           <pc:docMk/>
           <pc:sldMk cId="1892611882" sldId="274"/>
@@ -345,7 +353,7 @@
         </pc:spChg>
       </pc:sldChg>
       <pc:sldChg chg="addSp delSp modSp mod modNotesTx">
-        <pc:chgData name="张 智" userId="36bdf691fd3510be" providerId="LiveId" clId="{D05EFBDE-8E17-4BF0-9C9C-A20410AB5915}" dt="2024-07-22T02:57:30.519" v="3274" actId="108"/>
+        <pc:chgData name="张 智" userId="36bdf691fd3510be" providerId="LiveId" clId="{D05EFBDE-8E17-4BF0-9C9C-A20410AB5915}" dt="2024-07-22T14:39:28.477" v="5201" actId="20577"/>
         <pc:sldMkLst>
           <pc:docMk/>
           <pc:sldMk cId="4215697357" sldId="276"/>
@@ -520,7 +528,7 @@
         </pc:picChg>
       </pc:sldChg>
       <pc:sldChg chg="modSp mod modNotesTx">
-        <pc:chgData name="张 智" userId="36bdf691fd3510be" providerId="LiveId" clId="{D05EFBDE-8E17-4BF0-9C9C-A20410AB5915}" dt="2024-07-17T05:16:28.187" v="1170" actId="20577"/>
+        <pc:chgData name="张 智" userId="36bdf691fd3510be" providerId="LiveId" clId="{D05EFBDE-8E17-4BF0-9C9C-A20410AB5915}" dt="2024-07-22T14:40:23.173" v="5202" actId="20577"/>
         <pc:sldMkLst>
           <pc:docMk/>
           <pc:sldMk cId="1481627793" sldId="319"/>
@@ -551,7 +559,7 @@
         </pc:spChg>
       </pc:sldChg>
       <pc:sldChg chg="modSp mod modNotesTx">
-        <pc:chgData name="张 智" userId="36bdf691fd3510be" providerId="LiveId" clId="{D05EFBDE-8E17-4BF0-9C9C-A20410AB5915}" dt="2024-07-22T07:49:32.561" v="3482" actId="20577"/>
+        <pc:chgData name="张 智" userId="36bdf691fd3510be" providerId="LiveId" clId="{D05EFBDE-8E17-4BF0-9C9C-A20410AB5915}" dt="2024-07-22T14:49:18.909" v="5473" actId="20577"/>
         <pc:sldMkLst>
           <pc:docMk/>
           <pc:sldMk cId="2700717229" sldId="320"/>
@@ -674,8 +682,31 @@
           </ac:spMkLst>
         </pc:spChg>
       </pc:sldChg>
+      <pc:sldChg chg="modSp mod modNotesTx">
+        <pc:chgData name="张 智" userId="36bdf691fd3510be" providerId="LiveId" clId="{D05EFBDE-8E17-4BF0-9C9C-A20410AB5915}" dt="2024-07-22T14:58:20.113" v="5678" actId="20577"/>
+        <pc:sldMkLst>
+          <pc:docMk/>
+          <pc:sldMk cId="616269216" sldId="346"/>
+        </pc:sldMkLst>
+        <pc:spChg chg="mod">
+          <ac:chgData name="张 智" userId="36bdf691fd3510be" providerId="LiveId" clId="{D05EFBDE-8E17-4BF0-9C9C-A20410AB5915}" dt="2024-07-22T08:18:28.811" v="4175" actId="404"/>
+          <ac:spMkLst>
+            <pc:docMk/>
+            <pc:sldMk cId="616269216" sldId="346"/>
+            <ac:spMk id="6" creationId="{D1324EFB-07F7-4237-9408-5B6417D110A8}"/>
+          </ac:spMkLst>
+        </pc:spChg>
+        <pc:spChg chg="mod">
+          <ac:chgData name="张 智" userId="36bdf691fd3510be" providerId="LiveId" clId="{D05EFBDE-8E17-4BF0-9C9C-A20410AB5915}" dt="2024-07-22T08:18:17.402" v="4154" actId="20577"/>
+          <ac:spMkLst>
+            <pc:docMk/>
+            <pc:sldMk cId="616269216" sldId="346"/>
+            <ac:spMk id="7" creationId="{385F9B47-7C35-46F5-87A7-4814C5975511}"/>
+          </ac:spMkLst>
+        </pc:spChg>
+      </pc:sldChg>
       <pc:sldChg chg="addSp delSp modSp mod modNotesTx">
-        <pc:chgData name="张 智" userId="36bdf691fd3510be" providerId="LiveId" clId="{D05EFBDE-8E17-4BF0-9C9C-A20410AB5915}" dt="2024-07-17T05:33:53.627" v="1793" actId="20577"/>
+        <pc:chgData name="张 智" userId="36bdf691fd3510be" providerId="LiveId" clId="{D05EFBDE-8E17-4BF0-9C9C-A20410AB5915}" dt="2024-07-22T14:44:43.126" v="5264" actId="20577"/>
         <pc:sldMkLst>
           <pc:docMk/>
           <pc:sldMk cId="11172829" sldId="347"/>
@@ -697,7 +728,15 @@
           </ac:spMkLst>
         </pc:spChg>
         <pc:picChg chg="add mod">
-          <ac:chgData name="张 智" userId="36bdf691fd3510be" providerId="LiveId" clId="{D05EFBDE-8E17-4BF0-9C9C-A20410AB5915}" dt="2024-07-17T05:32:18.215" v="1352" actId="1076"/>
+          <ac:chgData name="张 智" userId="36bdf691fd3510be" providerId="LiveId" clId="{D05EFBDE-8E17-4BF0-9C9C-A20410AB5915}" dt="2024-07-22T08:09:11.579" v="3979" actId="1076"/>
+          <ac:picMkLst>
+            <pc:docMk/>
+            <pc:sldMk cId="11172829" sldId="347"/>
+            <ac:picMk id="6" creationId="{53CB722F-7C0A-4239-99AB-AC2AE1051B98}"/>
+          </ac:picMkLst>
+        </pc:picChg>
+        <pc:picChg chg="add del mod">
+          <ac:chgData name="张 智" userId="36bdf691fd3510be" providerId="LiveId" clId="{D05EFBDE-8E17-4BF0-9C9C-A20410AB5915}" dt="2024-07-22T08:09:06.626" v="3977" actId="478"/>
           <ac:picMkLst>
             <pc:docMk/>
             <pc:sldMk cId="11172829" sldId="347"/>
@@ -706,7 +745,7 @@
         </pc:picChg>
       </pc:sldChg>
       <pc:sldChg chg="modSp mod modNotesTx">
-        <pc:chgData name="张 智" userId="36bdf691fd3510be" providerId="LiveId" clId="{D05EFBDE-8E17-4BF0-9C9C-A20410AB5915}" dt="2024-07-17T04:40:00.136" v="348" actId="108"/>
+        <pc:chgData name="张 智" userId="36bdf691fd3510be" providerId="LiveId" clId="{D05EFBDE-8E17-4BF0-9C9C-A20410AB5915}" dt="2024-07-22T14:19:20.637" v="4703" actId="20577"/>
         <pc:sldMkLst>
           <pc:docMk/>
           <pc:sldMk cId="2114466259" sldId="349"/>
@@ -728,8 +767,23 @@
           </ac:spMkLst>
         </pc:spChg>
       </pc:sldChg>
-      <pc:sldChg chg="modSp mod modShow">
-        <pc:chgData name="张 智" userId="36bdf691fd3510be" providerId="LiveId" clId="{D05EFBDE-8E17-4BF0-9C9C-A20410AB5915}" dt="2024-07-19T05:49:13.893" v="2640" actId="729"/>
+      <pc:sldChg chg="modSp mod modNotesTx">
+        <pc:chgData name="张 智" userId="36bdf691fd3510be" providerId="LiveId" clId="{D05EFBDE-8E17-4BF0-9C9C-A20410AB5915}" dt="2024-07-22T08:22:02.518" v="4491" actId="20577"/>
+        <pc:sldMkLst>
+          <pc:docMk/>
+          <pc:sldMk cId="1239153211" sldId="490"/>
+        </pc:sldMkLst>
+        <pc:spChg chg="mod">
+          <ac:chgData name="张 智" userId="36bdf691fd3510be" providerId="LiveId" clId="{D05EFBDE-8E17-4BF0-9C9C-A20410AB5915}" dt="2024-07-22T08:21:48.345" v="4490" actId="20577"/>
+          <ac:spMkLst>
+            <pc:docMk/>
+            <pc:sldMk cId="1239153211" sldId="490"/>
+            <ac:spMk id="2" creationId="{00000000-0000-0000-0000-000000000000}"/>
+          </ac:spMkLst>
+        </pc:spChg>
+      </pc:sldChg>
+      <pc:sldChg chg="modSp mod modShow modNotesTx">
+        <pc:chgData name="张 智" userId="36bdf691fd3510be" providerId="LiveId" clId="{D05EFBDE-8E17-4BF0-9C9C-A20410AB5915}" dt="2024-07-22T14:52:36.482" v="5580" actId="20577"/>
         <pc:sldMkLst>
           <pc:docMk/>
           <pc:sldMk cId="2037980646" sldId="539"/>
@@ -751,13 +805,13 @@
         </pc:sldMkLst>
       </pc:sldChg>
       <pc:sldChg chg="modSp mod modNotesTx">
-        <pc:chgData name="张 智" userId="36bdf691fd3510be" providerId="LiveId" clId="{D05EFBDE-8E17-4BF0-9C9C-A20410AB5915}" dt="2024-07-19T07:53:52.962" v="2768" actId="20577"/>
+        <pc:chgData name="张 智" userId="36bdf691fd3510be" providerId="LiveId" clId="{D05EFBDE-8E17-4BF0-9C9C-A20410AB5915}" dt="2024-07-22T15:02:38.441" v="5688" actId="20577"/>
         <pc:sldMkLst>
           <pc:docMk/>
           <pc:sldMk cId="2115377926" sldId="541"/>
         </pc:sldMkLst>
         <pc:spChg chg="mod">
-          <ac:chgData name="张 智" userId="36bdf691fd3510be" providerId="LiveId" clId="{D05EFBDE-8E17-4BF0-9C9C-A20410AB5915}" dt="2024-07-19T07:53:52.962" v="2768" actId="20577"/>
+          <ac:chgData name="张 智" userId="36bdf691fd3510be" providerId="LiveId" clId="{D05EFBDE-8E17-4BF0-9C9C-A20410AB5915}" dt="2024-07-22T15:02:01.376" v="5686" actId="21"/>
           <ac:spMkLst>
             <pc:docMk/>
             <pc:sldMk cId="2115377926" sldId="541"/>
@@ -773,7 +827,7 @@
         </pc:sldMkLst>
       </pc:sldChg>
       <pc:sldChg chg="addSp delSp modSp mod modNotesTx">
-        <pc:chgData name="张 智" userId="36bdf691fd3510be" providerId="LiveId" clId="{D05EFBDE-8E17-4BF0-9C9C-A20410AB5915}" dt="2024-07-17T04:50:07.840" v="812" actId="20577"/>
+        <pc:chgData name="张 智" userId="36bdf691fd3510be" providerId="LiveId" clId="{D05EFBDE-8E17-4BF0-9C9C-A20410AB5915}" dt="2024-07-22T14:33:48.903" v="5135" actId="20577"/>
         <pc:sldMkLst>
           <pc:docMk/>
           <pc:sldMk cId="3268989742" sldId="1329"/>
@@ -795,7 +849,7 @@
           </ac:spMkLst>
         </pc:spChg>
         <pc:spChg chg="add mod">
-          <ac:chgData name="张 智" userId="36bdf691fd3510be" providerId="LiveId" clId="{D05EFBDE-8E17-4BF0-9C9C-A20410AB5915}" dt="2024-07-17T04:45:30.730" v="453" actId="1076"/>
+          <ac:chgData name="张 智" userId="36bdf691fd3510be" providerId="LiveId" clId="{D05EFBDE-8E17-4BF0-9C9C-A20410AB5915}" dt="2024-07-22T14:32:50.507" v="5068" actId="20577"/>
           <ac:spMkLst>
             <pc:docMk/>
             <pc:sldMk cId="3268989742" sldId="1329"/>
@@ -827,7 +881,7 @@
           </ac:spMkLst>
         </pc:spChg>
         <pc:spChg chg="add mod">
-          <ac:chgData name="张 智" userId="36bdf691fd3510be" providerId="LiveId" clId="{D05EFBDE-8E17-4BF0-9C9C-A20410AB5915}" dt="2024-07-17T04:45:30.730" v="453" actId="1076"/>
+          <ac:chgData name="张 智" userId="36bdf691fd3510be" providerId="LiveId" clId="{D05EFBDE-8E17-4BF0-9C9C-A20410AB5915}" dt="2024-07-22T14:32:53.432" v="5070" actId="20577"/>
           <ac:spMkLst>
             <pc:docMk/>
             <pc:sldMk cId="3268989742" sldId="1329"/>
@@ -859,7 +913,7 @@
           </ac:spMkLst>
         </pc:spChg>
         <pc:spChg chg="add mod">
-          <ac:chgData name="张 智" userId="36bdf691fd3510be" providerId="LiveId" clId="{D05EFBDE-8E17-4BF0-9C9C-A20410AB5915}" dt="2024-07-17T04:45:52.636" v="457" actId="21"/>
+          <ac:chgData name="张 智" userId="36bdf691fd3510be" providerId="LiveId" clId="{D05EFBDE-8E17-4BF0-9C9C-A20410AB5915}" dt="2024-07-22T14:24:17.207" v="4820" actId="15"/>
           <ac:spMkLst>
             <pc:docMk/>
             <pc:sldMk cId="3268989742" sldId="1329"/>
@@ -923,20 +977,20 @@
         </pc:spChg>
       </pc:sldChg>
       <pc:sldChg chg="modNotesTx">
-        <pc:chgData name="张 智" userId="36bdf691fd3510be" providerId="LiveId" clId="{D05EFBDE-8E17-4BF0-9C9C-A20410AB5915}" dt="2024-07-17T04:52:19.286" v="931" actId="20577"/>
+        <pc:chgData name="张 智" userId="36bdf691fd3510be" providerId="LiveId" clId="{D05EFBDE-8E17-4BF0-9C9C-A20410AB5915}" dt="2024-07-22T14:36:17.385" v="5139" actId="20577"/>
         <pc:sldMkLst>
           <pc:docMk/>
           <pc:sldMk cId="923056585" sldId="1352"/>
         </pc:sldMkLst>
       </pc:sldChg>
       <pc:sldChg chg="modSp mod ord modNotesTx">
-        <pc:chgData name="张 智" userId="36bdf691fd3510be" providerId="LiveId" clId="{D05EFBDE-8E17-4BF0-9C9C-A20410AB5915}" dt="2024-07-19T08:10:14.059" v="3099" actId="20577"/>
+        <pc:chgData name="张 智" userId="36bdf691fd3510be" providerId="LiveId" clId="{D05EFBDE-8E17-4BF0-9C9C-A20410AB5915}" dt="2024-07-22T14:53:28.717" v="5588" actId="20577"/>
         <pc:sldMkLst>
           <pc:docMk/>
           <pc:sldMk cId="4126946887" sldId="1353"/>
         </pc:sldMkLst>
         <pc:spChg chg="mod">
-          <ac:chgData name="张 智" userId="36bdf691fd3510be" providerId="LiveId" clId="{D05EFBDE-8E17-4BF0-9C9C-A20410AB5915}" dt="2024-07-19T08:09:32.865" v="2943" actId="20577"/>
+          <ac:chgData name="张 智" userId="36bdf691fd3510be" providerId="LiveId" clId="{D05EFBDE-8E17-4BF0-9C9C-A20410AB5915}" dt="2024-07-22T08:11:05.880" v="3985" actId="5793"/>
           <ac:spMkLst>
             <pc:docMk/>
             <pc:sldMk cId="4126946887" sldId="1353"/>
@@ -945,13 +999,13 @@
         </pc:spChg>
       </pc:sldChg>
       <pc:sldChg chg="modSp mod modShow modNotesTx">
-        <pc:chgData name="张 智" userId="36bdf691fd3510be" providerId="LiveId" clId="{D05EFBDE-8E17-4BF0-9C9C-A20410AB5915}" dt="2024-07-19T08:04:44.288" v="2854" actId="20577"/>
+        <pc:chgData name="张 智" userId="36bdf691fd3510be" providerId="LiveId" clId="{D05EFBDE-8E17-4BF0-9C9C-A20410AB5915}" dt="2024-07-22T15:11:33.234" v="5710" actId="20577"/>
         <pc:sldMkLst>
           <pc:docMk/>
           <pc:sldMk cId="146581613" sldId="1354"/>
         </pc:sldMkLst>
         <pc:spChg chg="mod">
-          <ac:chgData name="张 智" userId="36bdf691fd3510be" providerId="LiveId" clId="{D05EFBDE-8E17-4BF0-9C9C-A20410AB5915}" dt="2024-07-19T08:03:04.857" v="2773" actId="21"/>
+          <ac:chgData name="张 智" userId="36bdf691fd3510be" providerId="LiveId" clId="{D05EFBDE-8E17-4BF0-9C9C-A20410AB5915}" dt="2024-07-22T15:11:33.234" v="5710" actId="20577"/>
           <ac:spMkLst>
             <pc:docMk/>
             <pc:sldMk cId="146581613" sldId="1354"/>
@@ -974,12 +1028,28 @@
           </ac:spMkLst>
         </pc:spChg>
       </pc:sldChg>
-      <pc:sldChg chg="add modNotesTx">
-        <pc:chgData name="张 智" userId="36bdf691fd3510be" providerId="LiveId" clId="{D05EFBDE-8E17-4BF0-9C9C-A20410AB5915}" dt="2024-07-19T08:09:13.439" v="2911" actId="20577"/>
+      <pc:sldChg chg="delSp modSp add mod delAnim modAnim modNotesTx">
+        <pc:chgData name="张 智" userId="36bdf691fd3510be" providerId="LiveId" clId="{D05EFBDE-8E17-4BF0-9C9C-A20410AB5915}" dt="2024-07-22T08:13:24.437" v="3993"/>
         <pc:sldMkLst>
           <pc:docMk/>
           <pc:sldMk cId="704996335" sldId="1356"/>
         </pc:sldMkLst>
+        <pc:picChg chg="del">
+          <ac:chgData name="张 智" userId="36bdf691fd3510be" providerId="LiveId" clId="{D05EFBDE-8E17-4BF0-9C9C-A20410AB5915}" dt="2024-07-22T08:12:18.357" v="3990" actId="478"/>
+          <ac:picMkLst>
+            <pc:docMk/>
+            <pc:sldMk cId="704996335" sldId="1356"/>
+            <ac:picMk id="5" creationId="{5630D9FE-C2FD-4BC4-A94C-4CF4484B4546}"/>
+          </ac:picMkLst>
+        </pc:picChg>
+        <pc:picChg chg="mod">
+          <ac:chgData name="张 智" userId="36bdf691fd3510be" providerId="LiveId" clId="{D05EFBDE-8E17-4BF0-9C9C-A20410AB5915}" dt="2024-07-22T08:12:05.323" v="3989" actId="1076"/>
+          <ac:picMkLst>
+            <pc:docMk/>
+            <pc:sldMk cId="704996335" sldId="1356"/>
+            <ac:picMk id="7" creationId="{D83EF22A-4C53-486E-979E-B2316E166363}"/>
+          </ac:picMkLst>
+        </pc:picChg>
       </pc:sldChg>
       <pc:sldChg chg="modSp del mod modShow modNotesTx">
         <pc:chgData name="张 智" userId="36bdf691fd3510be" providerId="LiveId" clId="{D05EFBDE-8E17-4BF0-9C9C-A20410AB5915}" dt="2024-07-19T08:08:28.069" v="2883" actId="2696"/>
@@ -1004,7 +1074,7 @@
         </pc:sldMkLst>
       </pc:sldChg>
       <pc:sldChg chg="addSp delSp modSp new mod modNotesTx">
-        <pc:chgData name="张 智" userId="36bdf691fd3510be" providerId="LiveId" clId="{D05EFBDE-8E17-4BF0-9C9C-A20410AB5915}" dt="2024-07-22T08:01:24.021" v="3976" actId="20577"/>
+        <pc:chgData name="张 智" userId="36bdf691fd3510be" providerId="LiveId" clId="{D05EFBDE-8E17-4BF0-9C9C-A20410AB5915}" dt="2024-07-22T14:48:41.424" v="5461" actId="20577"/>
         <pc:sldMkLst>
           <pc:docMk/>
           <pc:sldMk cId="4090685080" sldId="1374"/>
@@ -1062,6 +1132,60 @@
             <pc:docMk/>
             <pc:sldMk cId="4199881417" sldId="1374"/>
             <ac:spMk id="3" creationId="{2E2EAD86-C8CD-4149-AA1C-2C5A59B37FAA}"/>
+          </ac:spMkLst>
+        </pc:spChg>
+      </pc:sldChg>
+      <pc:sldChg chg="add modNotesTx">
+        <pc:chgData name="张 智" userId="36bdf691fd3510be" providerId="LiveId" clId="{D05EFBDE-8E17-4BF0-9C9C-A20410AB5915}" dt="2024-07-22T14:54:50.340" v="5616" actId="20577"/>
+        <pc:sldMkLst>
+          <pc:docMk/>
+          <pc:sldMk cId="1764816855" sldId="1375"/>
+        </pc:sldMkLst>
+      </pc:sldChg>
+      <pc:sldChg chg="addSp delSp modSp add mod modNotesTx">
+        <pc:chgData name="张 智" userId="36bdf691fd3510be" providerId="LiveId" clId="{D05EFBDE-8E17-4BF0-9C9C-A20410AB5915}" dt="2024-07-22T14:23:21.415" v="4806" actId="122"/>
+        <pc:sldMkLst>
+          <pc:docMk/>
+          <pc:sldMk cId="2302745213" sldId="1376"/>
+        </pc:sldMkLst>
+        <pc:spChg chg="add del mod">
+          <ac:chgData name="张 智" userId="36bdf691fd3510be" providerId="LiveId" clId="{D05EFBDE-8E17-4BF0-9C9C-A20410AB5915}" dt="2024-07-22T14:22:43.463" v="4727" actId="478"/>
+          <ac:spMkLst>
+            <pc:docMk/>
+            <pc:sldMk cId="2302745213" sldId="1376"/>
+            <ac:spMk id="4" creationId="{F92A6156-38A8-4D93-8491-E775BE26D00C}"/>
+          </ac:spMkLst>
+        </pc:spChg>
+        <pc:spChg chg="mod">
+          <ac:chgData name="张 智" userId="36bdf691fd3510be" providerId="LiveId" clId="{D05EFBDE-8E17-4BF0-9C9C-A20410AB5915}" dt="2024-07-22T14:23:21.415" v="4806" actId="122"/>
+          <ac:spMkLst>
+            <pc:docMk/>
+            <pc:sldMk cId="2302745213" sldId="1376"/>
+            <ac:spMk id="10" creationId="{76747A1D-B757-4440-BAE5-2BA9E37A19F2}"/>
+          </ac:spMkLst>
+        </pc:spChg>
+        <pc:spChg chg="del">
+          <ac:chgData name="张 智" userId="36bdf691fd3510be" providerId="LiveId" clId="{D05EFBDE-8E17-4BF0-9C9C-A20410AB5915}" dt="2024-07-22T14:22:41.023" v="4726" actId="478"/>
+          <ac:spMkLst>
+            <pc:docMk/>
+            <pc:sldMk cId="2302745213" sldId="1376"/>
+            <ac:spMk id="11" creationId="{59644879-68F3-4A14-BA12-B23CDC42A4E5}"/>
+          </ac:spMkLst>
+        </pc:spChg>
+        <pc:spChg chg="del">
+          <ac:chgData name="张 智" userId="36bdf691fd3510be" providerId="LiveId" clId="{D05EFBDE-8E17-4BF0-9C9C-A20410AB5915}" dt="2024-07-22T14:22:39.593" v="4725" actId="478"/>
+          <ac:spMkLst>
+            <pc:docMk/>
+            <pc:sldMk cId="2302745213" sldId="1376"/>
+            <ac:spMk id="12" creationId="{D1779E7D-BB31-449E-873C-6CF719FE7A3E}"/>
+          </ac:spMkLst>
+        </pc:spChg>
+        <pc:spChg chg="del">
+          <ac:chgData name="张 智" userId="36bdf691fd3510be" providerId="LiveId" clId="{D05EFBDE-8E17-4BF0-9C9C-A20410AB5915}" dt="2024-07-22T14:22:37.460" v="4724" actId="478"/>
+          <ac:spMkLst>
+            <pc:docMk/>
+            <pc:sldMk cId="2302745213" sldId="1376"/>
+            <ac:spMk id="13" creationId="{DC01BCDF-652B-4682-B4CD-CACE40A6DAA2}"/>
           </ac:spMkLst>
         </pc:spChg>
       </pc:sldChg>
@@ -7154,6 +7278,23 @@
           <a:bodyPr/>
           <a:lstStyle/>
           <a:p>
+            <a:pPr marL="0" marR="0" lvl="0" indent="0" algn="l" defTabSz="914400" rtl="0" eaLnBrk="0" fontAlgn="base" latinLnBrk="0" hangingPunct="0">
+              <a:lnSpc>
+                <a:spcPct val="100000"/>
+              </a:lnSpc>
+              <a:spcBef>
+                <a:spcPct val="30000"/>
+              </a:spcBef>
+              <a:spcAft>
+                <a:spcPct val="0"/>
+              </a:spcAft>
+              <a:buClrTx/>
+              <a:buSzTx/>
+              <a:buFontTx/>
+              <a:buNone/>
+              <a:tabLst/>
+              <a:defRPr/>
+            </a:pPr>
             <a:endParaRPr lang="en-AU" dirty="0"/>
           </a:p>
         </p:txBody>
@@ -7173,18 +7314,19 @@
           <a:bodyPr/>
           <a:lstStyle/>
           <a:p>
-            <a:fld id="{DF030C05-EF6C-9847-8923-580D76870F8E}" type="slidenum">
-              <a:rPr lang="en-AU" smtClean="0"/>
+            <a:fld id="{D37F8DB4-A4FF-4A8B-9A85-9B1874A58FCC}" type="slidenum">
+              <a:rPr lang="en-US" smtClean="0"/>
+              <a:pPr/>
               <a:t>10</a:t>
             </a:fld>
-            <a:endParaRPr lang="en-AU"/>
+            <a:endParaRPr lang="en-US"/>
           </a:p>
         </p:txBody>
       </p:sp>
     </p:spTree>
     <p:extLst>
       <p:ext uri="{BB962C8B-B14F-4D97-AF65-F5344CB8AC3E}">
-        <p14:creationId xmlns:p14="http://schemas.microsoft.com/office/powerpoint/2010/main" val="3462791013"/>
+        <p14:creationId xmlns:p14="http://schemas.microsoft.com/office/powerpoint/2010/main" val="1290149906"/>
       </p:ext>
     </p:extLst>
   </p:cSld>
@@ -8386,7 +8528,7 @@
     </p:spTree>
     <p:extLst>
       <p:ext uri="{BB962C8B-B14F-4D97-AF65-F5344CB8AC3E}">
-        <p14:creationId xmlns:p14="http://schemas.microsoft.com/office/powerpoint/2010/main" val="717472450"/>
+        <p14:creationId xmlns:p14="http://schemas.microsoft.com/office/powerpoint/2010/main" val="720376997"/>
       </p:ext>
     </p:extLst>
   </p:cSld>
@@ -8470,7 +8612,7 @@
     </p:spTree>
     <p:extLst>
       <p:ext uri="{BB962C8B-B14F-4D97-AF65-F5344CB8AC3E}">
-        <p14:creationId xmlns:p14="http://schemas.microsoft.com/office/powerpoint/2010/main" val="720376997"/>
+        <p14:creationId xmlns:p14="http://schemas.microsoft.com/office/powerpoint/2010/main" val="717472450"/>
       </p:ext>
     </p:extLst>
   </p:cSld>
@@ -8554,7 +8696,7 @@
     </p:spTree>
     <p:extLst>
       <p:ext uri="{BB962C8B-B14F-4D97-AF65-F5344CB8AC3E}">
-        <p14:creationId xmlns:p14="http://schemas.microsoft.com/office/powerpoint/2010/main" val="3993271772"/>
+        <p14:creationId xmlns:p14="http://schemas.microsoft.com/office/powerpoint/2010/main" val="623279571"/>
       </p:ext>
     </p:extLst>
   </p:cSld>
@@ -8608,23 +8750,6 @@
           <a:bodyPr/>
           <a:lstStyle/>
           <a:p>
-            <a:pPr marL="0" marR="0" lvl="0" indent="0" algn="l" defTabSz="914400" rtl="0" eaLnBrk="1" fontAlgn="auto" latinLnBrk="0" hangingPunct="1">
-              <a:lnSpc>
-                <a:spcPct val="100000"/>
-              </a:lnSpc>
-              <a:spcBef>
-                <a:spcPts val="0"/>
-              </a:spcBef>
-              <a:spcAft>
-                <a:spcPts val="0"/>
-              </a:spcAft>
-              <a:buClrTx/>
-              <a:buSzTx/>
-              <a:buFontTx/>
-              <a:buNone/>
-              <a:tabLst/>
-              <a:defRPr/>
-            </a:pPr>
             <a:endParaRPr lang="en-US" dirty="0"/>
           </a:p>
         </p:txBody>
@@ -8655,7 +8780,7 @@
     </p:spTree>
     <p:extLst>
       <p:ext uri="{BB962C8B-B14F-4D97-AF65-F5344CB8AC3E}">
-        <p14:creationId xmlns:p14="http://schemas.microsoft.com/office/powerpoint/2010/main" val="4122839721"/>
+        <p14:creationId xmlns:p14="http://schemas.microsoft.com/office/powerpoint/2010/main" val="3993271772"/>
       </p:ext>
     </p:extLst>
   </p:cSld>
@@ -8756,7 +8881,7 @@
     </p:spTree>
     <p:extLst>
       <p:ext uri="{BB962C8B-B14F-4D97-AF65-F5344CB8AC3E}">
-        <p14:creationId xmlns:p14="http://schemas.microsoft.com/office/powerpoint/2010/main" val="3516527266"/>
+        <p14:creationId xmlns:p14="http://schemas.microsoft.com/office/powerpoint/2010/main" val="4122839721"/>
       </p:ext>
     </p:extLst>
   </p:cSld>
@@ -8810,7 +8935,24 @@
           <a:bodyPr/>
           <a:lstStyle/>
           <a:p>
-            <a:endParaRPr lang="en-AU" dirty="0"/>
+            <a:pPr marL="0" marR="0" lvl="0" indent="0" algn="l" defTabSz="914400" rtl="0" eaLnBrk="1" fontAlgn="auto" latinLnBrk="0" hangingPunct="1">
+              <a:lnSpc>
+                <a:spcPct val="100000"/>
+              </a:lnSpc>
+              <a:spcBef>
+                <a:spcPts val="0"/>
+              </a:spcBef>
+              <a:spcAft>
+                <a:spcPts val="0"/>
+              </a:spcAft>
+              <a:buClrTx/>
+              <a:buSzTx/>
+              <a:buFontTx/>
+              <a:buNone/>
+              <a:tabLst/>
+              <a:defRPr/>
+            </a:pPr>
+            <a:endParaRPr lang="en-US" dirty="0"/>
           </a:p>
         </p:txBody>
       </p:sp>
@@ -8840,7 +8982,7 @@
     </p:spTree>
     <p:extLst>
       <p:ext uri="{BB962C8B-B14F-4D97-AF65-F5344CB8AC3E}">
-        <p14:creationId xmlns:p14="http://schemas.microsoft.com/office/powerpoint/2010/main" val="523960732"/>
+        <p14:creationId xmlns:p14="http://schemas.microsoft.com/office/powerpoint/2010/main" val="3516527266"/>
       </p:ext>
     </p:extLst>
   </p:cSld>
@@ -8924,7 +9066,7 @@
     </p:spTree>
     <p:extLst>
       <p:ext uri="{BB962C8B-B14F-4D97-AF65-F5344CB8AC3E}">
-        <p14:creationId xmlns:p14="http://schemas.microsoft.com/office/powerpoint/2010/main" val="2962366563"/>
+        <p14:creationId xmlns:p14="http://schemas.microsoft.com/office/powerpoint/2010/main" val="523960732"/>
       </p:ext>
     </p:extLst>
   </p:cSld>
@@ -9063,24 +9205,7 @@
           <a:bodyPr/>
           <a:lstStyle/>
           <a:p>
-            <a:pPr marL="0" marR="0" lvl="0" indent="0" algn="l" defTabSz="914400" rtl="0" eaLnBrk="1" fontAlgn="auto" latinLnBrk="0" hangingPunct="1">
-              <a:lnSpc>
-                <a:spcPct val="100000"/>
-              </a:lnSpc>
-              <a:spcBef>
-                <a:spcPts val="0"/>
-              </a:spcBef>
-              <a:spcAft>
-                <a:spcPts val="0"/>
-              </a:spcAft>
-              <a:buClrTx/>
-              <a:buSzTx/>
-              <a:buFontTx/>
-              <a:buNone/>
-              <a:tabLst/>
-              <a:defRPr/>
-            </a:pPr>
-            <a:endParaRPr lang="en-US" dirty="0"/>
+            <a:endParaRPr lang="en-AU" dirty="0"/>
           </a:p>
         </p:txBody>
       </p:sp>
@@ -9110,7 +9235,7 @@
     </p:spTree>
     <p:extLst>
       <p:ext uri="{BB962C8B-B14F-4D97-AF65-F5344CB8AC3E}">
-        <p14:creationId xmlns:p14="http://schemas.microsoft.com/office/powerpoint/2010/main" val="1859652453"/>
+        <p14:creationId xmlns:p14="http://schemas.microsoft.com/office/powerpoint/2010/main" val="2962366563"/>
       </p:ext>
     </p:extLst>
   </p:cSld>
@@ -9164,7 +9289,24 @@
           <a:bodyPr/>
           <a:lstStyle/>
           <a:p>
-            <a:endParaRPr lang="en-AU" dirty="0"/>
+            <a:pPr marL="0" marR="0" lvl="0" indent="0" algn="l" defTabSz="914400" rtl="0" eaLnBrk="1" fontAlgn="auto" latinLnBrk="0" hangingPunct="1">
+              <a:lnSpc>
+                <a:spcPct val="100000"/>
+              </a:lnSpc>
+              <a:spcBef>
+                <a:spcPts val="0"/>
+              </a:spcBef>
+              <a:spcAft>
+                <a:spcPts val="0"/>
+              </a:spcAft>
+              <a:buClrTx/>
+              <a:buSzTx/>
+              <a:buFontTx/>
+              <a:buNone/>
+              <a:tabLst/>
+              <a:defRPr/>
+            </a:pPr>
+            <a:endParaRPr lang="en-US" dirty="0"/>
           </a:p>
         </p:txBody>
       </p:sp>
@@ -9183,19 +9325,18 @@
           <a:bodyPr/>
           <a:lstStyle/>
           <a:p>
-            <a:fld id="{D37F8DB4-A4FF-4A8B-9A85-9B1874A58FCC}" type="slidenum">
-              <a:rPr lang="en-US" smtClean="0"/>
-              <a:pPr/>
+            <a:fld id="{DF030C05-EF6C-9847-8923-580D76870F8E}" type="slidenum">
+              <a:rPr lang="en-AU" smtClean="0"/>
               <a:t>31</a:t>
             </a:fld>
-            <a:endParaRPr lang="en-US"/>
+            <a:endParaRPr lang="en-AU"/>
           </a:p>
         </p:txBody>
       </p:sp>
     </p:spTree>
     <p:extLst>
       <p:ext uri="{BB962C8B-B14F-4D97-AF65-F5344CB8AC3E}">
-        <p14:creationId xmlns:p14="http://schemas.microsoft.com/office/powerpoint/2010/main" val="1923508754"/>
+        <p14:creationId xmlns:p14="http://schemas.microsoft.com/office/powerpoint/2010/main" val="1859652453"/>
       </p:ext>
     </p:extLst>
   </p:cSld>
@@ -9246,12 +9387,10 @@
         </p:nvSpPr>
         <p:spPr/>
         <p:txBody>
-          <a:bodyPr>
-            <a:normAutofit/>
-          </a:bodyPr>
+          <a:bodyPr/>
           <a:lstStyle/>
           <a:p>
-            <a:endParaRPr lang="en-US" dirty="0"/>
+            <a:endParaRPr lang="en-AU" dirty="0"/>
           </a:p>
         </p:txBody>
       </p:sp>
@@ -9262,7 +9401,7 @@
             <a:spLocks noGrp="1"/>
           </p:cNvSpPr>
           <p:nvPr>
-            <p:ph type="sldNum" sz="quarter" idx="10"/>
+            <p:ph type="sldNum" sz="quarter" idx="5"/>
           </p:nvPr>
         </p:nvSpPr>
         <p:spPr/>
@@ -9282,7 +9421,7 @@
     </p:spTree>
     <p:extLst>
       <p:ext uri="{BB962C8B-B14F-4D97-AF65-F5344CB8AC3E}">
-        <p14:creationId xmlns:p14="http://schemas.microsoft.com/office/powerpoint/2010/main" val="1192740998"/>
+        <p14:creationId xmlns:p14="http://schemas.microsoft.com/office/powerpoint/2010/main" val="1923508754"/>
       </p:ext>
     </p:extLst>
   </p:cSld>
@@ -9333,10 +9472,12 @@
         </p:nvSpPr>
         <p:spPr/>
         <p:txBody>
-          <a:bodyPr/>
+          <a:bodyPr>
+            <a:normAutofit/>
+          </a:bodyPr>
           <a:lstStyle/>
           <a:p>
-            <a:endParaRPr lang="en-AU" dirty="0"/>
+            <a:endParaRPr lang="en-US" dirty="0"/>
           </a:p>
         </p:txBody>
       </p:sp>
@@ -9347,7 +9488,7 @@
             <a:spLocks noGrp="1"/>
           </p:cNvSpPr>
           <p:nvPr>
-            <p:ph type="sldNum" sz="quarter" idx="5"/>
+            <p:ph type="sldNum" sz="quarter" idx="10"/>
           </p:nvPr>
         </p:nvSpPr>
         <p:spPr/>
@@ -9367,7 +9508,7 @@
     </p:spTree>
     <p:extLst>
       <p:ext uri="{BB962C8B-B14F-4D97-AF65-F5344CB8AC3E}">
-        <p14:creationId xmlns:p14="http://schemas.microsoft.com/office/powerpoint/2010/main" val="3656448575"/>
+        <p14:creationId xmlns:p14="http://schemas.microsoft.com/office/powerpoint/2010/main" val="1192740998"/>
       </p:ext>
     </p:extLst>
   </p:cSld>
@@ -9452,7 +9593,7 @@
     </p:spTree>
     <p:extLst>
       <p:ext uri="{BB962C8B-B14F-4D97-AF65-F5344CB8AC3E}">
-        <p14:creationId xmlns:p14="http://schemas.microsoft.com/office/powerpoint/2010/main" val="305382127"/>
+        <p14:creationId xmlns:p14="http://schemas.microsoft.com/office/powerpoint/2010/main" val="3656448575"/>
       </p:ext>
     </p:extLst>
   </p:cSld>
@@ -9506,23 +9647,6 @@
           <a:bodyPr/>
           <a:lstStyle/>
           <a:p>
-            <a:pPr marL="0" marR="0" lvl="0" indent="0" algn="l" defTabSz="914400" rtl="0" eaLnBrk="0" fontAlgn="base" latinLnBrk="0" hangingPunct="0">
-              <a:lnSpc>
-                <a:spcPct val="100000"/>
-              </a:lnSpc>
-              <a:spcBef>
-                <a:spcPct val="30000"/>
-              </a:spcBef>
-              <a:spcAft>
-                <a:spcPct val="0"/>
-              </a:spcAft>
-              <a:buClrTx/>
-              <a:buSzTx/>
-              <a:buFontTx/>
-              <a:buNone/>
-              <a:tabLst/>
-              <a:defRPr/>
-            </a:pPr>
             <a:endParaRPr lang="en-AU" dirty="0"/>
           </a:p>
         </p:txBody>
@@ -9554,7 +9678,7 @@
     </p:spTree>
     <p:extLst>
       <p:ext uri="{BB962C8B-B14F-4D97-AF65-F5344CB8AC3E}">
-        <p14:creationId xmlns:p14="http://schemas.microsoft.com/office/powerpoint/2010/main" val="1477636581"/>
+        <p14:creationId xmlns:p14="http://schemas.microsoft.com/office/powerpoint/2010/main" val="305382127"/>
       </p:ext>
     </p:extLst>
   </p:cSld>
@@ -9608,6 +9732,23 @@
           <a:bodyPr/>
           <a:lstStyle/>
           <a:p>
+            <a:pPr marL="0" marR="0" lvl="0" indent="0" algn="l" defTabSz="914400" rtl="0" eaLnBrk="0" fontAlgn="base" latinLnBrk="0" hangingPunct="0">
+              <a:lnSpc>
+                <a:spcPct val="100000"/>
+              </a:lnSpc>
+              <a:spcBef>
+                <a:spcPct val="30000"/>
+              </a:spcBef>
+              <a:spcAft>
+                <a:spcPct val="0"/>
+              </a:spcAft>
+              <a:buClrTx/>
+              <a:buSzTx/>
+              <a:buFontTx/>
+              <a:buNone/>
+              <a:tabLst/>
+              <a:defRPr/>
+            </a:pPr>
             <a:endParaRPr lang="en-AU" dirty="0"/>
           </a:p>
         </p:txBody>
@@ -9639,7 +9780,7 @@
     </p:spTree>
     <p:extLst>
       <p:ext uri="{BB962C8B-B14F-4D97-AF65-F5344CB8AC3E}">
-        <p14:creationId xmlns:p14="http://schemas.microsoft.com/office/powerpoint/2010/main" val="782674896"/>
+        <p14:creationId xmlns:p14="http://schemas.microsoft.com/office/powerpoint/2010/main" val="1477636581"/>
       </p:ext>
     </p:extLst>
   </p:cSld>
@@ -9724,7 +9865,7 @@
     </p:spTree>
     <p:extLst>
       <p:ext uri="{BB962C8B-B14F-4D97-AF65-F5344CB8AC3E}">
-        <p14:creationId xmlns:p14="http://schemas.microsoft.com/office/powerpoint/2010/main" val="233505234"/>
+        <p14:creationId xmlns:p14="http://schemas.microsoft.com/office/powerpoint/2010/main" val="782674896"/>
       </p:ext>
     </p:extLst>
   </p:cSld>
@@ -9809,7 +9950,7 @@
     </p:spTree>
     <p:extLst>
       <p:ext uri="{BB962C8B-B14F-4D97-AF65-F5344CB8AC3E}">
-        <p14:creationId xmlns:p14="http://schemas.microsoft.com/office/powerpoint/2010/main" val="1458356287"/>
+        <p14:creationId xmlns:p14="http://schemas.microsoft.com/office/powerpoint/2010/main" val="233505234"/>
       </p:ext>
     </p:extLst>
   </p:cSld>
@@ -9894,7 +10035,7 @@
     </p:spTree>
     <p:extLst>
       <p:ext uri="{BB962C8B-B14F-4D97-AF65-F5344CB8AC3E}">
-        <p14:creationId xmlns:p14="http://schemas.microsoft.com/office/powerpoint/2010/main" val="3486390267"/>
+        <p14:creationId xmlns:p14="http://schemas.microsoft.com/office/powerpoint/2010/main" val="1458356287"/>
       </p:ext>
     </p:extLst>
   </p:cSld>
@@ -10064,7 +10205,7 @@
     </p:spTree>
     <p:extLst>
       <p:ext uri="{BB962C8B-B14F-4D97-AF65-F5344CB8AC3E}">
-        <p14:creationId xmlns:p14="http://schemas.microsoft.com/office/powerpoint/2010/main" val="4163040115"/>
+        <p14:creationId xmlns:p14="http://schemas.microsoft.com/office/powerpoint/2010/main" val="3486390267"/>
       </p:ext>
     </p:extLst>
   </p:cSld>
@@ -10149,7 +10290,7 @@
     </p:spTree>
     <p:extLst>
       <p:ext uri="{BB962C8B-B14F-4D97-AF65-F5344CB8AC3E}">
-        <p14:creationId xmlns:p14="http://schemas.microsoft.com/office/powerpoint/2010/main" val="2549945664"/>
+        <p14:creationId xmlns:p14="http://schemas.microsoft.com/office/powerpoint/2010/main" val="4163040115"/>
       </p:ext>
     </p:extLst>
   </p:cSld>
@@ -10234,7 +10375,7 @@
     </p:spTree>
     <p:extLst>
       <p:ext uri="{BB962C8B-B14F-4D97-AF65-F5344CB8AC3E}">
-        <p14:creationId xmlns:p14="http://schemas.microsoft.com/office/powerpoint/2010/main" val="1094326721"/>
+        <p14:creationId xmlns:p14="http://schemas.microsoft.com/office/powerpoint/2010/main" val="2549945664"/>
       </p:ext>
     </p:extLst>
   </p:cSld>
@@ -10319,7 +10460,7 @@
     </p:spTree>
     <p:extLst>
       <p:ext uri="{BB962C8B-B14F-4D97-AF65-F5344CB8AC3E}">
-        <p14:creationId xmlns:p14="http://schemas.microsoft.com/office/powerpoint/2010/main" val="2646618230"/>
+        <p14:creationId xmlns:p14="http://schemas.microsoft.com/office/powerpoint/2010/main" val="1094326721"/>
       </p:ext>
     </p:extLst>
   </p:cSld>
@@ -10404,7 +10545,7 @@
     </p:spTree>
     <p:extLst>
       <p:ext uri="{BB962C8B-B14F-4D97-AF65-F5344CB8AC3E}">
-        <p14:creationId xmlns:p14="http://schemas.microsoft.com/office/powerpoint/2010/main" val="4118432395"/>
+        <p14:creationId xmlns:p14="http://schemas.microsoft.com/office/powerpoint/2010/main" val="2646618230"/>
       </p:ext>
     </p:extLst>
   </p:cSld>
@@ -10489,7 +10630,7 @@
     </p:spTree>
     <p:extLst>
       <p:ext uri="{BB962C8B-B14F-4D97-AF65-F5344CB8AC3E}">
-        <p14:creationId xmlns:p14="http://schemas.microsoft.com/office/powerpoint/2010/main" val="2238339791"/>
+        <p14:creationId xmlns:p14="http://schemas.microsoft.com/office/powerpoint/2010/main" val="4118432395"/>
       </p:ext>
     </p:extLst>
   </p:cSld>
@@ -10574,7 +10715,7 @@
     </p:spTree>
     <p:extLst>
       <p:ext uri="{BB962C8B-B14F-4D97-AF65-F5344CB8AC3E}">
-        <p14:creationId xmlns:p14="http://schemas.microsoft.com/office/powerpoint/2010/main" val="2676547407"/>
+        <p14:creationId xmlns:p14="http://schemas.microsoft.com/office/powerpoint/2010/main" val="2238339791"/>
       </p:ext>
     </p:extLst>
   </p:cSld>
@@ -10659,7 +10800,7 @@
     </p:spTree>
     <p:extLst>
       <p:ext uri="{BB962C8B-B14F-4D97-AF65-F5344CB8AC3E}">
-        <p14:creationId xmlns:p14="http://schemas.microsoft.com/office/powerpoint/2010/main" val="570652161"/>
+        <p14:creationId xmlns:p14="http://schemas.microsoft.com/office/powerpoint/2010/main" val="2676547407"/>
       </p:ext>
     </p:extLst>
   </p:cSld>
@@ -10713,7 +10854,7 @@
           <a:bodyPr/>
           <a:lstStyle/>
           <a:p>
-            <a:endParaRPr lang="en-US" dirty="0"/>
+            <a:endParaRPr lang="en-AU" dirty="0"/>
           </a:p>
         </p:txBody>
       </p:sp>
@@ -10744,7 +10885,7 @@
     </p:spTree>
     <p:extLst>
       <p:ext uri="{BB962C8B-B14F-4D97-AF65-F5344CB8AC3E}">
-        <p14:creationId xmlns:p14="http://schemas.microsoft.com/office/powerpoint/2010/main" val="2334659749"/>
+        <p14:creationId xmlns:p14="http://schemas.microsoft.com/office/powerpoint/2010/main" val="570652161"/>
       </p:ext>
     </p:extLst>
   </p:cSld>
@@ -10798,7 +10939,7 @@
           <a:bodyPr/>
           <a:lstStyle/>
           <a:p>
-            <a:endParaRPr lang="en-AU" dirty="0"/>
+            <a:endParaRPr lang="en-US" dirty="0"/>
           </a:p>
         </p:txBody>
       </p:sp>
@@ -10829,7 +10970,7 @@
     </p:spTree>
     <p:extLst>
       <p:ext uri="{BB962C8B-B14F-4D97-AF65-F5344CB8AC3E}">
-        <p14:creationId xmlns:p14="http://schemas.microsoft.com/office/powerpoint/2010/main" val="822918510"/>
+        <p14:creationId xmlns:p14="http://schemas.microsoft.com/office/powerpoint/2010/main" val="2334659749"/>
       </p:ext>
     </p:extLst>
   </p:cSld>
@@ -10999,7 +11140,7 @@
     </p:spTree>
     <p:extLst>
       <p:ext uri="{BB962C8B-B14F-4D97-AF65-F5344CB8AC3E}">
-        <p14:creationId xmlns:p14="http://schemas.microsoft.com/office/powerpoint/2010/main" val="731741441"/>
+        <p14:creationId xmlns:p14="http://schemas.microsoft.com/office/powerpoint/2010/main" val="822918510"/>
       </p:ext>
     </p:extLst>
   </p:cSld>
@@ -11084,7 +11225,7 @@
     </p:spTree>
     <p:extLst>
       <p:ext uri="{BB962C8B-B14F-4D97-AF65-F5344CB8AC3E}">
-        <p14:creationId xmlns:p14="http://schemas.microsoft.com/office/powerpoint/2010/main" val="2073283384"/>
+        <p14:creationId xmlns:p14="http://schemas.microsoft.com/office/powerpoint/2010/main" val="731741441"/>
       </p:ext>
     </p:extLst>
   </p:cSld>
@@ -11169,7 +11310,7 @@
     </p:spTree>
     <p:extLst>
       <p:ext uri="{BB962C8B-B14F-4D97-AF65-F5344CB8AC3E}">
-        <p14:creationId xmlns:p14="http://schemas.microsoft.com/office/powerpoint/2010/main" val="271480734"/>
+        <p14:creationId xmlns:p14="http://schemas.microsoft.com/office/powerpoint/2010/main" val="2073283384"/>
       </p:ext>
     </p:extLst>
   </p:cSld>
@@ -11223,7 +11364,7 @@
           <a:bodyPr/>
           <a:lstStyle/>
           <a:p>
-            <a:endParaRPr lang="en-US" dirty="0"/>
+            <a:endParaRPr lang="en-AU" dirty="0"/>
           </a:p>
         </p:txBody>
       </p:sp>
@@ -11242,18 +11383,19 @@
           <a:bodyPr/>
           <a:lstStyle/>
           <a:p>
-            <a:fld id="{DF030C05-EF6C-9847-8923-580D76870F8E}" type="slidenum">
-              <a:rPr lang="en-AU" smtClean="0"/>
+            <a:fld id="{D37F8DB4-A4FF-4A8B-9A85-9B1874A58FCC}" type="slidenum">
+              <a:rPr lang="en-US" smtClean="0"/>
+              <a:pPr/>
               <a:t>53</a:t>
             </a:fld>
-            <a:endParaRPr lang="en-AU"/>
+            <a:endParaRPr lang="en-US"/>
           </a:p>
         </p:txBody>
       </p:sp>
     </p:spTree>
     <p:extLst>
       <p:ext uri="{BB962C8B-B14F-4D97-AF65-F5344CB8AC3E}">
-        <p14:creationId xmlns:p14="http://schemas.microsoft.com/office/powerpoint/2010/main" val="1480072644"/>
+        <p14:creationId xmlns:p14="http://schemas.microsoft.com/office/powerpoint/2010/main" val="271480734"/>
       </p:ext>
     </p:extLst>
   </p:cSld>
@@ -11337,7 +11479,7 @@
     </p:spTree>
     <p:extLst>
       <p:ext uri="{BB962C8B-B14F-4D97-AF65-F5344CB8AC3E}">
-        <p14:creationId xmlns:p14="http://schemas.microsoft.com/office/powerpoint/2010/main" val="1325998505"/>
+        <p14:creationId xmlns:p14="http://schemas.microsoft.com/office/powerpoint/2010/main" val="1480072644"/>
       </p:ext>
     </p:extLst>
   </p:cSld>
@@ -11421,7 +11563,7 @@
     </p:spTree>
     <p:extLst>
       <p:ext uri="{BB962C8B-B14F-4D97-AF65-F5344CB8AC3E}">
-        <p14:creationId xmlns:p14="http://schemas.microsoft.com/office/powerpoint/2010/main" val="563280493"/>
+        <p14:creationId xmlns:p14="http://schemas.microsoft.com/office/powerpoint/2010/main" val="1325998505"/>
       </p:ext>
     </p:extLst>
   </p:cSld>
@@ -11505,7 +11647,7 @@
     </p:spTree>
     <p:extLst>
       <p:ext uri="{BB962C8B-B14F-4D97-AF65-F5344CB8AC3E}">
-        <p14:creationId xmlns:p14="http://schemas.microsoft.com/office/powerpoint/2010/main" val="4181108919"/>
+        <p14:creationId xmlns:p14="http://schemas.microsoft.com/office/powerpoint/2010/main" val="563280493"/>
       </p:ext>
     </p:extLst>
   </p:cSld>
@@ -11589,7 +11731,7 @@
     </p:spTree>
     <p:extLst>
       <p:ext uri="{BB962C8B-B14F-4D97-AF65-F5344CB8AC3E}">
-        <p14:creationId xmlns:p14="http://schemas.microsoft.com/office/powerpoint/2010/main" val="532813371"/>
+        <p14:creationId xmlns:p14="http://schemas.microsoft.com/office/powerpoint/2010/main" val="4181108919"/>
       </p:ext>
     </p:extLst>
   </p:cSld>
@@ -11673,7 +11815,7 @@
     </p:spTree>
     <p:extLst>
       <p:ext uri="{BB962C8B-B14F-4D97-AF65-F5344CB8AC3E}">
-        <p14:creationId xmlns:p14="http://schemas.microsoft.com/office/powerpoint/2010/main" val="2248831061"/>
+        <p14:creationId xmlns:p14="http://schemas.microsoft.com/office/powerpoint/2010/main" val="532813371"/>
       </p:ext>
     </p:extLst>
   </p:cSld>
@@ -11757,7 +11899,7 @@
     </p:spTree>
     <p:extLst>
       <p:ext uri="{BB962C8B-B14F-4D97-AF65-F5344CB8AC3E}">
-        <p14:creationId xmlns:p14="http://schemas.microsoft.com/office/powerpoint/2010/main" val="830041600"/>
+        <p14:creationId xmlns:p14="http://schemas.microsoft.com/office/powerpoint/2010/main" val="2248831061"/>
       </p:ext>
     </p:extLst>
   </p:cSld>
@@ -11794,12 +11936,7 @@
             <p:ph type="sldImg"/>
           </p:nvPr>
         </p:nvSpPr>
-        <p:spPr>
-          <a:xfrm>
-            <a:off x="2971800" y="549275"/>
-            <a:ext cx="3657600" cy="2743200"/>
-          </a:xfrm>
-        </p:spPr>
+        <p:spPr/>
       </p:sp>
       <p:sp>
         <p:nvSpPr>
@@ -11813,29 +11950,10 @@
         </p:nvSpPr>
         <p:spPr/>
         <p:txBody>
-          <a:bodyPr>
-            <a:normAutofit/>
-          </a:bodyPr>
+          <a:bodyPr/>
           <a:lstStyle/>
           <a:p>
-            <a:pPr marL="0" marR="0" lvl="0" indent="0" algn="l" defTabSz="914400" rtl="0" eaLnBrk="0" fontAlgn="base" latinLnBrk="0" hangingPunct="0">
-              <a:lnSpc>
-                <a:spcPct val="100000"/>
-              </a:lnSpc>
-              <a:spcBef>
-                <a:spcPct val="30000"/>
-              </a:spcBef>
-              <a:spcAft>
-                <a:spcPct val="0"/>
-              </a:spcAft>
-              <a:buClrTx/>
-              <a:buSzTx/>
-              <a:buFontTx/>
-              <a:buNone/>
-              <a:tabLst/>
-              <a:defRPr/>
-            </a:pPr>
-            <a:endParaRPr lang="en-US" dirty="0"/>
+            <a:endParaRPr lang="en-AU" dirty="0"/>
           </a:p>
         </p:txBody>
       </p:sp>
@@ -11846,7 +11964,7 @@
             <a:spLocks noGrp="1"/>
           </p:cNvSpPr>
           <p:nvPr>
-            <p:ph type="sldNum" sz="quarter" idx="10"/>
+            <p:ph type="sldNum" sz="quarter" idx="5"/>
           </p:nvPr>
         </p:nvSpPr>
         <p:spPr/>
@@ -11866,7 +11984,7 @@
     </p:spTree>
     <p:extLst>
       <p:ext uri="{BB962C8B-B14F-4D97-AF65-F5344CB8AC3E}">
-        <p14:creationId xmlns:p14="http://schemas.microsoft.com/office/powerpoint/2010/main" val="2942332525"/>
+        <p14:creationId xmlns:p14="http://schemas.microsoft.com/office/powerpoint/2010/main" val="3642800469"/>
       </p:ext>
     </p:extLst>
   </p:cSld>
@@ -11950,7 +12068,7 @@
     </p:spTree>
     <p:extLst>
       <p:ext uri="{BB962C8B-B14F-4D97-AF65-F5344CB8AC3E}">
-        <p14:creationId xmlns:p14="http://schemas.microsoft.com/office/powerpoint/2010/main" val="1346535050"/>
+        <p14:creationId xmlns:p14="http://schemas.microsoft.com/office/powerpoint/2010/main" val="830041600"/>
       </p:ext>
     </p:extLst>
   </p:cSld>
@@ -12034,7 +12152,7 @@
     </p:spTree>
     <p:extLst>
       <p:ext uri="{BB962C8B-B14F-4D97-AF65-F5344CB8AC3E}">
-        <p14:creationId xmlns:p14="http://schemas.microsoft.com/office/powerpoint/2010/main" val="1604400099"/>
+        <p14:creationId xmlns:p14="http://schemas.microsoft.com/office/powerpoint/2010/main" val="1346535050"/>
       </p:ext>
     </p:extLst>
   </p:cSld>
@@ -12118,7 +12236,7 @@
     </p:spTree>
     <p:extLst>
       <p:ext uri="{BB962C8B-B14F-4D97-AF65-F5344CB8AC3E}">
-        <p14:creationId xmlns:p14="http://schemas.microsoft.com/office/powerpoint/2010/main" val="1767535874"/>
+        <p14:creationId xmlns:p14="http://schemas.microsoft.com/office/powerpoint/2010/main" val="1604400099"/>
       </p:ext>
     </p:extLst>
   </p:cSld>
@@ -12172,7 +12290,7 @@
           <a:bodyPr/>
           <a:lstStyle/>
           <a:p>
-            <a:endParaRPr lang="en-AU" dirty="0"/>
+            <a:endParaRPr lang="en-US" dirty="0"/>
           </a:p>
         </p:txBody>
       </p:sp>
@@ -12194,6 +12312,90 @@
             <a:fld id="{DF030C05-EF6C-9847-8923-580D76870F8E}" type="slidenum">
               <a:rPr lang="en-AU" smtClean="0"/>
               <a:t>63</a:t>
+            </a:fld>
+            <a:endParaRPr lang="en-AU"/>
+          </a:p>
+        </p:txBody>
+      </p:sp>
+    </p:spTree>
+    <p:extLst>
+      <p:ext uri="{BB962C8B-B14F-4D97-AF65-F5344CB8AC3E}">
+        <p14:creationId xmlns:p14="http://schemas.microsoft.com/office/powerpoint/2010/main" val="1767535874"/>
+      </p:ext>
+    </p:extLst>
+  </p:cSld>
+  <p:clrMapOvr>
+    <a:masterClrMapping/>
+  </p:clrMapOvr>
+</p:notes>
+</file>
+
+<file path=ppt/notesSlides/notesSlide64.xml><?xml version="1.0" encoding="utf-8"?>
+<p:notes xmlns:a="http://schemas.openxmlformats.org/drawingml/2006/main" xmlns:r="http://schemas.openxmlformats.org/officeDocument/2006/relationships" xmlns:p="http://schemas.openxmlformats.org/presentationml/2006/main">
+  <p:cSld>
+    <p:spTree>
+      <p:nvGrpSpPr>
+        <p:cNvPr id="1" name=""/>
+        <p:cNvGrpSpPr/>
+        <p:nvPr/>
+      </p:nvGrpSpPr>
+      <p:grpSpPr>
+        <a:xfrm>
+          <a:off x="0" y="0"/>
+          <a:ext cx="0" cy="0"/>
+          <a:chOff x="0" y="0"/>
+          <a:chExt cx="0" cy="0"/>
+        </a:xfrm>
+      </p:grpSpPr>
+      <p:sp>
+        <p:nvSpPr>
+          <p:cNvPr id="2" name="Slide Image Placeholder 1"/>
+          <p:cNvSpPr>
+            <a:spLocks noGrp="1" noRot="1" noChangeAspect="1"/>
+          </p:cNvSpPr>
+          <p:nvPr>
+            <p:ph type="sldImg"/>
+          </p:nvPr>
+        </p:nvSpPr>
+        <p:spPr/>
+      </p:sp>
+      <p:sp>
+        <p:nvSpPr>
+          <p:cNvPr id="3" name="Notes Placeholder 2"/>
+          <p:cNvSpPr>
+            <a:spLocks noGrp="1"/>
+          </p:cNvSpPr>
+          <p:nvPr>
+            <p:ph type="body" idx="1"/>
+          </p:nvPr>
+        </p:nvSpPr>
+        <p:spPr/>
+        <p:txBody>
+          <a:bodyPr/>
+          <a:lstStyle/>
+          <a:p>
+            <a:endParaRPr lang="en-AU" dirty="0"/>
+          </a:p>
+        </p:txBody>
+      </p:sp>
+      <p:sp>
+        <p:nvSpPr>
+          <p:cNvPr id="4" name="Slide Number Placeholder 3"/>
+          <p:cNvSpPr>
+            <a:spLocks noGrp="1"/>
+          </p:cNvSpPr>
+          <p:nvPr>
+            <p:ph type="sldNum" sz="quarter" idx="5"/>
+          </p:nvPr>
+        </p:nvSpPr>
+        <p:spPr/>
+        <p:txBody>
+          <a:bodyPr/>
+          <a:lstStyle/>
+          <a:p>
+            <a:fld id="{DF030C05-EF6C-9847-8923-580D76870F8E}" type="slidenum">
+              <a:rPr lang="en-AU" smtClean="0"/>
+              <a:t>64</a:t>
             </a:fld>
             <a:endParaRPr lang="en-AU"/>
           </a:p>
@@ -12239,7 +12441,12 @@
             <p:ph type="sldImg"/>
           </p:nvPr>
         </p:nvSpPr>
-        <p:spPr/>
+        <p:spPr>
+          <a:xfrm>
+            <a:off x="2971800" y="549275"/>
+            <a:ext cx="3657600" cy="2743200"/>
+          </a:xfrm>
+        </p:spPr>
       </p:sp>
       <p:sp>
         <p:nvSpPr>
@@ -12253,10 +12460,29 @@
         </p:nvSpPr>
         <p:spPr/>
         <p:txBody>
-          <a:bodyPr/>
+          <a:bodyPr>
+            <a:normAutofit/>
+          </a:bodyPr>
           <a:lstStyle/>
           <a:p>
-            <a:endParaRPr lang="en-AU" dirty="0"/>
+            <a:pPr marL="0" marR="0" lvl="0" indent="0" algn="l" defTabSz="914400" rtl="0" eaLnBrk="0" fontAlgn="base" latinLnBrk="0" hangingPunct="0">
+              <a:lnSpc>
+                <a:spcPct val="100000"/>
+              </a:lnSpc>
+              <a:spcBef>
+                <a:spcPct val="30000"/>
+              </a:spcBef>
+              <a:spcAft>
+                <a:spcPct val="0"/>
+              </a:spcAft>
+              <a:buClrTx/>
+              <a:buSzTx/>
+              <a:buFontTx/>
+              <a:buNone/>
+              <a:tabLst/>
+              <a:defRPr/>
+            </a:pPr>
+            <a:endParaRPr lang="en-US" dirty="0"/>
           </a:p>
         </p:txBody>
       </p:sp>
@@ -12267,7 +12493,7 @@
             <a:spLocks noGrp="1"/>
           </p:cNvSpPr>
           <p:nvPr>
-            <p:ph type="sldNum" sz="quarter" idx="5"/>
+            <p:ph type="sldNum" sz="quarter" idx="10"/>
           </p:nvPr>
         </p:nvSpPr>
         <p:spPr/>
@@ -12287,7 +12513,7 @@
     </p:spTree>
     <p:extLst>
       <p:ext uri="{BB962C8B-B14F-4D97-AF65-F5344CB8AC3E}">
-        <p14:creationId xmlns:p14="http://schemas.microsoft.com/office/powerpoint/2010/main" val="2338710562"/>
+        <p14:creationId xmlns:p14="http://schemas.microsoft.com/office/powerpoint/2010/main" val="2942332525"/>
       </p:ext>
     </p:extLst>
   </p:cSld>
@@ -12372,7 +12598,7 @@
     </p:spTree>
     <p:extLst>
       <p:ext uri="{BB962C8B-B14F-4D97-AF65-F5344CB8AC3E}">
-        <p14:creationId xmlns:p14="http://schemas.microsoft.com/office/powerpoint/2010/main" val="613155554"/>
+        <p14:creationId xmlns:p14="http://schemas.microsoft.com/office/powerpoint/2010/main" val="2338710562"/>
       </p:ext>
     </p:extLst>
   </p:cSld>
@@ -12426,23 +12652,6 @@
           <a:bodyPr/>
           <a:lstStyle/>
           <a:p>
-            <a:pPr marL="0" marR="0" lvl="0" indent="0" algn="l" defTabSz="914400" rtl="0" eaLnBrk="0" fontAlgn="base" latinLnBrk="0" hangingPunct="0">
-              <a:lnSpc>
-                <a:spcPct val="100000"/>
-              </a:lnSpc>
-              <a:spcBef>
-                <a:spcPct val="30000"/>
-              </a:spcBef>
-              <a:spcAft>
-                <a:spcPct val="0"/>
-              </a:spcAft>
-              <a:buClrTx/>
-              <a:buSzTx/>
-              <a:buFontTx/>
-              <a:buNone/>
-              <a:tabLst/>
-              <a:defRPr/>
-            </a:pPr>
             <a:endParaRPr lang="en-AU" dirty="0"/>
           </a:p>
         </p:txBody>
@@ -12474,7 +12683,7 @@
     </p:spTree>
     <p:extLst>
       <p:ext uri="{BB962C8B-B14F-4D97-AF65-F5344CB8AC3E}">
-        <p14:creationId xmlns:p14="http://schemas.microsoft.com/office/powerpoint/2010/main" val="1290149906"/>
+        <p14:creationId xmlns:p14="http://schemas.microsoft.com/office/powerpoint/2010/main" val="613155554"/>
       </p:ext>
     </p:extLst>
   </p:cSld>
@@ -15275,102 +15484,40 @@
           <a:chExt cx="0" cy="0"/>
         </a:xfrm>
       </p:grpSpPr>
-      <p:sp>
-        <p:nvSpPr>
-          <p:cNvPr id="2" name="Title 1">
+      <p:pic>
+        <p:nvPicPr>
+          <p:cNvPr id="7" name="Picture 6">
             <a:extLst>
               <a:ext uri="{FF2B5EF4-FFF2-40B4-BE49-F238E27FC236}">
-                <a16:creationId xmlns:a16="http://schemas.microsoft.com/office/drawing/2014/main" id="{5C4F01C5-5333-2248-B03B-703C97F7CC69}"/>
+                <a16:creationId xmlns:a16="http://schemas.microsoft.com/office/drawing/2014/main" id="{8315676F-44F3-4F0B-9E9F-723A549E6B82}"/>
               </a:ext>
             </a:extLst>
           </p:cNvPr>
-          <p:cNvSpPr>
-            <a:spLocks noGrp="1"/>
-          </p:cNvSpPr>
-          <p:nvPr>
-            <p:ph type="title"/>
-          </p:nvPr>
-        </p:nvSpPr>
+          <p:cNvPicPr>
+            <a:picLocks noChangeAspect="1"/>
+          </p:cNvPicPr>
+          <p:nvPr/>
+        </p:nvPicPr>
+        <p:blipFill>
+          <a:blip r:embed="rId3"/>
+          <a:stretch>
+            <a:fillRect/>
+          </a:stretch>
+        </p:blipFill>
         <p:spPr>
           <a:xfrm>
-            <a:off x="628650" y="365127"/>
-            <a:ext cx="7886700" cy="1118234"/>
+            <a:off x="1028205" y="966444"/>
+            <a:ext cx="7087589" cy="4925112"/>
           </a:xfrm>
+          <a:prstGeom prst="rect">
+            <a:avLst/>
+          </a:prstGeom>
         </p:spPr>
-        <p:txBody>
-          <a:bodyPr/>
-          <a:lstStyle/>
-          <a:p>
-            <a:r>
-              <a:rPr lang="en-AU" b="1" dirty="0"/>
-              <a:t>Pre-Requisites and Target Audience</a:t>
-            </a:r>
-          </a:p>
-        </p:txBody>
-      </p:sp>
-      <p:sp>
-        <p:nvSpPr>
-          <p:cNvPr id="3" name="Content Placeholder 2">
-            <a:extLst>
-              <a:ext uri="{FF2B5EF4-FFF2-40B4-BE49-F238E27FC236}">
-                <a16:creationId xmlns:a16="http://schemas.microsoft.com/office/drawing/2014/main" id="{F7DD7DCB-C7E2-1B4F-BD83-3B7AF005DD76}"/>
-              </a:ext>
-            </a:extLst>
-          </p:cNvPr>
-          <p:cNvSpPr>
-            <a:spLocks noGrp="1"/>
-          </p:cNvSpPr>
-          <p:nvPr>
-            <p:ph idx="1"/>
-          </p:nvPr>
-        </p:nvSpPr>
-        <p:spPr>
-          <a:xfrm>
-            <a:off x="628650" y="1638058"/>
-            <a:ext cx="8271510" cy="4254742"/>
-          </a:xfrm>
-        </p:spPr>
-        <p:txBody>
-          <a:bodyPr>
-            <a:normAutofit/>
-          </a:bodyPr>
-          <a:lstStyle/>
-          <a:p>
-            <a:r>
-              <a:rPr lang="en-AU" sz="2400" dirty="0">
-                <a:cs typeface="Arial" panose="020B0604020202020204" pitchFamily="34" charset="0"/>
-              </a:rPr>
-              <a:t>There will be some coding in this unit and 12 points of programming-based units are required. </a:t>
-            </a:r>
-          </a:p>
-          <a:p>
-            <a:endParaRPr lang="en-AU" sz="2400" dirty="0">
-              <a:cs typeface="Arial" panose="020B0604020202020204" pitchFamily="34" charset="0"/>
-            </a:endParaRPr>
-          </a:p>
-          <a:p>
-            <a:r>
-              <a:rPr lang="en-AU" sz="2400" dirty="0">
-                <a:cs typeface="Arial" panose="020B0604020202020204" pitchFamily="34" charset="0"/>
-              </a:rPr>
-              <a:t>Most students enrolled in the unit are from MIT and should have some computer-science background. </a:t>
-            </a:r>
-          </a:p>
-          <a:p>
-            <a:pPr marL="27675" indent="0">
-              <a:buNone/>
-            </a:pPr>
-            <a:endParaRPr lang="en-AU" dirty="0">
-              <a:latin typeface="Arial" panose="020B0604020202020204" pitchFamily="34" charset="0"/>
-              <a:cs typeface="Arial" panose="020B0604020202020204" pitchFamily="34" charset="0"/>
-            </a:endParaRPr>
-          </a:p>
-        </p:txBody>
-      </p:sp>
+      </p:pic>
     </p:spTree>
     <p:extLst>
       <p:ext uri="{BB962C8B-B14F-4D97-AF65-F5344CB8AC3E}">
-        <p14:creationId xmlns:p14="http://schemas.microsoft.com/office/powerpoint/2010/main" val="3503711615"/>
+        <p14:creationId xmlns:p14="http://schemas.microsoft.com/office/powerpoint/2010/main" val="923056585"/>
       </p:ext>
     </p:extLst>
   </p:cSld>
@@ -17804,10 +17951,10 @@
       </p:sp>
       <p:pic>
         <p:nvPicPr>
-          <p:cNvPr id="7" name="Picture 6">
+          <p:cNvPr id="6" name="Picture 5">
             <a:extLst>
               <a:ext uri="{FF2B5EF4-FFF2-40B4-BE49-F238E27FC236}">
-                <a16:creationId xmlns:a16="http://schemas.microsoft.com/office/drawing/2014/main" id="{2CEFF862-67E9-4DD9-AFE2-4649A5AA068F}"/>
+                <a16:creationId xmlns:a16="http://schemas.microsoft.com/office/drawing/2014/main" id="{53CB722F-7C0A-4239-99AB-AC2AE1051B98}"/>
               </a:ext>
             </a:extLst>
           </p:cNvPr>
@@ -17824,8 +17971,8 @@
         </p:blipFill>
         <p:spPr>
           <a:xfrm>
-            <a:off x="485369" y="4112585"/>
-            <a:ext cx="5811061" cy="1495634"/>
+            <a:off x="428515" y="4256369"/>
+            <a:ext cx="5763429" cy="1438476"/>
           </a:xfrm>
           <a:prstGeom prst="rect">
             <a:avLst/>
@@ -18381,17 +18528,8 @@
               <a:rPr lang="en-AU" sz="2100" dirty="0">
                 <a:cs typeface="Arial" panose="020B0604020202020204" pitchFamily="34" charset="0"/>
               </a:rPr>
-              <a:t>Lab 1 provides </a:t>
-            </a:r>
-            <a:r>
-              <a:rPr lang="en-AU" sz="2100">
-                <a:cs typeface="Arial" panose="020B0604020202020204" pitchFamily="34" charset="0"/>
-              </a:rPr>
-              <a:t>the portal.</a:t>
-            </a:r>
-            <a:endParaRPr lang="en-AU" sz="2100" dirty="0">
-              <a:cs typeface="Arial" panose="020B0604020202020204" pitchFamily="34" charset="0"/>
-            </a:endParaRPr>
+              <a:t>Lab 1 provides the portal.</a:t>
+            </a:r>
           </a:p>
           <a:p>
             <a:pPr lvl="2"/>
@@ -19007,13 +19145,13 @@
               <a:rPr lang="en-AU" dirty="0">
                 <a:cs typeface="Arial" panose="020B0604020202020204" pitchFamily="34" charset="0"/>
               </a:rPr>
-              <a:t>The labs are related to docker, </a:t>
+              <a:t>The labs are related to docker,</a:t>
             </a:r>
             <a:r>
               <a:rPr lang="en-US" dirty="0">
                 <a:cs typeface="Arial" panose="020B0604020202020204" pitchFamily="34" charset="0"/>
               </a:rPr>
-              <a:t>VirtualBox, Ubuntu OS, etc.</a:t>
+              <a:t> Ubuntu OS, etc.</a:t>
             </a:r>
             <a:endParaRPr lang="en-AU" dirty="0">
               <a:cs typeface="Arial" panose="020B0604020202020204" pitchFamily="34" charset="0"/>
@@ -19297,7 +19435,7 @@
               </a:lnSpc>
             </a:pPr>
             <a:r>
-              <a:rPr lang="en-US" sz="2000" dirty="0"/>
+              <a:rPr lang="en-US" sz="2200" dirty="0"/>
               <a:t>Every lab report is marked as follows:</a:t>
             </a:r>
           </a:p>
@@ -19310,13 +19448,31 @@
               <a:buChar char="Ø"/>
             </a:pPr>
             <a:r>
-              <a:rPr lang="en-US" sz="2000" b="0" i="0" u="none" strike="noStrike" dirty="0">
+              <a:rPr lang="en-US" sz="2200" b="0" i="0" u="none" strike="noStrike" dirty="0">
                 <a:solidFill>
                   <a:srgbClr val="000000"/>
                 </a:solidFill>
                 <a:effectLst/>
               </a:rPr>
-              <a:t>A structured description (15%). </a:t>
+              <a:t>A structured </a:t>
+            </a:r>
+            <a:r>
+              <a:rPr lang="en-US" altLang="zh-CN" sz="2200" b="0" i="0" u="none" strike="noStrike" dirty="0">
+                <a:solidFill>
+                  <a:srgbClr val="000000"/>
+                </a:solidFill>
+                <a:effectLst/>
+              </a:rPr>
+              <a:t>presentation</a:t>
+            </a:r>
+            <a:r>
+              <a:rPr lang="en-US" sz="2200" b="0" i="0" u="none" strike="noStrike" dirty="0">
+                <a:solidFill>
+                  <a:srgbClr val="000000"/>
+                </a:solidFill>
+                <a:effectLst/>
+              </a:rPr>
+              <a:t> (15%). </a:t>
             </a:r>
           </a:p>
           <a:p>
@@ -19328,218 +19484,36 @@
               <a:buChar char="Ø"/>
             </a:pPr>
             <a:r>
-              <a:rPr lang="en-US" sz="2000" dirty="0">
+              <a:rPr lang="en-US" sz="2200" b="0" i="0" u="none" strike="noStrike" dirty="0">
                 <a:solidFill>
                   <a:srgbClr val="000000"/>
                 </a:solidFill>
+                <a:effectLst/>
               </a:rPr>
               <a:t>A clear step-by-step with detailed descriptions (85%).</a:t>
             </a:r>
-            <a:endParaRPr lang="en-US" sz="2000" b="0" i="0" u="none" strike="noStrike" dirty="0">
-              <a:solidFill>
-                <a:srgbClr val="000000"/>
-              </a:solidFill>
-              <a:effectLst/>
-            </a:endParaRPr>
+          </a:p>
+          <a:p>
+            <a:pPr marL="0" indent="0">
+              <a:lnSpc>
+                <a:spcPct val="100000"/>
+              </a:lnSpc>
+              <a:buNone/>
+            </a:pPr>
+            <a:endParaRPr lang="en-US" sz="2200" dirty="0"/>
           </a:p>
         </p:txBody>
       </p:sp>
-      <p:pic>
-        <p:nvPicPr>
-          <p:cNvPr id="5" name="Picture 4">
-            <a:extLst>
-              <a:ext uri="{FF2B5EF4-FFF2-40B4-BE49-F238E27FC236}">
-                <a16:creationId xmlns:a16="http://schemas.microsoft.com/office/drawing/2014/main" id="{5630D9FE-C2FD-4BC4-A94C-4CF4484B4546}"/>
-              </a:ext>
-            </a:extLst>
-          </p:cNvPr>
-          <p:cNvPicPr>
-            <a:picLocks noChangeAspect="1"/>
-          </p:cNvPicPr>
-          <p:nvPr/>
-        </p:nvPicPr>
-        <p:blipFill>
-          <a:blip r:embed="rId3"/>
-          <a:stretch>
-            <a:fillRect/>
-          </a:stretch>
-        </p:blipFill>
-        <p:spPr>
-          <a:xfrm>
-            <a:off x="1958686" y="2330825"/>
-            <a:ext cx="5670836" cy="3901576"/>
-          </a:xfrm>
-          <a:prstGeom prst="rect">
-            <a:avLst/>
-          </a:prstGeom>
-        </p:spPr>
-      </p:pic>
-      <p:pic>
-        <p:nvPicPr>
-          <p:cNvPr id="7" name="Picture 6">
-            <a:extLst>
-              <a:ext uri="{FF2B5EF4-FFF2-40B4-BE49-F238E27FC236}">
-                <a16:creationId xmlns:a16="http://schemas.microsoft.com/office/drawing/2014/main" id="{D83EF22A-4C53-486E-979E-B2316E166363}"/>
-              </a:ext>
-            </a:extLst>
-          </p:cNvPr>
-          <p:cNvPicPr>
-            <a:picLocks noChangeAspect="1"/>
-          </p:cNvPicPr>
-          <p:nvPr/>
-        </p:nvPicPr>
-        <p:blipFill>
-          <a:blip r:embed="rId4">
-            <a:extLst>
-              <a:ext uri="{28A0092B-C50C-407E-A947-70E740481C1C}">
-                <a14:useLocalDpi xmlns:a14="http://schemas.microsoft.com/office/drawing/2010/main" val="0"/>
-              </a:ext>
-            </a:extLst>
-          </a:blip>
-          <a:stretch>
-            <a:fillRect/>
-          </a:stretch>
-        </p:blipFill>
-        <p:spPr>
-          <a:xfrm>
-            <a:off x="1292374" y="2114501"/>
-            <a:ext cx="5892940" cy="4054386"/>
-          </a:xfrm>
-          <a:prstGeom prst="rect">
-            <a:avLst/>
-          </a:prstGeom>
-        </p:spPr>
-      </p:pic>
     </p:spTree>
     <p:extLst>
       <p:ext uri="{BB962C8B-B14F-4D97-AF65-F5344CB8AC3E}">
-        <p14:creationId xmlns:p14="http://schemas.microsoft.com/office/powerpoint/2010/main" val="704996335"/>
+        <p14:creationId xmlns:p14="http://schemas.microsoft.com/office/powerpoint/2010/main" val="4126946887"/>
       </p:ext>
     </p:extLst>
   </p:cSld>
   <p:clrMapOvr>
     <a:masterClrMapping/>
   </p:clrMapOvr>
-  <p:timing>
-    <p:tnLst>
-      <p:par>
-        <p:cTn id="1" dur="indefinite" restart="never" nodeType="tmRoot">
-          <p:childTnLst>
-            <p:seq concurrent="1" nextAc="seek">
-              <p:cTn id="2" dur="indefinite" nodeType="mainSeq">
-                <p:childTnLst>
-                  <p:par>
-                    <p:cTn id="3" fill="hold">
-                      <p:stCondLst>
-                        <p:cond delay="indefinite"/>
-                      </p:stCondLst>
-                      <p:childTnLst>
-                        <p:par>
-                          <p:cTn id="4" fill="hold">
-                            <p:stCondLst>
-                              <p:cond delay="0"/>
-                            </p:stCondLst>
-                            <p:childTnLst>
-                              <p:par>
-                                <p:cTn id="5" presetID="1" presetClass="exit" presetSubtype="0" fill="hold" nodeType="clickEffect">
-                                  <p:stCondLst>
-                                    <p:cond delay="0"/>
-                                  </p:stCondLst>
-                                  <p:childTnLst>
-                                    <p:set>
-                                      <p:cBhvr>
-                                        <p:cTn id="6" dur="1" fill="hold">
-                                          <p:stCondLst>
-                                            <p:cond delay="0"/>
-                                          </p:stCondLst>
-                                        </p:cTn>
-                                        <p:tgtEl>
-                                          <p:spTgt spid="7"/>
-                                        </p:tgtEl>
-                                        <p:attrNameLst>
-                                          <p:attrName>style.visibility</p:attrName>
-                                        </p:attrNameLst>
-                                      </p:cBhvr>
-                                      <p:to>
-                                        <p:strVal val="hidden"/>
-                                      </p:to>
-                                    </p:set>
-                                  </p:childTnLst>
-                                </p:cTn>
-                              </p:par>
-                            </p:childTnLst>
-                          </p:cTn>
-                        </p:par>
-                      </p:childTnLst>
-                    </p:cTn>
-                  </p:par>
-                  <p:par>
-                    <p:cTn id="7" fill="hold">
-                      <p:stCondLst>
-                        <p:cond delay="indefinite"/>
-                      </p:stCondLst>
-                      <p:childTnLst>
-                        <p:par>
-                          <p:cTn id="8" fill="hold">
-                            <p:stCondLst>
-                              <p:cond delay="0"/>
-                            </p:stCondLst>
-                            <p:childTnLst>
-                              <p:par>
-                                <p:cTn id="9" presetID="1" presetClass="exit" presetSubtype="0" fill="hold" nodeType="clickEffect">
-                                  <p:stCondLst>
-                                    <p:cond delay="0"/>
-                                  </p:stCondLst>
-                                  <p:childTnLst>
-                                    <p:set>
-                                      <p:cBhvr>
-                                        <p:cTn id="10" dur="1" fill="hold">
-                                          <p:stCondLst>
-                                            <p:cond delay="0"/>
-                                          </p:stCondLst>
-                                        </p:cTn>
-                                        <p:tgtEl>
-                                          <p:spTgt spid="5"/>
-                                        </p:tgtEl>
-                                        <p:attrNameLst>
-                                          <p:attrName>style.visibility</p:attrName>
-                                        </p:attrNameLst>
-                                      </p:cBhvr>
-                                      <p:to>
-                                        <p:strVal val="hidden"/>
-                                      </p:to>
-                                    </p:set>
-                                  </p:childTnLst>
-                                </p:cTn>
-                              </p:par>
-                            </p:childTnLst>
-                          </p:cTn>
-                        </p:par>
-                      </p:childTnLst>
-                    </p:cTn>
-                  </p:par>
-                </p:childTnLst>
-              </p:cTn>
-              <p:prevCondLst>
-                <p:cond evt="onPrev" delay="0">
-                  <p:tgtEl>
-                    <p:sldTgt/>
-                  </p:tgtEl>
-                </p:cond>
-              </p:prevCondLst>
-              <p:nextCondLst>
-                <p:cond evt="onNext" delay="0">
-                  <p:tgtEl>
-                    <p:sldTgt/>
-                  </p:tgtEl>
-                </p:cond>
-              </p:nextCondLst>
-            </p:seq>
-          </p:childTnLst>
-        </p:cTn>
-      </p:par>
-    </p:tnLst>
-  </p:timing>
 </p:sld>
 </file>
 
@@ -19627,7 +19601,7 @@
               </a:lnSpc>
             </a:pPr>
             <a:r>
-              <a:rPr lang="en-US" sz="2200" dirty="0"/>
+              <a:rPr lang="en-US" sz="2000" dirty="0"/>
               <a:t>Every lab report is marked as follows:</a:t>
             </a:r>
           </a:p>
@@ -19640,31 +19614,13 @@
               <a:buChar char="Ø"/>
             </a:pPr>
             <a:r>
-              <a:rPr lang="en-US" sz="2200" b="0" i="0" u="none" strike="noStrike" dirty="0">
+              <a:rPr lang="en-US" sz="2000" b="0" i="0" u="none" strike="noStrike" dirty="0">
                 <a:solidFill>
                   <a:srgbClr val="000000"/>
                 </a:solidFill>
                 <a:effectLst/>
               </a:rPr>
-              <a:t>A structured </a:t>
-            </a:r>
-            <a:r>
-              <a:rPr lang="en-US" altLang="zh-CN" sz="2200" b="0" i="0" u="none" strike="noStrike" dirty="0">
-                <a:solidFill>
-                  <a:srgbClr val="000000"/>
-                </a:solidFill>
-                <a:effectLst/>
-              </a:rPr>
-              <a:t>presentation</a:t>
-            </a:r>
-            <a:r>
-              <a:rPr lang="en-US" sz="2200" b="0" i="0" u="none" strike="noStrike" dirty="0">
-                <a:solidFill>
-                  <a:srgbClr val="000000"/>
-                </a:solidFill>
-                <a:effectLst/>
-              </a:rPr>
-              <a:t> (15%). </a:t>
+              <a:t>A structured description (15%). </a:t>
             </a:r>
           </a:p>
           <a:p>
@@ -19676,55 +19632,14 @@
               <a:buChar char="Ø"/>
             </a:pPr>
             <a:r>
-              <a:rPr lang="en-US" sz="2200" b="0" i="0" u="none" strike="noStrike" dirty="0">
-                <a:solidFill>
-                  <a:srgbClr val="000000"/>
-                </a:solidFill>
-                <a:effectLst/>
-              </a:rPr>
-              <a:t>A clear step-by-step with detailed descriptions (85%).</a:t>
-            </a:r>
-          </a:p>
-          <a:p>
-            <a:pPr>
-              <a:lnSpc>
-                <a:spcPct val="100000"/>
-              </a:lnSpc>
-            </a:pPr>
-            <a:endParaRPr lang="en-US" sz="2200" dirty="0"/>
-          </a:p>
-          <a:p>
-            <a:pPr>
-              <a:lnSpc>
-                <a:spcPct val="100000"/>
-              </a:lnSpc>
-            </a:pPr>
-            <a:r>
-              <a:rPr lang="en-US" sz="2200" dirty="0">
+              <a:rPr lang="en-US" sz="2000" dirty="0">
                 <a:solidFill>
                   <a:srgbClr val="000000"/>
                 </a:solidFill>
               </a:rPr>
-              <a:t>More details will come </a:t>
-            </a:r>
-            <a:r>
-              <a:rPr lang="en-US" sz="2200" dirty="0">
-                <a:solidFill>
-                  <a:srgbClr val="FF0000"/>
-                </a:solidFill>
-              </a:rPr>
-              <a:t>in week 2. </a:t>
-            </a:r>
-            <a:endParaRPr lang="en-US" sz="2200" dirty="0"/>
-          </a:p>
-          <a:p>
-            <a:pPr marL="342900" lvl="1" indent="0">
-              <a:lnSpc>
-                <a:spcPct val="100000"/>
-              </a:lnSpc>
-              <a:buNone/>
-            </a:pPr>
-            <a:endParaRPr lang="en-US" sz="2200" b="0" i="0" u="none" strike="noStrike" dirty="0">
+              <a:t>A clear step-by-step with detailed descriptions (85%).</a:t>
+            </a:r>
+            <a:endParaRPr lang="en-US" sz="2000" b="0" i="0" u="none" strike="noStrike" dirty="0">
               <a:solidFill>
                 <a:srgbClr val="000000"/>
               </a:solidFill>
@@ -19733,10 +19648,46 @@
           </a:p>
         </p:txBody>
       </p:sp>
+      <p:pic>
+        <p:nvPicPr>
+          <p:cNvPr id="7" name="Picture 6">
+            <a:extLst>
+              <a:ext uri="{FF2B5EF4-FFF2-40B4-BE49-F238E27FC236}">
+                <a16:creationId xmlns:a16="http://schemas.microsoft.com/office/drawing/2014/main" id="{D83EF22A-4C53-486E-979E-B2316E166363}"/>
+              </a:ext>
+            </a:extLst>
+          </p:cNvPr>
+          <p:cNvPicPr>
+            <a:picLocks noChangeAspect="1"/>
+          </p:cNvPicPr>
+          <p:nvPr/>
+        </p:nvPicPr>
+        <p:blipFill>
+          <a:blip r:embed="rId3">
+            <a:extLst>
+              <a:ext uri="{28A0092B-C50C-407E-A947-70E740481C1C}">
+                <a14:useLocalDpi xmlns:a14="http://schemas.microsoft.com/office/drawing/2010/main" val="0"/>
+              </a:ext>
+            </a:extLst>
+          </a:blip>
+          <a:stretch>
+            <a:fillRect/>
+          </a:stretch>
+        </p:blipFill>
+        <p:spPr>
+          <a:xfrm>
+            <a:off x="1022706" y="2114501"/>
+            <a:ext cx="5892940" cy="4054386"/>
+          </a:xfrm>
+          <a:prstGeom prst="rect">
+            <a:avLst/>
+          </a:prstGeom>
+        </p:spPr>
+      </p:pic>
     </p:spTree>
     <p:extLst>
       <p:ext uri="{BB962C8B-B14F-4D97-AF65-F5344CB8AC3E}">
-        <p14:creationId xmlns:p14="http://schemas.microsoft.com/office/powerpoint/2010/main" val="4126946887"/>
+        <p14:creationId xmlns:p14="http://schemas.microsoft.com/office/powerpoint/2010/main" val="704996335"/>
       </p:ext>
     </p:extLst>
   </p:cSld>
@@ -19781,19 +19732,17 @@
         </p:nvSpPr>
         <p:spPr>
           <a:xfrm>
-            <a:off x="445860" y="355518"/>
-            <a:ext cx="5345340" cy="942975"/>
+            <a:off x="237477" y="0"/>
+            <a:ext cx="4969004" cy="839755"/>
           </a:xfrm>
         </p:spPr>
         <p:txBody>
-          <a:bodyPr>
-            <a:normAutofit/>
-          </a:bodyPr>
+          <a:bodyPr/>
           <a:lstStyle/>
           <a:p>
             <a:r>
               <a:rPr lang="en-AU" b="1" dirty="0"/>
-              <a:t>Lab Due Dates</a:t>
+              <a:t>Lab Assessment</a:t>
             </a:r>
           </a:p>
         </p:txBody>
@@ -19816,125 +19765,124 @@
         </p:nvSpPr>
         <p:spPr>
           <a:xfrm>
-            <a:off x="553176" y="1304214"/>
-            <a:ext cx="7765322" cy="5198268"/>
+            <a:off x="237477" y="839755"/>
+            <a:ext cx="8328025" cy="3301939"/>
           </a:xfrm>
         </p:spPr>
         <p:txBody>
           <a:bodyPr>
-            <a:normAutofit/>
+            <a:noAutofit/>
           </a:bodyPr>
           <a:lstStyle/>
           <a:p>
-            <a:pPr rtl="0"/>
-            <a:r>
-              <a:rPr lang="en-US" sz="2000" dirty="0">
-                <a:cs typeface="Arial" panose="020B0604020202020204" pitchFamily="34" charset="0"/>
+            <a:pPr>
+              <a:lnSpc>
+                <a:spcPct val="100000"/>
+              </a:lnSpc>
+            </a:pPr>
+            <a:r>
+              <a:rPr lang="en-US" sz="2200" dirty="0"/>
+              <a:t>Every lab report is marked as follows:</a:t>
+            </a:r>
+          </a:p>
+          <a:p>
+            <a:pPr lvl="1">
+              <a:lnSpc>
+                <a:spcPct val="100000"/>
+              </a:lnSpc>
+              <a:buFont typeface="Wingdings" panose="05000000000000000000" pitchFamily="2" charset="2"/>
+              <a:buChar char="Ø"/>
+            </a:pPr>
+            <a:r>
+              <a:rPr lang="en-US" sz="2200" b="0" i="0" u="none" strike="noStrike" dirty="0">
+                <a:solidFill>
+                  <a:srgbClr val="000000"/>
+                </a:solidFill>
+                <a:effectLst/>
               </a:rPr>
-              <a:t>For labs 1-5, due date:  11:59pm 16 September (week 8)</a:t>
-            </a:r>
-          </a:p>
-          <a:p>
-            <a:pPr lvl="1"/>
-            <a:r>
-              <a:rPr lang="en-US" sz="2000" dirty="0">
-                <a:cs typeface="Arial" panose="020B0604020202020204" pitchFamily="34" charset="0"/>
+              <a:t>A structured </a:t>
+            </a:r>
+            <a:r>
+              <a:rPr lang="en-US" altLang="zh-CN" sz="2200" b="0" i="0" u="none" strike="noStrike" dirty="0">
+                <a:solidFill>
+                  <a:srgbClr val="000000"/>
+                </a:solidFill>
+                <a:effectLst/>
               </a:rPr>
-              <a:t>Report name: </a:t>
-            </a:r>
-            <a:r>
-              <a:rPr lang="en-US" sz="2000" dirty="0">
+              <a:t>presentation</a:t>
+            </a:r>
+            <a:r>
+              <a:rPr lang="en-US" sz="2200" b="0" i="0" u="none" strike="noStrike" dirty="0">
+                <a:solidFill>
+                  <a:srgbClr val="000000"/>
+                </a:solidFill>
+                <a:effectLst/>
+              </a:rPr>
+              <a:t> (15%). </a:t>
+            </a:r>
+          </a:p>
+          <a:p>
+            <a:pPr lvl="1">
+              <a:lnSpc>
+                <a:spcPct val="100000"/>
+              </a:lnSpc>
+              <a:buFont typeface="Wingdings" panose="05000000000000000000" pitchFamily="2" charset="2"/>
+              <a:buChar char="Ø"/>
+            </a:pPr>
+            <a:r>
+              <a:rPr lang="en-US" sz="2200" b="0" i="0" u="none" strike="noStrike" dirty="0">
+                <a:solidFill>
+                  <a:srgbClr val="000000"/>
+                </a:solidFill>
+                <a:effectLst/>
+              </a:rPr>
+              <a:t>A clear step-by-step with detailed descriptions (85%).</a:t>
+            </a:r>
+          </a:p>
+          <a:p>
+            <a:pPr>
+              <a:lnSpc>
+                <a:spcPct val="100000"/>
+              </a:lnSpc>
+            </a:pPr>
+            <a:endParaRPr lang="en-US" sz="2200" dirty="0"/>
+          </a:p>
+          <a:p>
+            <a:pPr>
+              <a:lnSpc>
+                <a:spcPct val="100000"/>
+              </a:lnSpc>
+            </a:pPr>
+            <a:r>
+              <a:rPr lang="en-US" sz="2200" dirty="0">
+                <a:solidFill>
+                  <a:srgbClr val="000000"/>
+                </a:solidFill>
+              </a:rPr>
+              <a:t>More details will come </a:t>
+            </a:r>
+            <a:r>
+              <a:rPr lang="en-US" sz="2200" dirty="0">
                 <a:solidFill>
                   <a:srgbClr val="FF0000"/>
                 </a:solidFill>
-                <a:cs typeface="Arial" panose="020B0604020202020204" pitchFamily="34" charset="0"/>
               </a:rPr>
-              <a:t>studentid_firstname_labs1_4</a:t>
-            </a:r>
-            <a:endParaRPr lang="en-US" sz="2000" dirty="0">
-              <a:cs typeface="Arial" panose="020B0604020202020204" pitchFamily="34" charset="0"/>
-            </a:endParaRPr>
-          </a:p>
-          <a:p>
-            <a:pPr rtl="0"/>
-            <a:r>
-              <a:rPr lang="en-US" sz="2000" dirty="0">
-                <a:cs typeface="Arial" panose="020B0604020202020204" pitchFamily="34" charset="0"/>
-              </a:rPr>
-              <a:t>For labs 6-9, due date:  11:59pm 14 October (week 12)</a:t>
-            </a:r>
-          </a:p>
-          <a:p>
-            <a:pPr lvl="1"/>
-            <a:r>
-              <a:rPr lang="en-US" sz="2000" dirty="0">
-                <a:cs typeface="Arial" panose="020B0604020202020204" pitchFamily="34" charset="0"/>
-              </a:rPr>
-              <a:t>Report name: </a:t>
-            </a:r>
-            <a:r>
-              <a:rPr lang="en-US" sz="2000" dirty="0">
-                <a:solidFill>
-                  <a:srgbClr val="FF0000"/>
-                </a:solidFill>
-                <a:cs typeface="Arial" panose="020B0604020202020204" pitchFamily="34" charset="0"/>
-              </a:rPr>
-              <a:t>studentid_</a:t>
-            </a:r>
-            <a:r>
-              <a:rPr lang="en-US" altLang="zh-CN" sz="2000" dirty="0">
-                <a:solidFill>
-                  <a:srgbClr val="FF0000"/>
-                </a:solidFill>
-                <a:cs typeface="Arial" panose="020B0604020202020204" pitchFamily="34" charset="0"/>
-              </a:rPr>
-              <a:t>first</a:t>
-            </a:r>
-            <a:r>
-              <a:rPr lang="en-US" sz="2000" dirty="0">
-                <a:solidFill>
-                  <a:srgbClr val="FF0000"/>
-                </a:solidFill>
-                <a:cs typeface="Arial" panose="020B0604020202020204" pitchFamily="34" charset="0"/>
-              </a:rPr>
-              <a:t>name_labs6_9</a:t>
-            </a:r>
-            <a:endParaRPr lang="en-US" sz="2000" dirty="0">
-              <a:cs typeface="Arial" panose="020B0604020202020204" pitchFamily="34" charset="0"/>
-            </a:endParaRPr>
-          </a:p>
-          <a:p>
-            <a:r>
-              <a:rPr lang="en-US" sz="2000" dirty="0">
-                <a:cs typeface="Arial" panose="020B0604020202020204" pitchFamily="34" charset="0"/>
-              </a:rPr>
-              <a:t>No labs on </a:t>
-            </a:r>
-            <a:r>
-              <a:rPr lang="en-AU" sz="2000" dirty="0">
-                <a:latin typeface="Calibri" panose="020F0502020204030204" pitchFamily="34" charset="0"/>
-                <a:ea typeface="DengXian" panose="02010600030101010101" pitchFamily="2" charset="-122"/>
-                <a:cs typeface="Times New Roman" panose="02020603050405020304" pitchFamily="18" charset="0"/>
-              </a:rPr>
-              <a:t>W</a:t>
-            </a:r>
-            <a:r>
-              <a:rPr lang="en-AU" sz="2000" dirty="0">
-                <a:effectLst/>
-                <a:latin typeface="Calibri" panose="020F0502020204030204" pitchFamily="34" charset="0"/>
-                <a:ea typeface="DengXian" panose="02010600030101010101" pitchFamily="2" charset="-122"/>
-                <a:cs typeface="Times New Roman" panose="02020603050405020304" pitchFamily="18" charset="0"/>
-              </a:rPr>
-              <a:t>eek 1,5 and 12.</a:t>
-            </a:r>
-            <a:endParaRPr lang="en-US" sz="2000" dirty="0">
-              <a:cs typeface="Arial" panose="020B0604020202020204" pitchFamily="34" charset="0"/>
-            </a:endParaRPr>
-          </a:p>
-          <a:p>
-            <a:pPr rtl="0"/>
-            <a:endParaRPr lang="en-US" sz="2000" dirty="0">
-              <a:cs typeface="Arial" panose="020B0604020202020204" pitchFamily="34" charset="0"/>
+              <a:t>in week 2. </a:t>
+            </a:r>
+            <a:endParaRPr lang="en-US" sz="2200" dirty="0"/>
+          </a:p>
+          <a:p>
+            <a:pPr marL="342900" lvl="1" indent="0">
+              <a:lnSpc>
+                <a:spcPct val="100000"/>
+              </a:lnSpc>
+              <a:buNone/>
+            </a:pPr>
+            <a:endParaRPr lang="en-US" sz="2200" b="0" i="0" u="none" strike="noStrike" dirty="0">
+              <a:solidFill>
+                <a:srgbClr val="000000"/>
+              </a:solidFill>
+              <a:effectLst/>
             </a:endParaRPr>
           </a:p>
         </p:txBody>
@@ -19942,7 +19890,7 @@
     </p:spTree>
     <p:extLst>
       <p:ext uri="{BB962C8B-B14F-4D97-AF65-F5344CB8AC3E}">
-        <p14:creationId xmlns:p14="http://schemas.microsoft.com/office/powerpoint/2010/main" val="146581613"/>
+        <p14:creationId xmlns:p14="http://schemas.microsoft.com/office/powerpoint/2010/main" val="1764816855"/>
       </p:ext>
     </p:extLst>
   </p:cSld>
@@ -19971,7 +19919,13 @@
       </p:grpSpPr>
       <p:sp>
         <p:nvSpPr>
-          <p:cNvPr id="2" name="Title 1"/>
+          <p:cNvPr id="2" name="Title 1">
+            <a:extLst>
+              <a:ext uri="{FF2B5EF4-FFF2-40B4-BE49-F238E27FC236}">
+                <a16:creationId xmlns:a16="http://schemas.microsoft.com/office/drawing/2014/main" id="{AF12F404-5848-8D4C-8FB6-3349BDEB8F75}"/>
+              </a:ext>
+            </a:extLst>
+          </p:cNvPr>
           <p:cNvSpPr>
             <a:spLocks noGrp="1"/>
           </p:cNvSpPr>
@@ -19981,36 +19935,8 @@
         </p:nvSpPr>
         <p:spPr>
           <a:xfrm>
-            <a:off x="274799" y="232902"/>
-            <a:ext cx="4987666" cy="942975"/>
-          </a:xfrm>
-        </p:spPr>
-        <p:txBody>
-          <a:bodyPr/>
-          <a:lstStyle/>
-          <a:p>
-            <a:r>
-              <a:rPr lang="en-US" b="1" dirty="0"/>
-              <a:t>Lab Help</a:t>
-            </a:r>
-            <a:endParaRPr lang="en-AU" b="1" dirty="0"/>
-          </a:p>
-        </p:txBody>
-      </p:sp>
-      <p:sp>
-        <p:nvSpPr>
-          <p:cNvPr id="3" name="Content Placeholder 2"/>
-          <p:cNvSpPr>
-            <a:spLocks noGrp="1"/>
-          </p:cNvSpPr>
-          <p:nvPr>
-            <p:ph idx="1"/>
-          </p:nvPr>
-        </p:nvSpPr>
-        <p:spPr>
-          <a:xfrm>
-            <a:off x="274798" y="1325167"/>
-            <a:ext cx="8583451" cy="3389417"/>
+            <a:off x="445860" y="355518"/>
+            <a:ext cx="5345340" cy="942975"/>
           </a:xfrm>
         </p:spPr>
         <p:txBody>
@@ -20020,10 +19946,46 @@
           <a:lstStyle/>
           <a:p>
             <a:r>
+              <a:rPr lang="en-AU" b="1" dirty="0"/>
+              <a:t>Lab Due Dates</a:t>
+            </a:r>
+          </a:p>
+        </p:txBody>
+      </p:sp>
+      <p:sp>
+        <p:nvSpPr>
+          <p:cNvPr id="3" name="Content Placeholder 2">
+            <a:extLst>
+              <a:ext uri="{FF2B5EF4-FFF2-40B4-BE49-F238E27FC236}">
+                <a16:creationId xmlns:a16="http://schemas.microsoft.com/office/drawing/2014/main" id="{56279952-E4DB-7445-83D2-1C8ADC55F074}"/>
+              </a:ext>
+            </a:extLst>
+          </p:cNvPr>
+          <p:cNvSpPr>
+            <a:spLocks noGrp="1"/>
+          </p:cNvSpPr>
+          <p:nvPr>
+            <p:ph idx="1"/>
+          </p:nvPr>
+        </p:nvSpPr>
+        <p:spPr>
+          <a:xfrm>
+            <a:off x="553176" y="1304214"/>
+            <a:ext cx="8590824" cy="5198268"/>
+          </a:xfrm>
+        </p:spPr>
+        <p:txBody>
+          <a:bodyPr>
+            <a:normAutofit/>
+          </a:bodyPr>
+          <a:lstStyle/>
+          <a:p>
+            <a:pPr rtl="0"/>
+            <a:r>
               <a:rPr lang="en-US" sz="2000" dirty="0">
                 <a:cs typeface="Arial" panose="020B0604020202020204" pitchFamily="34" charset="0"/>
               </a:rPr>
-              <a:t>For labs, one facilitator hosts one lab session</a:t>
+              <a:t>For labs 1-5, due date:  11:59pm 16 September</a:t>
             </a:r>
           </a:p>
           <a:p>
@@ -20032,48 +19994,119 @@
               <a:rPr lang="en-US" sz="2000" dirty="0">
                 <a:cs typeface="Arial" panose="020B0604020202020204" pitchFamily="34" charset="0"/>
               </a:rPr>
-              <a:t>Please attend scheduled lab sessions for help. </a:t>
-            </a:r>
-          </a:p>
-          <a:p>
-            <a:pPr lvl="1"/>
-            <a:r>
-              <a:rPr lang="en-AU" sz="2000" dirty="0">
-                <a:cs typeface="Arial" panose="020B0604020202020204" pitchFamily="34" charset="0"/>
-              </a:rPr>
-              <a:t>No lab help </a:t>
-            </a:r>
-            <a:r>
-              <a:rPr lang="en-AU" sz="2000" b="1" dirty="0">
+              <a:t>Report name: </a:t>
+            </a:r>
+            <a:r>
+              <a:rPr lang="en-US" sz="2000" dirty="0">
                 <a:solidFill>
                   <a:srgbClr val="FF0000"/>
                 </a:solidFill>
                 <a:cs typeface="Arial" panose="020B0604020202020204" pitchFamily="34" charset="0"/>
               </a:rPr>
-              <a:t>outside</a:t>
-            </a:r>
-            <a:r>
-              <a:rPr lang="en-AU" sz="2000" dirty="0">
-                <a:cs typeface="Arial" panose="020B0604020202020204" pitchFamily="34" charset="0"/>
-              </a:rPr>
-              <a:t> the scheduled lab time.</a:t>
+              <a:t>studentid_firstname_labs1_5</a:t>
             </a:r>
             <a:endParaRPr lang="en-US" sz="2000" dirty="0">
               <a:cs typeface="Arial" panose="020B0604020202020204" pitchFamily="34" charset="0"/>
             </a:endParaRPr>
           </a:p>
           <a:p>
-            <a:endParaRPr lang="en-US" dirty="0">
-              <a:latin typeface="Arial" panose="020B0604020202020204" pitchFamily="34" charset="0"/>
+            <a:pPr rtl="0"/>
+            <a:r>
+              <a:rPr lang="en-US" sz="2000" dirty="0">
+                <a:cs typeface="Arial" panose="020B0604020202020204" pitchFamily="34" charset="0"/>
+              </a:rPr>
+              <a:t>For labs 6-9, due date:  11:59pm </a:t>
+            </a:r>
+            <a:r>
+              <a:rPr lang="en-US" sz="2000">
+                <a:cs typeface="Arial" panose="020B0604020202020204" pitchFamily="34" charset="0"/>
+              </a:rPr>
+              <a:t>14 October</a:t>
+            </a:r>
+            <a:endParaRPr lang="en-US" sz="2000" dirty="0">
               <a:cs typeface="Arial" panose="020B0604020202020204" pitchFamily="34" charset="0"/>
             </a:endParaRPr>
           </a:p>
           <a:p>
-            <a:pPr marL="27675" indent="0">
-              <a:buNone/>
-            </a:pPr>
-            <a:endParaRPr lang="en-AU" dirty="0">
-              <a:latin typeface="Arial" panose="020B0604020202020204" pitchFamily="34" charset="0"/>
+            <a:pPr lvl="1"/>
+            <a:r>
+              <a:rPr lang="en-US" sz="2000" dirty="0">
+                <a:cs typeface="Arial" panose="020B0604020202020204" pitchFamily="34" charset="0"/>
+              </a:rPr>
+              <a:t>Report name: </a:t>
+            </a:r>
+            <a:r>
+              <a:rPr lang="en-US" sz="2000" dirty="0">
+                <a:solidFill>
+                  <a:srgbClr val="FF0000"/>
+                </a:solidFill>
+                <a:cs typeface="Arial" panose="020B0604020202020204" pitchFamily="34" charset="0"/>
+              </a:rPr>
+              <a:t>studentid_</a:t>
+            </a:r>
+            <a:r>
+              <a:rPr lang="en-US" altLang="zh-CN" sz="2000" dirty="0">
+                <a:solidFill>
+                  <a:srgbClr val="FF0000"/>
+                </a:solidFill>
+                <a:cs typeface="Arial" panose="020B0604020202020204" pitchFamily="34" charset="0"/>
+              </a:rPr>
+              <a:t>first</a:t>
+            </a:r>
+            <a:r>
+              <a:rPr lang="en-US" sz="2000" dirty="0">
+                <a:solidFill>
+                  <a:srgbClr val="FF0000"/>
+                </a:solidFill>
+                <a:cs typeface="Arial" panose="020B0604020202020204" pitchFamily="34" charset="0"/>
+              </a:rPr>
+              <a:t>name_labs6_9</a:t>
+            </a:r>
+            <a:endParaRPr lang="en-US" sz="2000" dirty="0">
+              <a:cs typeface="Arial" panose="020B0604020202020204" pitchFamily="34" charset="0"/>
+            </a:endParaRPr>
+          </a:p>
+          <a:p>
+            <a:r>
+              <a:rPr lang="en-US" sz="2000" dirty="0">
+                <a:cs typeface="Arial" panose="020B0604020202020204" pitchFamily="34" charset="0"/>
+              </a:rPr>
+              <a:t>No labs on </a:t>
+            </a:r>
+            <a:r>
+              <a:rPr lang="en-AU" sz="2000" dirty="0">
+                <a:latin typeface="Calibri" panose="020F0502020204030204" pitchFamily="34" charset="0"/>
+                <a:ea typeface="DengXian" panose="02010600030101010101" pitchFamily="2" charset="-122"/>
+                <a:cs typeface="Times New Roman" panose="02020603050405020304" pitchFamily="18" charset="0"/>
+              </a:rPr>
+              <a:t>W</a:t>
+            </a:r>
+            <a:r>
+              <a:rPr lang="en-AU" sz="2000" dirty="0">
+                <a:effectLst/>
+                <a:latin typeface="Calibri" panose="020F0502020204030204" pitchFamily="34" charset="0"/>
+                <a:ea typeface="DengXian" panose="02010600030101010101" pitchFamily="2" charset="-122"/>
+                <a:cs typeface="Times New Roman" panose="02020603050405020304" pitchFamily="18" charset="0"/>
+              </a:rPr>
+              <a:t>eek 1,5 and 12.</a:t>
+            </a:r>
+          </a:p>
+          <a:p>
+            <a:r>
+              <a:rPr lang="en-AU" sz="2000" dirty="0">
+                <a:latin typeface="Calibri" panose="020F0502020204030204" pitchFamily="34" charset="0"/>
+                <a:ea typeface="DengXian" panose="02010600030101010101" pitchFamily="2" charset="-122"/>
+                <a:cs typeface="Times New Roman" panose="02020603050405020304" pitchFamily="18" charset="0"/>
+              </a:rPr>
+              <a:t>Reports will be submitted via LMS and the submission portal will open soon.</a:t>
+            </a:r>
+            <a:endParaRPr lang="en-US" sz="2000" dirty="0">
+              <a:cs typeface="Arial" panose="020B0604020202020204" pitchFamily="34" charset="0"/>
+            </a:endParaRPr>
+          </a:p>
+          <a:p>
+            <a:pPr rtl="0"/>
+            <a:endParaRPr lang="en-US" sz="2000" dirty="0">
               <a:cs typeface="Arial" panose="020B0604020202020204" pitchFamily="34" charset="0"/>
             </a:endParaRPr>
           </a:p>
@@ -20082,7 +20115,7 @@
     </p:spTree>
     <p:extLst>
       <p:ext uri="{BB962C8B-B14F-4D97-AF65-F5344CB8AC3E}">
-        <p14:creationId xmlns:p14="http://schemas.microsoft.com/office/powerpoint/2010/main" val="1757591113"/>
+        <p14:creationId xmlns:p14="http://schemas.microsoft.com/office/powerpoint/2010/main" val="146581613"/>
       </p:ext>
     </p:extLst>
   </p:cSld>
@@ -20111,24 +20144,46 @@
       </p:grpSpPr>
       <p:sp>
         <p:nvSpPr>
-          <p:cNvPr id="7" name="Text Placeholder 6">
-            <a:extLst>
-              <a:ext uri="{FF2B5EF4-FFF2-40B4-BE49-F238E27FC236}">
-                <a16:creationId xmlns:a16="http://schemas.microsoft.com/office/drawing/2014/main" id="{385F9B47-7C35-46F5-87A7-4814C5975511}"/>
-              </a:ext>
-            </a:extLst>
-          </p:cNvPr>
+          <p:cNvPr id="2" name="Title 1"/>
           <p:cNvSpPr>
             <a:spLocks noGrp="1"/>
           </p:cNvSpPr>
           <p:nvPr>
-            <p:ph type="body" sz="half" idx="2"/>
+            <p:ph type="title"/>
           </p:nvPr>
         </p:nvSpPr>
         <p:spPr>
           <a:xfrm>
-            <a:off x="364467" y="1489887"/>
-            <a:ext cx="8291853" cy="2884175"/>
+            <a:off x="274799" y="232902"/>
+            <a:ext cx="4987666" cy="942975"/>
+          </a:xfrm>
+        </p:spPr>
+        <p:txBody>
+          <a:bodyPr/>
+          <a:lstStyle/>
+          <a:p>
+            <a:r>
+              <a:rPr lang="en-US" b="1" dirty="0"/>
+              <a:t>Lab Help</a:t>
+            </a:r>
+            <a:endParaRPr lang="en-AU" b="1" dirty="0"/>
+          </a:p>
+        </p:txBody>
+      </p:sp>
+      <p:sp>
+        <p:nvSpPr>
+          <p:cNvPr id="3" name="Content Placeholder 2"/>
+          <p:cNvSpPr>
+            <a:spLocks noGrp="1"/>
+          </p:cNvSpPr>
+          <p:nvPr>
+            <p:ph idx="1"/>
+          </p:nvPr>
+        </p:nvSpPr>
+        <p:spPr>
+          <a:xfrm>
+            <a:off x="274798" y="1325167"/>
+            <a:ext cx="8583451" cy="3389417"/>
           </a:xfrm>
         </p:spPr>
         <p:txBody>
@@ -20137,93 +20192,70 @@
           </a:bodyPr>
           <a:lstStyle/>
           <a:p>
-            <a:pPr marL="214313" indent="-214313">
-              <a:buFont typeface="Arial" panose="020B0604020202020204" pitchFamily="34" charset="0"/>
-              <a:buChar char="•"/>
-            </a:pPr>
+            <a:r>
+              <a:rPr lang="en-US" sz="2000" dirty="0">
+                <a:cs typeface="Arial" panose="020B0604020202020204" pitchFamily="34" charset="0"/>
+              </a:rPr>
+              <a:t>For labs, one facilitator hosts one lab session</a:t>
+            </a:r>
+          </a:p>
+          <a:p>
+            <a:pPr lvl="1"/>
+            <a:r>
+              <a:rPr lang="en-US" sz="2000" dirty="0">
+                <a:cs typeface="Arial" panose="020B0604020202020204" pitchFamily="34" charset="0"/>
+              </a:rPr>
+              <a:t>Please attend scheduled lab sessions for help. </a:t>
+            </a:r>
+          </a:p>
+          <a:p>
+            <a:pPr lvl="1"/>
             <a:r>
               <a:rPr lang="en-AU" sz="2000" dirty="0">
+                <a:cs typeface="Arial" panose="020B0604020202020204" pitchFamily="34" charset="0"/>
+              </a:rPr>
+              <a:t>No lab help </a:t>
+            </a:r>
+            <a:r>
+              <a:rPr lang="en-AU" sz="2000" b="1" dirty="0">
                 <a:solidFill>
-                  <a:schemeClr val="tx1"/>
+                  <a:srgbClr val="FF0000"/>
                 </a:solidFill>
                 <a:cs typeface="Arial" panose="020B0604020202020204" pitchFamily="34" charset="0"/>
               </a:rPr>
-              <a:t>Virtual Machine Manager: </a:t>
-            </a:r>
-            <a:r>
-              <a:rPr lang="en-AU" sz="2000" dirty="0" err="1">
-                <a:solidFill>
-                  <a:schemeClr val="tx1"/>
-                </a:solidFill>
+              <a:t>outside</a:t>
+            </a:r>
+            <a:r>
+              <a:rPr lang="en-AU" sz="2000" dirty="0">
                 <a:cs typeface="Arial" panose="020B0604020202020204" pitchFamily="34" charset="0"/>
               </a:rPr>
-              <a:t>Virtualbox</a:t>
-            </a:r>
-            <a:r>
-              <a:rPr lang="en-AU" sz="2000" dirty="0">
-                <a:solidFill>
-                  <a:schemeClr val="tx1"/>
-                </a:solidFill>
-                <a:cs typeface="Arial" panose="020B0604020202020204" pitchFamily="34" charset="0"/>
-              </a:rPr>
-              <a:t> or VMware</a:t>
-            </a:r>
-          </a:p>
-          <a:p>
-            <a:pPr marL="214313" indent="-214313">
-              <a:buFont typeface="Arial" panose="020B0604020202020204" pitchFamily="34" charset="0"/>
-              <a:buChar char="•"/>
+              <a:t> the scheduled lab time.</a:t>
+            </a:r>
+            <a:endParaRPr lang="en-US" sz="2000" dirty="0">
+              <a:cs typeface="Arial" panose="020B0604020202020204" pitchFamily="34" charset="0"/>
+            </a:endParaRPr>
+          </a:p>
+          <a:p>
+            <a:endParaRPr lang="en-US" dirty="0">
+              <a:latin typeface="Arial" panose="020B0604020202020204" pitchFamily="34" charset="0"/>
+              <a:cs typeface="Arial" panose="020B0604020202020204" pitchFamily="34" charset="0"/>
+            </a:endParaRPr>
+          </a:p>
+          <a:p>
+            <a:pPr marL="27675" indent="0">
+              <a:buNone/>
             </a:pPr>
-            <a:r>
-              <a:rPr lang="en-AU" sz="2000" dirty="0">
-                <a:solidFill>
-                  <a:schemeClr val="tx1"/>
-                </a:solidFill>
-                <a:cs typeface="Arial" panose="020B0604020202020204" pitchFamily="34" charset="0"/>
-              </a:rPr>
-              <a:t>Setup VM and install Ubuntu</a:t>
-            </a:r>
-          </a:p>
-        </p:txBody>
-      </p:sp>
-      <p:sp>
-        <p:nvSpPr>
-          <p:cNvPr id="6" name="Title 1">
-            <a:extLst>
-              <a:ext uri="{FF2B5EF4-FFF2-40B4-BE49-F238E27FC236}">
-                <a16:creationId xmlns:a16="http://schemas.microsoft.com/office/drawing/2014/main" id="{D1324EFB-07F7-4237-9408-5B6417D110A8}"/>
-              </a:ext>
-            </a:extLst>
-          </p:cNvPr>
-          <p:cNvSpPr>
-            <a:spLocks noGrp="1"/>
-          </p:cNvSpPr>
-          <p:nvPr>
-            <p:ph type="title"/>
-          </p:nvPr>
-        </p:nvSpPr>
-        <p:spPr>
-          <a:xfrm>
-            <a:off x="364467" y="0"/>
-            <a:ext cx="3536973" cy="942975"/>
-          </a:xfrm>
-        </p:spPr>
-        <p:txBody>
-          <a:bodyPr/>
-          <a:lstStyle/>
-          <a:p>
-            <a:r>
-              <a:rPr lang="en-US" sz="3000" b="1" dirty="0"/>
-              <a:t>Lab Setup</a:t>
-            </a:r>
-            <a:endParaRPr lang="en-AU" sz="3000" b="1" dirty="0"/>
+            <a:endParaRPr lang="en-AU" dirty="0">
+              <a:latin typeface="Arial" panose="020B0604020202020204" pitchFamily="34" charset="0"/>
+              <a:cs typeface="Arial" panose="020B0604020202020204" pitchFamily="34" charset="0"/>
+            </a:endParaRPr>
           </a:p>
         </p:txBody>
       </p:sp>
     </p:spTree>
     <p:extLst>
       <p:ext uri="{BB962C8B-B14F-4D97-AF65-F5344CB8AC3E}">
-        <p14:creationId xmlns:p14="http://schemas.microsoft.com/office/powerpoint/2010/main" val="616269216"/>
+        <p14:creationId xmlns:p14="http://schemas.microsoft.com/office/powerpoint/2010/main" val="1757591113"/>
       </p:ext>
     </p:extLst>
   </p:cSld>
@@ -20252,10 +20284,99 @@
       </p:grpSpPr>
       <p:sp>
         <p:nvSpPr>
-          <p:cNvPr id="2" name="Title 1">
+          <p:cNvPr id="7" name="Text Placeholder 6">
             <a:extLst>
               <a:ext uri="{FF2B5EF4-FFF2-40B4-BE49-F238E27FC236}">
-                <a16:creationId xmlns:a16="http://schemas.microsoft.com/office/drawing/2014/main" id="{DDA4E7FC-13D5-D64F-970D-EE15EF0A474C}"/>
+                <a16:creationId xmlns:a16="http://schemas.microsoft.com/office/drawing/2014/main" id="{385F9B47-7C35-46F5-87A7-4814C5975511}"/>
+              </a:ext>
+            </a:extLst>
+          </p:cNvPr>
+          <p:cNvSpPr>
+            <a:spLocks noGrp="1"/>
+          </p:cNvSpPr>
+          <p:nvPr>
+            <p:ph type="body" sz="half" idx="2"/>
+          </p:nvPr>
+        </p:nvSpPr>
+        <p:spPr>
+          <a:xfrm>
+            <a:off x="364467" y="1489887"/>
+            <a:ext cx="8291853" cy="2884175"/>
+          </a:xfrm>
+        </p:spPr>
+        <p:txBody>
+          <a:bodyPr>
+            <a:normAutofit/>
+          </a:bodyPr>
+          <a:lstStyle/>
+          <a:p>
+            <a:pPr marL="214313" indent="-214313">
+              <a:buFont typeface="Arial" panose="020B0604020202020204" pitchFamily="34" charset="0"/>
+              <a:buChar char="•"/>
+            </a:pPr>
+            <a:r>
+              <a:rPr lang="en-AU" sz="2000" dirty="0">
+                <a:solidFill>
+                  <a:schemeClr val="tx1"/>
+                </a:solidFill>
+                <a:cs typeface="Arial" panose="020B0604020202020204" pitchFamily="34" charset="0"/>
+              </a:rPr>
+              <a:t>Virtual Machine Manager: </a:t>
+            </a:r>
+            <a:r>
+              <a:rPr lang="en-AU" sz="2000" dirty="0" err="1">
+                <a:solidFill>
+                  <a:schemeClr val="tx1"/>
+                </a:solidFill>
+                <a:cs typeface="Arial" panose="020B0604020202020204" pitchFamily="34" charset="0"/>
+              </a:rPr>
+              <a:t>Virtualbox</a:t>
+            </a:r>
+            <a:r>
+              <a:rPr lang="en-AU" sz="2000" dirty="0">
+                <a:solidFill>
+                  <a:schemeClr val="tx1"/>
+                </a:solidFill>
+                <a:cs typeface="Arial" panose="020B0604020202020204" pitchFamily="34" charset="0"/>
+              </a:rPr>
+              <a:t> or VMware</a:t>
+            </a:r>
+          </a:p>
+          <a:p>
+            <a:pPr marL="557213" lvl="1" indent="-214313">
+              <a:buFont typeface="Arial" panose="020B0604020202020204" pitchFamily="34" charset="0"/>
+              <a:buChar char="•"/>
+            </a:pPr>
+            <a:r>
+              <a:rPr lang="en-AU" sz="1850" dirty="0">
+                <a:solidFill>
+                  <a:schemeClr val="tx1"/>
+                </a:solidFill>
+                <a:cs typeface="Arial" panose="020B0604020202020204" pitchFamily="34" charset="0"/>
+              </a:rPr>
+              <a:t>Setup VM and install Ubuntu</a:t>
+            </a:r>
+          </a:p>
+          <a:p>
+            <a:pPr marL="214313" indent="-214313">
+              <a:buFont typeface="Arial" panose="020B0604020202020204" pitchFamily="34" charset="0"/>
+              <a:buChar char="•"/>
+            </a:pPr>
+            <a:r>
+              <a:rPr lang="en-AU" sz="2000" dirty="0">
+                <a:cs typeface="Arial" panose="020B0604020202020204" pitchFamily="34" charset="0"/>
+              </a:rPr>
+              <a:t>WSL (Windows Subsystem for Linux)</a:t>
+            </a:r>
+          </a:p>
+        </p:txBody>
+      </p:sp>
+      <p:sp>
+        <p:nvSpPr>
+          <p:cNvPr id="6" name="Title 1">
+            <a:extLst>
+              <a:ext uri="{FF2B5EF4-FFF2-40B4-BE49-F238E27FC236}">
+                <a16:creationId xmlns:a16="http://schemas.microsoft.com/office/drawing/2014/main" id="{D1324EFB-07F7-4237-9408-5B6417D110A8}"/>
               </a:ext>
             </a:extLst>
           </p:cNvPr>
@@ -20268,8 +20389,8 @@
         </p:nvSpPr>
         <p:spPr>
           <a:xfrm>
-            <a:off x="377190" y="223520"/>
-            <a:ext cx="7886700" cy="915034"/>
+            <a:off x="364467" y="0"/>
+            <a:ext cx="4863516" cy="942975"/>
           </a:xfrm>
         </p:spPr>
         <p:txBody>
@@ -20277,97 +20398,21 @@
           <a:lstStyle/>
           <a:p>
             <a:r>
-              <a:rPr lang="en-AU" b="1" dirty="0"/>
-              <a:t>Other Assessments</a:t>
-            </a:r>
-          </a:p>
-        </p:txBody>
-      </p:sp>
-      <p:sp>
-        <p:nvSpPr>
-          <p:cNvPr id="3" name="Content Placeholder 2">
-            <a:extLst>
-              <a:ext uri="{FF2B5EF4-FFF2-40B4-BE49-F238E27FC236}">
-                <a16:creationId xmlns:a16="http://schemas.microsoft.com/office/drawing/2014/main" id="{D414E03A-E6FC-764F-9D80-282B98177B8B}"/>
-              </a:ext>
-            </a:extLst>
-          </p:cNvPr>
-          <p:cNvSpPr>
-            <a:spLocks noGrp="1"/>
-          </p:cNvSpPr>
-          <p:nvPr>
-            <p:ph idx="1"/>
-          </p:nvPr>
-        </p:nvSpPr>
-        <p:spPr>
-          <a:xfrm>
-            <a:off x="377189" y="1253331"/>
-            <a:ext cx="8444081" cy="4351338"/>
-          </a:xfrm>
-        </p:spPr>
-        <p:txBody>
-          <a:bodyPr>
-            <a:normAutofit/>
-          </a:bodyPr>
-          <a:lstStyle/>
-          <a:p>
-            <a:r>
-              <a:rPr lang="en-AU" sz="2000" dirty="0">
-                <a:cs typeface="Arial" panose="020B0604020202020204" pitchFamily="34" charset="0"/>
-              </a:rPr>
-              <a:t>Mid-semester test is scheduled in </a:t>
-            </a:r>
-            <a:r>
-              <a:rPr lang="en-AU" sz="2000" dirty="0">
-                <a:solidFill>
-                  <a:srgbClr val="FF0000"/>
-                </a:solidFill>
-                <a:cs typeface="Arial" panose="020B0604020202020204" pitchFamily="34" charset="0"/>
-              </a:rPr>
-              <a:t>Week 6</a:t>
-            </a:r>
-            <a:r>
-              <a:rPr lang="en-AU" sz="2000" dirty="0">
-                <a:cs typeface="Arial" panose="020B0604020202020204" pitchFamily="34" charset="0"/>
-              </a:rPr>
-              <a:t>. </a:t>
-            </a:r>
-          </a:p>
-          <a:p>
-            <a:pPr lvl="1"/>
-            <a:r>
-              <a:rPr lang="en-AU" sz="2000" dirty="0">
-                <a:cs typeface="Arial" panose="020B0604020202020204" pitchFamily="34" charset="0"/>
-              </a:rPr>
-              <a:t>Mid-semester test is worth 30% of assessment (more details later)</a:t>
-            </a:r>
-          </a:p>
-          <a:p>
-            <a:r>
-              <a:rPr lang="en-AU" sz="2000" dirty="0">
-                <a:cs typeface="Arial" panose="020B0604020202020204" pitchFamily="34" charset="0"/>
-              </a:rPr>
-              <a:t>Final Exam: 50% of final assessment</a:t>
-            </a:r>
-          </a:p>
-          <a:p>
-            <a:pPr lvl="1"/>
-            <a:r>
-              <a:rPr lang="en-AU" sz="2000" dirty="0">
-                <a:cs typeface="Arial" panose="020B0604020202020204" pitchFamily="34" charset="0"/>
-              </a:rPr>
-              <a:t>Exam overview will be done in week 11 or 12.</a:t>
-            </a:r>
-            <a:endParaRPr lang="en-AU" dirty="0">
-              <a:cs typeface="Arial" panose="020B0604020202020204" pitchFamily="34" charset="0"/>
-            </a:endParaRPr>
+              <a:rPr lang="en-US" sz="3000" b="1" dirty="0"/>
+              <a:t>Lab Setup </a:t>
+            </a:r>
+            <a:r>
+              <a:rPr lang="en-US" sz="2000" b="1" dirty="0"/>
+              <a:t>(refer to lab 1)</a:t>
+            </a:r>
+            <a:endParaRPr lang="en-AU" sz="3000" b="1" dirty="0"/>
           </a:p>
         </p:txBody>
       </p:sp>
     </p:spTree>
     <p:extLst>
       <p:ext uri="{BB962C8B-B14F-4D97-AF65-F5344CB8AC3E}">
-        <p14:creationId xmlns:p14="http://schemas.microsoft.com/office/powerpoint/2010/main" val="1892611882"/>
+        <p14:creationId xmlns:p14="http://schemas.microsoft.com/office/powerpoint/2010/main" val="616269216"/>
       </p:ext>
     </p:extLst>
   </p:cSld>
@@ -20396,7 +20441,13 @@
       </p:grpSpPr>
       <p:sp>
         <p:nvSpPr>
-          <p:cNvPr id="2" name="Title 1"/>
+          <p:cNvPr id="2" name="Title 1">
+            <a:extLst>
+              <a:ext uri="{FF2B5EF4-FFF2-40B4-BE49-F238E27FC236}">
+                <a16:creationId xmlns:a16="http://schemas.microsoft.com/office/drawing/2014/main" id="{DDA4E7FC-13D5-D64F-970D-EE15EF0A474C}"/>
+              </a:ext>
+            </a:extLst>
+          </p:cNvPr>
           <p:cNvSpPr>
             <a:spLocks noGrp="1"/>
           </p:cNvSpPr>
@@ -20406,8 +20457,8 @@
         </p:nvSpPr>
         <p:spPr>
           <a:xfrm>
-            <a:off x="456746" y="104062"/>
-            <a:ext cx="2543629" cy="783112"/>
+            <a:off x="377190" y="223520"/>
+            <a:ext cx="7886700" cy="915034"/>
           </a:xfrm>
         </p:spPr>
         <p:txBody>
@@ -20416,14 +20467,20 @@
           <a:p>
             <a:r>
               <a:rPr lang="en-AU" b="1" dirty="0"/>
-              <a:t>Enquiries</a:t>
+              <a:t>Other Assessments</a:t>
             </a:r>
           </a:p>
         </p:txBody>
       </p:sp>
       <p:sp>
         <p:nvSpPr>
-          <p:cNvPr id="3" name="Content Placeholder 2"/>
+          <p:cNvPr id="3" name="Content Placeholder 2">
+            <a:extLst>
+              <a:ext uri="{FF2B5EF4-FFF2-40B4-BE49-F238E27FC236}">
+                <a16:creationId xmlns:a16="http://schemas.microsoft.com/office/drawing/2014/main" id="{D414E03A-E6FC-764F-9D80-282B98177B8B}"/>
+              </a:ext>
+            </a:extLst>
+          </p:cNvPr>
           <p:cNvSpPr>
             <a:spLocks noGrp="1"/>
           </p:cNvSpPr>
@@ -20433,8 +20490,8 @@
         </p:nvSpPr>
         <p:spPr>
           <a:xfrm>
-            <a:off x="456746" y="887174"/>
-            <a:ext cx="8052772" cy="3871160"/>
+            <a:off x="377189" y="1253331"/>
+            <a:ext cx="8444081" cy="4351338"/>
           </a:xfrm>
         </p:spPr>
         <p:txBody>
@@ -20443,27 +20500,26 @@
           </a:bodyPr>
           <a:lstStyle/>
           <a:p>
-            <a:pPr lvl="1"/>
-            <a:endParaRPr lang="en-AU" dirty="0">
-              <a:latin typeface="Arial" panose="020B0604020202020204" pitchFamily="34" charset="0"/>
-              <a:cs typeface="Arial" panose="020B0604020202020204" pitchFamily="34" charset="0"/>
-            </a:endParaRPr>
-          </a:p>
-          <a:p>
             <a:r>
               <a:rPr lang="en-AU" sz="2000" dirty="0">
                 <a:cs typeface="Arial" panose="020B0604020202020204" pitchFamily="34" charset="0"/>
               </a:rPr>
-              <a:t>Office hours</a:t>
-            </a:r>
-          </a:p>
-          <a:p>
-            <a:pPr lvl="1"/>
+              <a:t>Mid-semester test is scheduled in </a:t>
+            </a:r>
+            <a:r>
+              <a:rPr lang="en-AU" sz="2000" dirty="0">
+                <a:solidFill>
+                  <a:srgbClr val="FF0000"/>
+                </a:solidFill>
+                <a:cs typeface="Arial" panose="020B0604020202020204" pitchFamily="34" charset="0"/>
+              </a:rPr>
+              <a:t>Week 6</a:t>
+            </a:r>
             <a:r>
               <a:rPr lang="en-AU" sz="2000" dirty="0">
                 <a:cs typeface="Arial" panose="020B0604020202020204" pitchFamily="34" charset="0"/>
               </a:rPr>
-              <a:t>Maybe Friday 12 – 2pm (F2F and virtual) -&gt; this is just an arbitrary slot</a:t>
+              <a:t>. </a:t>
             </a:r>
           </a:p>
           <a:p>
@@ -20472,72 +20528,26 @@
               <a:rPr lang="en-AU" sz="2000" dirty="0">
                 <a:cs typeface="Arial" panose="020B0604020202020204" pitchFamily="34" charset="0"/>
               </a:rPr>
-              <a:t>Other times can be arranged too (email </a:t>
-            </a:r>
-            <a:r>
-              <a:rPr lang="en-AU" sz="2000" dirty="0">
-                <a:solidFill>
-                  <a:schemeClr val="accent6"/>
-                </a:solidFill>
-                <a:cs typeface="Arial" panose="020B0604020202020204" pitchFamily="34" charset="0"/>
-              </a:rPr>
-              <a:t>cits5503-pmc@uwa.edu.au</a:t>
-            </a:r>
+              <a:t>Mid-semester test is worth 30% of assessment (more details later)</a:t>
+            </a:r>
+          </a:p>
+          <a:p>
             <a:r>
               <a:rPr lang="en-AU" sz="2000" dirty="0">
                 <a:cs typeface="Arial" panose="020B0604020202020204" pitchFamily="34" charset="0"/>
               </a:rPr>
-              <a:t>) </a:t>
+              <a:t>Final Exam: 50% of final assessment</a:t>
             </a:r>
           </a:p>
           <a:p>
             <a:pPr lvl="1"/>
-            <a:endParaRPr lang="en-AU" sz="2000" dirty="0">
-              <a:cs typeface="Arial" panose="020B0604020202020204" pitchFamily="34" charset="0"/>
-            </a:endParaRPr>
-          </a:p>
-          <a:p>
             <a:r>
               <a:rPr lang="en-AU" sz="2000" dirty="0">
                 <a:cs typeface="Arial" panose="020B0604020202020204" pitchFamily="34" charset="0"/>
               </a:rPr>
-              <a:t>Lab Enquiries</a:t>
-            </a:r>
-          </a:p>
-          <a:p>
-            <a:pPr lvl="2"/>
-            <a:r>
-              <a:rPr lang="en-US" sz="2000" dirty="0">
-                <a:cs typeface="Arial" panose="020B0604020202020204" pitchFamily="34" charset="0"/>
-              </a:rPr>
-              <a:t>Ask on Teams (but remember not to share answers)</a:t>
-            </a:r>
-            <a:endParaRPr lang="en-AU" sz="2000" dirty="0">
-              <a:cs typeface="Arial" panose="020B0604020202020204" pitchFamily="34" charset="0"/>
-            </a:endParaRPr>
-          </a:p>
-          <a:p>
-            <a:pPr lvl="2"/>
-            <a:r>
-              <a:rPr lang="en-AU" sz="2000" dirty="0">
-                <a:cs typeface="Arial" panose="020B0604020202020204" pitchFamily="34" charset="0"/>
-              </a:rPr>
-              <a:t>Ask during the lab session</a:t>
-            </a:r>
-          </a:p>
-          <a:p>
-            <a:pPr lvl="2"/>
-            <a:r>
-              <a:rPr lang="en-AU" sz="2000" dirty="0">
-                <a:cs typeface="Arial" panose="020B0604020202020204" pitchFamily="34" charset="0"/>
-              </a:rPr>
-              <a:t>If all fails, email us</a:t>
-            </a:r>
-          </a:p>
-          <a:p>
-            <a:pPr lvl="2"/>
+              <a:t>Exam overview will be done in week 11 or 12.</a:t>
+            </a:r>
             <a:endParaRPr lang="en-AU" dirty="0">
-              <a:latin typeface="Arial" panose="020B0604020202020204" pitchFamily="34" charset="0"/>
               <a:cs typeface="Arial" panose="020B0604020202020204" pitchFamily="34" charset="0"/>
             </a:endParaRPr>
           </a:p>
@@ -20546,7 +20556,7 @@
     </p:spTree>
     <p:extLst>
       <p:ext uri="{BB962C8B-B14F-4D97-AF65-F5344CB8AC3E}">
-        <p14:creationId xmlns:p14="http://schemas.microsoft.com/office/powerpoint/2010/main" val="2115377926"/>
+        <p14:creationId xmlns:p14="http://schemas.microsoft.com/office/powerpoint/2010/main" val="1892611882"/>
       </p:ext>
     </p:extLst>
   </p:cSld>
@@ -20766,6 +20776,185 @@
         </p:nvSpPr>
         <p:spPr>
           <a:xfrm>
+            <a:off x="456746" y="104062"/>
+            <a:ext cx="2543629" cy="783112"/>
+          </a:xfrm>
+        </p:spPr>
+        <p:txBody>
+          <a:bodyPr/>
+          <a:lstStyle/>
+          <a:p>
+            <a:r>
+              <a:rPr lang="en-AU" b="1" dirty="0"/>
+              <a:t>Enquiries</a:t>
+            </a:r>
+          </a:p>
+        </p:txBody>
+      </p:sp>
+      <p:sp>
+        <p:nvSpPr>
+          <p:cNvPr id="3" name="Content Placeholder 2"/>
+          <p:cNvSpPr>
+            <a:spLocks noGrp="1"/>
+          </p:cNvSpPr>
+          <p:nvPr>
+            <p:ph idx="1"/>
+          </p:nvPr>
+        </p:nvSpPr>
+        <p:spPr>
+          <a:xfrm>
+            <a:off x="456746" y="887174"/>
+            <a:ext cx="8052772" cy="3871160"/>
+          </a:xfrm>
+        </p:spPr>
+        <p:txBody>
+          <a:bodyPr>
+            <a:normAutofit/>
+          </a:bodyPr>
+          <a:lstStyle/>
+          <a:p>
+            <a:pPr lvl="1"/>
+            <a:endParaRPr lang="en-AU" dirty="0">
+              <a:latin typeface="Arial" panose="020B0604020202020204" pitchFamily="34" charset="0"/>
+              <a:cs typeface="Arial" panose="020B0604020202020204" pitchFamily="34" charset="0"/>
+            </a:endParaRPr>
+          </a:p>
+          <a:p>
+            <a:r>
+              <a:rPr lang="en-AU" sz="2000" dirty="0">
+                <a:cs typeface="Arial" panose="020B0604020202020204" pitchFamily="34" charset="0"/>
+              </a:rPr>
+              <a:t>Office hours</a:t>
+            </a:r>
+          </a:p>
+          <a:p>
+            <a:pPr lvl="1"/>
+            <a:r>
+              <a:rPr lang="en-AU" sz="2000" dirty="0">
+                <a:cs typeface="Arial" panose="020B0604020202020204" pitchFamily="34" charset="0"/>
+              </a:rPr>
+              <a:t>Maybe Friday 12 – 2pm (F2F and virtual) -&gt; this is just an arbitrary slot</a:t>
+            </a:r>
+          </a:p>
+          <a:p>
+            <a:pPr lvl="1"/>
+            <a:r>
+              <a:rPr lang="en-AU" sz="2000" dirty="0">
+                <a:cs typeface="Arial" panose="020B0604020202020204" pitchFamily="34" charset="0"/>
+              </a:rPr>
+              <a:t>Other times can be arranged too (email </a:t>
+            </a:r>
+            <a:r>
+              <a:rPr lang="en-AU" sz="2000" dirty="0">
+                <a:solidFill>
+                  <a:schemeClr val="accent6"/>
+                </a:solidFill>
+                <a:cs typeface="Arial" panose="020B0604020202020204" pitchFamily="34" charset="0"/>
+              </a:rPr>
+              <a:t>cits5503-pmc@uwa.edu.au</a:t>
+            </a:r>
+            <a:r>
+              <a:rPr lang="en-AU" sz="2000" dirty="0">
+                <a:cs typeface="Arial" panose="020B0604020202020204" pitchFamily="34" charset="0"/>
+              </a:rPr>
+              <a:t>) </a:t>
+            </a:r>
+          </a:p>
+          <a:p>
+            <a:pPr lvl="1"/>
+            <a:endParaRPr lang="en-AU" sz="2000" dirty="0">
+              <a:cs typeface="Arial" panose="020B0604020202020204" pitchFamily="34" charset="0"/>
+            </a:endParaRPr>
+          </a:p>
+          <a:p>
+            <a:r>
+              <a:rPr lang="en-AU" sz="2000" dirty="0">
+                <a:cs typeface="Arial" panose="020B0604020202020204" pitchFamily="34" charset="0"/>
+              </a:rPr>
+              <a:t>Lab Enquiries</a:t>
+            </a:r>
+          </a:p>
+          <a:p>
+            <a:pPr lvl="2"/>
+            <a:r>
+              <a:rPr lang="en-US" sz="2000" dirty="0">
+                <a:cs typeface="Arial" panose="020B0604020202020204" pitchFamily="34" charset="0"/>
+              </a:rPr>
+              <a:t>Ask on Teams (but remember not to share answers)</a:t>
+            </a:r>
+            <a:endParaRPr lang="en-AU" sz="2000" dirty="0">
+              <a:cs typeface="Arial" panose="020B0604020202020204" pitchFamily="34" charset="0"/>
+            </a:endParaRPr>
+          </a:p>
+          <a:p>
+            <a:pPr lvl="2"/>
+            <a:r>
+              <a:rPr lang="en-AU" sz="2000" dirty="0">
+                <a:cs typeface="Arial" panose="020B0604020202020204" pitchFamily="34" charset="0"/>
+              </a:rPr>
+              <a:t>Ask during the lab session</a:t>
+            </a:r>
+          </a:p>
+          <a:p>
+            <a:pPr lvl="2"/>
+            <a:r>
+              <a:rPr lang="en-AU" sz="2000" dirty="0">
+                <a:cs typeface="Arial" panose="020B0604020202020204" pitchFamily="34" charset="0"/>
+              </a:rPr>
+              <a:t>If all fails, email us</a:t>
+            </a:r>
+          </a:p>
+          <a:p>
+            <a:pPr lvl="2"/>
+            <a:endParaRPr lang="en-AU" dirty="0">
+              <a:latin typeface="Arial" panose="020B0604020202020204" pitchFamily="34" charset="0"/>
+              <a:cs typeface="Arial" panose="020B0604020202020204" pitchFamily="34" charset="0"/>
+            </a:endParaRPr>
+          </a:p>
+        </p:txBody>
+      </p:sp>
+    </p:spTree>
+    <p:extLst>
+      <p:ext uri="{BB962C8B-B14F-4D97-AF65-F5344CB8AC3E}">
+        <p14:creationId xmlns:p14="http://schemas.microsoft.com/office/powerpoint/2010/main" val="2115377926"/>
+      </p:ext>
+    </p:extLst>
+  </p:cSld>
+  <p:clrMapOvr>
+    <a:masterClrMapping/>
+  </p:clrMapOvr>
+</p:sld>
+</file>
+
+<file path=ppt/slides/slide31.xml><?xml version="1.0" encoding="utf-8"?>
+<p:sld xmlns:a="http://schemas.openxmlformats.org/drawingml/2006/main" xmlns:r="http://schemas.openxmlformats.org/officeDocument/2006/relationships" xmlns:p="http://schemas.openxmlformats.org/presentationml/2006/main">
+  <p:cSld>
+    <p:spTree>
+      <p:nvGrpSpPr>
+        <p:cNvPr id="1" name=""/>
+        <p:cNvGrpSpPr/>
+        <p:nvPr/>
+      </p:nvGrpSpPr>
+      <p:grpSpPr>
+        <a:xfrm>
+          <a:off x="0" y="0"/>
+          <a:ext cx="0" cy="0"/>
+          <a:chOff x="0" y="0"/>
+          <a:chExt cx="0" cy="0"/>
+        </a:xfrm>
+      </p:grpSpPr>
+      <p:sp>
+        <p:nvSpPr>
+          <p:cNvPr id="2" name="Title 1"/>
+          <p:cNvSpPr>
+            <a:spLocks noGrp="1"/>
+          </p:cNvSpPr>
+          <p:nvPr>
+            <p:ph type="title"/>
+          </p:nvPr>
+        </p:nvSpPr>
+        <p:spPr>
+          <a:xfrm>
             <a:off x="485775" y="220662"/>
             <a:ext cx="2271713" cy="920749"/>
           </a:xfrm>
@@ -20853,7 +21042,7 @@
 </p:sld>
 </file>
 
-<file path=ppt/slides/slide31.xml><?xml version="1.0" encoding="utf-8"?>
+<file path=ppt/slides/slide32.xml><?xml version="1.0" encoding="utf-8"?>
 <p:sld xmlns:a="http://schemas.openxmlformats.org/drawingml/2006/main" xmlns:r="http://schemas.openxmlformats.org/officeDocument/2006/relationships" xmlns:p="http://schemas.openxmlformats.org/presentationml/2006/main">
   <p:cSld>
     <p:spTree>
@@ -20988,7 +21177,7 @@
 </p:sld>
 </file>
 
-<file path=ppt/slides/slide32.xml><?xml version="1.0" encoding="utf-8"?>
+<file path=ppt/slides/slide33.xml><?xml version="1.0" encoding="utf-8"?>
 <p:sld xmlns:a="http://schemas.openxmlformats.org/drawingml/2006/main" xmlns:r="http://schemas.openxmlformats.org/officeDocument/2006/relationships" xmlns:p="http://schemas.openxmlformats.org/presentationml/2006/main">
   <p:cSld>
     <p:spTree>
@@ -21357,7 +21546,7 @@
 </p:sld>
 </file>
 
-<file path=ppt/slides/slide33.xml><?xml version="1.0" encoding="utf-8"?>
+<file path=ppt/slides/slide34.xml><?xml version="1.0" encoding="utf-8"?>
 <p:sld xmlns:a="http://schemas.openxmlformats.org/drawingml/2006/main" xmlns:r="http://schemas.openxmlformats.org/officeDocument/2006/relationships" xmlns:p="http://schemas.openxmlformats.org/presentationml/2006/main">
   <p:cSld>
     <p:spTree>
@@ -21588,336 +21777,6 @@
     <p:extLst>
       <p:ext uri="{BB962C8B-B14F-4D97-AF65-F5344CB8AC3E}">
         <p14:creationId xmlns:p14="http://schemas.microsoft.com/office/powerpoint/2010/main" val="23196158"/>
-      </p:ext>
-    </p:extLst>
-  </p:cSld>
-  <p:clrMapOvr>
-    <a:masterClrMapping/>
-  </p:clrMapOvr>
-</p:sld>
-</file>
-
-<file path=ppt/slides/slide34.xml><?xml version="1.0" encoding="utf-8"?>
-<p:sld xmlns:a="http://schemas.openxmlformats.org/drawingml/2006/main" xmlns:r="http://schemas.openxmlformats.org/officeDocument/2006/relationships" xmlns:p="http://schemas.openxmlformats.org/presentationml/2006/main">
-  <p:cSld>
-    <p:spTree>
-      <p:nvGrpSpPr>
-        <p:cNvPr id="1" name=""/>
-        <p:cNvGrpSpPr/>
-        <p:nvPr/>
-      </p:nvGrpSpPr>
-      <p:grpSpPr>
-        <a:xfrm>
-          <a:off x="0" y="0"/>
-          <a:ext cx="0" cy="0"/>
-          <a:chOff x="0" y="0"/>
-          <a:chExt cx="0" cy="0"/>
-        </a:xfrm>
-      </p:grpSpPr>
-      <p:sp>
-        <p:nvSpPr>
-          <p:cNvPr id="417" name="Title 1"/>
-          <p:cNvSpPr txBox="1">
-            <a:spLocks noGrp="1"/>
-          </p:cNvSpPr>
-          <p:nvPr>
-            <p:ph type="title"/>
-          </p:nvPr>
-        </p:nvSpPr>
-        <p:spPr>
-          <a:xfrm>
-            <a:off x="304186" y="200693"/>
-            <a:ext cx="3958098" cy="994172"/>
-          </a:xfrm>
-          <a:prstGeom prst="rect">
-            <a:avLst/>
-          </a:prstGeom>
-        </p:spPr>
-        <p:txBody>
-          <a:bodyPr/>
-          <a:lstStyle/>
-          <a:p>
-            <a:r>
-              <a:rPr lang="en-AU" b="1" dirty="0"/>
-              <a:t>Formal definition</a:t>
-            </a:r>
-            <a:endParaRPr b="1" dirty="0"/>
-          </a:p>
-        </p:txBody>
-      </p:sp>
-      <p:sp>
-        <p:nvSpPr>
-          <p:cNvPr id="418" name="Content Placeholder 2"/>
-          <p:cNvSpPr txBox="1">
-            <a:spLocks noGrp="1"/>
-          </p:cNvSpPr>
-          <p:nvPr>
-            <p:ph type="body" idx="1"/>
-          </p:nvPr>
-        </p:nvSpPr>
-        <p:spPr>
-          <a:xfrm>
-            <a:off x="529097" y="1381546"/>
-            <a:ext cx="8344372" cy="5022745"/>
-          </a:xfrm>
-          <a:prstGeom prst="rect">
-            <a:avLst/>
-          </a:prstGeom>
-        </p:spPr>
-        <p:txBody>
-          <a:bodyPr>
-            <a:normAutofit/>
-          </a:bodyPr>
-          <a:lstStyle/>
-          <a:p>
-            <a:pPr>
-              <a:lnSpc>
-                <a:spcPct val="81000"/>
-              </a:lnSpc>
-              <a:defRPr sz="2500"/>
-            </a:pPr>
-            <a:r>
-              <a:rPr sz="2000" dirty="0"/>
-              <a:t>According to NIST</a:t>
-            </a:r>
-            <a:r>
-              <a:rPr lang="en-AU" sz="2000" dirty="0"/>
-              <a:t> (USA’s </a:t>
-            </a:r>
-            <a:r>
-              <a:rPr lang="en-US" sz="2000" dirty="0"/>
-              <a:t>National Institute of Standards and Technology</a:t>
-            </a:r>
-            <a:r>
-              <a:rPr lang="en-AU" sz="2000" dirty="0"/>
-              <a:t>)</a:t>
-            </a:r>
-            <a:r>
-              <a:rPr sz="2000" dirty="0"/>
-              <a:t>:</a:t>
-            </a:r>
-          </a:p>
-          <a:p>
-            <a:pPr>
-              <a:lnSpc>
-                <a:spcPct val="81000"/>
-              </a:lnSpc>
-              <a:defRPr sz="2500"/>
-            </a:pPr>
-            <a:endParaRPr dirty="0"/>
-          </a:p>
-          <a:p>
-            <a:pPr>
-              <a:lnSpc>
-                <a:spcPct val="81000"/>
-              </a:lnSpc>
-              <a:defRPr sz="2500"/>
-            </a:pPr>
-            <a:endParaRPr dirty="0"/>
-          </a:p>
-          <a:p>
-            <a:pPr>
-              <a:lnSpc>
-                <a:spcPct val="81000"/>
-              </a:lnSpc>
-              <a:defRPr sz="2500"/>
-            </a:pPr>
-            <a:endParaRPr dirty="0"/>
-          </a:p>
-          <a:p>
-            <a:pPr>
-              <a:lnSpc>
-                <a:spcPct val="81000"/>
-              </a:lnSpc>
-              <a:defRPr sz="2500"/>
-            </a:pPr>
-            <a:endParaRPr dirty="0"/>
-          </a:p>
-          <a:p>
-            <a:pPr marL="0" indent="0">
-              <a:lnSpc>
-                <a:spcPct val="81000"/>
-              </a:lnSpc>
-              <a:buNone/>
-              <a:defRPr sz="2500"/>
-            </a:pPr>
-            <a:endParaRPr lang="en-AU" dirty="0"/>
-          </a:p>
-          <a:p>
-            <a:pPr>
-              <a:lnSpc>
-                <a:spcPct val="81000"/>
-              </a:lnSpc>
-              <a:defRPr sz="2500"/>
-            </a:pPr>
-            <a:r>
-              <a:rPr sz="2000" dirty="0"/>
-              <a:t>Essential characteristics</a:t>
-            </a:r>
-            <a:r>
-              <a:rPr lang="en-AU" sz="2000" dirty="0"/>
-              <a:t>/benefits</a:t>
-            </a:r>
-            <a:r>
-              <a:rPr sz="2000" dirty="0"/>
-              <a:t>:</a:t>
-            </a:r>
-          </a:p>
-          <a:p>
-            <a:pPr lvl="1">
-              <a:lnSpc>
-                <a:spcPct val="81000"/>
-              </a:lnSpc>
-              <a:defRPr sz="2200"/>
-            </a:pPr>
-            <a:r>
-              <a:rPr sz="2000" dirty="0"/>
-              <a:t>On-demand self service</a:t>
-            </a:r>
-            <a:endParaRPr lang="en-AU" sz="2000" dirty="0"/>
-          </a:p>
-          <a:p>
-            <a:pPr lvl="2">
-              <a:lnSpc>
-                <a:spcPct val="81000"/>
-              </a:lnSpc>
-              <a:defRPr sz="2200"/>
-            </a:pPr>
-            <a:r>
-              <a:rPr lang="en-US" sz="2000" dirty="0"/>
-              <a:t>Cloud providers allows us to provision computing resources, such as virtual machines, without interacting with them. </a:t>
-            </a:r>
-            <a:endParaRPr sz="2000" dirty="0"/>
-          </a:p>
-          <a:p>
-            <a:pPr lvl="1">
-              <a:lnSpc>
-                <a:spcPct val="81000"/>
-              </a:lnSpc>
-              <a:defRPr sz="2200"/>
-            </a:pPr>
-            <a:r>
-              <a:rPr sz="2000" dirty="0"/>
-              <a:t>Broad network access</a:t>
-            </a:r>
-            <a:endParaRPr lang="en-AU" sz="2000" dirty="0"/>
-          </a:p>
-          <a:p>
-            <a:pPr lvl="2">
-              <a:lnSpc>
-                <a:spcPct val="81000"/>
-              </a:lnSpc>
-              <a:defRPr sz="2200"/>
-            </a:pPr>
-            <a:r>
-              <a:rPr lang="en-US" sz="2000" dirty="0"/>
-              <a:t>cloud services are accessible over a network in various ways.</a:t>
-            </a:r>
-            <a:endParaRPr sz="2000" dirty="0"/>
-          </a:p>
-          <a:p>
-            <a:pPr lvl="1">
-              <a:lnSpc>
-                <a:spcPct val="81000"/>
-              </a:lnSpc>
-              <a:defRPr sz="2200"/>
-            </a:pPr>
-            <a:endParaRPr lang="en-AU" dirty="0"/>
-          </a:p>
-        </p:txBody>
-      </p:sp>
-      <p:sp>
-        <p:nvSpPr>
-          <p:cNvPr id="420" name="TextBox 5"/>
-          <p:cNvSpPr txBox="1"/>
-          <p:nvPr/>
-        </p:nvSpPr>
-        <p:spPr>
-          <a:xfrm>
-            <a:off x="852410" y="1818650"/>
-            <a:ext cx="7439180" cy="1200329"/>
-          </a:xfrm>
-          <a:prstGeom prst="rect">
-            <a:avLst/>
-          </a:prstGeom>
-          <a:ln w="12700">
-            <a:miter lim="400000"/>
-          </a:ln>
-          <a:extLst>
-            <a:ext uri="{C572A759-6A51-4108-AA02-DFA0A04FC94B}">
-              <ma14:wrappingTextBoxFlag xmlns:ma14="http://schemas.microsoft.com/office/mac/drawingml/2011/main" xmlns:a14="http://schemas.microsoft.com/office/drawing/2010/main" xmlns:m="http://schemas.openxmlformats.org/officeDocument/2006/math" xmlns="" val="1"/>
-            </a:ext>
-          </a:extLst>
-        </p:spPr>
-        <p:txBody>
-          <a:bodyPr wrap="square" lIns="34289" rIns="34289">
-            <a:spAutoFit/>
-          </a:bodyPr>
-          <a:lstStyle/>
-          <a:p>
-            <a:pPr algn="l">
-              <a:defRPr sz="1800">
-                <a:latin typeface="Tahoma"/>
-                <a:ea typeface="Tahoma"/>
-                <a:cs typeface="Tahoma"/>
-                <a:sym typeface="Tahoma"/>
-              </a:defRPr>
-            </a:pPr>
-            <a:r>
-              <a:rPr dirty="0">
-                <a:latin typeface="+mn-lt"/>
-              </a:rPr>
-              <a:t>Cloud computing is a model for enabling convenient, on-demand network access to a shared pool of configurable computing resources (e.g., </a:t>
-            </a:r>
-            <a:r>
-              <a:rPr lang="en-AU" dirty="0">
-                <a:latin typeface="+mn-lt"/>
-              </a:rPr>
-              <a:t>processors, </a:t>
-            </a:r>
-            <a:r>
-              <a:rPr dirty="0">
-                <a:latin typeface="+mn-lt"/>
-              </a:rPr>
-              <a:t>network</a:t>
-            </a:r>
-            <a:r>
-              <a:rPr lang="en-AU" dirty="0">
-                <a:latin typeface="+mn-lt"/>
-              </a:rPr>
-              <a:t>s</a:t>
-            </a:r>
-            <a:r>
-              <a:rPr dirty="0">
-                <a:latin typeface="+mn-lt"/>
-              </a:rPr>
-              <a:t>, storage) that can be rapidly provisioned </a:t>
-            </a:r>
-            <a:r>
-              <a:rPr lang="en-AU" dirty="0">
-                <a:latin typeface="+mn-lt"/>
-              </a:rPr>
-              <a:t>a</a:t>
-            </a:r>
-            <a:r>
-              <a:rPr dirty="0" err="1">
-                <a:latin typeface="+mn-lt"/>
-              </a:rPr>
-              <a:t>nd</a:t>
-            </a:r>
-            <a:r>
-              <a:rPr dirty="0">
-                <a:latin typeface="+mn-lt"/>
-              </a:rPr>
-              <a:t> released with minimal management effort or service provider interaction. </a:t>
-            </a:r>
-          </a:p>
-        </p:txBody>
-      </p:sp>
-    </p:spTree>
-    <p:extLst>
-      <p:ext uri="{BB962C8B-B14F-4D97-AF65-F5344CB8AC3E}">
-        <p14:creationId xmlns:p14="http://schemas.microsoft.com/office/powerpoint/2010/main" val="1485512427"/>
       </p:ext>
     </p:extLst>
   </p:cSld>
@@ -21996,7 +21855,7 @@
         </p:spPr>
         <p:txBody>
           <a:bodyPr>
-            <a:normAutofit lnSpcReduction="10000"/>
+            <a:normAutofit/>
           </a:bodyPr>
           <a:lstStyle/>
           <a:p>
@@ -22104,6 +21963,20 @@
               <a:rPr sz="2000" dirty="0"/>
               <a:t>On-demand self service</a:t>
             </a:r>
+            <a:endParaRPr lang="en-AU" sz="2000" dirty="0"/>
+          </a:p>
+          <a:p>
+            <a:pPr lvl="2">
+              <a:lnSpc>
+                <a:spcPct val="81000"/>
+              </a:lnSpc>
+              <a:defRPr sz="2200"/>
+            </a:pPr>
+            <a:r>
+              <a:rPr lang="en-US" sz="2000" dirty="0"/>
+              <a:t>Cloud providers allows us to provision computing resources, such as virtual machines, without interacting with them. </a:t>
+            </a:r>
+            <a:endParaRPr sz="2000" dirty="0"/>
           </a:p>
           <a:p>
             <a:pPr lvl="1">
@@ -22116,6 +21989,20 @@
               <a:rPr sz="2000" dirty="0"/>
               <a:t>Broad network access</a:t>
             </a:r>
+            <a:endParaRPr lang="en-AU" sz="2000" dirty="0"/>
+          </a:p>
+          <a:p>
+            <a:pPr lvl="2">
+              <a:lnSpc>
+                <a:spcPct val="81000"/>
+              </a:lnSpc>
+              <a:defRPr sz="2200"/>
+            </a:pPr>
+            <a:r>
+              <a:rPr lang="en-US" sz="2000" dirty="0"/>
+              <a:t>cloud services are accessible over a network in various ways.</a:t>
+            </a:r>
+            <a:endParaRPr sz="2000" dirty="0"/>
           </a:p>
           <a:p>
             <a:pPr lvl="1">
@@ -22124,49 +22011,7 @@
               </a:lnSpc>
               <a:defRPr sz="2200"/>
             </a:pPr>
-            <a:r>
-              <a:rPr sz="2000" dirty="0"/>
-              <a:t>Resource pooling</a:t>
-            </a:r>
-            <a:endParaRPr lang="en-AU" sz="2000" dirty="0"/>
-          </a:p>
-          <a:p>
-            <a:pPr lvl="2">
-              <a:lnSpc>
-                <a:spcPct val="81000"/>
-              </a:lnSpc>
-              <a:defRPr sz="2200"/>
-            </a:pPr>
-            <a:r>
-              <a:rPr lang="en-US" sz="2000" dirty="0"/>
-              <a:t>Cloud providers consolidate and share computing resources among many users. </a:t>
-            </a:r>
-            <a:endParaRPr sz="2000" dirty="0"/>
-          </a:p>
-          <a:p>
-            <a:pPr lvl="1">
-              <a:lnSpc>
-                <a:spcPct val="81000"/>
-              </a:lnSpc>
-              <a:defRPr sz="2200"/>
-            </a:pPr>
-            <a:r>
-              <a:rPr sz="2000" dirty="0"/>
-              <a:t>Rapid elasticity</a:t>
-            </a:r>
-          </a:p>
-          <a:p>
-            <a:pPr lvl="2">
-              <a:lnSpc>
-                <a:spcPct val="81000"/>
-              </a:lnSpc>
-              <a:defRPr sz="2200"/>
-            </a:pPr>
-            <a:r>
-              <a:rPr lang="en-US" sz="2000" dirty="0"/>
-              <a:t>Cloud providers enables the quick and automatic scaling of underlying hardware resources based on workload demands</a:t>
-            </a:r>
-            <a:endParaRPr lang="en-AU" sz="2000" dirty="0"/>
+            <a:endParaRPr lang="en-AU" dirty="0"/>
           </a:p>
         </p:txBody>
       </p:sp>
@@ -22253,18 +22098,15 @@
               <a:rPr dirty="0">
                 <a:latin typeface="+mn-lt"/>
               </a:rPr>
-              <a:t> released with minimal management effort or service provider interaction.</a:t>
-            </a:r>
-            <a:endParaRPr lang="en-AU" dirty="0">
-              <a:latin typeface="+mn-lt"/>
-            </a:endParaRPr>
+              <a:t> released with minimal management effort or service provider interaction. </a:t>
+            </a:r>
           </a:p>
         </p:txBody>
       </p:sp>
     </p:spTree>
     <p:extLst>
       <p:ext uri="{BB962C8B-B14F-4D97-AF65-F5344CB8AC3E}">
-        <p14:creationId xmlns:p14="http://schemas.microsoft.com/office/powerpoint/2010/main" val="2576467602"/>
+        <p14:creationId xmlns:p14="http://schemas.microsoft.com/office/powerpoint/2010/main" val="1485512427"/>
       </p:ext>
     </p:extLst>
   </p:cSld>
@@ -22343,7 +22185,7 @@
         </p:spPr>
         <p:txBody>
           <a:bodyPr>
-            <a:normAutofit/>
+            <a:normAutofit lnSpcReduction="10000"/>
           </a:bodyPr>
           <a:lstStyle/>
           <a:p>
@@ -22475,6 +22317,20 @@
               <a:rPr sz="2000" dirty="0"/>
               <a:t>Resource pooling</a:t>
             </a:r>
+            <a:endParaRPr lang="en-AU" sz="2000" dirty="0"/>
+          </a:p>
+          <a:p>
+            <a:pPr lvl="2">
+              <a:lnSpc>
+                <a:spcPct val="81000"/>
+              </a:lnSpc>
+              <a:defRPr sz="2200"/>
+            </a:pPr>
+            <a:r>
+              <a:rPr lang="en-US" sz="2000" dirty="0"/>
+              <a:t>Cloud providers consolidate and share computing resources among many users. </a:t>
+            </a:r>
+            <a:endParaRPr sz="2000" dirty="0"/>
           </a:p>
           <a:p>
             <a:pPr lvl="1">
@@ -22489,19 +22345,6 @@
             </a:r>
           </a:p>
           <a:p>
-            <a:pPr lvl="1">
-              <a:lnSpc>
-                <a:spcPct val="81000"/>
-              </a:lnSpc>
-              <a:defRPr sz="2200"/>
-            </a:pPr>
-            <a:r>
-              <a:rPr sz="2000" dirty="0"/>
-              <a:t>Measured service</a:t>
-            </a:r>
-            <a:endParaRPr lang="en-AU" sz="2000" dirty="0"/>
-          </a:p>
-          <a:p>
             <a:pPr lvl="2">
               <a:lnSpc>
                 <a:spcPct val="81000"/>
@@ -22510,18 +22353,9 @@
             </a:pPr>
             <a:r>
               <a:rPr lang="en-US" sz="2000" dirty="0"/>
-              <a:t>Cloud providers allow users to pay as they go</a:t>
+              <a:t>Cloud providers enables the quick and automatic scaling of underlying hardware resources based on workload demands</a:t>
             </a:r>
             <a:endParaRPr lang="en-AU" sz="2000" dirty="0"/>
-          </a:p>
-          <a:p>
-            <a:pPr lvl="1">
-              <a:lnSpc>
-                <a:spcPct val="81000"/>
-              </a:lnSpc>
-              <a:defRPr sz="2200"/>
-            </a:pPr>
-            <a:endParaRPr lang="en-AU" dirty="0"/>
           </a:p>
         </p:txBody>
       </p:sp>
@@ -22608,6 +22442,361 @@
               <a:rPr dirty="0">
                 <a:latin typeface="+mn-lt"/>
               </a:rPr>
+              <a:t> released with minimal management effort or service provider interaction.</a:t>
+            </a:r>
+            <a:endParaRPr lang="en-AU" dirty="0">
+              <a:latin typeface="+mn-lt"/>
+            </a:endParaRPr>
+          </a:p>
+        </p:txBody>
+      </p:sp>
+    </p:spTree>
+    <p:extLst>
+      <p:ext uri="{BB962C8B-B14F-4D97-AF65-F5344CB8AC3E}">
+        <p14:creationId xmlns:p14="http://schemas.microsoft.com/office/powerpoint/2010/main" val="2576467602"/>
+      </p:ext>
+    </p:extLst>
+  </p:cSld>
+  <p:clrMapOvr>
+    <a:masterClrMapping/>
+  </p:clrMapOvr>
+</p:sld>
+</file>
+
+<file path=ppt/slides/slide37.xml><?xml version="1.0" encoding="utf-8"?>
+<p:sld xmlns:a="http://schemas.openxmlformats.org/drawingml/2006/main" xmlns:r="http://schemas.openxmlformats.org/officeDocument/2006/relationships" xmlns:p="http://schemas.openxmlformats.org/presentationml/2006/main">
+  <p:cSld>
+    <p:spTree>
+      <p:nvGrpSpPr>
+        <p:cNvPr id="1" name=""/>
+        <p:cNvGrpSpPr/>
+        <p:nvPr/>
+      </p:nvGrpSpPr>
+      <p:grpSpPr>
+        <a:xfrm>
+          <a:off x="0" y="0"/>
+          <a:ext cx="0" cy="0"/>
+          <a:chOff x="0" y="0"/>
+          <a:chExt cx="0" cy="0"/>
+        </a:xfrm>
+      </p:grpSpPr>
+      <p:sp>
+        <p:nvSpPr>
+          <p:cNvPr id="417" name="Title 1"/>
+          <p:cNvSpPr txBox="1">
+            <a:spLocks noGrp="1"/>
+          </p:cNvSpPr>
+          <p:nvPr>
+            <p:ph type="title"/>
+          </p:nvPr>
+        </p:nvSpPr>
+        <p:spPr>
+          <a:xfrm>
+            <a:off x="304186" y="200693"/>
+            <a:ext cx="3958098" cy="994172"/>
+          </a:xfrm>
+          <a:prstGeom prst="rect">
+            <a:avLst/>
+          </a:prstGeom>
+        </p:spPr>
+        <p:txBody>
+          <a:bodyPr/>
+          <a:lstStyle/>
+          <a:p>
+            <a:r>
+              <a:rPr lang="en-AU" b="1" dirty="0"/>
+              <a:t>Formal definition</a:t>
+            </a:r>
+            <a:endParaRPr b="1" dirty="0"/>
+          </a:p>
+        </p:txBody>
+      </p:sp>
+      <p:sp>
+        <p:nvSpPr>
+          <p:cNvPr id="418" name="Content Placeholder 2"/>
+          <p:cNvSpPr txBox="1">
+            <a:spLocks noGrp="1"/>
+          </p:cNvSpPr>
+          <p:nvPr>
+            <p:ph type="body" idx="1"/>
+          </p:nvPr>
+        </p:nvSpPr>
+        <p:spPr>
+          <a:xfrm>
+            <a:off x="529097" y="1381546"/>
+            <a:ext cx="8344372" cy="5022745"/>
+          </a:xfrm>
+          <a:prstGeom prst="rect">
+            <a:avLst/>
+          </a:prstGeom>
+        </p:spPr>
+        <p:txBody>
+          <a:bodyPr>
+            <a:normAutofit/>
+          </a:bodyPr>
+          <a:lstStyle/>
+          <a:p>
+            <a:pPr>
+              <a:lnSpc>
+                <a:spcPct val="81000"/>
+              </a:lnSpc>
+              <a:defRPr sz="2500"/>
+            </a:pPr>
+            <a:r>
+              <a:rPr sz="2000" dirty="0"/>
+              <a:t>According to NIST</a:t>
+            </a:r>
+            <a:r>
+              <a:rPr lang="en-AU" sz="2000" dirty="0"/>
+              <a:t> (USA’s </a:t>
+            </a:r>
+            <a:r>
+              <a:rPr lang="en-US" sz="2000" dirty="0"/>
+              <a:t>National Institute of Standards and Technology</a:t>
+            </a:r>
+            <a:r>
+              <a:rPr lang="en-AU" sz="2000" dirty="0"/>
+              <a:t>)</a:t>
+            </a:r>
+            <a:r>
+              <a:rPr sz="2000" dirty="0"/>
+              <a:t>:</a:t>
+            </a:r>
+          </a:p>
+          <a:p>
+            <a:pPr>
+              <a:lnSpc>
+                <a:spcPct val="81000"/>
+              </a:lnSpc>
+              <a:defRPr sz="2500"/>
+            </a:pPr>
+            <a:endParaRPr dirty="0"/>
+          </a:p>
+          <a:p>
+            <a:pPr>
+              <a:lnSpc>
+                <a:spcPct val="81000"/>
+              </a:lnSpc>
+              <a:defRPr sz="2500"/>
+            </a:pPr>
+            <a:endParaRPr dirty="0"/>
+          </a:p>
+          <a:p>
+            <a:pPr>
+              <a:lnSpc>
+                <a:spcPct val="81000"/>
+              </a:lnSpc>
+              <a:defRPr sz="2500"/>
+            </a:pPr>
+            <a:endParaRPr dirty="0"/>
+          </a:p>
+          <a:p>
+            <a:pPr>
+              <a:lnSpc>
+                <a:spcPct val="81000"/>
+              </a:lnSpc>
+              <a:defRPr sz="2500"/>
+            </a:pPr>
+            <a:endParaRPr dirty="0"/>
+          </a:p>
+          <a:p>
+            <a:pPr marL="0" indent="0">
+              <a:lnSpc>
+                <a:spcPct val="81000"/>
+              </a:lnSpc>
+              <a:buNone/>
+              <a:defRPr sz="2500"/>
+            </a:pPr>
+            <a:endParaRPr lang="en-AU" dirty="0"/>
+          </a:p>
+          <a:p>
+            <a:pPr>
+              <a:lnSpc>
+                <a:spcPct val="81000"/>
+              </a:lnSpc>
+              <a:defRPr sz="2500"/>
+            </a:pPr>
+            <a:r>
+              <a:rPr sz="2000" dirty="0"/>
+              <a:t>Essential characteristics</a:t>
+            </a:r>
+            <a:r>
+              <a:rPr lang="en-AU" sz="2000" dirty="0"/>
+              <a:t>/benefits</a:t>
+            </a:r>
+            <a:r>
+              <a:rPr sz="2000" dirty="0"/>
+              <a:t>:</a:t>
+            </a:r>
+          </a:p>
+          <a:p>
+            <a:pPr lvl="1">
+              <a:lnSpc>
+                <a:spcPct val="81000"/>
+              </a:lnSpc>
+              <a:defRPr sz="2200"/>
+            </a:pPr>
+            <a:r>
+              <a:rPr sz="2000" dirty="0"/>
+              <a:t>On-demand self service</a:t>
+            </a:r>
+          </a:p>
+          <a:p>
+            <a:pPr lvl="1">
+              <a:lnSpc>
+                <a:spcPct val="81000"/>
+              </a:lnSpc>
+              <a:defRPr sz="2200"/>
+            </a:pPr>
+            <a:r>
+              <a:rPr sz="2000" dirty="0"/>
+              <a:t>Broad network access</a:t>
+            </a:r>
+          </a:p>
+          <a:p>
+            <a:pPr lvl="1">
+              <a:lnSpc>
+                <a:spcPct val="81000"/>
+              </a:lnSpc>
+              <a:defRPr sz="2200"/>
+            </a:pPr>
+            <a:r>
+              <a:rPr sz="2000" dirty="0"/>
+              <a:t>Resource pooling</a:t>
+            </a:r>
+          </a:p>
+          <a:p>
+            <a:pPr lvl="1">
+              <a:lnSpc>
+                <a:spcPct val="81000"/>
+              </a:lnSpc>
+              <a:defRPr sz="2200"/>
+            </a:pPr>
+            <a:r>
+              <a:rPr sz="2000" dirty="0"/>
+              <a:t>Rapid elasticity</a:t>
+            </a:r>
+          </a:p>
+          <a:p>
+            <a:pPr lvl="1">
+              <a:lnSpc>
+                <a:spcPct val="81000"/>
+              </a:lnSpc>
+              <a:defRPr sz="2200"/>
+            </a:pPr>
+            <a:r>
+              <a:rPr sz="2000" dirty="0"/>
+              <a:t>Measured service</a:t>
+            </a:r>
+            <a:endParaRPr lang="en-AU" sz="2000" dirty="0"/>
+          </a:p>
+          <a:p>
+            <a:pPr lvl="2">
+              <a:lnSpc>
+                <a:spcPct val="81000"/>
+              </a:lnSpc>
+              <a:defRPr sz="2200"/>
+            </a:pPr>
+            <a:r>
+              <a:rPr lang="en-US" sz="2000" dirty="0"/>
+              <a:t>Cloud providers allow users to pay as they go</a:t>
+            </a:r>
+            <a:endParaRPr lang="en-AU" sz="2000" dirty="0"/>
+          </a:p>
+          <a:p>
+            <a:pPr lvl="1">
+              <a:lnSpc>
+                <a:spcPct val="81000"/>
+              </a:lnSpc>
+              <a:defRPr sz="2200"/>
+            </a:pPr>
+            <a:endParaRPr lang="en-AU" dirty="0"/>
+          </a:p>
+        </p:txBody>
+      </p:sp>
+      <p:sp>
+        <p:nvSpPr>
+          <p:cNvPr id="420" name="TextBox 5"/>
+          <p:cNvSpPr txBox="1"/>
+          <p:nvPr/>
+        </p:nvSpPr>
+        <p:spPr>
+          <a:xfrm>
+            <a:off x="852410" y="1818650"/>
+            <a:ext cx="7439180" cy="1200329"/>
+          </a:xfrm>
+          <a:prstGeom prst="rect">
+            <a:avLst/>
+          </a:prstGeom>
+          <a:ln w="12700">
+            <a:miter lim="400000"/>
+          </a:ln>
+          <a:extLst>
+            <a:ext uri="{C572A759-6A51-4108-AA02-DFA0A04FC94B}">
+              <ma14:wrappingTextBoxFlag xmlns:ma14="http://schemas.microsoft.com/office/mac/drawingml/2011/main" xmlns:a14="http://schemas.microsoft.com/office/drawing/2010/main" xmlns:m="http://schemas.openxmlformats.org/officeDocument/2006/math" xmlns="" val="1"/>
+            </a:ext>
+          </a:extLst>
+        </p:spPr>
+        <p:txBody>
+          <a:bodyPr wrap="square" lIns="34289" rIns="34289">
+            <a:spAutoFit/>
+          </a:bodyPr>
+          <a:lstStyle/>
+          <a:p>
+            <a:pPr algn="l">
+              <a:defRPr sz="1800">
+                <a:latin typeface="Tahoma"/>
+                <a:ea typeface="Tahoma"/>
+                <a:cs typeface="Tahoma"/>
+                <a:sym typeface="Tahoma"/>
+              </a:defRPr>
+            </a:pPr>
+            <a:r>
+              <a:rPr dirty="0">
+                <a:latin typeface="+mn-lt"/>
+              </a:rPr>
+              <a:t>Cloud computing is a model for enabling convenient, on-demand network access to a shared pool of configurable computing resources (e.g., </a:t>
+            </a:r>
+            <a:r>
+              <a:rPr lang="en-AU" dirty="0">
+                <a:latin typeface="+mn-lt"/>
+              </a:rPr>
+              <a:t>processors, </a:t>
+            </a:r>
+            <a:r>
+              <a:rPr dirty="0">
+                <a:latin typeface="+mn-lt"/>
+              </a:rPr>
+              <a:t>network</a:t>
+            </a:r>
+            <a:r>
+              <a:rPr lang="en-AU" dirty="0">
+                <a:latin typeface="+mn-lt"/>
+              </a:rPr>
+              <a:t>s</a:t>
+            </a:r>
+            <a:r>
+              <a:rPr dirty="0">
+                <a:latin typeface="+mn-lt"/>
+              </a:rPr>
+              <a:t>, storage) that can be rapidly provisioned </a:t>
+            </a:r>
+            <a:r>
+              <a:rPr lang="en-AU" dirty="0">
+                <a:latin typeface="+mn-lt"/>
+              </a:rPr>
+              <a:t>a</a:t>
+            </a:r>
+            <a:r>
+              <a:rPr dirty="0" err="1">
+                <a:latin typeface="+mn-lt"/>
+              </a:rPr>
+              <a:t>nd</a:t>
+            </a:r>
+            <a:r>
+              <a:rPr dirty="0">
+                <a:latin typeface="+mn-lt"/>
+              </a:rPr>
               <a:t> released with minimal management effort or service provider interaction. </a:t>
             </a:r>
           </a:p>
@@ -22626,7 +22815,7 @@
 </p:sld>
 </file>
 
-<file path=ppt/slides/slide37.xml><?xml version="1.0" encoding="utf-8"?>
+<file path=ppt/slides/slide38.xml><?xml version="1.0" encoding="utf-8"?>
 <p:sld xmlns:a="http://schemas.openxmlformats.org/drawingml/2006/main" xmlns:r="http://schemas.openxmlformats.org/officeDocument/2006/relationships" xmlns:p="http://schemas.openxmlformats.org/presentationml/2006/main">
   <p:cSld>
     <p:spTree>
@@ -23040,7 +23229,7 @@
 </p:sld>
 </file>
 
-<file path=ppt/slides/slide38.xml><?xml version="1.0" encoding="utf-8"?>
+<file path=ppt/slides/slide39.xml><?xml version="1.0" encoding="utf-8"?>
 <p:sld xmlns:a="http://schemas.openxmlformats.org/drawingml/2006/main" xmlns:r="http://schemas.openxmlformats.org/officeDocument/2006/relationships" xmlns:p="http://schemas.openxmlformats.org/presentationml/2006/main">
   <p:cSld>
     <p:spTree>
@@ -23764,208 +23953,6 @@
           </a:p>
         </p:txBody>
       </p:sp>
-    </p:spTree>
-  </p:cSld>
-  <p:clrMapOvr>
-    <a:masterClrMapping/>
-  </p:clrMapOvr>
-</p:sld>
-</file>
-
-<file path=ppt/slides/slide39.xml><?xml version="1.0" encoding="utf-8"?>
-<p:sld xmlns:a="http://schemas.openxmlformats.org/drawingml/2006/main" xmlns:r="http://schemas.openxmlformats.org/officeDocument/2006/relationships" xmlns:p="http://schemas.openxmlformats.org/presentationml/2006/main">
-  <p:cSld>
-    <p:spTree>
-      <p:nvGrpSpPr>
-        <p:cNvPr id="1" name=""/>
-        <p:cNvGrpSpPr/>
-        <p:nvPr/>
-      </p:nvGrpSpPr>
-      <p:grpSpPr>
-        <a:xfrm>
-          <a:off x="0" y="0"/>
-          <a:ext cx="0" cy="0"/>
-          <a:chOff x="0" y="0"/>
-          <a:chExt cx="0" cy="0"/>
-        </a:xfrm>
-      </p:grpSpPr>
-      <p:sp>
-        <p:nvSpPr>
-          <p:cNvPr id="218" name="Title 1"/>
-          <p:cNvSpPr txBox="1">
-            <a:spLocks noGrp="1"/>
-          </p:cNvSpPr>
-          <p:nvPr>
-            <p:ph type="title"/>
-          </p:nvPr>
-        </p:nvSpPr>
-        <p:spPr>
-          <a:xfrm>
-            <a:off x="425450" y="162233"/>
-            <a:ext cx="3963670" cy="994172"/>
-          </a:xfrm>
-          <a:prstGeom prst="rect">
-            <a:avLst/>
-          </a:prstGeom>
-        </p:spPr>
-        <p:txBody>
-          <a:bodyPr/>
-          <a:lstStyle/>
-          <a:p>
-            <a:r>
-              <a:rPr b="1" dirty="0"/>
-              <a:t>Power and cooling</a:t>
-            </a:r>
-          </a:p>
-        </p:txBody>
-      </p:sp>
-      <p:sp>
-        <p:nvSpPr>
-          <p:cNvPr id="219" name="Content Placeholder 2"/>
-          <p:cNvSpPr txBox="1">
-            <a:spLocks noGrp="1"/>
-          </p:cNvSpPr>
-          <p:nvPr>
-            <p:ph type="body" idx="1"/>
-          </p:nvPr>
-        </p:nvSpPr>
-        <p:spPr>
-          <a:xfrm>
-            <a:off x="466090" y="1388397"/>
-            <a:ext cx="7886700" cy="1390491"/>
-          </a:xfrm>
-          <a:prstGeom prst="rect">
-            <a:avLst/>
-          </a:prstGeom>
-        </p:spPr>
-        <p:txBody>
-          <a:bodyPr>
-            <a:normAutofit/>
-          </a:bodyPr>
-          <a:lstStyle/>
-          <a:p>
-            <a:r>
-              <a:rPr sz="2400" dirty="0"/>
-              <a:t>Clusters need lots of power</a:t>
-            </a:r>
-          </a:p>
-          <a:p>
-            <a:pPr lvl="1">
-              <a:defRPr sz="2400"/>
-            </a:pPr>
-            <a:r>
-              <a:rPr sz="2400" dirty="0"/>
-              <a:t>Most of power is converted into heat</a:t>
-            </a:r>
-          </a:p>
-          <a:p>
-            <a:r>
-              <a:rPr sz="2400" dirty="0"/>
-              <a:t>Large clusters need massive cooling</a:t>
-            </a:r>
-          </a:p>
-        </p:txBody>
-      </p:sp>
-      <p:grpSp>
-        <p:nvGrpSpPr>
-          <p:cNvPr id="223" name="Group 7"/>
-          <p:cNvGrpSpPr/>
-          <p:nvPr/>
-        </p:nvGrpSpPr>
-        <p:grpSpPr>
-          <a:xfrm>
-            <a:off x="1089826" y="2778888"/>
-            <a:ext cx="1505723" cy="735807"/>
-            <a:chOff x="0" y="0"/>
-            <a:chExt cx="2007630" cy="981075"/>
-          </a:xfrm>
-        </p:grpSpPr>
-        <p:pic>
-          <p:nvPicPr>
-            <p:cNvPr id="221" name="Picture 5" descr="Picture 5"/>
-            <p:cNvPicPr>
-              <a:picLocks noChangeAspect="1"/>
-            </p:cNvPicPr>
-            <p:nvPr/>
-          </p:nvPicPr>
-          <p:blipFill>
-            <a:blip r:embed="rId3"/>
-            <a:stretch>
-              <a:fillRect/>
-            </a:stretch>
-          </p:blipFill>
-          <p:spPr>
-            <a:xfrm>
-              <a:off x="-1" y="-1"/>
-              <a:ext cx="974579" cy="974579"/>
-            </a:xfrm>
-            <a:prstGeom prst="rect">
-              <a:avLst/>
-            </a:prstGeom>
-            <a:ln w="12700" cap="flat">
-              <a:noFill/>
-              <a:miter lim="400000"/>
-            </a:ln>
-            <a:effectLst/>
-          </p:spPr>
-        </p:pic>
-        <p:pic>
-          <p:nvPicPr>
-            <p:cNvPr id="222" name="Picture 6" descr="Picture 6"/>
-            <p:cNvPicPr>
-              <a:picLocks noChangeAspect="1"/>
-            </p:cNvPicPr>
-            <p:nvPr/>
-          </p:nvPicPr>
-          <p:blipFill>
-            <a:blip r:embed="rId3"/>
-            <a:stretch>
-              <a:fillRect/>
-            </a:stretch>
-          </p:blipFill>
-          <p:spPr>
-            <a:xfrm>
-              <a:off x="1033052" y="6497"/>
-              <a:ext cx="974579" cy="974579"/>
-            </a:xfrm>
-            <a:prstGeom prst="rect">
-              <a:avLst/>
-            </a:prstGeom>
-            <a:ln w="12700" cap="flat">
-              <a:noFill/>
-              <a:miter lim="400000"/>
-            </a:ln>
-            <a:effectLst/>
-          </p:spPr>
-        </p:pic>
-      </p:grpSp>
-      <p:pic>
-        <p:nvPicPr>
-          <p:cNvPr id="224" name="Picture 10" descr="Picture 10"/>
-          <p:cNvPicPr>
-            <a:picLocks noChangeAspect="1"/>
-          </p:cNvPicPr>
-          <p:nvPr/>
-        </p:nvPicPr>
-        <p:blipFill>
-          <a:blip r:embed="rId3"/>
-          <a:stretch>
-            <a:fillRect/>
-          </a:stretch>
-        </p:blipFill>
-        <p:spPr>
-          <a:xfrm>
-            <a:off x="2657572" y="2790904"/>
-            <a:ext cx="730934" cy="730934"/>
-          </a:xfrm>
-          <a:prstGeom prst="rect">
-            <a:avLst/>
-          </a:prstGeom>
-          <a:ln w="12700">
-            <a:miter lim="400000"/>
-          </a:ln>
-        </p:spPr>
-      </p:pic>
     </p:spTree>
   </p:cSld>
   <p:clrMapOvr>
@@ -24317,6 +24304,208 @@
 </file>
 
 <file path=ppt/slides/slide40.xml><?xml version="1.0" encoding="utf-8"?>
+<p:sld xmlns:a="http://schemas.openxmlformats.org/drawingml/2006/main" xmlns:r="http://schemas.openxmlformats.org/officeDocument/2006/relationships" xmlns:p="http://schemas.openxmlformats.org/presentationml/2006/main">
+  <p:cSld>
+    <p:spTree>
+      <p:nvGrpSpPr>
+        <p:cNvPr id="1" name=""/>
+        <p:cNvGrpSpPr/>
+        <p:nvPr/>
+      </p:nvGrpSpPr>
+      <p:grpSpPr>
+        <a:xfrm>
+          <a:off x="0" y="0"/>
+          <a:ext cx="0" cy="0"/>
+          <a:chOff x="0" y="0"/>
+          <a:chExt cx="0" cy="0"/>
+        </a:xfrm>
+      </p:grpSpPr>
+      <p:sp>
+        <p:nvSpPr>
+          <p:cNvPr id="218" name="Title 1"/>
+          <p:cNvSpPr txBox="1">
+            <a:spLocks noGrp="1"/>
+          </p:cNvSpPr>
+          <p:nvPr>
+            <p:ph type="title"/>
+          </p:nvPr>
+        </p:nvSpPr>
+        <p:spPr>
+          <a:xfrm>
+            <a:off x="425450" y="162233"/>
+            <a:ext cx="3963670" cy="994172"/>
+          </a:xfrm>
+          <a:prstGeom prst="rect">
+            <a:avLst/>
+          </a:prstGeom>
+        </p:spPr>
+        <p:txBody>
+          <a:bodyPr/>
+          <a:lstStyle/>
+          <a:p>
+            <a:r>
+              <a:rPr b="1" dirty="0"/>
+              <a:t>Power and cooling</a:t>
+            </a:r>
+          </a:p>
+        </p:txBody>
+      </p:sp>
+      <p:sp>
+        <p:nvSpPr>
+          <p:cNvPr id="219" name="Content Placeholder 2"/>
+          <p:cNvSpPr txBox="1">
+            <a:spLocks noGrp="1"/>
+          </p:cNvSpPr>
+          <p:nvPr>
+            <p:ph type="body" idx="1"/>
+          </p:nvPr>
+        </p:nvSpPr>
+        <p:spPr>
+          <a:xfrm>
+            <a:off x="466090" y="1388397"/>
+            <a:ext cx="7886700" cy="1390491"/>
+          </a:xfrm>
+          <a:prstGeom prst="rect">
+            <a:avLst/>
+          </a:prstGeom>
+        </p:spPr>
+        <p:txBody>
+          <a:bodyPr>
+            <a:normAutofit/>
+          </a:bodyPr>
+          <a:lstStyle/>
+          <a:p>
+            <a:r>
+              <a:rPr sz="2400" dirty="0"/>
+              <a:t>Clusters need lots of power</a:t>
+            </a:r>
+          </a:p>
+          <a:p>
+            <a:pPr lvl="1">
+              <a:defRPr sz="2400"/>
+            </a:pPr>
+            <a:r>
+              <a:rPr sz="2400" dirty="0"/>
+              <a:t>Most of power is converted into heat</a:t>
+            </a:r>
+          </a:p>
+          <a:p>
+            <a:r>
+              <a:rPr sz="2400" dirty="0"/>
+              <a:t>Large clusters need massive cooling</a:t>
+            </a:r>
+          </a:p>
+        </p:txBody>
+      </p:sp>
+      <p:grpSp>
+        <p:nvGrpSpPr>
+          <p:cNvPr id="223" name="Group 7"/>
+          <p:cNvGrpSpPr/>
+          <p:nvPr/>
+        </p:nvGrpSpPr>
+        <p:grpSpPr>
+          <a:xfrm>
+            <a:off x="1089826" y="2778888"/>
+            <a:ext cx="1505723" cy="735807"/>
+            <a:chOff x="0" y="0"/>
+            <a:chExt cx="2007630" cy="981075"/>
+          </a:xfrm>
+        </p:grpSpPr>
+        <p:pic>
+          <p:nvPicPr>
+            <p:cNvPr id="221" name="Picture 5" descr="Picture 5"/>
+            <p:cNvPicPr>
+              <a:picLocks noChangeAspect="1"/>
+            </p:cNvPicPr>
+            <p:nvPr/>
+          </p:nvPicPr>
+          <p:blipFill>
+            <a:blip r:embed="rId3"/>
+            <a:stretch>
+              <a:fillRect/>
+            </a:stretch>
+          </p:blipFill>
+          <p:spPr>
+            <a:xfrm>
+              <a:off x="-1" y="-1"/>
+              <a:ext cx="974579" cy="974579"/>
+            </a:xfrm>
+            <a:prstGeom prst="rect">
+              <a:avLst/>
+            </a:prstGeom>
+            <a:ln w="12700" cap="flat">
+              <a:noFill/>
+              <a:miter lim="400000"/>
+            </a:ln>
+            <a:effectLst/>
+          </p:spPr>
+        </p:pic>
+        <p:pic>
+          <p:nvPicPr>
+            <p:cNvPr id="222" name="Picture 6" descr="Picture 6"/>
+            <p:cNvPicPr>
+              <a:picLocks noChangeAspect="1"/>
+            </p:cNvPicPr>
+            <p:nvPr/>
+          </p:nvPicPr>
+          <p:blipFill>
+            <a:blip r:embed="rId3"/>
+            <a:stretch>
+              <a:fillRect/>
+            </a:stretch>
+          </p:blipFill>
+          <p:spPr>
+            <a:xfrm>
+              <a:off x="1033052" y="6497"/>
+              <a:ext cx="974579" cy="974579"/>
+            </a:xfrm>
+            <a:prstGeom prst="rect">
+              <a:avLst/>
+            </a:prstGeom>
+            <a:ln w="12700" cap="flat">
+              <a:noFill/>
+              <a:miter lim="400000"/>
+            </a:ln>
+            <a:effectLst/>
+          </p:spPr>
+        </p:pic>
+      </p:grpSp>
+      <p:pic>
+        <p:nvPicPr>
+          <p:cNvPr id="224" name="Picture 10" descr="Picture 10"/>
+          <p:cNvPicPr>
+            <a:picLocks noChangeAspect="1"/>
+          </p:cNvPicPr>
+          <p:nvPr/>
+        </p:nvPicPr>
+        <p:blipFill>
+          <a:blip r:embed="rId3"/>
+          <a:stretch>
+            <a:fillRect/>
+          </a:stretch>
+        </p:blipFill>
+        <p:spPr>
+          <a:xfrm>
+            <a:off x="2657572" y="2790904"/>
+            <a:ext cx="730934" cy="730934"/>
+          </a:xfrm>
+          <a:prstGeom prst="rect">
+            <a:avLst/>
+          </a:prstGeom>
+          <a:ln w="12700">
+            <a:miter lim="400000"/>
+          </a:ln>
+        </p:spPr>
+      </p:pic>
+    </p:spTree>
+  </p:cSld>
+  <p:clrMapOvr>
+    <a:masterClrMapping/>
+  </p:clrMapOvr>
+</p:sld>
+</file>
+
+<file path=ppt/slides/slide41.xml><?xml version="1.0" encoding="utf-8"?>
 <p:sld xmlns:a="http://schemas.openxmlformats.org/drawingml/2006/main" xmlns:r="http://schemas.openxmlformats.org/officeDocument/2006/relationships" xmlns:p="http://schemas.openxmlformats.org/presentationml/2006/main">
   <p:cSld>
     <p:spTree>
@@ -24897,7 +25086,7 @@
 </p:sld>
 </file>
 
-<file path=ppt/slides/slide41.xml><?xml version="1.0" encoding="utf-8"?>
+<file path=ppt/slides/slide42.xml><?xml version="1.0" encoding="utf-8"?>
 <p:sld xmlns:a="http://schemas.openxmlformats.org/drawingml/2006/main" xmlns:r="http://schemas.openxmlformats.org/officeDocument/2006/relationships" xmlns:p="http://schemas.openxmlformats.org/presentationml/2006/main">
   <p:cSld>
     <p:spTree>
@@ -25301,7 +25490,7 @@
 </p:sld>
 </file>
 
-<file path=ppt/slides/slide42.xml><?xml version="1.0" encoding="utf-8"?>
+<file path=ppt/slides/slide43.xml><?xml version="1.0" encoding="utf-8"?>
 <p:sld xmlns:a="http://schemas.openxmlformats.org/drawingml/2006/main" xmlns:r="http://schemas.openxmlformats.org/officeDocument/2006/relationships" xmlns:p="http://schemas.openxmlformats.org/presentationml/2006/main">
   <p:cSld>
     <p:spTree>
@@ -25496,7 +25685,7 @@
 </p:sld>
 </file>
 
-<file path=ppt/slides/slide43.xml><?xml version="1.0" encoding="utf-8"?>
+<file path=ppt/slides/slide44.xml><?xml version="1.0" encoding="utf-8"?>
 <p:sld xmlns:a="http://schemas.openxmlformats.org/drawingml/2006/main" xmlns:r="http://schemas.openxmlformats.org/officeDocument/2006/relationships" xmlns:p="http://schemas.openxmlformats.org/presentationml/2006/main">
   <p:cSld>
     <p:spTree>
@@ -25696,7 +25885,7 @@
 </p:sld>
 </file>
 
-<file path=ppt/slides/slide44.xml><?xml version="1.0" encoding="utf-8"?>
+<file path=ppt/slides/slide45.xml><?xml version="1.0" encoding="utf-8"?>
 <p:sld xmlns:a="http://schemas.openxmlformats.org/drawingml/2006/main" xmlns:r="http://schemas.openxmlformats.org/officeDocument/2006/relationships" xmlns:p="http://schemas.openxmlformats.org/presentationml/2006/main">
   <p:cSld>
     <p:spTree>
@@ -25932,7 +26121,7 @@
 </p:sld>
 </file>
 
-<file path=ppt/slides/slide45.xml><?xml version="1.0" encoding="utf-8"?>
+<file path=ppt/slides/slide46.xml><?xml version="1.0" encoding="utf-8"?>
 <p:sld xmlns:a="http://schemas.openxmlformats.org/drawingml/2006/main" xmlns:r="http://schemas.openxmlformats.org/officeDocument/2006/relationships" xmlns:p="http://schemas.openxmlformats.org/presentationml/2006/main">
   <p:cSld>
     <p:spTree>
@@ -26151,7 +26340,7 @@
 </p:sld>
 </file>
 
-<file path=ppt/slides/slide46.xml><?xml version="1.0" encoding="utf-8"?>
+<file path=ppt/slides/slide47.xml><?xml version="1.0" encoding="utf-8"?>
 <p:sld xmlns:a="http://schemas.openxmlformats.org/drawingml/2006/main" xmlns:r="http://schemas.openxmlformats.org/officeDocument/2006/relationships" xmlns:p="http://schemas.openxmlformats.org/presentationml/2006/main">
   <p:cSld>
     <p:spTree>
@@ -27287,7 +27476,7 @@
 </p:sld>
 </file>
 
-<file path=ppt/slides/slide47.xml><?xml version="1.0" encoding="utf-8"?>
+<file path=ppt/slides/slide48.xml><?xml version="1.0" encoding="utf-8"?>
 <p:sld xmlns:a="http://schemas.openxmlformats.org/drawingml/2006/main" xmlns:r="http://schemas.openxmlformats.org/officeDocument/2006/relationships" xmlns:p="http://schemas.openxmlformats.org/presentationml/2006/main">
   <p:cSld>
     <p:spTree>
@@ -27539,7 +27728,7 @@
 </p:sld>
 </file>
 
-<file path=ppt/slides/slide48.xml><?xml version="1.0" encoding="utf-8"?>
+<file path=ppt/slides/slide49.xml><?xml version="1.0" encoding="utf-8"?>
 <p:sld xmlns:a="http://schemas.openxmlformats.org/drawingml/2006/main" xmlns:r="http://schemas.openxmlformats.org/officeDocument/2006/relationships" xmlns:p="http://schemas.openxmlformats.org/presentationml/2006/main">
   <p:cSld>
     <p:spTree>
@@ -27846,7 +28035,793 @@
 </p:sld>
 </file>
 
-<file path=ppt/slides/slide49.xml><?xml version="1.0" encoding="utf-8"?>
+<file path=ppt/slides/slide5.xml><?xml version="1.0" encoding="utf-8"?>
+<p:sld xmlns:a="http://schemas.openxmlformats.org/drawingml/2006/main" xmlns:r="http://schemas.openxmlformats.org/officeDocument/2006/relationships" xmlns:p="http://schemas.openxmlformats.org/presentationml/2006/main">
+  <p:cSld>
+    <p:spTree>
+      <p:nvGrpSpPr>
+        <p:cNvPr id="1" name=""/>
+        <p:cNvGrpSpPr/>
+        <p:nvPr/>
+      </p:nvGrpSpPr>
+      <p:grpSpPr>
+        <a:xfrm>
+          <a:off x="0" y="0"/>
+          <a:ext cx="0" cy="0"/>
+          <a:chOff x="0" y="0"/>
+          <a:chExt cx="0" cy="0"/>
+        </a:xfrm>
+      </p:grpSpPr>
+      <p:pic>
+        <p:nvPicPr>
+          <p:cNvPr id="1026" name="Picture 2" descr="How Are You Comparing the Big Three Cloud Providers? - VMware Aria Cost  powered by CloudHealth">
+            <a:extLst>
+              <a:ext uri="{FF2B5EF4-FFF2-40B4-BE49-F238E27FC236}">
+                <a16:creationId xmlns:a16="http://schemas.microsoft.com/office/drawing/2014/main" id="{E3A7937E-3A3D-4D6B-9156-5D6118002B89}"/>
+              </a:ext>
+            </a:extLst>
+          </p:cNvPr>
+          <p:cNvPicPr>
+            <a:picLocks noChangeAspect="1" noChangeArrowheads="1"/>
+          </p:cNvPicPr>
+          <p:nvPr/>
+        </p:nvPicPr>
+        <p:blipFill>
+          <a:blip r:embed="rId3">
+            <a:extLst>
+              <a:ext uri="{28A0092B-C50C-407E-A947-70E740481C1C}">
+                <a14:useLocalDpi xmlns:a14="http://schemas.microsoft.com/office/drawing/2010/main" val="0"/>
+              </a:ext>
+            </a:extLst>
+          </a:blip>
+          <a:srcRect/>
+          <a:stretch>
+            <a:fillRect/>
+          </a:stretch>
+        </p:blipFill>
+        <p:spPr bwMode="auto">
+          <a:xfrm>
+            <a:off x="1378588" y="1322195"/>
+            <a:ext cx="6386824" cy="4577224"/>
+          </a:xfrm>
+          <a:prstGeom prst="rect">
+            <a:avLst/>
+          </a:prstGeom>
+          <a:noFill/>
+          <a:extLst>
+            <a:ext uri="{909E8E84-426E-40DD-AFC4-6F175D3DCCD1}">
+              <a14:hiddenFill xmlns:a14="http://schemas.microsoft.com/office/drawing/2010/main">
+                <a:solidFill>
+                  <a:srgbClr val="FFFFFF"/>
+                </a:solidFill>
+              </a14:hiddenFill>
+            </a:ext>
+          </a:extLst>
+        </p:spPr>
+      </p:pic>
+      <p:sp>
+        <p:nvSpPr>
+          <p:cNvPr id="2" name="Rectangle 1">
+            <a:extLst>
+              <a:ext uri="{FF2B5EF4-FFF2-40B4-BE49-F238E27FC236}">
+                <a16:creationId xmlns:a16="http://schemas.microsoft.com/office/drawing/2014/main" id="{DA61CC5B-FF2D-4DB8-8D31-E666649BFCFE}"/>
+              </a:ext>
+            </a:extLst>
+          </p:cNvPr>
+          <p:cNvSpPr/>
+          <p:nvPr/>
+        </p:nvSpPr>
+        <p:spPr>
+          <a:xfrm>
+            <a:off x="3543300" y="1209788"/>
+            <a:ext cx="2057400" cy="722671"/>
+          </a:xfrm>
+          <a:prstGeom prst="rect">
+            <a:avLst/>
+          </a:prstGeom>
+          <a:noFill/>
+          <a:ln>
+            <a:noFill/>
+          </a:ln>
+        </p:spPr>
+        <p:style>
+          <a:lnRef idx="2">
+            <a:schemeClr val="accent1">
+              <a:shade val="50000"/>
+            </a:schemeClr>
+          </a:lnRef>
+          <a:fillRef idx="1">
+            <a:schemeClr val="accent1"/>
+          </a:fillRef>
+          <a:effectRef idx="0">
+            <a:schemeClr val="accent1"/>
+          </a:effectRef>
+          <a:fontRef idx="minor">
+            <a:schemeClr val="lt1"/>
+          </a:fontRef>
+        </p:style>
+        <p:txBody>
+          <a:bodyPr rtlCol="0" anchor="ctr"/>
+          <a:lstStyle/>
+          <a:p>
+            <a:pPr algn="ctr"/>
+            <a:r>
+              <a:rPr lang="en-AU" sz="2400" b="1" dirty="0">
+                <a:solidFill>
+                  <a:schemeClr val="tx1"/>
+                </a:solidFill>
+              </a:rPr>
+              <a:t>Hyper-V</a:t>
+            </a:r>
+          </a:p>
+        </p:txBody>
+      </p:sp>
+      <p:sp>
+        <p:nvSpPr>
+          <p:cNvPr id="6" name="Rectangle 5">
+            <a:extLst>
+              <a:ext uri="{FF2B5EF4-FFF2-40B4-BE49-F238E27FC236}">
+                <a16:creationId xmlns:a16="http://schemas.microsoft.com/office/drawing/2014/main" id="{A4E18829-FA6B-43A9-B2FD-E69B4820CFD9}"/>
+              </a:ext>
+            </a:extLst>
+          </p:cNvPr>
+          <p:cNvSpPr/>
+          <p:nvPr/>
+        </p:nvSpPr>
+        <p:spPr>
+          <a:xfrm>
+            <a:off x="1984887" y="5176748"/>
+            <a:ext cx="2057400" cy="722671"/>
+          </a:xfrm>
+          <a:prstGeom prst="rect">
+            <a:avLst/>
+          </a:prstGeom>
+          <a:noFill/>
+          <a:ln>
+            <a:noFill/>
+          </a:ln>
+        </p:spPr>
+        <p:style>
+          <a:lnRef idx="2">
+            <a:schemeClr val="accent1">
+              <a:shade val="50000"/>
+            </a:schemeClr>
+          </a:lnRef>
+          <a:fillRef idx="1">
+            <a:schemeClr val="accent1"/>
+          </a:fillRef>
+          <a:effectRef idx="0">
+            <a:schemeClr val="accent1"/>
+          </a:effectRef>
+          <a:fontRef idx="minor">
+            <a:schemeClr val="lt1"/>
+          </a:fontRef>
+        </p:style>
+        <p:txBody>
+          <a:bodyPr rtlCol="0" anchor="ctr"/>
+          <a:lstStyle/>
+          <a:p>
+            <a:pPr algn="ctr"/>
+            <a:r>
+              <a:rPr lang="en-AU" sz="2400" b="1" dirty="0">
+                <a:solidFill>
+                  <a:schemeClr val="tx1"/>
+                </a:solidFill>
+              </a:rPr>
+              <a:t>Xen and KVM</a:t>
+            </a:r>
+          </a:p>
+        </p:txBody>
+      </p:sp>
+      <p:sp>
+        <p:nvSpPr>
+          <p:cNvPr id="7" name="Rectangle 6">
+            <a:extLst>
+              <a:ext uri="{FF2B5EF4-FFF2-40B4-BE49-F238E27FC236}">
+                <a16:creationId xmlns:a16="http://schemas.microsoft.com/office/drawing/2014/main" id="{7883793A-E389-44D9-A38A-8A1577FB2A99}"/>
+              </a:ext>
+            </a:extLst>
+          </p:cNvPr>
+          <p:cNvSpPr/>
+          <p:nvPr/>
+        </p:nvSpPr>
+        <p:spPr>
+          <a:xfrm>
+            <a:off x="4875149" y="5176748"/>
+            <a:ext cx="2057400" cy="722671"/>
+          </a:xfrm>
+          <a:prstGeom prst="rect">
+            <a:avLst/>
+          </a:prstGeom>
+          <a:noFill/>
+          <a:ln>
+            <a:noFill/>
+          </a:ln>
+        </p:spPr>
+        <p:style>
+          <a:lnRef idx="2">
+            <a:schemeClr val="accent1">
+              <a:shade val="50000"/>
+            </a:schemeClr>
+          </a:lnRef>
+          <a:fillRef idx="1">
+            <a:schemeClr val="accent1"/>
+          </a:fillRef>
+          <a:effectRef idx="0">
+            <a:schemeClr val="accent1"/>
+          </a:effectRef>
+          <a:fontRef idx="minor">
+            <a:schemeClr val="lt1"/>
+          </a:fontRef>
+        </p:style>
+        <p:txBody>
+          <a:bodyPr rtlCol="0" anchor="ctr"/>
+          <a:lstStyle/>
+          <a:p>
+            <a:pPr algn="ctr"/>
+            <a:r>
+              <a:rPr lang="en-AU" sz="2400" b="1" dirty="0">
+                <a:solidFill>
+                  <a:schemeClr val="tx1"/>
+                </a:solidFill>
+              </a:rPr>
+              <a:t>KVM</a:t>
+            </a:r>
+          </a:p>
+        </p:txBody>
+      </p:sp>
+      <p:sp>
+        <p:nvSpPr>
+          <p:cNvPr id="10" name="Title 1">
+            <a:extLst>
+              <a:ext uri="{FF2B5EF4-FFF2-40B4-BE49-F238E27FC236}">
+                <a16:creationId xmlns:a16="http://schemas.microsoft.com/office/drawing/2014/main" id="{76747A1D-B757-4440-BAE5-2BA9E37A19F2}"/>
+              </a:ext>
+            </a:extLst>
+          </p:cNvPr>
+          <p:cNvSpPr>
+            <a:spLocks noGrp="1"/>
+          </p:cNvSpPr>
+          <p:nvPr>
+            <p:ph type="title"/>
+          </p:nvPr>
+        </p:nvSpPr>
+        <p:spPr>
+          <a:xfrm>
+            <a:off x="1007706" y="136525"/>
+            <a:ext cx="7707086" cy="1073264"/>
+          </a:xfrm>
+        </p:spPr>
+        <p:txBody>
+          <a:bodyPr/>
+          <a:lstStyle/>
+          <a:p>
+            <a:r>
+              <a:rPr lang="en-AU" b="1" i="0" dirty="0">
+                <a:solidFill>
+                  <a:srgbClr val="374151"/>
+                </a:solidFill>
+                <a:effectLst/>
+              </a:rPr>
+              <a:t>Three main </a:t>
+            </a:r>
+            <a:r>
+              <a:rPr lang="en-AU" sz="3200" b="1" dirty="0">
+                <a:solidFill>
+                  <a:srgbClr val="374151"/>
+                </a:solidFill>
+              </a:rPr>
+              <a:t>virtual machine monitors (VMM)</a:t>
+            </a:r>
+            <a:endParaRPr lang="en-US" b="1" dirty="0"/>
+          </a:p>
+        </p:txBody>
+      </p:sp>
+      <p:sp>
+        <p:nvSpPr>
+          <p:cNvPr id="11" name="Content Placeholder 2">
+            <a:extLst>
+              <a:ext uri="{FF2B5EF4-FFF2-40B4-BE49-F238E27FC236}">
+                <a16:creationId xmlns:a16="http://schemas.microsoft.com/office/drawing/2014/main" id="{59644879-68F3-4A14-BA12-B23CDC42A4E5}"/>
+              </a:ext>
+            </a:extLst>
+          </p:cNvPr>
+          <p:cNvSpPr>
+            <a:spLocks noGrp="1"/>
+          </p:cNvSpPr>
+          <p:nvPr>
+            <p:ph idx="1"/>
+          </p:nvPr>
+        </p:nvSpPr>
+        <p:spPr>
+          <a:xfrm>
+            <a:off x="5271402" y="1209788"/>
+            <a:ext cx="3322294" cy="722671"/>
+          </a:xfrm>
+        </p:spPr>
+        <p:txBody>
+          <a:bodyPr>
+            <a:normAutofit lnSpcReduction="10000"/>
+          </a:bodyPr>
+          <a:lstStyle/>
+          <a:p>
+            <a:r>
+              <a:rPr lang="en-AU" dirty="0">
+                <a:cs typeface="Arial" panose="020B0604020202020204" pitchFamily="34" charset="0"/>
+              </a:rPr>
+              <a:t>Closed-source</a:t>
+            </a:r>
+          </a:p>
+          <a:p>
+            <a:r>
+              <a:rPr lang="en-AU" dirty="0">
+                <a:cs typeface="Arial" panose="020B0604020202020204" pitchFamily="34" charset="0"/>
+              </a:rPr>
+              <a:t>Microsoft kernel module</a:t>
+            </a:r>
+          </a:p>
+        </p:txBody>
+      </p:sp>
+      <p:sp>
+        <p:nvSpPr>
+          <p:cNvPr id="12" name="Content Placeholder 2">
+            <a:extLst>
+              <a:ext uri="{FF2B5EF4-FFF2-40B4-BE49-F238E27FC236}">
+                <a16:creationId xmlns:a16="http://schemas.microsoft.com/office/drawing/2014/main" id="{D1779E7D-BB31-449E-873C-6CF719FE7A3E}"/>
+              </a:ext>
+            </a:extLst>
+          </p:cNvPr>
+          <p:cNvSpPr txBox="1">
+            <a:spLocks/>
+          </p:cNvSpPr>
+          <p:nvPr/>
+        </p:nvSpPr>
+        <p:spPr>
+          <a:xfrm>
+            <a:off x="4807608" y="5899419"/>
+            <a:ext cx="3322294" cy="722671"/>
+          </a:xfrm>
+          <a:prstGeom prst="rect">
+            <a:avLst/>
+          </a:prstGeom>
+        </p:spPr>
+        <p:txBody>
+          <a:bodyPr vert="horz" lIns="91440" tIns="45720" rIns="91440" bIns="45720" rtlCol="0">
+            <a:normAutofit lnSpcReduction="10000"/>
+          </a:bodyPr>
+          <a:lstStyle>
+            <a:lvl1pPr marL="171450" indent="-171450" algn="l" defTabSz="685800" rtl="0" eaLnBrk="1" latinLnBrk="0" hangingPunct="1">
+              <a:lnSpc>
+                <a:spcPct val="90000"/>
+              </a:lnSpc>
+              <a:spcBef>
+                <a:spcPts val="750"/>
+              </a:spcBef>
+              <a:buFont typeface="Arial" panose="020B0604020202020204" pitchFamily="34" charset="0"/>
+              <a:buChar char="•"/>
+              <a:defRPr sz="2100" kern="1200">
+                <a:solidFill>
+                  <a:schemeClr val="tx1"/>
+                </a:solidFill>
+                <a:latin typeface="+mn-lt"/>
+                <a:ea typeface="+mn-ea"/>
+                <a:cs typeface="+mn-cs"/>
+              </a:defRPr>
+            </a:lvl1pPr>
+            <a:lvl2pPr marL="514350" indent="-171450" algn="l" defTabSz="685800" rtl="0" eaLnBrk="1" latinLnBrk="0" hangingPunct="1">
+              <a:lnSpc>
+                <a:spcPct val="90000"/>
+              </a:lnSpc>
+              <a:spcBef>
+                <a:spcPts val="375"/>
+              </a:spcBef>
+              <a:buFont typeface="Arial" panose="020B0604020202020204" pitchFamily="34" charset="0"/>
+              <a:buChar char="•"/>
+              <a:defRPr sz="1800" kern="1200">
+                <a:solidFill>
+                  <a:schemeClr val="tx1"/>
+                </a:solidFill>
+                <a:latin typeface="+mn-lt"/>
+                <a:ea typeface="+mn-ea"/>
+                <a:cs typeface="+mn-cs"/>
+              </a:defRPr>
+            </a:lvl2pPr>
+            <a:lvl3pPr marL="857250" indent="-171450" algn="l" defTabSz="685800" rtl="0" eaLnBrk="1" latinLnBrk="0" hangingPunct="1">
+              <a:lnSpc>
+                <a:spcPct val="90000"/>
+              </a:lnSpc>
+              <a:spcBef>
+                <a:spcPts val="375"/>
+              </a:spcBef>
+              <a:buFont typeface="Arial" panose="020B0604020202020204" pitchFamily="34" charset="0"/>
+              <a:buChar char="•"/>
+              <a:defRPr sz="1500" kern="1200">
+                <a:solidFill>
+                  <a:schemeClr val="tx1"/>
+                </a:solidFill>
+                <a:latin typeface="+mn-lt"/>
+                <a:ea typeface="+mn-ea"/>
+                <a:cs typeface="+mn-cs"/>
+              </a:defRPr>
+            </a:lvl3pPr>
+            <a:lvl4pPr marL="1200150" indent="-171450" algn="l" defTabSz="685800" rtl="0" eaLnBrk="1" latinLnBrk="0" hangingPunct="1">
+              <a:lnSpc>
+                <a:spcPct val="90000"/>
+              </a:lnSpc>
+              <a:spcBef>
+                <a:spcPts val="375"/>
+              </a:spcBef>
+              <a:buFont typeface="Arial" panose="020B0604020202020204" pitchFamily="34" charset="0"/>
+              <a:buChar char="•"/>
+              <a:defRPr sz="1350" kern="1200">
+                <a:solidFill>
+                  <a:schemeClr val="tx1"/>
+                </a:solidFill>
+                <a:latin typeface="+mn-lt"/>
+                <a:ea typeface="+mn-ea"/>
+                <a:cs typeface="+mn-cs"/>
+              </a:defRPr>
+            </a:lvl4pPr>
+            <a:lvl5pPr marL="1543050" indent="-171450" algn="l" defTabSz="685800" rtl="0" eaLnBrk="1" latinLnBrk="0" hangingPunct="1">
+              <a:lnSpc>
+                <a:spcPct val="90000"/>
+              </a:lnSpc>
+              <a:spcBef>
+                <a:spcPts val="375"/>
+              </a:spcBef>
+              <a:buFont typeface="Arial" panose="020B0604020202020204" pitchFamily="34" charset="0"/>
+              <a:buChar char="•"/>
+              <a:defRPr sz="1350" kern="1200">
+                <a:solidFill>
+                  <a:schemeClr val="tx1"/>
+                </a:solidFill>
+                <a:latin typeface="+mn-lt"/>
+                <a:ea typeface="+mn-ea"/>
+                <a:cs typeface="+mn-cs"/>
+              </a:defRPr>
+            </a:lvl5pPr>
+            <a:lvl6pPr marL="1885950" indent="-171450" algn="l" defTabSz="685800" rtl="0" eaLnBrk="1" latinLnBrk="0" hangingPunct="1">
+              <a:lnSpc>
+                <a:spcPct val="90000"/>
+              </a:lnSpc>
+              <a:spcBef>
+                <a:spcPts val="375"/>
+              </a:spcBef>
+              <a:buFont typeface="Arial" panose="020B0604020202020204" pitchFamily="34" charset="0"/>
+              <a:buChar char="•"/>
+              <a:defRPr sz="1350" kern="1200">
+                <a:solidFill>
+                  <a:schemeClr val="tx1"/>
+                </a:solidFill>
+                <a:latin typeface="+mn-lt"/>
+                <a:ea typeface="+mn-ea"/>
+                <a:cs typeface="+mn-cs"/>
+              </a:defRPr>
+            </a:lvl6pPr>
+            <a:lvl7pPr marL="2228850" indent="-171450" algn="l" defTabSz="685800" rtl="0" eaLnBrk="1" latinLnBrk="0" hangingPunct="1">
+              <a:lnSpc>
+                <a:spcPct val="90000"/>
+              </a:lnSpc>
+              <a:spcBef>
+                <a:spcPts val="375"/>
+              </a:spcBef>
+              <a:buFont typeface="Arial" panose="020B0604020202020204" pitchFamily="34" charset="0"/>
+              <a:buChar char="•"/>
+              <a:defRPr sz="1350" kern="1200">
+                <a:solidFill>
+                  <a:schemeClr val="tx1"/>
+                </a:solidFill>
+                <a:latin typeface="+mn-lt"/>
+                <a:ea typeface="+mn-ea"/>
+                <a:cs typeface="+mn-cs"/>
+              </a:defRPr>
+            </a:lvl7pPr>
+            <a:lvl8pPr marL="2571750" indent="-171450" algn="l" defTabSz="685800" rtl="0" eaLnBrk="1" latinLnBrk="0" hangingPunct="1">
+              <a:lnSpc>
+                <a:spcPct val="90000"/>
+              </a:lnSpc>
+              <a:spcBef>
+                <a:spcPts val="375"/>
+              </a:spcBef>
+              <a:buFont typeface="Arial" panose="020B0604020202020204" pitchFamily="34" charset="0"/>
+              <a:buChar char="•"/>
+              <a:defRPr sz="1350" kern="1200">
+                <a:solidFill>
+                  <a:schemeClr val="tx1"/>
+                </a:solidFill>
+                <a:latin typeface="+mn-lt"/>
+                <a:ea typeface="+mn-ea"/>
+                <a:cs typeface="+mn-cs"/>
+              </a:defRPr>
+            </a:lvl8pPr>
+            <a:lvl9pPr marL="2914650" indent="-171450" algn="l" defTabSz="685800" rtl="0" eaLnBrk="1" latinLnBrk="0" hangingPunct="1">
+              <a:lnSpc>
+                <a:spcPct val="90000"/>
+              </a:lnSpc>
+              <a:spcBef>
+                <a:spcPts val="375"/>
+              </a:spcBef>
+              <a:buFont typeface="Arial" panose="020B0604020202020204" pitchFamily="34" charset="0"/>
+              <a:buChar char="•"/>
+              <a:defRPr sz="1350" kern="1200">
+                <a:solidFill>
+                  <a:schemeClr val="tx1"/>
+                </a:solidFill>
+                <a:latin typeface="+mn-lt"/>
+                <a:ea typeface="+mn-ea"/>
+                <a:cs typeface="+mn-cs"/>
+              </a:defRPr>
+            </a:lvl9pPr>
+          </a:lstStyle>
+          <a:p>
+            <a:pPr fontAlgn="auto">
+              <a:spcAft>
+                <a:spcPts val="0"/>
+              </a:spcAft>
+              <a:buClrTx/>
+              <a:buSzTx/>
+            </a:pPr>
+            <a:r>
+              <a:rPr lang="en-AU" dirty="0">
+                <a:cs typeface="Arial" panose="020B0604020202020204" pitchFamily="34" charset="0"/>
+              </a:rPr>
+              <a:t>Open-source</a:t>
+            </a:r>
+          </a:p>
+          <a:p>
+            <a:pPr fontAlgn="auto">
+              <a:spcAft>
+                <a:spcPts val="0"/>
+              </a:spcAft>
+              <a:buClrTx/>
+              <a:buSzTx/>
+            </a:pPr>
+            <a:r>
+              <a:rPr lang="en-AU" dirty="0">
+                <a:cs typeface="Arial" panose="020B0604020202020204" pitchFamily="34" charset="0"/>
+              </a:rPr>
+              <a:t>Linux kernel module</a:t>
+            </a:r>
+          </a:p>
+        </p:txBody>
+      </p:sp>
+      <p:sp>
+        <p:nvSpPr>
+          <p:cNvPr id="13" name="Content Placeholder 2">
+            <a:extLst>
+              <a:ext uri="{FF2B5EF4-FFF2-40B4-BE49-F238E27FC236}">
+                <a16:creationId xmlns:a16="http://schemas.microsoft.com/office/drawing/2014/main" id="{DC01BCDF-652B-4682-B4CD-CACE40A6DAA2}"/>
+              </a:ext>
+            </a:extLst>
+          </p:cNvPr>
+          <p:cNvSpPr txBox="1">
+            <a:spLocks/>
+          </p:cNvSpPr>
+          <p:nvPr/>
+        </p:nvSpPr>
+        <p:spPr>
+          <a:xfrm>
+            <a:off x="932466" y="5787012"/>
+            <a:ext cx="3322294" cy="722671"/>
+          </a:xfrm>
+          <a:prstGeom prst="rect">
+            <a:avLst/>
+          </a:prstGeom>
+        </p:spPr>
+        <p:txBody>
+          <a:bodyPr vert="horz" lIns="91440" tIns="45720" rIns="91440" bIns="45720" rtlCol="0">
+            <a:normAutofit lnSpcReduction="10000"/>
+          </a:bodyPr>
+          <a:lstStyle>
+            <a:lvl1pPr marL="171450" indent="-171450" algn="l" defTabSz="685800" rtl="0" eaLnBrk="1" latinLnBrk="0" hangingPunct="1">
+              <a:lnSpc>
+                <a:spcPct val="90000"/>
+              </a:lnSpc>
+              <a:spcBef>
+                <a:spcPts val="750"/>
+              </a:spcBef>
+              <a:buFont typeface="Arial" panose="020B0604020202020204" pitchFamily="34" charset="0"/>
+              <a:buChar char="•"/>
+              <a:defRPr sz="2100" kern="1200">
+                <a:solidFill>
+                  <a:schemeClr val="tx1"/>
+                </a:solidFill>
+                <a:latin typeface="+mn-lt"/>
+                <a:ea typeface="+mn-ea"/>
+                <a:cs typeface="+mn-cs"/>
+              </a:defRPr>
+            </a:lvl1pPr>
+            <a:lvl2pPr marL="514350" indent="-171450" algn="l" defTabSz="685800" rtl="0" eaLnBrk="1" latinLnBrk="0" hangingPunct="1">
+              <a:lnSpc>
+                <a:spcPct val="90000"/>
+              </a:lnSpc>
+              <a:spcBef>
+                <a:spcPts val="375"/>
+              </a:spcBef>
+              <a:buFont typeface="Arial" panose="020B0604020202020204" pitchFamily="34" charset="0"/>
+              <a:buChar char="•"/>
+              <a:defRPr sz="1800" kern="1200">
+                <a:solidFill>
+                  <a:schemeClr val="tx1"/>
+                </a:solidFill>
+                <a:latin typeface="+mn-lt"/>
+                <a:ea typeface="+mn-ea"/>
+                <a:cs typeface="+mn-cs"/>
+              </a:defRPr>
+            </a:lvl2pPr>
+            <a:lvl3pPr marL="857250" indent="-171450" algn="l" defTabSz="685800" rtl="0" eaLnBrk="1" latinLnBrk="0" hangingPunct="1">
+              <a:lnSpc>
+                <a:spcPct val="90000"/>
+              </a:lnSpc>
+              <a:spcBef>
+                <a:spcPts val="375"/>
+              </a:spcBef>
+              <a:buFont typeface="Arial" panose="020B0604020202020204" pitchFamily="34" charset="0"/>
+              <a:buChar char="•"/>
+              <a:defRPr sz="1500" kern="1200">
+                <a:solidFill>
+                  <a:schemeClr val="tx1"/>
+                </a:solidFill>
+                <a:latin typeface="+mn-lt"/>
+                <a:ea typeface="+mn-ea"/>
+                <a:cs typeface="+mn-cs"/>
+              </a:defRPr>
+            </a:lvl3pPr>
+            <a:lvl4pPr marL="1200150" indent="-171450" algn="l" defTabSz="685800" rtl="0" eaLnBrk="1" latinLnBrk="0" hangingPunct="1">
+              <a:lnSpc>
+                <a:spcPct val="90000"/>
+              </a:lnSpc>
+              <a:spcBef>
+                <a:spcPts val="375"/>
+              </a:spcBef>
+              <a:buFont typeface="Arial" panose="020B0604020202020204" pitchFamily="34" charset="0"/>
+              <a:buChar char="•"/>
+              <a:defRPr sz="1350" kern="1200">
+                <a:solidFill>
+                  <a:schemeClr val="tx1"/>
+                </a:solidFill>
+                <a:latin typeface="+mn-lt"/>
+                <a:ea typeface="+mn-ea"/>
+                <a:cs typeface="+mn-cs"/>
+              </a:defRPr>
+            </a:lvl4pPr>
+            <a:lvl5pPr marL="1543050" indent="-171450" algn="l" defTabSz="685800" rtl="0" eaLnBrk="1" latinLnBrk="0" hangingPunct="1">
+              <a:lnSpc>
+                <a:spcPct val="90000"/>
+              </a:lnSpc>
+              <a:spcBef>
+                <a:spcPts val="375"/>
+              </a:spcBef>
+              <a:buFont typeface="Arial" panose="020B0604020202020204" pitchFamily="34" charset="0"/>
+              <a:buChar char="•"/>
+              <a:defRPr sz="1350" kern="1200">
+                <a:solidFill>
+                  <a:schemeClr val="tx1"/>
+                </a:solidFill>
+                <a:latin typeface="+mn-lt"/>
+                <a:ea typeface="+mn-ea"/>
+                <a:cs typeface="+mn-cs"/>
+              </a:defRPr>
+            </a:lvl5pPr>
+            <a:lvl6pPr marL="1885950" indent="-171450" algn="l" defTabSz="685800" rtl="0" eaLnBrk="1" latinLnBrk="0" hangingPunct="1">
+              <a:lnSpc>
+                <a:spcPct val="90000"/>
+              </a:lnSpc>
+              <a:spcBef>
+                <a:spcPts val="375"/>
+              </a:spcBef>
+              <a:buFont typeface="Arial" panose="020B0604020202020204" pitchFamily="34" charset="0"/>
+              <a:buChar char="•"/>
+              <a:defRPr sz="1350" kern="1200">
+                <a:solidFill>
+                  <a:schemeClr val="tx1"/>
+                </a:solidFill>
+                <a:latin typeface="+mn-lt"/>
+                <a:ea typeface="+mn-ea"/>
+                <a:cs typeface="+mn-cs"/>
+              </a:defRPr>
+            </a:lvl6pPr>
+            <a:lvl7pPr marL="2228850" indent="-171450" algn="l" defTabSz="685800" rtl="0" eaLnBrk="1" latinLnBrk="0" hangingPunct="1">
+              <a:lnSpc>
+                <a:spcPct val="90000"/>
+              </a:lnSpc>
+              <a:spcBef>
+                <a:spcPts val="375"/>
+              </a:spcBef>
+              <a:buFont typeface="Arial" panose="020B0604020202020204" pitchFamily="34" charset="0"/>
+              <a:buChar char="•"/>
+              <a:defRPr sz="1350" kern="1200">
+                <a:solidFill>
+                  <a:schemeClr val="tx1"/>
+                </a:solidFill>
+                <a:latin typeface="+mn-lt"/>
+                <a:ea typeface="+mn-ea"/>
+                <a:cs typeface="+mn-cs"/>
+              </a:defRPr>
+            </a:lvl7pPr>
+            <a:lvl8pPr marL="2571750" indent="-171450" algn="l" defTabSz="685800" rtl="0" eaLnBrk="1" latinLnBrk="0" hangingPunct="1">
+              <a:lnSpc>
+                <a:spcPct val="90000"/>
+              </a:lnSpc>
+              <a:spcBef>
+                <a:spcPts val="375"/>
+              </a:spcBef>
+              <a:buFont typeface="Arial" panose="020B0604020202020204" pitchFamily="34" charset="0"/>
+              <a:buChar char="•"/>
+              <a:defRPr sz="1350" kern="1200">
+                <a:solidFill>
+                  <a:schemeClr val="tx1"/>
+                </a:solidFill>
+                <a:latin typeface="+mn-lt"/>
+                <a:ea typeface="+mn-ea"/>
+                <a:cs typeface="+mn-cs"/>
+              </a:defRPr>
+            </a:lvl8pPr>
+            <a:lvl9pPr marL="2914650" indent="-171450" algn="l" defTabSz="685800" rtl="0" eaLnBrk="1" latinLnBrk="0" hangingPunct="1">
+              <a:lnSpc>
+                <a:spcPct val="90000"/>
+              </a:lnSpc>
+              <a:spcBef>
+                <a:spcPts val="375"/>
+              </a:spcBef>
+              <a:buFont typeface="Arial" panose="020B0604020202020204" pitchFamily="34" charset="0"/>
+              <a:buChar char="•"/>
+              <a:defRPr sz="1350" kern="1200">
+                <a:solidFill>
+                  <a:schemeClr val="tx1"/>
+                </a:solidFill>
+                <a:latin typeface="+mn-lt"/>
+                <a:ea typeface="+mn-ea"/>
+                <a:cs typeface="+mn-cs"/>
+              </a:defRPr>
+            </a:lvl9pPr>
+          </a:lstStyle>
+          <a:p>
+            <a:pPr fontAlgn="auto">
+              <a:spcAft>
+                <a:spcPts val="0"/>
+              </a:spcAft>
+              <a:buClrTx/>
+              <a:buSzTx/>
+            </a:pPr>
+            <a:r>
+              <a:rPr lang="en-AU" dirty="0">
+                <a:cs typeface="Arial" panose="020B0604020202020204" pitchFamily="34" charset="0"/>
+              </a:rPr>
+              <a:t>Open-source</a:t>
+            </a:r>
+          </a:p>
+          <a:p>
+            <a:pPr fontAlgn="auto">
+              <a:spcAft>
+                <a:spcPts val="0"/>
+              </a:spcAft>
+              <a:buClrTx/>
+              <a:buSzTx/>
+            </a:pPr>
+            <a:r>
+              <a:rPr lang="en-AU" dirty="0">
+                <a:cs typeface="Arial" panose="020B0604020202020204" pitchFamily="34" charset="0"/>
+              </a:rPr>
+              <a:t>Build from scratch</a:t>
+            </a:r>
+          </a:p>
+        </p:txBody>
+      </p:sp>
+    </p:spTree>
+    <p:extLst>
+      <p:ext uri="{BB962C8B-B14F-4D97-AF65-F5344CB8AC3E}">
+        <p14:creationId xmlns:p14="http://schemas.microsoft.com/office/powerpoint/2010/main" val="3908369038"/>
+      </p:ext>
+    </p:extLst>
+  </p:cSld>
+  <p:clrMapOvr>
+    <a:masterClrMapping/>
+  </p:clrMapOvr>
+</p:sld>
+</file>
+
+<file path=ppt/slides/slide50.xml><?xml version="1.0" encoding="utf-8"?>
 <p:sld xmlns:a="http://schemas.openxmlformats.org/drawingml/2006/main" xmlns:r="http://schemas.openxmlformats.org/officeDocument/2006/relationships" xmlns:p="http://schemas.openxmlformats.org/presentationml/2006/main">
   <p:cSld>
     <p:spTree>
@@ -28661,793 +29636,7 @@
 </p:sld>
 </file>
 
-<file path=ppt/slides/slide5.xml><?xml version="1.0" encoding="utf-8"?>
-<p:sld xmlns:a="http://schemas.openxmlformats.org/drawingml/2006/main" xmlns:r="http://schemas.openxmlformats.org/officeDocument/2006/relationships" xmlns:p="http://schemas.openxmlformats.org/presentationml/2006/main">
-  <p:cSld>
-    <p:spTree>
-      <p:nvGrpSpPr>
-        <p:cNvPr id="1" name=""/>
-        <p:cNvGrpSpPr/>
-        <p:nvPr/>
-      </p:nvGrpSpPr>
-      <p:grpSpPr>
-        <a:xfrm>
-          <a:off x="0" y="0"/>
-          <a:ext cx="0" cy="0"/>
-          <a:chOff x="0" y="0"/>
-          <a:chExt cx="0" cy="0"/>
-        </a:xfrm>
-      </p:grpSpPr>
-      <p:pic>
-        <p:nvPicPr>
-          <p:cNvPr id="1026" name="Picture 2" descr="How Are You Comparing the Big Three Cloud Providers? - VMware Aria Cost  powered by CloudHealth">
-            <a:extLst>
-              <a:ext uri="{FF2B5EF4-FFF2-40B4-BE49-F238E27FC236}">
-                <a16:creationId xmlns:a16="http://schemas.microsoft.com/office/drawing/2014/main" id="{E3A7937E-3A3D-4D6B-9156-5D6118002B89}"/>
-              </a:ext>
-            </a:extLst>
-          </p:cNvPr>
-          <p:cNvPicPr>
-            <a:picLocks noChangeAspect="1" noChangeArrowheads="1"/>
-          </p:cNvPicPr>
-          <p:nvPr/>
-        </p:nvPicPr>
-        <p:blipFill>
-          <a:blip r:embed="rId3">
-            <a:extLst>
-              <a:ext uri="{28A0092B-C50C-407E-A947-70E740481C1C}">
-                <a14:useLocalDpi xmlns:a14="http://schemas.microsoft.com/office/drawing/2010/main" val="0"/>
-              </a:ext>
-            </a:extLst>
-          </a:blip>
-          <a:srcRect/>
-          <a:stretch>
-            <a:fillRect/>
-          </a:stretch>
-        </p:blipFill>
-        <p:spPr bwMode="auto">
-          <a:xfrm>
-            <a:off x="1378588" y="1322195"/>
-            <a:ext cx="6386824" cy="4577224"/>
-          </a:xfrm>
-          <a:prstGeom prst="rect">
-            <a:avLst/>
-          </a:prstGeom>
-          <a:noFill/>
-          <a:extLst>
-            <a:ext uri="{909E8E84-426E-40DD-AFC4-6F175D3DCCD1}">
-              <a14:hiddenFill xmlns:a14="http://schemas.microsoft.com/office/drawing/2010/main">
-                <a:solidFill>
-                  <a:srgbClr val="FFFFFF"/>
-                </a:solidFill>
-              </a14:hiddenFill>
-            </a:ext>
-          </a:extLst>
-        </p:spPr>
-      </p:pic>
-      <p:sp>
-        <p:nvSpPr>
-          <p:cNvPr id="2" name="Rectangle 1">
-            <a:extLst>
-              <a:ext uri="{FF2B5EF4-FFF2-40B4-BE49-F238E27FC236}">
-                <a16:creationId xmlns:a16="http://schemas.microsoft.com/office/drawing/2014/main" id="{DA61CC5B-FF2D-4DB8-8D31-E666649BFCFE}"/>
-              </a:ext>
-            </a:extLst>
-          </p:cNvPr>
-          <p:cNvSpPr/>
-          <p:nvPr/>
-        </p:nvSpPr>
-        <p:spPr>
-          <a:xfrm>
-            <a:off x="3543300" y="1209788"/>
-            <a:ext cx="2057400" cy="722671"/>
-          </a:xfrm>
-          <a:prstGeom prst="rect">
-            <a:avLst/>
-          </a:prstGeom>
-          <a:noFill/>
-          <a:ln>
-            <a:noFill/>
-          </a:ln>
-        </p:spPr>
-        <p:style>
-          <a:lnRef idx="2">
-            <a:schemeClr val="accent1">
-              <a:shade val="50000"/>
-            </a:schemeClr>
-          </a:lnRef>
-          <a:fillRef idx="1">
-            <a:schemeClr val="accent1"/>
-          </a:fillRef>
-          <a:effectRef idx="0">
-            <a:schemeClr val="accent1"/>
-          </a:effectRef>
-          <a:fontRef idx="minor">
-            <a:schemeClr val="lt1"/>
-          </a:fontRef>
-        </p:style>
-        <p:txBody>
-          <a:bodyPr rtlCol="0" anchor="ctr"/>
-          <a:lstStyle/>
-          <a:p>
-            <a:pPr algn="ctr"/>
-            <a:r>
-              <a:rPr lang="en-AU" sz="2400" b="1" dirty="0">
-                <a:solidFill>
-                  <a:schemeClr val="tx1"/>
-                </a:solidFill>
-              </a:rPr>
-              <a:t>Hyper-V</a:t>
-            </a:r>
-          </a:p>
-        </p:txBody>
-      </p:sp>
-      <p:sp>
-        <p:nvSpPr>
-          <p:cNvPr id="6" name="Rectangle 5">
-            <a:extLst>
-              <a:ext uri="{FF2B5EF4-FFF2-40B4-BE49-F238E27FC236}">
-                <a16:creationId xmlns:a16="http://schemas.microsoft.com/office/drawing/2014/main" id="{A4E18829-FA6B-43A9-B2FD-E69B4820CFD9}"/>
-              </a:ext>
-            </a:extLst>
-          </p:cNvPr>
-          <p:cNvSpPr/>
-          <p:nvPr/>
-        </p:nvSpPr>
-        <p:spPr>
-          <a:xfrm>
-            <a:off x="1984887" y="5176748"/>
-            <a:ext cx="2057400" cy="722671"/>
-          </a:xfrm>
-          <a:prstGeom prst="rect">
-            <a:avLst/>
-          </a:prstGeom>
-          <a:noFill/>
-          <a:ln>
-            <a:noFill/>
-          </a:ln>
-        </p:spPr>
-        <p:style>
-          <a:lnRef idx="2">
-            <a:schemeClr val="accent1">
-              <a:shade val="50000"/>
-            </a:schemeClr>
-          </a:lnRef>
-          <a:fillRef idx="1">
-            <a:schemeClr val="accent1"/>
-          </a:fillRef>
-          <a:effectRef idx="0">
-            <a:schemeClr val="accent1"/>
-          </a:effectRef>
-          <a:fontRef idx="minor">
-            <a:schemeClr val="lt1"/>
-          </a:fontRef>
-        </p:style>
-        <p:txBody>
-          <a:bodyPr rtlCol="0" anchor="ctr"/>
-          <a:lstStyle/>
-          <a:p>
-            <a:pPr algn="ctr"/>
-            <a:r>
-              <a:rPr lang="en-AU" sz="2400" b="1" dirty="0">
-                <a:solidFill>
-                  <a:schemeClr val="tx1"/>
-                </a:solidFill>
-              </a:rPr>
-              <a:t>Xen and KVM</a:t>
-            </a:r>
-          </a:p>
-        </p:txBody>
-      </p:sp>
-      <p:sp>
-        <p:nvSpPr>
-          <p:cNvPr id="7" name="Rectangle 6">
-            <a:extLst>
-              <a:ext uri="{FF2B5EF4-FFF2-40B4-BE49-F238E27FC236}">
-                <a16:creationId xmlns:a16="http://schemas.microsoft.com/office/drawing/2014/main" id="{7883793A-E389-44D9-A38A-8A1577FB2A99}"/>
-              </a:ext>
-            </a:extLst>
-          </p:cNvPr>
-          <p:cNvSpPr/>
-          <p:nvPr/>
-        </p:nvSpPr>
-        <p:spPr>
-          <a:xfrm>
-            <a:off x="4875149" y="5176748"/>
-            <a:ext cx="2057400" cy="722671"/>
-          </a:xfrm>
-          <a:prstGeom prst="rect">
-            <a:avLst/>
-          </a:prstGeom>
-          <a:noFill/>
-          <a:ln>
-            <a:noFill/>
-          </a:ln>
-        </p:spPr>
-        <p:style>
-          <a:lnRef idx="2">
-            <a:schemeClr val="accent1">
-              <a:shade val="50000"/>
-            </a:schemeClr>
-          </a:lnRef>
-          <a:fillRef idx="1">
-            <a:schemeClr val="accent1"/>
-          </a:fillRef>
-          <a:effectRef idx="0">
-            <a:schemeClr val="accent1"/>
-          </a:effectRef>
-          <a:fontRef idx="minor">
-            <a:schemeClr val="lt1"/>
-          </a:fontRef>
-        </p:style>
-        <p:txBody>
-          <a:bodyPr rtlCol="0" anchor="ctr"/>
-          <a:lstStyle/>
-          <a:p>
-            <a:pPr algn="ctr"/>
-            <a:r>
-              <a:rPr lang="en-AU" sz="2400" b="1" dirty="0">
-                <a:solidFill>
-                  <a:schemeClr val="tx1"/>
-                </a:solidFill>
-              </a:rPr>
-              <a:t>KVM</a:t>
-            </a:r>
-          </a:p>
-        </p:txBody>
-      </p:sp>
-      <p:sp>
-        <p:nvSpPr>
-          <p:cNvPr id="10" name="Title 1">
-            <a:extLst>
-              <a:ext uri="{FF2B5EF4-FFF2-40B4-BE49-F238E27FC236}">
-                <a16:creationId xmlns:a16="http://schemas.microsoft.com/office/drawing/2014/main" id="{76747A1D-B757-4440-BAE5-2BA9E37A19F2}"/>
-              </a:ext>
-            </a:extLst>
-          </p:cNvPr>
-          <p:cNvSpPr>
-            <a:spLocks noGrp="1"/>
-          </p:cNvSpPr>
-          <p:nvPr>
-            <p:ph type="title"/>
-          </p:nvPr>
-        </p:nvSpPr>
-        <p:spPr>
-          <a:xfrm>
-            <a:off x="1007706" y="136525"/>
-            <a:ext cx="7707086" cy="1073264"/>
-          </a:xfrm>
-        </p:spPr>
-        <p:txBody>
-          <a:bodyPr/>
-          <a:lstStyle/>
-          <a:p>
-            <a:r>
-              <a:rPr lang="en-AU" b="1" i="0" dirty="0">
-                <a:solidFill>
-                  <a:srgbClr val="374151"/>
-                </a:solidFill>
-                <a:effectLst/>
-              </a:rPr>
-              <a:t>Three main </a:t>
-            </a:r>
-            <a:r>
-              <a:rPr lang="en-AU" sz="3200" b="1" dirty="0">
-                <a:solidFill>
-                  <a:srgbClr val="374151"/>
-                </a:solidFill>
-              </a:rPr>
-              <a:t>virtual machine monitors (VMM)</a:t>
-            </a:r>
-            <a:endParaRPr lang="en-US" b="1" dirty="0"/>
-          </a:p>
-        </p:txBody>
-      </p:sp>
-      <p:sp>
-        <p:nvSpPr>
-          <p:cNvPr id="11" name="Content Placeholder 2">
-            <a:extLst>
-              <a:ext uri="{FF2B5EF4-FFF2-40B4-BE49-F238E27FC236}">
-                <a16:creationId xmlns:a16="http://schemas.microsoft.com/office/drawing/2014/main" id="{59644879-68F3-4A14-BA12-B23CDC42A4E5}"/>
-              </a:ext>
-            </a:extLst>
-          </p:cNvPr>
-          <p:cNvSpPr>
-            <a:spLocks noGrp="1"/>
-          </p:cNvSpPr>
-          <p:nvPr>
-            <p:ph idx="1"/>
-          </p:nvPr>
-        </p:nvSpPr>
-        <p:spPr>
-          <a:xfrm>
-            <a:off x="5271402" y="1209788"/>
-            <a:ext cx="3322294" cy="722671"/>
-          </a:xfrm>
-        </p:spPr>
-        <p:txBody>
-          <a:bodyPr>
-            <a:normAutofit lnSpcReduction="10000"/>
-          </a:bodyPr>
-          <a:lstStyle/>
-          <a:p>
-            <a:r>
-              <a:rPr lang="en-AU" dirty="0">
-                <a:cs typeface="Arial" panose="020B0604020202020204" pitchFamily="34" charset="0"/>
-              </a:rPr>
-              <a:t>Closed-source</a:t>
-            </a:r>
-          </a:p>
-          <a:p>
-            <a:r>
-              <a:rPr lang="en-AU" dirty="0">
-                <a:cs typeface="Arial" panose="020B0604020202020204" pitchFamily="34" charset="0"/>
-              </a:rPr>
-              <a:t>Microsoft kernel module</a:t>
-            </a:r>
-          </a:p>
-        </p:txBody>
-      </p:sp>
-      <p:sp>
-        <p:nvSpPr>
-          <p:cNvPr id="12" name="Content Placeholder 2">
-            <a:extLst>
-              <a:ext uri="{FF2B5EF4-FFF2-40B4-BE49-F238E27FC236}">
-                <a16:creationId xmlns:a16="http://schemas.microsoft.com/office/drawing/2014/main" id="{D1779E7D-BB31-449E-873C-6CF719FE7A3E}"/>
-              </a:ext>
-            </a:extLst>
-          </p:cNvPr>
-          <p:cNvSpPr txBox="1">
-            <a:spLocks/>
-          </p:cNvSpPr>
-          <p:nvPr/>
-        </p:nvSpPr>
-        <p:spPr>
-          <a:xfrm>
-            <a:off x="4807608" y="5899419"/>
-            <a:ext cx="3322294" cy="722671"/>
-          </a:xfrm>
-          <a:prstGeom prst="rect">
-            <a:avLst/>
-          </a:prstGeom>
-        </p:spPr>
-        <p:txBody>
-          <a:bodyPr vert="horz" lIns="91440" tIns="45720" rIns="91440" bIns="45720" rtlCol="0">
-            <a:normAutofit lnSpcReduction="10000"/>
-          </a:bodyPr>
-          <a:lstStyle>
-            <a:lvl1pPr marL="171450" indent="-171450" algn="l" defTabSz="685800" rtl="0" eaLnBrk="1" latinLnBrk="0" hangingPunct="1">
-              <a:lnSpc>
-                <a:spcPct val="90000"/>
-              </a:lnSpc>
-              <a:spcBef>
-                <a:spcPts val="750"/>
-              </a:spcBef>
-              <a:buFont typeface="Arial" panose="020B0604020202020204" pitchFamily="34" charset="0"/>
-              <a:buChar char="•"/>
-              <a:defRPr sz="2100" kern="1200">
-                <a:solidFill>
-                  <a:schemeClr val="tx1"/>
-                </a:solidFill>
-                <a:latin typeface="+mn-lt"/>
-                <a:ea typeface="+mn-ea"/>
-                <a:cs typeface="+mn-cs"/>
-              </a:defRPr>
-            </a:lvl1pPr>
-            <a:lvl2pPr marL="514350" indent="-171450" algn="l" defTabSz="685800" rtl="0" eaLnBrk="1" latinLnBrk="0" hangingPunct="1">
-              <a:lnSpc>
-                <a:spcPct val="90000"/>
-              </a:lnSpc>
-              <a:spcBef>
-                <a:spcPts val="375"/>
-              </a:spcBef>
-              <a:buFont typeface="Arial" panose="020B0604020202020204" pitchFamily="34" charset="0"/>
-              <a:buChar char="•"/>
-              <a:defRPr sz="1800" kern="1200">
-                <a:solidFill>
-                  <a:schemeClr val="tx1"/>
-                </a:solidFill>
-                <a:latin typeface="+mn-lt"/>
-                <a:ea typeface="+mn-ea"/>
-                <a:cs typeface="+mn-cs"/>
-              </a:defRPr>
-            </a:lvl2pPr>
-            <a:lvl3pPr marL="857250" indent="-171450" algn="l" defTabSz="685800" rtl="0" eaLnBrk="1" latinLnBrk="0" hangingPunct="1">
-              <a:lnSpc>
-                <a:spcPct val="90000"/>
-              </a:lnSpc>
-              <a:spcBef>
-                <a:spcPts val="375"/>
-              </a:spcBef>
-              <a:buFont typeface="Arial" panose="020B0604020202020204" pitchFamily="34" charset="0"/>
-              <a:buChar char="•"/>
-              <a:defRPr sz="1500" kern="1200">
-                <a:solidFill>
-                  <a:schemeClr val="tx1"/>
-                </a:solidFill>
-                <a:latin typeface="+mn-lt"/>
-                <a:ea typeface="+mn-ea"/>
-                <a:cs typeface="+mn-cs"/>
-              </a:defRPr>
-            </a:lvl3pPr>
-            <a:lvl4pPr marL="1200150" indent="-171450" algn="l" defTabSz="685800" rtl="0" eaLnBrk="1" latinLnBrk="0" hangingPunct="1">
-              <a:lnSpc>
-                <a:spcPct val="90000"/>
-              </a:lnSpc>
-              <a:spcBef>
-                <a:spcPts val="375"/>
-              </a:spcBef>
-              <a:buFont typeface="Arial" panose="020B0604020202020204" pitchFamily="34" charset="0"/>
-              <a:buChar char="•"/>
-              <a:defRPr sz="1350" kern="1200">
-                <a:solidFill>
-                  <a:schemeClr val="tx1"/>
-                </a:solidFill>
-                <a:latin typeface="+mn-lt"/>
-                <a:ea typeface="+mn-ea"/>
-                <a:cs typeface="+mn-cs"/>
-              </a:defRPr>
-            </a:lvl4pPr>
-            <a:lvl5pPr marL="1543050" indent="-171450" algn="l" defTabSz="685800" rtl="0" eaLnBrk="1" latinLnBrk="0" hangingPunct="1">
-              <a:lnSpc>
-                <a:spcPct val="90000"/>
-              </a:lnSpc>
-              <a:spcBef>
-                <a:spcPts val="375"/>
-              </a:spcBef>
-              <a:buFont typeface="Arial" panose="020B0604020202020204" pitchFamily="34" charset="0"/>
-              <a:buChar char="•"/>
-              <a:defRPr sz="1350" kern="1200">
-                <a:solidFill>
-                  <a:schemeClr val="tx1"/>
-                </a:solidFill>
-                <a:latin typeface="+mn-lt"/>
-                <a:ea typeface="+mn-ea"/>
-                <a:cs typeface="+mn-cs"/>
-              </a:defRPr>
-            </a:lvl5pPr>
-            <a:lvl6pPr marL="1885950" indent="-171450" algn="l" defTabSz="685800" rtl="0" eaLnBrk="1" latinLnBrk="0" hangingPunct="1">
-              <a:lnSpc>
-                <a:spcPct val="90000"/>
-              </a:lnSpc>
-              <a:spcBef>
-                <a:spcPts val="375"/>
-              </a:spcBef>
-              <a:buFont typeface="Arial" panose="020B0604020202020204" pitchFamily="34" charset="0"/>
-              <a:buChar char="•"/>
-              <a:defRPr sz="1350" kern="1200">
-                <a:solidFill>
-                  <a:schemeClr val="tx1"/>
-                </a:solidFill>
-                <a:latin typeface="+mn-lt"/>
-                <a:ea typeface="+mn-ea"/>
-                <a:cs typeface="+mn-cs"/>
-              </a:defRPr>
-            </a:lvl6pPr>
-            <a:lvl7pPr marL="2228850" indent="-171450" algn="l" defTabSz="685800" rtl="0" eaLnBrk="1" latinLnBrk="0" hangingPunct="1">
-              <a:lnSpc>
-                <a:spcPct val="90000"/>
-              </a:lnSpc>
-              <a:spcBef>
-                <a:spcPts val="375"/>
-              </a:spcBef>
-              <a:buFont typeface="Arial" panose="020B0604020202020204" pitchFamily="34" charset="0"/>
-              <a:buChar char="•"/>
-              <a:defRPr sz="1350" kern="1200">
-                <a:solidFill>
-                  <a:schemeClr val="tx1"/>
-                </a:solidFill>
-                <a:latin typeface="+mn-lt"/>
-                <a:ea typeface="+mn-ea"/>
-                <a:cs typeface="+mn-cs"/>
-              </a:defRPr>
-            </a:lvl7pPr>
-            <a:lvl8pPr marL="2571750" indent="-171450" algn="l" defTabSz="685800" rtl="0" eaLnBrk="1" latinLnBrk="0" hangingPunct="1">
-              <a:lnSpc>
-                <a:spcPct val="90000"/>
-              </a:lnSpc>
-              <a:spcBef>
-                <a:spcPts val="375"/>
-              </a:spcBef>
-              <a:buFont typeface="Arial" panose="020B0604020202020204" pitchFamily="34" charset="0"/>
-              <a:buChar char="•"/>
-              <a:defRPr sz="1350" kern="1200">
-                <a:solidFill>
-                  <a:schemeClr val="tx1"/>
-                </a:solidFill>
-                <a:latin typeface="+mn-lt"/>
-                <a:ea typeface="+mn-ea"/>
-                <a:cs typeface="+mn-cs"/>
-              </a:defRPr>
-            </a:lvl8pPr>
-            <a:lvl9pPr marL="2914650" indent="-171450" algn="l" defTabSz="685800" rtl="0" eaLnBrk="1" latinLnBrk="0" hangingPunct="1">
-              <a:lnSpc>
-                <a:spcPct val="90000"/>
-              </a:lnSpc>
-              <a:spcBef>
-                <a:spcPts val="375"/>
-              </a:spcBef>
-              <a:buFont typeface="Arial" panose="020B0604020202020204" pitchFamily="34" charset="0"/>
-              <a:buChar char="•"/>
-              <a:defRPr sz="1350" kern="1200">
-                <a:solidFill>
-                  <a:schemeClr val="tx1"/>
-                </a:solidFill>
-                <a:latin typeface="+mn-lt"/>
-                <a:ea typeface="+mn-ea"/>
-                <a:cs typeface="+mn-cs"/>
-              </a:defRPr>
-            </a:lvl9pPr>
-          </a:lstStyle>
-          <a:p>
-            <a:pPr fontAlgn="auto">
-              <a:spcAft>
-                <a:spcPts val="0"/>
-              </a:spcAft>
-              <a:buClrTx/>
-              <a:buSzTx/>
-            </a:pPr>
-            <a:r>
-              <a:rPr lang="en-AU" dirty="0">
-                <a:cs typeface="Arial" panose="020B0604020202020204" pitchFamily="34" charset="0"/>
-              </a:rPr>
-              <a:t>Open-source</a:t>
-            </a:r>
-          </a:p>
-          <a:p>
-            <a:pPr fontAlgn="auto">
-              <a:spcAft>
-                <a:spcPts val="0"/>
-              </a:spcAft>
-              <a:buClrTx/>
-              <a:buSzTx/>
-            </a:pPr>
-            <a:r>
-              <a:rPr lang="en-AU" dirty="0">
-                <a:cs typeface="Arial" panose="020B0604020202020204" pitchFamily="34" charset="0"/>
-              </a:rPr>
-              <a:t>Linux kernel module</a:t>
-            </a:r>
-          </a:p>
-        </p:txBody>
-      </p:sp>
-      <p:sp>
-        <p:nvSpPr>
-          <p:cNvPr id="13" name="Content Placeholder 2">
-            <a:extLst>
-              <a:ext uri="{FF2B5EF4-FFF2-40B4-BE49-F238E27FC236}">
-                <a16:creationId xmlns:a16="http://schemas.microsoft.com/office/drawing/2014/main" id="{DC01BCDF-652B-4682-B4CD-CACE40A6DAA2}"/>
-              </a:ext>
-            </a:extLst>
-          </p:cNvPr>
-          <p:cNvSpPr txBox="1">
-            <a:spLocks/>
-          </p:cNvSpPr>
-          <p:nvPr/>
-        </p:nvSpPr>
-        <p:spPr>
-          <a:xfrm>
-            <a:off x="932466" y="5787012"/>
-            <a:ext cx="3322294" cy="722671"/>
-          </a:xfrm>
-          <a:prstGeom prst="rect">
-            <a:avLst/>
-          </a:prstGeom>
-        </p:spPr>
-        <p:txBody>
-          <a:bodyPr vert="horz" lIns="91440" tIns="45720" rIns="91440" bIns="45720" rtlCol="0">
-            <a:normAutofit lnSpcReduction="10000"/>
-          </a:bodyPr>
-          <a:lstStyle>
-            <a:lvl1pPr marL="171450" indent="-171450" algn="l" defTabSz="685800" rtl="0" eaLnBrk="1" latinLnBrk="0" hangingPunct="1">
-              <a:lnSpc>
-                <a:spcPct val="90000"/>
-              </a:lnSpc>
-              <a:spcBef>
-                <a:spcPts val="750"/>
-              </a:spcBef>
-              <a:buFont typeface="Arial" panose="020B0604020202020204" pitchFamily="34" charset="0"/>
-              <a:buChar char="•"/>
-              <a:defRPr sz="2100" kern="1200">
-                <a:solidFill>
-                  <a:schemeClr val="tx1"/>
-                </a:solidFill>
-                <a:latin typeface="+mn-lt"/>
-                <a:ea typeface="+mn-ea"/>
-                <a:cs typeface="+mn-cs"/>
-              </a:defRPr>
-            </a:lvl1pPr>
-            <a:lvl2pPr marL="514350" indent="-171450" algn="l" defTabSz="685800" rtl="0" eaLnBrk="1" latinLnBrk="0" hangingPunct="1">
-              <a:lnSpc>
-                <a:spcPct val="90000"/>
-              </a:lnSpc>
-              <a:spcBef>
-                <a:spcPts val="375"/>
-              </a:spcBef>
-              <a:buFont typeface="Arial" panose="020B0604020202020204" pitchFamily="34" charset="0"/>
-              <a:buChar char="•"/>
-              <a:defRPr sz="1800" kern="1200">
-                <a:solidFill>
-                  <a:schemeClr val="tx1"/>
-                </a:solidFill>
-                <a:latin typeface="+mn-lt"/>
-                <a:ea typeface="+mn-ea"/>
-                <a:cs typeface="+mn-cs"/>
-              </a:defRPr>
-            </a:lvl2pPr>
-            <a:lvl3pPr marL="857250" indent="-171450" algn="l" defTabSz="685800" rtl="0" eaLnBrk="1" latinLnBrk="0" hangingPunct="1">
-              <a:lnSpc>
-                <a:spcPct val="90000"/>
-              </a:lnSpc>
-              <a:spcBef>
-                <a:spcPts val="375"/>
-              </a:spcBef>
-              <a:buFont typeface="Arial" panose="020B0604020202020204" pitchFamily="34" charset="0"/>
-              <a:buChar char="•"/>
-              <a:defRPr sz="1500" kern="1200">
-                <a:solidFill>
-                  <a:schemeClr val="tx1"/>
-                </a:solidFill>
-                <a:latin typeface="+mn-lt"/>
-                <a:ea typeface="+mn-ea"/>
-                <a:cs typeface="+mn-cs"/>
-              </a:defRPr>
-            </a:lvl3pPr>
-            <a:lvl4pPr marL="1200150" indent="-171450" algn="l" defTabSz="685800" rtl="0" eaLnBrk="1" latinLnBrk="0" hangingPunct="1">
-              <a:lnSpc>
-                <a:spcPct val="90000"/>
-              </a:lnSpc>
-              <a:spcBef>
-                <a:spcPts val="375"/>
-              </a:spcBef>
-              <a:buFont typeface="Arial" panose="020B0604020202020204" pitchFamily="34" charset="0"/>
-              <a:buChar char="•"/>
-              <a:defRPr sz="1350" kern="1200">
-                <a:solidFill>
-                  <a:schemeClr val="tx1"/>
-                </a:solidFill>
-                <a:latin typeface="+mn-lt"/>
-                <a:ea typeface="+mn-ea"/>
-                <a:cs typeface="+mn-cs"/>
-              </a:defRPr>
-            </a:lvl4pPr>
-            <a:lvl5pPr marL="1543050" indent="-171450" algn="l" defTabSz="685800" rtl="0" eaLnBrk="1" latinLnBrk="0" hangingPunct="1">
-              <a:lnSpc>
-                <a:spcPct val="90000"/>
-              </a:lnSpc>
-              <a:spcBef>
-                <a:spcPts val="375"/>
-              </a:spcBef>
-              <a:buFont typeface="Arial" panose="020B0604020202020204" pitchFamily="34" charset="0"/>
-              <a:buChar char="•"/>
-              <a:defRPr sz="1350" kern="1200">
-                <a:solidFill>
-                  <a:schemeClr val="tx1"/>
-                </a:solidFill>
-                <a:latin typeface="+mn-lt"/>
-                <a:ea typeface="+mn-ea"/>
-                <a:cs typeface="+mn-cs"/>
-              </a:defRPr>
-            </a:lvl5pPr>
-            <a:lvl6pPr marL="1885950" indent="-171450" algn="l" defTabSz="685800" rtl="0" eaLnBrk="1" latinLnBrk="0" hangingPunct="1">
-              <a:lnSpc>
-                <a:spcPct val="90000"/>
-              </a:lnSpc>
-              <a:spcBef>
-                <a:spcPts val="375"/>
-              </a:spcBef>
-              <a:buFont typeface="Arial" panose="020B0604020202020204" pitchFamily="34" charset="0"/>
-              <a:buChar char="•"/>
-              <a:defRPr sz="1350" kern="1200">
-                <a:solidFill>
-                  <a:schemeClr val="tx1"/>
-                </a:solidFill>
-                <a:latin typeface="+mn-lt"/>
-                <a:ea typeface="+mn-ea"/>
-                <a:cs typeface="+mn-cs"/>
-              </a:defRPr>
-            </a:lvl6pPr>
-            <a:lvl7pPr marL="2228850" indent="-171450" algn="l" defTabSz="685800" rtl="0" eaLnBrk="1" latinLnBrk="0" hangingPunct="1">
-              <a:lnSpc>
-                <a:spcPct val="90000"/>
-              </a:lnSpc>
-              <a:spcBef>
-                <a:spcPts val="375"/>
-              </a:spcBef>
-              <a:buFont typeface="Arial" panose="020B0604020202020204" pitchFamily="34" charset="0"/>
-              <a:buChar char="•"/>
-              <a:defRPr sz="1350" kern="1200">
-                <a:solidFill>
-                  <a:schemeClr val="tx1"/>
-                </a:solidFill>
-                <a:latin typeface="+mn-lt"/>
-                <a:ea typeface="+mn-ea"/>
-                <a:cs typeface="+mn-cs"/>
-              </a:defRPr>
-            </a:lvl7pPr>
-            <a:lvl8pPr marL="2571750" indent="-171450" algn="l" defTabSz="685800" rtl="0" eaLnBrk="1" latinLnBrk="0" hangingPunct="1">
-              <a:lnSpc>
-                <a:spcPct val="90000"/>
-              </a:lnSpc>
-              <a:spcBef>
-                <a:spcPts val="375"/>
-              </a:spcBef>
-              <a:buFont typeface="Arial" panose="020B0604020202020204" pitchFamily="34" charset="0"/>
-              <a:buChar char="•"/>
-              <a:defRPr sz="1350" kern="1200">
-                <a:solidFill>
-                  <a:schemeClr val="tx1"/>
-                </a:solidFill>
-                <a:latin typeface="+mn-lt"/>
-                <a:ea typeface="+mn-ea"/>
-                <a:cs typeface="+mn-cs"/>
-              </a:defRPr>
-            </a:lvl8pPr>
-            <a:lvl9pPr marL="2914650" indent="-171450" algn="l" defTabSz="685800" rtl="0" eaLnBrk="1" latinLnBrk="0" hangingPunct="1">
-              <a:lnSpc>
-                <a:spcPct val="90000"/>
-              </a:lnSpc>
-              <a:spcBef>
-                <a:spcPts val="375"/>
-              </a:spcBef>
-              <a:buFont typeface="Arial" panose="020B0604020202020204" pitchFamily="34" charset="0"/>
-              <a:buChar char="•"/>
-              <a:defRPr sz="1350" kern="1200">
-                <a:solidFill>
-                  <a:schemeClr val="tx1"/>
-                </a:solidFill>
-                <a:latin typeface="+mn-lt"/>
-                <a:ea typeface="+mn-ea"/>
-                <a:cs typeface="+mn-cs"/>
-              </a:defRPr>
-            </a:lvl9pPr>
-          </a:lstStyle>
-          <a:p>
-            <a:pPr fontAlgn="auto">
-              <a:spcAft>
-                <a:spcPts val="0"/>
-              </a:spcAft>
-              <a:buClrTx/>
-              <a:buSzTx/>
-            </a:pPr>
-            <a:r>
-              <a:rPr lang="en-AU" dirty="0">
-                <a:cs typeface="Arial" panose="020B0604020202020204" pitchFamily="34" charset="0"/>
-              </a:rPr>
-              <a:t>Open-source</a:t>
-            </a:r>
-          </a:p>
-          <a:p>
-            <a:pPr fontAlgn="auto">
-              <a:spcAft>
-                <a:spcPts val="0"/>
-              </a:spcAft>
-              <a:buClrTx/>
-              <a:buSzTx/>
-            </a:pPr>
-            <a:r>
-              <a:rPr lang="en-AU" dirty="0">
-                <a:cs typeface="Arial" panose="020B0604020202020204" pitchFamily="34" charset="0"/>
-              </a:rPr>
-              <a:t>Build from scratch</a:t>
-            </a:r>
-          </a:p>
-        </p:txBody>
-      </p:sp>
-    </p:spTree>
-    <p:extLst>
-      <p:ext uri="{BB962C8B-B14F-4D97-AF65-F5344CB8AC3E}">
-        <p14:creationId xmlns:p14="http://schemas.microsoft.com/office/powerpoint/2010/main" val="3908369038"/>
-      </p:ext>
-    </p:extLst>
-  </p:cSld>
-  <p:clrMapOvr>
-    <a:masterClrMapping/>
-  </p:clrMapOvr>
-</p:sld>
-</file>
-
-<file path=ppt/slides/slide50.xml><?xml version="1.0" encoding="utf-8"?>
+<file path=ppt/slides/slide51.xml><?xml version="1.0" encoding="utf-8"?>
 <p:sld xmlns:a="http://schemas.openxmlformats.org/drawingml/2006/main" xmlns:r="http://schemas.openxmlformats.org/officeDocument/2006/relationships" xmlns:p="http://schemas.openxmlformats.org/presentationml/2006/main">
   <p:cSld>
     <p:spTree>
@@ -29652,7 +29841,7 @@
 </p:sld>
 </file>
 
-<file path=ppt/slides/slide51.xml><?xml version="1.0" encoding="utf-8"?>
+<file path=ppt/slides/slide52.xml><?xml version="1.0" encoding="utf-8"?>
 <p:sld xmlns:a="http://schemas.openxmlformats.org/drawingml/2006/main" xmlns:r="http://schemas.openxmlformats.org/officeDocument/2006/relationships" xmlns:p="http://schemas.openxmlformats.org/presentationml/2006/main">
   <p:cSld>
     <p:spTree>
@@ -29889,7 +30078,7 @@
 </p:sld>
 </file>
 
-<file path=ppt/slides/slide52.xml><?xml version="1.0" encoding="utf-8"?>
+<file path=ppt/slides/slide53.xml><?xml version="1.0" encoding="utf-8"?>
 <p:sld xmlns:a="http://schemas.openxmlformats.org/drawingml/2006/main" xmlns:r="http://schemas.openxmlformats.org/officeDocument/2006/relationships" xmlns:p="http://schemas.openxmlformats.org/presentationml/2006/main">
   <p:cSld>
     <p:spTree>
@@ -30345,7 +30534,7 @@
             <a:fld id="{86CB4B4D-7CA3-9044-876B-883B54F8677D}" type="slidenum">
               <a:rPr lang="en-AU" smtClean="0"/>
               <a:pPr/>
-              <a:t>52</a:t>
+              <a:t>53</a:t>
             </a:fld>
             <a:endParaRPr/>
           </a:p>
@@ -30915,7 +31104,7 @@
 </p:sld>
 </file>
 
-<file path=ppt/slides/slide53.xml><?xml version="1.0" encoding="utf-8"?>
+<file path=ppt/slides/slide54.xml><?xml version="1.0" encoding="utf-8"?>
 <p:sld xmlns:a="http://schemas.openxmlformats.org/drawingml/2006/main" xmlns:r="http://schemas.openxmlformats.org/officeDocument/2006/relationships" xmlns:p="http://schemas.openxmlformats.org/presentationml/2006/main">
   <p:cSld>
     <p:spTree>
@@ -30956,7 +31145,7 @@
           <a:p>
             <a:r>
               <a:rPr lang="en-AU" sz="2200" dirty="0"/>
-              <a:t>Some questions in mid-semester test are picked from the link below:</a:t>
+              <a:t>Some questions in mid-semester test will be picked from the link below:</a:t>
             </a:r>
           </a:p>
           <a:p>
@@ -30968,7 +31157,43 @@
                 </a:solidFill>
                 <a:latin typeface="+mn-lt"/>
               </a:rPr>
-              <a:t>github.com/zhangzhics/CITS5503_Sem2_2023/blob/master/assignments.md</a:t>
+              <a:t>github.com/</a:t>
+            </a:r>
+            <a:r>
+              <a:rPr lang="en-AU" sz="2000" dirty="0" err="1">
+                <a:solidFill>
+                  <a:srgbClr val="FF0000"/>
+                </a:solidFill>
+                <a:latin typeface="+mn-lt"/>
+              </a:rPr>
+              <a:t>zhangzhics</a:t>
+            </a:r>
+            <a:r>
+              <a:rPr lang="en-AU" sz="2000" dirty="0">
+                <a:solidFill>
+                  <a:srgbClr val="FF0000"/>
+                </a:solidFill>
+                <a:latin typeface="+mn-lt"/>
+              </a:rPr>
+              <a:t>/</a:t>
+            </a:r>
+            <a:r>
+              <a:rPr lang="en-US" sz="2000" dirty="0">
+                <a:solidFill>
+                  <a:srgbClr val="FF0000"/>
+                </a:solidFill>
+                <a:latin typeface="+mn-lt"/>
+              </a:rPr>
+              <a:t>CITS5503_Sem2/blob/master/assignments</a:t>
+            </a:r>
+            <a:r>
+              <a:rPr lang="en-AU" sz="2000" dirty="0">
+                <a:solidFill>
+                  <a:srgbClr val="FF0000"/>
+                </a:solidFill>
+                <a:latin typeface="+mn-lt"/>
+              </a:rPr>
+              <a:t>.md</a:t>
             </a:r>
             <a:endParaRPr lang="en-AU" dirty="0">
               <a:solidFill>
@@ -30979,7 +31204,7 @@
           <a:p>
             <a:r>
               <a:rPr lang="en-AU" sz="2200" dirty="0"/>
-              <a:t>Some practice questions are also picked from the link. </a:t>
+              <a:t>Some practice questions will also be picked from the link. </a:t>
             </a:r>
           </a:p>
           <a:p>
@@ -31043,7 +31268,7 @@
 </p:sld>
 </file>
 
-<file path=ppt/slides/slide54.xml><?xml version="1.0" encoding="utf-8"?>
+<file path=ppt/slides/slide55.xml><?xml version="1.0" encoding="utf-8"?>
 <p:sld xmlns:a="http://schemas.openxmlformats.org/drawingml/2006/main" xmlns:r="http://schemas.openxmlformats.org/officeDocument/2006/relationships" xmlns:p="http://schemas.openxmlformats.org/presentationml/2006/main">
   <p:cSld>
     <p:spTree>
@@ -31312,7 +31537,7 @@
 </p:sld>
 </file>
 
-<file path=ppt/slides/slide55.xml><?xml version="1.0" encoding="utf-8"?>
+<file path=ppt/slides/slide56.xml><?xml version="1.0" encoding="utf-8"?>
 <p:sld xmlns:a="http://schemas.openxmlformats.org/drawingml/2006/main" xmlns:r="http://schemas.openxmlformats.org/officeDocument/2006/relationships" xmlns:p="http://schemas.openxmlformats.org/presentationml/2006/main">
   <p:cSld>
     <p:spTree>
@@ -31627,7 +31852,7 @@
 </p:sld>
 </file>
 
-<file path=ppt/slides/slide56.xml><?xml version="1.0" encoding="utf-8"?>
+<file path=ppt/slides/slide57.xml><?xml version="1.0" encoding="utf-8"?>
 <p:sld xmlns:a="http://schemas.openxmlformats.org/drawingml/2006/main" xmlns:r="http://schemas.openxmlformats.org/officeDocument/2006/relationships" xmlns:p="http://schemas.openxmlformats.org/presentationml/2006/main">
   <p:cSld>
     <p:spTree>
@@ -31959,7 +32184,7 @@
 </p:sld>
 </file>
 
-<file path=ppt/slides/slide57.xml><?xml version="1.0" encoding="utf-8"?>
+<file path=ppt/slides/slide58.xml><?xml version="1.0" encoding="utf-8"?>
 <p:sld xmlns:a="http://schemas.openxmlformats.org/drawingml/2006/main" xmlns:r="http://schemas.openxmlformats.org/officeDocument/2006/relationships" xmlns:p="http://schemas.openxmlformats.org/presentationml/2006/main">
   <p:cSld>
     <p:spTree>
@@ -32313,7 +32538,7 @@
 </p:sld>
 </file>
 
-<file path=ppt/slides/slide58.xml><?xml version="1.0" encoding="utf-8"?>
+<file path=ppt/slides/slide59.xml><?xml version="1.0" encoding="utf-8"?>
 <p:sld xmlns:a="http://schemas.openxmlformats.org/drawingml/2006/main" xmlns:r="http://schemas.openxmlformats.org/officeDocument/2006/relationships" xmlns:p="http://schemas.openxmlformats.org/presentationml/2006/main">
   <p:cSld>
     <p:spTree>
@@ -32598,7 +32823,326 @@
 </p:sld>
 </file>
 
-<file path=ppt/slides/slide59.xml><?xml version="1.0" encoding="utf-8"?>
+<file path=ppt/slides/slide6.xml><?xml version="1.0" encoding="utf-8"?>
+<p:sld xmlns:a="http://schemas.openxmlformats.org/drawingml/2006/main" xmlns:r="http://schemas.openxmlformats.org/officeDocument/2006/relationships" xmlns:p="http://schemas.openxmlformats.org/presentationml/2006/main">
+  <p:cSld>
+    <p:spTree>
+      <p:nvGrpSpPr>
+        <p:cNvPr id="1" name=""/>
+        <p:cNvGrpSpPr/>
+        <p:nvPr/>
+      </p:nvGrpSpPr>
+      <p:grpSpPr>
+        <a:xfrm>
+          <a:off x="0" y="0"/>
+          <a:ext cx="0" cy="0"/>
+          <a:chOff x="0" y="0"/>
+          <a:chExt cx="0" cy="0"/>
+        </a:xfrm>
+      </p:grpSpPr>
+      <p:pic>
+        <p:nvPicPr>
+          <p:cNvPr id="1026" name="Picture 2" descr="How Are You Comparing the Big Three Cloud Providers? - VMware Aria Cost  powered by CloudHealth">
+            <a:extLst>
+              <a:ext uri="{FF2B5EF4-FFF2-40B4-BE49-F238E27FC236}">
+                <a16:creationId xmlns:a16="http://schemas.microsoft.com/office/drawing/2014/main" id="{E3A7937E-3A3D-4D6B-9156-5D6118002B89}"/>
+              </a:ext>
+            </a:extLst>
+          </p:cNvPr>
+          <p:cNvPicPr>
+            <a:picLocks noChangeAspect="1" noChangeArrowheads="1"/>
+          </p:cNvPicPr>
+          <p:nvPr/>
+        </p:nvPicPr>
+        <p:blipFill>
+          <a:blip r:embed="rId3">
+            <a:extLst>
+              <a:ext uri="{28A0092B-C50C-407E-A947-70E740481C1C}">
+                <a14:useLocalDpi xmlns:a14="http://schemas.microsoft.com/office/drawing/2010/main" val="0"/>
+              </a:ext>
+            </a:extLst>
+          </a:blip>
+          <a:srcRect/>
+          <a:stretch>
+            <a:fillRect/>
+          </a:stretch>
+        </p:blipFill>
+        <p:spPr bwMode="auto">
+          <a:xfrm>
+            <a:off x="1378588" y="1322195"/>
+            <a:ext cx="6386824" cy="4577224"/>
+          </a:xfrm>
+          <a:prstGeom prst="rect">
+            <a:avLst/>
+          </a:prstGeom>
+          <a:noFill/>
+          <a:extLst>
+            <a:ext uri="{909E8E84-426E-40DD-AFC4-6F175D3DCCD1}">
+              <a14:hiddenFill xmlns:a14="http://schemas.microsoft.com/office/drawing/2010/main">
+                <a:solidFill>
+                  <a:srgbClr val="FFFFFF"/>
+                </a:solidFill>
+              </a14:hiddenFill>
+            </a:ext>
+          </a:extLst>
+        </p:spPr>
+      </p:pic>
+      <p:sp>
+        <p:nvSpPr>
+          <p:cNvPr id="2" name="Rectangle 1">
+            <a:extLst>
+              <a:ext uri="{FF2B5EF4-FFF2-40B4-BE49-F238E27FC236}">
+                <a16:creationId xmlns:a16="http://schemas.microsoft.com/office/drawing/2014/main" id="{DA61CC5B-FF2D-4DB8-8D31-E666649BFCFE}"/>
+              </a:ext>
+            </a:extLst>
+          </p:cNvPr>
+          <p:cNvSpPr/>
+          <p:nvPr/>
+        </p:nvSpPr>
+        <p:spPr>
+          <a:xfrm>
+            <a:off x="3543300" y="1209788"/>
+            <a:ext cx="2057400" cy="722671"/>
+          </a:xfrm>
+          <a:prstGeom prst="rect">
+            <a:avLst/>
+          </a:prstGeom>
+          <a:noFill/>
+          <a:ln>
+            <a:noFill/>
+          </a:ln>
+        </p:spPr>
+        <p:style>
+          <a:lnRef idx="2">
+            <a:schemeClr val="accent1">
+              <a:shade val="50000"/>
+            </a:schemeClr>
+          </a:lnRef>
+          <a:fillRef idx="1">
+            <a:schemeClr val="accent1"/>
+          </a:fillRef>
+          <a:effectRef idx="0">
+            <a:schemeClr val="accent1"/>
+          </a:effectRef>
+          <a:fontRef idx="minor">
+            <a:schemeClr val="lt1"/>
+          </a:fontRef>
+        </p:style>
+        <p:txBody>
+          <a:bodyPr rtlCol="0" anchor="ctr"/>
+          <a:lstStyle/>
+          <a:p>
+            <a:pPr algn="ctr"/>
+            <a:r>
+              <a:rPr lang="en-AU" sz="2400" b="1" dirty="0">
+                <a:solidFill>
+                  <a:schemeClr val="tx1"/>
+                </a:solidFill>
+              </a:rPr>
+              <a:t>Hyper-V</a:t>
+            </a:r>
+          </a:p>
+        </p:txBody>
+      </p:sp>
+      <p:sp>
+        <p:nvSpPr>
+          <p:cNvPr id="6" name="Rectangle 5">
+            <a:extLst>
+              <a:ext uri="{FF2B5EF4-FFF2-40B4-BE49-F238E27FC236}">
+                <a16:creationId xmlns:a16="http://schemas.microsoft.com/office/drawing/2014/main" id="{A4E18829-FA6B-43A9-B2FD-E69B4820CFD9}"/>
+              </a:ext>
+            </a:extLst>
+          </p:cNvPr>
+          <p:cNvSpPr/>
+          <p:nvPr/>
+        </p:nvSpPr>
+        <p:spPr>
+          <a:xfrm>
+            <a:off x="1984887" y="5176748"/>
+            <a:ext cx="2057400" cy="722671"/>
+          </a:xfrm>
+          <a:prstGeom prst="rect">
+            <a:avLst/>
+          </a:prstGeom>
+          <a:noFill/>
+          <a:ln>
+            <a:noFill/>
+          </a:ln>
+        </p:spPr>
+        <p:style>
+          <a:lnRef idx="2">
+            <a:schemeClr val="accent1">
+              <a:shade val="50000"/>
+            </a:schemeClr>
+          </a:lnRef>
+          <a:fillRef idx="1">
+            <a:schemeClr val="accent1"/>
+          </a:fillRef>
+          <a:effectRef idx="0">
+            <a:schemeClr val="accent1"/>
+          </a:effectRef>
+          <a:fontRef idx="minor">
+            <a:schemeClr val="lt1"/>
+          </a:fontRef>
+        </p:style>
+        <p:txBody>
+          <a:bodyPr rtlCol="0" anchor="ctr"/>
+          <a:lstStyle/>
+          <a:p>
+            <a:pPr algn="ctr"/>
+            <a:r>
+              <a:rPr lang="en-AU" sz="2400" b="1" dirty="0">
+                <a:solidFill>
+                  <a:schemeClr val="tx1"/>
+                </a:solidFill>
+              </a:rPr>
+              <a:t>Xen and KVM</a:t>
+            </a:r>
+          </a:p>
+        </p:txBody>
+      </p:sp>
+      <p:sp>
+        <p:nvSpPr>
+          <p:cNvPr id="7" name="Rectangle 6">
+            <a:extLst>
+              <a:ext uri="{FF2B5EF4-FFF2-40B4-BE49-F238E27FC236}">
+                <a16:creationId xmlns:a16="http://schemas.microsoft.com/office/drawing/2014/main" id="{7883793A-E389-44D9-A38A-8A1577FB2A99}"/>
+              </a:ext>
+            </a:extLst>
+          </p:cNvPr>
+          <p:cNvSpPr/>
+          <p:nvPr/>
+        </p:nvSpPr>
+        <p:spPr>
+          <a:xfrm>
+            <a:off x="4875149" y="5176748"/>
+            <a:ext cx="2057400" cy="722671"/>
+          </a:xfrm>
+          <a:prstGeom prst="rect">
+            <a:avLst/>
+          </a:prstGeom>
+          <a:noFill/>
+          <a:ln>
+            <a:noFill/>
+          </a:ln>
+        </p:spPr>
+        <p:style>
+          <a:lnRef idx="2">
+            <a:schemeClr val="accent1">
+              <a:shade val="50000"/>
+            </a:schemeClr>
+          </a:lnRef>
+          <a:fillRef idx="1">
+            <a:schemeClr val="accent1"/>
+          </a:fillRef>
+          <a:effectRef idx="0">
+            <a:schemeClr val="accent1"/>
+          </a:effectRef>
+          <a:fontRef idx="minor">
+            <a:schemeClr val="lt1"/>
+          </a:fontRef>
+        </p:style>
+        <p:txBody>
+          <a:bodyPr rtlCol="0" anchor="ctr"/>
+          <a:lstStyle/>
+          <a:p>
+            <a:pPr algn="ctr"/>
+            <a:r>
+              <a:rPr lang="en-AU" sz="2400" b="1" dirty="0">
+                <a:solidFill>
+                  <a:schemeClr val="tx1"/>
+                </a:solidFill>
+              </a:rPr>
+              <a:t>KVM</a:t>
+            </a:r>
+          </a:p>
+        </p:txBody>
+      </p:sp>
+      <p:sp>
+        <p:nvSpPr>
+          <p:cNvPr id="10" name="Title 1">
+            <a:extLst>
+              <a:ext uri="{FF2B5EF4-FFF2-40B4-BE49-F238E27FC236}">
+                <a16:creationId xmlns:a16="http://schemas.microsoft.com/office/drawing/2014/main" id="{76747A1D-B757-4440-BAE5-2BA9E37A19F2}"/>
+              </a:ext>
+            </a:extLst>
+          </p:cNvPr>
+          <p:cNvSpPr>
+            <a:spLocks noGrp="1"/>
+          </p:cNvSpPr>
+          <p:nvPr>
+            <p:ph type="title"/>
+          </p:nvPr>
+        </p:nvSpPr>
+        <p:spPr>
+          <a:xfrm>
+            <a:off x="1007706" y="136525"/>
+            <a:ext cx="7707086" cy="1073264"/>
+          </a:xfrm>
+        </p:spPr>
+        <p:txBody>
+          <a:bodyPr/>
+          <a:lstStyle/>
+          <a:p>
+            <a:pPr algn="ctr"/>
+            <a:r>
+              <a:rPr lang="en-AU" b="1" i="0" dirty="0">
+                <a:solidFill>
+                  <a:srgbClr val="374151"/>
+                </a:solidFill>
+                <a:effectLst/>
+              </a:rPr>
+              <a:t>Three main </a:t>
+            </a:r>
+            <a:r>
+              <a:rPr lang="en-AU" sz="3200" b="1" dirty="0">
+                <a:solidFill>
+                  <a:srgbClr val="374151"/>
+                </a:solidFill>
+              </a:rPr>
+              <a:t>virtual machine monitors (VMM)</a:t>
+            </a:r>
+            <a:br>
+              <a:rPr lang="en-AU" sz="3200" b="1" dirty="0">
+                <a:solidFill>
+                  <a:srgbClr val="374151"/>
+                </a:solidFill>
+              </a:rPr>
+            </a:br>
+            <a:r>
+              <a:rPr lang="en-AU" sz="3200" b="1" dirty="0">
+                <a:solidFill>
+                  <a:srgbClr val="374151"/>
+                </a:solidFill>
+              </a:rPr>
+              <a:t>	</a:t>
+            </a:r>
+            <a:r>
+              <a:rPr lang="en-AU" sz="2800" b="1" dirty="0">
+                <a:solidFill>
+                  <a:srgbClr val="374151"/>
+                </a:solidFill>
+              </a:rPr>
+              <a:t>What do they have in common?</a:t>
+            </a:r>
+            <a:endParaRPr lang="en-US" b="1" dirty="0"/>
+          </a:p>
+        </p:txBody>
+      </p:sp>
+    </p:spTree>
+    <p:extLst>
+      <p:ext uri="{BB962C8B-B14F-4D97-AF65-F5344CB8AC3E}">
+        <p14:creationId xmlns:p14="http://schemas.microsoft.com/office/powerpoint/2010/main" val="2302745213"/>
+      </p:ext>
+    </p:extLst>
+  </p:cSld>
+  <p:clrMapOvr>
+    <a:masterClrMapping/>
+  </p:clrMapOvr>
+</p:sld>
+</file>
+
+<file path=ppt/slides/slide60.xml><?xml version="1.0" encoding="utf-8"?>
 <p:sld xmlns:a="http://schemas.openxmlformats.org/drawingml/2006/main" xmlns:r="http://schemas.openxmlformats.org/officeDocument/2006/relationships" xmlns:p="http://schemas.openxmlformats.org/presentationml/2006/main">
   <p:cSld>
     <p:spTree>
@@ -32932,7 +33476,1312 @@
 </p:sld>
 </file>
 
-<file path=ppt/slides/slide6.xml><?xml version="1.0" encoding="utf-8"?>
+<file path=ppt/slides/slide61.xml><?xml version="1.0" encoding="utf-8"?>
+<p:sld xmlns:a="http://schemas.openxmlformats.org/drawingml/2006/main" xmlns:r="http://schemas.openxmlformats.org/officeDocument/2006/relationships" xmlns:p="http://schemas.openxmlformats.org/presentationml/2006/main">
+  <p:cSld>
+    <p:spTree>
+      <p:nvGrpSpPr>
+        <p:cNvPr id="1" name=""/>
+        <p:cNvGrpSpPr/>
+        <p:nvPr/>
+      </p:nvGrpSpPr>
+      <p:grpSpPr>
+        <a:xfrm>
+          <a:off x="0" y="0"/>
+          <a:ext cx="0" cy="0"/>
+          <a:chOff x="0" y="0"/>
+          <a:chExt cx="0" cy="0"/>
+        </a:xfrm>
+      </p:grpSpPr>
+      <p:sp>
+        <p:nvSpPr>
+          <p:cNvPr id="4" name="Title 3"/>
+          <p:cNvSpPr>
+            <a:spLocks noGrp="1"/>
+          </p:cNvSpPr>
+          <p:nvPr>
+            <p:ph type="title"/>
+          </p:nvPr>
+        </p:nvSpPr>
+        <p:spPr>
+          <a:xfrm>
+            <a:off x="243840" y="157639"/>
+            <a:ext cx="3062068" cy="942975"/>
+          </a:xfrm>
+        </p:spPr>
+        <p:txBody>
+          <a:bodyPr>
+            <a:normAutofit fontScale="90000"/>
+          </a:bodyPr>
+          <a:lstStyle/>
+          <a:p>
+            <a:r>
+              <a:rPr lang="en-AU" b="1" dirty="0"/>
+              <a:t>Practice Questions</a:t>
+            </a:r>
+          </a:p>
+        </p:txBody>
+      </p:sp>
+      <p:sp>
+        <p:nvSpPr>
+          <p:cNvPr id="7" name="Content Placeholder 1">
+            <a:extLst>
+              <a:ext uri="{FF2B5EF4-FFF2-40B4-BE49-F238E27FC236}">
+                <a16:creationId xmlns:a16="http://schemas.microsoft.com/office/drawing/2014/main" id="{85F180D1-C7EF-4A34-96CA-73A86A26F467}"/>
+              </a:ext>
+            </a:extLst>
+          </p:cNvPr>
+          <p:cNvSpPr txBox="1">
+            <a:spLocks/>
+          </p:cNvSpPr>
+          <p:nvPr/>
+        </p:nvSpPr>
+        <p:spPr>
+          <a:xfrm>
+            <a:off x="243840" y="1100614"/>
+            <a:ext cx="8696960" cy="5173186"/>
+          </a:xfrm>
+          <a:prstGeom prst="rect">
+            <a:avLst/>
+          </a:prstGeom>
+        </p:spPr>
+        <p:txBody>
+          <a:bodyPr vert="horz" lIns="91440" tIns="45720" rIns="91440" bIns="45720" rtlCol="0">
+            <a:normAutofit/>
+          </a:bodyPr>
+          <a:lstStyle>
+            <a:lvl1pPr marL="171450" indent="-171450" algn="l" defTabSz="685800" rtl="0" eaLnBrk="1" latinLnBrk="0" hangingPunct="1">
+              <a:lnSpc>
+                <a:spcPct val="90000"/>
+              </a:lnSpc>
+              <a:spcBef>
+                <a:spcPts val="750"/>
+              </a:spcBef>
+              <a:buFont typeface="Arial" panose="020B0604020202020204" pitchFamily="34" charset="0"/>
+              <a:buChar char="•"/>
+              <a:defRPr sz="2100" kern="1200">
+                <a:solidFill>
+                  <a:schemeClr val="tx1"/>
+                </a:solidFill>
+                <a:latin typeface="+mn-lt"/>
+                <a:ea typeface="+mn-ea"/>
+                <a:cs typeface="+mn-cs"/>
+              </a:defRPr>
+            </a:lvl1pPr>
+            <a:lvl2pPr marL="514350" indent="-171450" algn="l" defTabSz="685800" rtl="0" eaLnBrk="1" latinLnBrk="0" hangingPunct="1">
+              <a:lnSpc>
+                <a:spcPct val="90000"/>
+              </a:lnSpc>
+              <a:spcBef>
+                <a:spcPts val="375"/>
+              </a:spcBef>
+              <a:buFont typeface="Arial" panose="020B0604020202020204" pitchFamily="34" charset="0"/>
+              <a:buChar char="•"/>
+              <a:defRPr sz="1800" kern="1200">
+                <a:solidFill>
+                  <a:schemeClr val="tx1"/>
+                </a:solidFill>
+                <a:latin typeface="+mn-lt"/>
+                <a:ea typeface="+mn-ea"/>
+                <a:cs typeface="+mn-cs"/>
+              </a:defRPr>
+            </a:lvl2pPr>
+            <a:lvl3pPr marL="857250" indent="-171450" algn="l" defTabSz="685800" rtl="0" eaLnBrk="1" latinLnBrk="0" hangingPunct="1">
+              <a:lnSpc>
+                <a:spcPct val="90000"/>
+              </a:lnSpc>
+              <a:spcBef>
+                <a:spcPts val="375"/>
+              </a:spcBef>
+              <a:buFont typeface="Arial" panose="020B0604020202020204" pitchFamily="34" charset="0"/>
+              <a:buChar char="•"/>
+              <a:defRPr sz="1500" kern="1200">
+                <a:solidFill>
+                  <a:schemeClr val="tx1"/>
+                </a:solidFill>
+                <a:latin typeface="+mn-lt"/>
+                <a:ea typeface="+mn-ea"/>
+                <a:cs typeface="+mn-cs"/>
+              </a:defRPr>
+            </a:lvl3pPr>
+            <a:lvl4pPr marL="1200150" indent="-171450" algn="l" defTabSz="685800" rtl="0" eaLnBrk="1" latinLnBrk="0" hangingPunct="1">
+              <a:lnSpc>
+                <a:spcPct val="90000"/>
+              </a:lnSpc>
+              <a:spcBef>
+                <a:spcPts val="375"/>
+              </a:spcBef>
+              <a:buFont typeface="Arial" panose="020B0604020202020204" pitchFamily="34" charset="0"/>
+              <a:buChar char="•"/>
+              <a:defRPr sz="1350" kern="1200">
+                <a:solidFill>
+                  <a:schemeClr val="tx1"/>
+                </a:solidFill>
+                <a:latin typeface="+mn-lt"/>
+                <a:ea typeface="+mn-ea"/>
+                <a:cs typeface="+mn-cs"/>
+              </a:defRPr>
+            </a:lvl4pPr>
+            <a:lvl5pPr marL="1543050" indent="-171450" algn="l" defTabSz="685800" rtl="0" eaLnBrk="1" latinLnBrk="0" hangingPunct="1">
+              <a:lnSpc>
+                <a:spcPct val="90000"/>
+              </a:lnSpc>
+              <a:spcBef>
+                <a:spcPts val="375"/>
+              </a:spcBef>
+              <a:buFont typeface="Arial" panose="020B0604020202020204" pitchFamily="34" charset="0"/>
+              <a:buChar char="•"/>
+              <a:defRPr sz="1350" kern="1200">
+                <a:solidFill>
+                  <a:schemeClr val="tx1"/>
+                </a:solidFill>
+                <a:latin typeface="+mn-lt"/>
+                <a:ea typeface="+mn-ea"/>
+                <a:cs typeface="+mn-cs"/>
+              </a:defRPr>
+            </a:lvl5pPr>
+            <a:lvl6pPr marL="1885950" indent="-171450" algn="l" defTabSz="685800" rtl="0" eaLnBrk="1" latinLnBrk="0" hangingPunct="1">
+              <a:lnSpc>
+                <a:spcPct val="90000"/>
+              </a:lnSpc>
+              <a:spcBef>
+                <a:spcPts val="375"/>
+              </a:spcBef>
+              <a:buFont typeface="Arial" panose="020B0604020202020204" pitchFamily="34" charset="0"/>
+              <a:buChar char="•"/>
+              <a:defRPr sz="1350" kern="1200">
+                <a:solidFill>
+                  <a:schemeClr val="tx1"/>
+                </a:solidFill>
+                <a:latin typeface="+mn-lt"/>
+                <a:ea typeface="+mn-ea"/>
+                <a:cs typeface="+mn-cs"/>
+              </a:defRPr>
+            </a:lvl6pPr>
+            <a:lvl7pPr marL="2228850" indent="-171450" algn="l" defTabSz="685800" rtl="0" eaLnBrk="1" latinLnBrk="0" hangingPunct="1">
+              <a:lnSpc>
+                <a:spcPct val="90000"/>
+              </a:lnSpc>
+              <a:spcBef>
+                <a:spcPts val="375"/>
+              </a:spcBef>
+              <a:buFont typeface="Arial" panose="020B0604020202020204" pitchFamily="34" charset="0"/>
+              <a:buChar char="•"/>
+              <a:defRPr sz="1350" kern="1200">
+                <a:solidFill>
+                  <a:schemeClr val="tx1"/>
+                </a:solidFill>
+                <a:latin typeface="+mn-lt"/>
+                <a:ea typeface="+mn-ea"/>
+                <a:cs typeface="+mn-cs"/>
+              </a:defRPr>
+            </a:lvl7pPr>
+            <a:lvl8pPr marL="2571750" indent="-171450" algn="l" defTabSz="685800" rtl="0" eaLnBrk="1" latinLnBrk="0" hangingPunct="1">
+              <a:lnSpc>
+                <a:spcPct val="90000"/>
+              </a:lnSpc>
+              <a:spcBef>
+                <a:spcPts val="375"/>
+              </a:spcBef>
+              <a:buFont typeface="Arial" panose="020B0604020202020204" pitchFamily="34" charset="0"/>
+              <a:buChar char="•"/>
+              <a:defRPr sz="1350" kern="1200">
+                <a:solidFill>
+                  <a:schemeClr val="tx1"/>
+                </a:solidFill>
+                <a:latin typeface="+mn-lt"/>
+                <a:ea typeface="+mn-ea"/>
+                <a:cs typeface="+mn-cs"/>
+              </a:defRPr>
+            </a:lvl8pPr>
+            <a:lvl9pPr marL="2914650" indent="-171450" algn="l" defTabSz="685800" rtl="0" eaLnBrk="1" latinLnBrk="0" hangingPunct="1">
+              <a:lnSpc>
+                <a:spcPct val="90000"/>
+              </a:lnSpc>
+              <a:spcBef>
+                <a:spcPts val="375"/>
+              </a:spcBef>
+              <a:buFont typeface="Arial" panose="020B0604020202020204" pitchFamily="34" charset="0"/>
+              <a:buChar char="•"/>
+              <a:defRPr sz="1350" kern="1200">
+                <a:solidFill>
+                  <a:schemeClr val="tx1"/>
+                </a:solidFill>
+                <a:latin typeface="+mn-lt"/>
+                <a:ea typeface="+mn-ea"/>
+                <a:cs typeface="+mn-cs"/>
+              </a:defRPr>
+            </a:lvl9pPr>
+          </a:lstStyle>
+          <a:p>
+            <a:pPr fontAlgn="auto">
+              <a:spcAft>
+                <a:spcPts val="0"/>
+              </a:spcAft>
+              <a:buClrTx/>
+              <a:buSzTx/>
+            </a:pPr>
+            <a:r>
+              <a:rPr lang="en-AU" sz="2200" dirty="0"/>
+              <a:t>[6 marks] Q2: </a:t>
+            </a:r>
+            <a:r>
+              <a:rPr lang="en-US" sz="2200" b="0" i="0" dirty="0">
+                <a:solidFill>
+                  <a:srgbClr val="1F2328"/>
+                </a:solidFill>
+                <a:effectLst/>
+              </a:rPr>
+              <a:t>An established financial company is about to launch their new banking application. Give 3 reasons why the company should use their own data center rather than cloud computing.</a:t>
+            </a:r>
+            <a:endParaRPr lang="en-US" sz="2200" dirty="0"/>
+          </a:p>
+          <a:p>
+            <a:pPr fontAlgn="auto">
+              <a:spcAft>
+                <a:spcPts val="0"/>
+              </a:spcAft>
+              <a:buClrTx/>
+              <a:buSzTx/>
+            </a:pPr>
+            <a:endParaRPr lang="en-AU" sz="2200" dirty="0"/>
+          </a:p>
+          <a:p>
+            <a:pPr fontAlgn="auto">
+              <a:spcAft>
+                <a:spcPts val="0"/>
+              </a:spcAft>
+              <a:buClrTx/>
+              <a:buSzTx/>
+            </a:pPr>
+            <a:r>
+              <a:rPr lang="en-US" sz="2200" dirty="0">
+                <a:solidFill>
+                  <a:srgbClr val="1F2328"/>
+                </a:solidFill>
+              </a:rPr>
+              <a:t>[2 marks] </a:t>
+            </a:r>
+            <a:r>
+              <a:rPr lang="en-US" sz="2200" b="1" dirty="0">
+                <a:solidFill>
+                  <a:srgbClr val="1F2328"/>
+                </a:solidFill>
+              </a:rPr>
+              <a:t>Data </a:t>
+            </a:r>
+            <a:r>
+              <a:rPr lang="en-AU" sz="2200" b="1" dirty="0">
+                <a:solidFill>
+                  <a:srgbClr val="1F2328"/>
+                </a:solidFill>
+              </a:rPr>
+              <a:t>Security</a:t>
+            </a:r>
+            <a:r>
+              <a:rPr lang="en-AU" sz="2200" dirty="0">
+                <a:solidFill>
+                  <a:srgbClr val="1F2328"/>
+                </a:solidFill>
+              </a:rPr>
+              <a:t>: </a:t>
+            </a:r>
+            <a:r>
+              <a:rPr lang="en-US" sz="2200" dirty="0">
+                <a:solidFill>
+                  <a:srgbClr val="1F2328"/>
+                </a:solidFill>
+              </a:rPr>
+              <a:t>Financial institutions must ensure CIA of user data security. By hosting their application in their own data center, the company can better protect their data security.</a:t>
+            </a:r>
+          </a:p>
+          <a:p>
+            <a:pPr fontAlgn="auto">
+              <a:spcAft>
+                <a:spcPts val="0"/>
+              </a:spcAft>
+              <a:buClrTx/>
+              <a:buSzTx/>
+            </a:pPr>
+            <a:r>
+              <a:rPr lang="en-US" sz="2200" dirty="0">
+                <a:solidFill>
+                  <a:srgbClr val="1F2328"/>
+                </a:solidFill>
+              </a:rPr>
+              <a:t>[2 marks] </a:t>
+            </a:r>
+            <a:r>
+              <a:rPr lang="en-US" sz="2200" b="1" dirty="0">
+                <a:solidFill>
+                  <a:srgbClr val="1F2328"/>
+                </a:solidFill>
+              </a:rPr>
+              <a:t>Data</a:t>
+            </a:r>
+            <a:r>
+              <a:rPr lang="en-US" sz="2200" dirty="0">
+                <a:solidFill>
+                  <a:srgbClr val="1F2328"/>
+                </a:solidFill>
+              </a:rPr>
+              <a:t> </a:t>
+            </a:r>
+            <a:r>
+              <a:rPr lang="en-AU" sz="2000" b="1" i="0" dirty="0">
+                <a:effectLst/>
+                <a:latin typeface="Söhne"/>
+              </a:rPr>
+              <a:t>Sovereignty: </a:t>
+            </a:r>
+            <a:r>
+              <a:rPr lang="en-US" sz="2200" dirty="0">
+                <a:solidFill>
+                  <a:srgbClr val="1F2328"/>
+                </a:solidFill>
+              </a:rPr>
+              <a:t>For international financial institutions, data sovereignty is critical because user data will be stored and processed in compliance with local laws and regulations. </a:t>
+            </a:r>
+          </a:p>
+        </p:txBody>
+      </p:sp>
+    </p:spTree>
+    <p:extLst>
+      <p:ext uri="{BB962C8B-B14F-4D97-AF65-F5344CB8AC3E}">
+        <p14:creationId xmlns:p14="http://schemas.microsoft.com/office/powerpoint/2010/main" val="3540487448"/>
+      </p:ext>
+    </p:extLst>
+  </p:cSld>
+  <p:clrMapOvr>
+    <a:masterClrMapping/>
+  </p:clrMapOvr>
+</p:sld>
+</file>
+
+<file path=ppt/slides/slide62.xml><?xml version="1.0" encoding="utf-8"?>
+<p:sld xmlns:a="http://schemas.openxmlformats.org/drawingml/2006/main" xmlns:r="http://schemas.openxmlformats.org/officeDocument/2006/relationships" xmlns:p="http://schemas.openxmlformats.org/presentationml/2006/main">
+  <p:cSld>
+    <p:spTree>
+      <p:nvGrpSpPr>
+        <p:cNvPr id="1" name=""/>
+        <p:cNvGrpSpPr/>
+        <p:nvPr/>
+      </p:nvGrpSpPr>
+      <p:grpSpPr>
+        <a:xfrm>
+          <a:off x="0" y="0"/>
+          <a:ext cx="0" cy="0"/>
+          <a:chOff x="0" y="0"/>
+          <a:chExt cx="0" cy="0"/>
+        </a:xfrm>
+      </p:grpSpPr>
+      <p:sp>
+        <p:nvSpPr>
+          <p:cNvPr id="4" name="Title 3"/>
+          <p:cNvSpPr>
+            <a:spLocks noGrp="1"/>
+          </p:cNvSpPr>
+          <p:nvPr>
+            <p:ph type="title"/>
+          </p:nvPr>
+        </p:nvSpPr>
+        <p:spPr>
+          <a:xfrm>
+            <a:off x="243840" y="157639"/>
+            <a:ext cx="3062068" cy="942975"/>
+          </a:xfrm>
+        </p:spPr>
+        <p:txBody>
+          <a:bodyPr>
+            <a:normAutofit fontScale="90000"/>
+          </a:bodyPr>
+          <a:lstStyle/>
+          <a:p>
+            <a:r>
+              <a:rPr lang="en-AU" b="1" dirty="0"/>
+              <a:t>Practice Questions</a:t>
+            </a:r>
+          </a:p>
+        </p:txBody>
+      </p:sp>
+      <p:sp>
+        <p:nvSpPr>
+          <p:cNvPr id="7" name="Content Placeholder 1">
+            <a:extLst>
+              <a:ext uri="{FF2B5EF4-FFF2-40B4-BE49-F238E27FC236}">
+                <a16:creationId xmlns:a16="http://schemas.microsoft.com/office/drawing/2014/main" id="{85F180D1-C7EF-4A34-96CA-73A86A26F467}"/>
+              </a:ext>
+            </a:extLst>
+          </p:cNvPr>
+          <p:cNvSpPr txBox="1">
+            <a:spLocks/>
+          </p:cNvSpPr>
+          <p:nvPr/>
+        </p:nvSpPr>
+        <p:spPr>
+          <a:xfrm>
+            <a:off x="243840" y="1100614"/>
+            <a:ext cx="8696960" cy="5173186"/>
+          </a:xfrm>
+          <a:prstGeom prst="rect">
+            <a:avLst/>
+          </a:prstGeom>
+        </p:spPr>
+        <p:txBody>
+          <a:bodyPr vert="horz" lIns="91440" tIns="45720" rIns="91440" bIns="45720" rtlCol="0">
+            <a:normAutofit/>
+          </a:bodyPr>
+          <a:lstStyle>
+            <a:lvl1pPr marL="171450" indent="-171450" algn="l" defTabSz="685800" rtl="0" eaLnBrk="1" latinLnBrk="0" hangingPunct="1">
+              <a:lnSpc>
+                <a:spcPct val="90000"/>
+              </a:lnSpc>
+              <a:spcBef>
+                <a:spcPts val="750"/>
+              </a:spcBef>
+              <a:buFont typeface="Arial" panose="020B0604020202020204" pitchFamily="34" charset="0"/>
+              <a:buChar char="•"/>
+              <a:defRPr sz="2100" kern="1200">
+                <a:solidFill>
+                  <a:schemeClr val="tx1"/>
+                </a:solidFill>
+                <a:latin typeface="+mn-lt"/>
+                <a:ea typeface="+mn-ea"/>
+                <a:cs typeface="+mn-cs"/>
+              </a:defRPr>
+            </a:lvl1pPr>
+            <a:lvl2pPr marL="514350" indent="-171450" algn="l" defTabSz="685800" rtl="0" eaLnBrk="1" latinLnBrk="0" hangingPunct="1">
+              <a:lnSpc>
+                <a:spcPct val="90000"/>
+              </a:lnSpc>
+              <a:spcBef>
+                <a:spcPts val="375"/>
+              </a:spcBef>
+              <a:buFont typeface="Arial" panose="020B0604020202020204" pitchFamily="34" charset="0"/>
+              <a:buChar char="•"/>
+              <a:defRPr sz="1800" kern="1200">
+                <a:solidFill>
+                  <a:schemeClr val="tx1"/>
+                </a:solidFill>
+                <a:latin typeface="+mn-lt"/>
+                <a:ea typeface="+mn-ea"/>
+                <a:cs typeface="+mn-cs"/>
+              </a:defRPr>
+            </a:lvl2pPr>
+            <a:lvl3pPr marL="857250" indent="-171450" algn="l" defTabSz="685800" rtl="0" eaLnBrk="1" latinLnBrk="0" hangingPunct="1">
+              <a:lnSpc>
+                <a:spcPct val="90000"/>
+              </a:lnSpc>
+              <a:spcBef>
+                <a:spcPts val="375"/>
+              </a:spcBef>
+              <a:buFont typeface="Arial" panose="020B0604020202020204" pitchFamily="34" charset="0"/>
+              <a:buChar char="•"/>
+              <a:defRPr sz="1500" kern="1200">
+                <a:solidFill>
+                  <a:schemeClr val="tx1"/>
+                </a:solidFill>
+                <a:latin typeface="+mn-lt"/>
+                <a:ea typeface="+mn-ea"/>
+                <a:cs typeface="+mn-cs"/>
+              </a:defRPr>
+            </a:lvl3pPr>
+            <a:lvl4pPr marL="1200150" indent="-171450" algn="l" defTabSz="685800" rtl="0" eaLnBrk="1" latinLnBrk="0" hangingPunct="1">
+              <a:lnSpc>
+                <a:spcPct val="90000"/>
+              </a:lnSpc>
+              <a:spcBef>
+                <a:spcPts val="375"/>
+              </a:spcBef>
+              <a:buFont typeface="Arial" panose="020B0604020202020204" pitchFamily="34" charset="0"/>
+              <a:buChar char="•"/>
+              <a:defRPr sz="1350" kern="1200">
+                <a:solidFill>
+                  <a:schemeClr val="tx1"/>
+                </a:solidFill>
+                <a:latin typeface="+mn-lt"/>
+                <a:ea typeface="+mn-ea"/>
+                <a:cs typeface="+mn-cs"/>
+              </a:defRPr>
+            </a:lvl4pPr>
+            <a:lvl5pPr marL="1543050" indent="-171450" algn="l" defTabSz="685800" rtl="0" eaLnBrk="1" latinLnBrk="0" hangingPunct="1">
+              <a:lnSpc>
+                <a:spcPct val="90000"/>
+              </a:lnSpc>
+              <a:spcBef>
+                <a:spcPts val="375"/>
+              </a:spcBef>
+              <a:buFont typeface="Arial" panose="020B0604020202020204" pitchFamily="34" charset="0"/>
+              <a:buChar char="•"/>
+              <a:defRPr sz="1350" kern="1200">
+                <a:solidFill>
+                  <a:schemeClr val="tx1"/>
+                </a:solidFill>
+                <a:latin typeface="+mn-lt"/>
+                <a:ea typeface="+mn-ea"/>
+                <a:cs typeface="+mn-cs"/>
+              </a:defRPr>
+            </a:lvl5pPr>
+            <a:lvl6pPr marL="1885950" indent="-171450" algn="l" defTabSz="685800" rtl="0" eaLnBrk="1" latinLnBrk="0" hangingPunct="1">
+              <a:lnSpc>
+                <a:spcPct val="90000"/>
+              </a:lnSpc>
+              <a:spcBef>
+                <a:spcPts val="375"/>
+              </a:spcBef>
+              <a:buFont typeface="Arial" panose="020B0604020202020204" pitchFamily="34" charset="0"/>
+              <a:buChar char="•"/>
+              <a:defRPr sz="1350" kern="1200">
+                <a:solidFill>
+                  <a:schemeClr val="tx1"/>
+                </a:solidFill>
+                <a:latin typeface="+mn-lt"/>
+                <a:ea typeface="+mn-ea"/>
+                <a:cs typeface="+mn-cs"/>
+              </a:defRPr>
+            </a:lvl6pPr>
+            <a:lvl7pPr marL="2228850" indent="-171450" algn="l" defTabSz="685800" rtl="0" eaLnBrk="1" latinLnBrk="0" hangingPunct="1">
+              <a:lnSpc>
+                <a:spcPct val="90000"/>
+              </a:lnSpc>
+              <a:spcBef>
+                <a:spcPts val="375"/>
+              </a:spcBef>
+              <a:buFont typeface="Arial" panose="020B0604020202020204" pitchFamily="34" charset="0"/>
+              <a:buChar char="•"/>
+              <a:defRPr sz="1350" kern="1200">
+                <a:solidFill>
+                  <a:schemeClr val="tx1"/>
+                </a:solidFill>
+                <a:latin typeface="+mn-lt"/>
+                <a:ea typeface="+mn-ea"/>
+                <a:cs typeface="+mn-cs"/>
+              </a:defRPr>
+            </a:lvl7pPr>
+            <a:lvl8pPr marL="2571750" indent="-171450" algn="l" defTabSz="685800" rtl="0" eaLnBrk="1" latinLnBrk="0" hangingPunct="1">
+              <a:lnSpc>
+                <a:spcPct val="90000"/>
+              </a:lnSpc>
+              <a:spcBef>
+                <a:spcPts val="375"/>
+              </a:spcBef>
+              <a:buFont typeface="Arial" panose="020B0604020202020204" pitchFamily="34" charset="0"/>
+              <a:buChar char="•"/>
+              <a:defRPr sz="1350" kern="1200">
+                <a:solidFill>
+                  <a:schemeClr val="tx1"/>
+                </a:solidFill>
+                <a:latin typeface="+mn-lt"/>
+                <a:ea typeface="+mn-ea"/>
+                <a:cs typeface="+mn-cs"/>
+              </a:defRPr>
+            </a:lvl8pPr>
+            <a:lvl9pPr marL="2914650" indent="-171450" algn="l" defTabSz="685800" rtl="0" eaLnBrk="1" latinLnBrk="0" hangingPunct="1">
+              <a:lnSpc>
+                <a:spcPct val="90000"/>
+              </a:lnSpc>
+              <a:spcBef>
+                <a:spcPts val="375"/>
+              </a:spcBef>
+              <a:buFont typeface="Arial" panose="020B0604020202020204" pitchFamily="34" charset="0"/>
+              <a:buChar char="•"/>
+              <a:defRPr sz="1350" kern="1200">
+                <a:solidFill>
+                  <a:schemeClr val="tx1"/>
+                </a:solidFill>
+                <a:latin typeface="+mn-lt"/>
+                <a:ea typeface="+mn-ea"/>
+                <a:cs typeface="+mn-cs"/>
+              </a:defRPr>
+            </a:lvl9pPr>
+          </a:lstStyle>
+          <a:p>
+            <a:pPr fontAlgn="auto">
+              <a:spcAft>
+                <a:spcPts val="0"/>
+              </a:spcAft>
+              <a:buClrTx/>
+              <a:buSzTx/>
+            </a:pPr>
+            <a:r>
+              <a:rPr lang="en-AU" sz="2200" dirty="0"/>
+              <a:t>[6 marks] Q2: </a:t>
+            </a:r>
+            <a:r>
+              <a:rPr lang="en-US" sz="2200" b="0" i="0" dirty="0">
+                <a:solidFill>
+                  <a:srgbClr val="1F2328"/>
+                </a:solidFill>
+                <a:effectLst/>
+              </a:rPr>
+              <a:t>An established financial company is about to launch their new banking application. Give 3 reasons why the company should use their own data center rather than cloud computing.</a:t>
+            </a:r>
+            <a:endParaRPr lang="en-US" sz="2200" dirty="0"/>
+          </a:p>
+          <a:p>
+            <a:pPr fontAlgn="auto">
+              <a:spcAft>
+                <a:spcPts val="0"/>
+              </a:spcAft>
+              <a:buClrTx/>
+              <a:buSzTx/>
+            </a:pPr>
+            <a:endParaRPr lang="en-AU" sz="2200" dirty="0"/>
+          </a:p>
+          <a:p>
+            <a:pPr fontAlgn="auto">
+              <a:spcAft>
+                <a:spcPts val="0"/>
+              </a:spcAft>
+              <a:buClrTx/>
+              <a:buSzTx/>
+            </a:pPr>
+            <a:r>
+              <a:rPr lang="en-US" sz="2200" dirty="0">
+                <a:solidFill>
+                  <a:srgbClr val="1F2328"/>
+                </a:solidFill>
+              </a:rPr>
+              <a:t>[2 marks] </a:t>
+            </a:r>
+            <a:r>
+              <a:rPr lang="en-US" sz="2200" b="1" dirty="0">
+                <a:solidFill>
+                  <a:srgbClr val="1F2328"/>
+                </a:solidFill>
+              </a:rPr>
+              <a:t>Data </a:t>
+            </a:r>
+            <a:r>
+              <a:rPr lang="en-AU" sz="2200" b="1" dirty="0">
+                <a:solidFill>
+                  <a:srgbClr val="1F2328"/>
+                </a:solidFill>
+              </a:rPr>
+              <a:t>Security</a:t>
+            </a:r>
+            <a:r>
+              <a:rPr lang="en-AU" sz="2200" dirty="0">
+                <a:solidFill>
+                  <a:srgbClr val="1F2328"/>
+                </a:solidFill>
+              </a:rPr>
+              <a:t>: </a:t>
+            </a:r>
+            <a:r>
+              <a:rPr lang="en-US" sz="2200" dirty="0">
+                <a:solidFill>
+                  <a:srgbClr val="1F2328"/>
+                </a:solidFill>
+              </a:rPr>
+              <a:t>Financial institutions must ensure CIA of user data security. By hosting their application in their own data center, the company can better protect their data security.</a:t>
+            </a:r>
+          </a:p>
+          <a:p>
+            <a:pPr fontAlgn="auto">
+              <a:spcAft>
+                <a:spcPts val="0"/>
+              </a:spcAft>
+              <a:buClrTx/>
+              <a:buSzTx/>
+            </a:pPr>
+            <a:r>
+              <a:rPr lang="en-US" sz="2200" dirty="0">
+                <a:solidFill>
+                  <a:srgbClr val="1F2328"/>
+                </a:solidFill>
+              </a:rPr>
+              <a:t>[2 marks] </a:t>
+            </a:r>
+            <a:r>
+              <a:rPr lang="en-US" sz="2200" b="1" dirty="0">
+                <a:solidFill>
+                  <a:srgbClr val="1F2328"/>
+                </a:solidFill>
+              </a:rPr>
+              <a:t>Data</a:t>
+            </a:r>
+            <a:r>
+              <a:rPr lang="en-US" sz="2200" dirty="0">
+                <a:solidFill>
+                  <a:srgbClr val="1F2328"/>
+                </a:solidFill>
+              </a:rPr>
+              <a:t> </a:t>
+            </a:r>
+            <a:r>
+              <a:rPr lang="en-AU" sz="2200" b="1" dirty="0">
+                <a:solidFill>
+                  <a:srgbClr val="1F2328"/>
+                </a:solidFill>
+              </a:rPr>
+              <a:t>Sovereignty: </a:t>
+            </a:r>
+            <a:r>
+              <a:rPr lang="en-US" sz="2200" dirty="0">
+                <a:solidFill>
+                  <a:srgbClr val="1F2328"/>
+                </a:solidFill>
+              </a:rPr>
+              <a:t>For international financial institutions, data sovereignty is critical because user data will be stored and processed in compliance with local laws and regulations. </a:t>
+            </a:r>
+          </a:p>
+          <a:p>
+            <a:pPr fontAlgn="auto">
+              <a:spcAft>
+                <a:spcPts val="0"/>
+              </a:spcAft>
+              <a:buClrTx/>
+              <a:buSzTx/>
+            </a:pPr>
+            <a:r>
+              <a:rPr lang="en-US" sz="2200" dirty="0">
+                <a:solidFill>
+                  <a:srgbClr val="1F2328"/>
+                </a:solidFill>
+              </a:rPr>
+              <a:t>[2 marks] </a:t>
+            </a:r>
+            <a:r>
+              <a:rPr lang="en-US" sz="2200" b="1" dirty="0">
+                <a:solidFill>
+                  <a:srgbClr val="1F2328"/>
+                </a:solidFill>
+              </a:rPr>
+              <a:t>Optimized</a:t>
+            </a:r>
+            <a:r>
+              <a:rPr lang="en-AU" sz="2200" b="1" dirty="0">
+                <a:solidFill>
+                  <a:srgbClr val="1F2328"/>
+                </a:solidFill>
+              </a:rPr>
+              <a:t> Performance: </a:t>
+            </a:r>
+            <a:r>
+              <a:rPr lang="en-AU" sz="2200" dirty="0">
+                <a:solidFill>
+                  <a:srgbClr val="1F2328"/>
+                </a:solidFill>
+              </a:rPr>
+              <a:t>With their own data </a:t>
+            </a:r>
+            <a:r>
+              <a:rPr lang="en-AU" sz="2200" dirty="0" err="1">
+                <a:solidFill>
+                  <a:srgbClr val="1F2328"/>
+                </a:solidFill>
+              </a:rPr>
+              <a:t>center</a:t>
+            </a:r>
+            <a:r>
+              <a:rPr lang="en-AU" sz="2200" dirty="0">
+                <a:solidFill>
+                  <a:srgbClr val="1F2328"/>
+                </a:solidFill>
+              </a:rPr>
+              <a:t>, </a:t>
+            </a:r>
+            <a:r>
+              <a:rPr lang="en-US" sz="2200" dirty="0">
+                <a:solidFill>
+                  <a:srgbClr val="1F2328"/>
+                </a:solidFill>
+              </a:rPr>
+              <a:t>the company can have consistent performance for their application. Besides, they can fine-tune the infrastructure to optimize the application’s performance.</a:t>
+            </a:r>
+          </a:p>
+        </p:txBody>
+      </p:sp>
+    </p:spTree>
+    <p:extLst>
+      <p:ext uri="{BB962C8B-B14F-4D97-AF65-F5344CB8AC3E}">
+        <p14:creationId xmlns:p14="http://schemas.microsoft.com/office/powerpoint/2010/main" val="3650811177"/>
+      </p:ext>
+    </p:extLst>
+  </p:cSld>
+  <p:clrMapOvr>
+    <a:masterClrMapping/>
+  </p:clrMapOvr>
+</p:sld>
+</file>
+
+<file path=ppt/slides/slide63.xml><?xml version="1.0" encoding="utf-8"?>
+<p:sld xmlns:a="http://schemas.openxmlformats.org/drawingml/2006/main" xmlns:r="http://schemas.openxmlformats.org/officeDocument/2006/relationships" xmlns:p="http://schemas.openxmlformats.org/presentationml/2006/main">
+  <p:cSld>
+    <p:spTree>
+      <p:nvGrpSpPr>
+        <p:cNvPr id="1" name=""/>
+        <p:cNvGrpSpPr/>
+        <p:nvPr/>
+      </p:nvGrpSpPr>
+      <p:grpSpPr>
+        <a:xfrm>
+          <a:off x="0" y="0"/>
+          <a:ext cx="0" cy="0"/>
+          <a:chOff x="0" y="0"/>
+          <a:chExt cx="0" cy="0"/>
+        </a:xfrm>
+      </p:grpSpPr>
+      <p:sp>
+        <p:nvSpPr>
+          <p:cNvPr id="2" name="Title 1">
+            <a:extLst>
+              <a:ext uri="{FF2B5EF4-FFF2-40B4-BE49-F238E27FC236}">
+                <a16:creationId xmlns:a16="http://schemas.microsoft.com/office/drawing/2014/main" id="{5C4F01C5-5333-2248-B03B-703C97F7CC69}"/>
+              </a:ext>
+            </a:extLst>
+          </p:cNvPr>
+          <p:cNvSpPr>
+            <a:spLocks noGrp="1"/>
+          </p:cNvSpPr>
+          <p:nvPr>
+            <p:ph type="title"/>
+          </p:nvPr>
+        </p:nvSpPr>
+        <p:spPr>
+          <a:xfrm>
+            <a:off x="302078" y="136524"/>
+            <a:ext cx="5140779" cy="941160"/>
+          </a:xfrm>
+        </p:spPr>
+        <p:txBody>
+          <a:bodyPr/>
+          <a:lstStyle/>
+          <a:p>
+            <a:r>
+              <a:rPr lang="en-AU" b="1" dirty="0"/>
+              <a:t>Learning Outcomes</a:t>
+            </a:r>
+          </a:p>
+        </p:txBody>
+      </p:sp>
+      <p:sp>
+        <p:nvSpPr>
+          <p:cNvPr id="3" name="Content Placeholder 2">
+            <a:extLst>
+              <a:ext uri="{FF2B5EF4-FFF2-40B4-BE49-F238E27FC236}">
+                <a16:creationId xmlns:a16="http://schemas.microsoft.com/office/drawing/2014/main" id="{F7DD7DCB-C7E2-1B4F-BD83-3B7AF005DD76}"/>
+              </a:ext>
+            </a:extLst>
+          </p:cNvPr>
+          <p:cNvSpPr>
+            <a:spLocks noGrp="1"/>
+          </p:cNvSpPr>
+          <p:nvPr>
+            <p:ph idx="1"/>
+          </p:nvPr>
+        </p:nvSpPr>
+        <p:spPr>
+          <a:xfrm>
+            <a:off x="348343" y="1077684"/>
+            <a:ext cx="8493579" cy="4339997"/>
+          </a:xfrm>
+        </p:spPr>
+        <p:txBody>
+          <a:bodyPr>
+            <a:noAutofit/>
+          </a:bodyPr>
+          <a:lstStyle/>
+          <a:p>
+            <a:pPr marL="0" indent="0" algn="l">
+              <a:buNone/>
+            </a:pPr>
+            <a:r>
+              <a:rPr lang="en-US" sz="2400" dirty="0">
+                <a:solidFill>
+                  <a:srgbClr val="FF0000"/>
+                </a:solidFill>
+              </a:rPr>
+              <a:t>U</a:t>
+            </a:r>
+            <a:r>
+              <a:rPr lang="en-US" sz="2400" b="0" i="0" dirty="0">
+                <a:solidFill>
+                  <a:srgbClr val="FF0000"/>
+                </a:solidFill>
+                <a:effectLst/>
+              </a:rPr>
+              <a:t>nderstandings</a:t>
+            </a:r>
+          </a:p>
+          <a:p>
+            <a:pPr lvl="1">
+              <a:spcBef>
+                <a:spcPts val="600"/>
+              </a:spcBef>
+              <a:spcAft>
+                <a:spcPts val="600"/>
+              </a:spcAft>
+              <a:buFont typeface="Wingdings" panose="05000000000000000000" pitchFamily="2" charset="2"/>
+              <a:buChar char="Ø"/>
+            </a:pPr>
+            <a:r>
+              <a:rPr lang="en-US" sz="2000" b="0" i="0" dirty="0">
+                <a:solidFill>
+                  <a:srgbClr val="1F2328"/>
+                </a:solidFill>
+                <a:effectLst/>
+              </a:rPr>
+              <a:t>Understand cloud services, their motivation, design and implementation</a:t>
+            </a:r>
+          </a:p>
+          <a:p>
+            <a:pPr lvl="1">
+              <a:spcBef>
+                <a:spcPts val="600"/>
+              </a:spcBef>
+              <a:spcAft>
+                <a:spcPts val="600"/>
+              </a:spcAft>
+              <a:buFont typeface="Wingdings" panose="05000000000000000000" pitchFamily="2" charset="2"/>
+              <a:buChar char="Ø"/>
+            </a:pPr>
+            <a:r>
+              <a:rPr lang="en-US" sz="2000" b="0" i="0" dirty="0">
+                <a:solidFill>
+                  <a:srgbClr val="1F2328"/>
+                </a:solidFill>
+                <a:effectLst/>
+              </a:rPr>
+              <a:t>Understand the basics of virtualization of hardware, networks and security</a:t>
+            </a:r>
+          </a:p>
+          <a:p>
+            <a:pPr lvl="1">
+              <a:spcBef>
+                <a:spcPts val="600"/>
+              </a:spcBef>
+              <a:spcAft>
+                <a:spcPts val="600"/>
+              </a:spcAft>
+              <a:buFont typeface="Wingdings" panose="05000000000000000000" pitchFamily="2" charset="2"/>
+              <a:buChar char="Ø"/>
+            </a:pPr>
+            <a:r>
+              <a:rPr lang="en-US" sz="2000" b="0" i="0" dirty="0">
+                <a:solidFill>
+                  <a:srgbClr val="1F2328"/>
+                </a:solidFill>
+                <a:effectLst/>
+              </a:rPr>
+              <a:t>Understand cloud-based web architectures and their applications</a:t>
+            </a:r>
+          </a:p>
+          <a:p>
+            <a:pPr lvl="1">
+              <a:spcBef>
+                <a:spcPts val="600"/>
+              </a:spcBef>
+              <a:spcAft>
+                <a:spcPts val="600"/>
+              </a:spcAft>
+              <a:buFont typeface="Wingdings" panose="05000000000000000000" pitchFamily="2" charset="2"/>
+              <a:buChar char="Ø"/>
+            </a:pPr>
+            <a:r>
+              <a:rPr lang="en-US" sz="2000" b="0" i="0" dirty="0">
+                <a:solidFill>
+                  <a:srgbClr val="1F2328"/>
+                </a:solidFill>
+                <a:effectLst/>
+              </a:rPr>
+              <a:t>Understand how to achieve scalability and security in a cloud</a:t>
+            </a:r>
+          </a:p>
+          <a:p>
+            <a:pPr marL="0" indent="0" algn="l">
+              <a:buNone/>
+            </a:pPr>
+            <a:r>
+              <a:rPr lang="en-US" sz="2400" dirty="0">
+                <a:solidFill>
+                  <a:srgbClr val="FF0000"/>
+                </a:solidFill>
+              </a:rPr>
+              <a:t>Hands-on skills</a:t>
+            </a:r>
+            <a:endParaRPr lang="en-US" sz="2400" b="0" i="0" dirty="0">
+              <a:solidFill>
+                <a:srgbClr val="FF0000"/>
+              </a:solidFill>
+              <a:effectLst/>
+            </a:endParaRPr>
+          </a:p>
+          <a:p>
+            <a:pPr lvl="1">
+              <a:spcBef>
+                <a:spcPts val="600"/>
+              </a:spcBef>
+              <a:spcAft>
+                <a:spcPts val="600"/>
+              </a:spcAft>
+              <a:buFont typeface="Wingdings" panose="05000000000000000000" pitchFamily="2" charset="2"/>
+              <a:buChar char="Ø"/>
+            </a:pPr>
+            <a:r>
+              <a:rPr lang="en-US" sz="2000" b="0" i="0" dirty="0">
+                <a:solidFill>
+                  <a:srgbClr val="1F2328"/>
+                </a:solidFill>
+                <a:effectLst/>
+              </a:rPr>
+              <a:t>Use DevOps to deploy and manage the creation and update of software environments</a:t>
+            </a:r>
+          </a:p>
+          <a:p>
+            <a:pPr lvl="1">
+              <a:spcBef>
+                <a:spcPts val="600"/>
+              </a:spcBef>
+              <a:spcAft>
+                <a:spcPts val="600"/>
+              </a:spcAft>
+              <a:buFont typeface="Wingdings" panose="05000000000000000000" pitchFamily="2" charset="2"/>
+              <a:buChar char="Ø"/>
+            </a:pPr>
+            <a:r>
+              <a:rPr lang="en-US" sz="2000" b="0" i="0" dirty="0">
+                <a:solidFill>
+                  <a:srgbClr val="1F2328"/>
+                </a:solidFill>
+                <a:effectLst/>
+              </a:rPr>
+              <a:t>Use cloud services to carry out specific use cases such as machine learning</a:t>
+            </a:r>
+          </a:p>
+          <a:p>
+            <a:pPr algn="l">
+              <a:buFont typeface="+mj-lt"/>
+              <a:buAutoNum type="arabicPeriod"/>
+            </a:pPr>
+            <a:endParaRPr lang="en-US" sz="1600" b="0" i="0" dirty="0">
+              <a:solidFill>
+                <a:srgbClr val="1F2328"/>
+              </a:solidFill>
+              <a:effectLst/>
+              <a:latin typeface="-apple-system"/>
+            </a:endParaRPr>
+          </a:p>
+        </p:txBody>
+      </p:sp>
+    </p:spTree>
+    <p:extLst>
+      <p:ext uri="{BB962C8B-B14F-4D97-AF65-F5344CB8AC3E}">
+        <p14:creationId xmlns:p14="http://schemas.microsoft.com/office/powerpoint/2010/main" val="1068746973"/>
+      </p:ext>
+    </p:extLst>
+  </p:cSld>
+  <p:clrMapOvr>
+    <a:masterClrMapping/>
+  </p:clrMapOvr>
+</p:sld>
+</file>
+
+<file path=ppt/slides/slide64.xml><?xml version="1.0" encoding="utf-8"?>
+<p:sld xmlns:a="http://schemas.openxmlformats.org/drawingml/2006/main" xmlns:r="http://schemas.openxmlformats.org/officeDocument/2006/relationships" xmlns:p="http://schemas.openxmlformats.org/presentationml/2006/main">
+  <p:cSld>
+    <p:spTree>
+      <p:nvGrpSpPr>
+        <p:cNvPr id="1" name=""/>
+        <p:cNvGrpSpPr/>
+        <p:nvPr/>
+      </p:nvGrpSpPr>
+      <p:grpSpPr>
+        <a:xfrm>
+          <a:off x="0" y="0"/>
+          <a:ext cx="0" cy="0"/>
+          <a:chOff x="0" y="0"/>
+          <a:chExt cx="0" cy="0"/>
+        </a:xfrm>
+      </p:grpSpPr>
+      <p:sp>
+        <p:nvSpPr>
+          <p:cNvPr id="4" name="Title 3"/>
+          <p:cNvSpPr>
+            <a:spLocks noGrp="1"/>
+          </p:cNvSpPr>
+          <p:nvPr>
+            <p:ph type="title"/>
+          </p:nvPr>
+        </p:nvSpPr>
+        <p:spPr>
+          <a:xfrm>
+            <a:off x="345622" y="212726"/>
+            <a:ext cx="7886700" cy="897617"/>
+          </a:xfrm>
+        </p:spPr>
+        <p:txBody>
+          <a:bodyPr/>
+          <a:lstStyle/>
+          <a:p>
+            <a:r>
+              <a:rPr lang="en-AU" b="1" dirty="0"/>
+              <a:t>Copyright notice</a:t>
+            </a:r>
+          </a:p>
+        </p:txBody>
+      </p:sp>
+      <p:sp>
+        <p:nvSpPr>
+          <p:cNvPr id="2" name="Content Placeholder 1">
+            <a:extLst>
+              <a:ext uri="{FF2B5EF4-FFF2-40B4-BE49-F238E27FC236}">
+                <a16:creationId xmlns:a16="http://schemas.microsoft.com/office/drawing/2014/main" id="{75A042B4-6EB2-4F38-8355-D92C4E4A5EF9}"/>
+              </a:ext>
+            </a:extLst>
+          </p:cNvPr>
+          <p:cNvSpPr>
+            <a:spLocks noGrp="1"/>
+          </p:cNvSpPr>
+          <p:nvPr>
+            <p:ph idx="1"/>
+          </p:nvPr>
+        </p:nvSpPr>
+        <p:spPr>
+          <a:xfrm>
+            <a:off x="290241" y="1411401"/>
+            <a:ext cx="8563518" cy="4035198"/>
+          </a:xfrm>
+        </p:spPr>
+        <p:txBody>
+          <a:bodyPr>
+            <a:normAutofit fontScale="92500" lnSpcReduction="20000"/>
+          </a:bodyPr>
+          <a:lstStyle/>
+          <a:p>
+            <a:pPr marL="27675" indent="0" algn="ctr">
+              <a:buNone/>
+            </a:pPr>
+            <a:r>
+              <a:rPr lang="en-AU" sz="3000" b="1" dirty="0">
+                <a:cs typeface="Arial" panose="020B0604020202020204" pitchFamily="34" charset="0"/>
+              </a:rPr>
+              <a:t>Commonwealth of Australia</a:t>
+            </a:r>
+          </a:p>
+          <a:p>
+            <a:pPr marL="27675" indent="0" algn="ctr">
+              <a:buNone/>
+            </a:pPr>
+            <a:endParaRPr lang="en-AU" dirty="0">
+              <a:cs typeface="Arial" panose="020B0604020202020204" pitchFamily="34" charset="0"/>
+            </a:endParaRPr>
+          </a:p>
+          <a:p>
+            <a:pPr marL="27675" indent="0" algn="ctr">
+              <a:buNone/>
+            </a:pPr>
+            <a:r>
+              <a:rPr lang="en-AU" sz="2200" dirty="0">
+                <a:cs typeface="Arial" panose="020B0604020202020204" pitchFamily="34" charset="0"/>
+              </a:rPr>
+              <a:t>Copyright Regulations 1969</a:t>
+            </a:r>
+          </a:p>
+          <a:p>
+            <a:pPr marL="27675" indent="0" algn="ctr">
+              <a:buNone/>
+            </a:pPr>
+            <a:endParaRPr lang="en-AU" sz="2200" dirty="0">
+              <a:cs typeface="Arial" panose="020B0604020202020204" pitchFamily="34" charset="0"/>
+            </a:endParaRPr>
+          </a:p>
+          <a:p>
+            <a:pPr marL="27675" indent="0" algn="ctr">
+              <a:buNone/>
+            </a:pPr>
+            <a:r>
+              <a:rPr lang="en-AU" sz="2200" dirty="0">
+                <a:cs typeface="Arial" panose="020B0604020202020204" pitchFamily="34" charset="0"/>
+              </a:rPr>
+              <a:t>WARNING</a:t>
+            </a:r>
+          </a:p>
+          <a:p>
+            <a:pPr marL="27675" indent="0" algn="ctr">
+              <a:buNone/>
+            </a:pPr>
+            <a:endParaRPr lang="en-AU" sz="2200" dirty="0">
+              <a:cs typeface="Arial" panose="020B0604020202020204" pitchFamily="34" charset="0"/>
+            </a:endParaRPr>
+          </a:p>
+          <a:p>
+            <a:pPr marL="27675" indent="0">
+              <a:buNone/>
+            </a:pPr>
+            <a:r>
+              <a:rPr lang="en-AU" sz="2200" dirty="0">
+                <a:cs typeface="Arial" panose="020B0604020202020204" pitchFamily="34" charset="0"/>
+              </a:rPr>
+              <a:t>Materials in this unit have been reproduced and communicated to you by or on behalf of The University of Western Australia pursuant to Part VB of the </a:t>
+            </a:r>
+            <a:r>
+              <a:rPr lang="en-AU" sz="2200" i="1" dirty="0">
+                <a:cs typeface="Arial" panose="020B0604020202020204" pitchFamily="34" charset="0"/>
+              </a:rPr>
+              <a:t>Copyright Act</a:t>
+            </a:r>
+            <a:r>
+              <a:rPr lang="en-AU" sz="2200" dirty="0">
+                <a:cs typeface="Arial" panose="020B0604020202020204" pitchFamily="34" charset="0"/>
+              </a:rPr>
+              <a:t>1968 (</a:t>
+            </a:r>
+            <a:r>
+              <a:rPr lang="en-AU" sz="2200" b="1" dirty="0">
+                <a:cs typeface="Arial" panose="020B0604020202020204" pitchFamily="34" charset="0"/>
+              </a:rPr>
+              <a:t>the Act</a:t>
+            </a:r>
+            <a:r>
+              <a:rPr lang="en-AU" sz="2200" dirty="0">
+                <a:cs typeface="Arial" panose="020B0604020202020204" pitchFamily="34" charset="0"/>
+              </a:rPr>
+              <a:t>).</a:t>
+            </a:r>
+          </a:p>
+          <a:p>
+            <a:pPr marL="27675" indent="0">
+              <a:buNone/>
+            </a:pPr>
+            <a:endParaRPr lang="en-AU" sz="2200" dirty="0">
+              <a:cs typeface="Arial" panose="020B0604020202020204" pitchFamily="34" charset="0"/>
+            </a:endParaRPr>
+          </a:p>
+          <a:p>
+            <a:pPr marL="27675" indent="0">
+              <a:buNone/>
+            </a:pPr>
+            <a:r>
+              <a:rPr lang="en-AU" sz="2200" dirty="0">
+                <a:cs typeface="Arial" panose="020B0604020202020204" pitchFamily="34" charset="0"/>
+              </a:rPr>
+              <a:t>The material in this communication may be subject to copyright under the Act. Any further reproduction or communication of this material by you may be the subject of copyright protection under the Act.</a:t>
+            </a:r>
+          </a:p>
+          <a:p>
+            <a:pPr marL="27675" indent="0">
+              <a:buNone/>
+            </a:pPr>
+            <a:endParaRPr lang="en-AU" dirty="0"/>
+          </a:p>
+        </p:txBody>
+      </p:sp>
+    </p:spTree>
+    <p:extLst>
+      <p:ext uri="{BB962C8B-B14F-4D97-AF65-F5344CB8AC3E}">
+        <p14:creationId xmlns:p14="http://schemas.microsoft.com/office/powerpoint/2010/main" val="2307588266"/>
+      </p:ext>
+    </p:extLst>
+  </p:cSld>
+  <p:clrMapOvr>
+    <a:masterClrMapping/>
+  </p:clrMapOvr>
+</p:sld>
+</file>
+
+<file path=ppt/slides/slide7.xml><?xml version="1.0" encoding="utf-8"?>
 <p:sld xmlns:a="http://schemas.openxmlformats.org/drawingml/2006/main" xmlns:r="http://schemas.openxmlformats.org/officeDocument/2006/relationships" xmlns:p="http://schemas.openxmlformats.org/presentationml/2006/main">
   <p:cSld>
     <p:spTree>
@@ -33270,7 +35119,7 @@
                   <a:schemeClr val="tx1"/>
                 </a:solidFill>
               </a:rPr>
-              <a:t>Guest OS</a:t>
+              <a:t>VM</a:t>
             </a:r>
           </a:p>
         </p:txBody>
@@ -33445,7 +35294,7 @@
                   <a:schemeClr val="tx1"/>
                 </a:solidFill>
               </a:rPr>
-              <a:t>Guest OS</a:t>
+              <a:t>VM</a:t>
             </a:r>
           </a:p>
         </p:txBody>
@@ -33687,1312 +35536,7 @@
 </p:sld>
 </file>
 
-<file path=ppt/slides/slide60.xml><?xml version="1.0" encoding="utf-8"?>
-<p:sld xmlns:a="http://schemas.openxmlformats.org/drawingml/2006/main" xmlns:r="http://schemas.openxmlformats.org/officeDocument/2006/relationships" xmlns:p="http://schemas.openxmlformats.org/presentationml/2006/main">
-  <p:cSld>
-    <p:spTree>
-      <p:nvGrpSpPr>
-        <p:cNvPr id="1" name=""/>
-        <p:cNvGrpSpPr/>
-        <p:nvPr/>
-      </p:nvGrpSpPr>
-      <p:grpSpPr>
-        <a:xfrm>
-          <a:off x="0" y="0"/>
-          <a:ext cx="0" cy="0"/>
-          <a:chOff x="0" y="0"/>
-          <a:chExt cx="0" cy="0"/>
-        </a:xfrm>
-      </p:grpSpPr>
-      <p:sp>
-        <p:nvSpPr>
-          <p:cNvPr id="4" name="Title 3"/>
-          <p:cNvSpPr>
-            <a:spLocks noGrp="1"/>
-          </p:cNvSpPr>
-          <p:nvPr>
-            <p:ph type="title"/>
-          </p:nvPr>
-        </p:nvSpPr>
-        <p:spPr>
-          <a:xfrm>
-            <a:off x="243840" y="157639"/>
-            <a:ext cx="3062068" cy="942975"/>
-          </a:xfrm>
-        </p:spPr>
-        <p:txBody>
-          <a:bodyPr>
-            <a:normAutofit fontScale="90000"/>
-          </a:bodyPr>
-          <a:lstStyle/>
-          <a:p>
-            <a:r>
-              <a:rPr lang="en-AU" b="1" dirty="0"/>
-              <a:t>Practice Questions</a:t>
-            </a:r>
-          </a:p>
-        </p:txBody>
-      </p:sp>
-      <p:sp>
-        <p:nvSpPr>
-          <p:cNvPr id="7" name="Content Placeholder 1">
-            <a:extLst>
-              <a:ext uri="{FF2B5EF4-FFF2-40B4-BE49-F238E27FC236}">
-                <a16:creationId xmlns:a16="http://schemas.microsoft.com/office/drawing/2014/main" id="{85F180D1-C7EF-4A34-96CA-73A86A26F467}"/>
-              </a:ext>
-            </a:extLst>
-          </p:cNvPr>
-          <p:cNvSpPr txBox="1">
-            <a:spLocks/>
-          </p:cNvSpPr>
-          <p:nvPr/>
-        </p:nvSpPr>
-        <p:spPr>
-          <a:xfrm>
-            <a:off x="243840" y="1100614"/>
-            <a:ext cx="8696960" cy="5173186"/>
-          </a:xfrm>
-          <a:prstGeom prst="rect">
-            <a:avLst/>
-          </a:prstGeom>
-        </p:spPr>
-        <p:txBody>
-          <a:bodyPr vert="horz" lIns="91440" tIns="45720" rIns="91440" bIns="45720" rtlCol="0">
-            <a:normAutofit/>
-          </a:bodyPr>
-          <a:lstStyle>
-            <a:lvl1pPr marL="171450" indent="-171450" algn="l" defTabSz="685800" rtl="0" eaLnBrk="1" latinLnBrk="0" hangingPunct="1">
-              <a:lnSpc>
-                <a:spcPct val="90000"/>
-              </a:lnSpc>
-              <a:spcBef>
-                <a:spcPts val="750"/>
-              </a:spcBef>
-              <a:buFont typeface="Arial" panose="020B0604020202020204" pitchFamily="34" charset="0"/>
-              <a:buChar char="•"/>
-              <a:defRPr sz="2100" kern="1200">
-                <a:solidFill>
-                  <a:schemeClr val="tx1"/>
-                </a:solidFill>
-                <a:latin typeface="+mn-lt"/>
-                <a:ea typeface="+mn-ea"/>
-                <a:cs typeface="+mn-cs"/>
-              </a:defRPr>
-            </a:lvl1pPr>
-            <a:lvl2pPr marL="514350" indent="-171450" algn="l" defTabSz="685800" rtl="0" eaLnBrk="1" latinLnBrk="0" hangingPunct="1">
-              <a:lnSpc>
-                <a:spcPct val="90000"/>
-              </a:lnSpc>
-              <a:spcBef>
-                <a:spcPts val="375"/>
-              </a:spcBef>
-              <a:buFont typeface="Arial" panose="020B0604020202020204" pitchFamily="34" charset="0"/>
-              <a:buChar char="•"/>
-              <a:defRPr sz="1800" kern="1200">
-                <a:solidFill>
-                  <a:schemeClr val="tx1"/>
-                </a:solidFill>
-                <a:latin typeface="+mn-lt"/>
-                <a:ea typeface="+mn-ea"/>
-                <a:cs typeface="+mn-cs"/>
-              </a:defRPr>
-            </a:lvl2pPr>
-            <a:lvl3pPr marL="857250" indent="-171450" algn="l" defTabSz="685800" rtl="0" eaLnBrk="1" latinLnBrk="0" hangingPunct="1">
-              <a:lnSpc>
-                <a:spcPct val="90000"/>
-              </a:lnSpc>
-              <a:spcBef>
-                <a:spcPts val="375"/>
-              </a:spcBef>
-              <a:buFont typeface="Arial" panose="020B0604020202020204" pitchFamily="34" charset="0"/>
-              <a:buChar char="•"/>
-              <a:defRPr sz="1500" kern="1200">
-                <a:solidFill>
-                  <a:schemeClr val="tx1"/>
-                </a:solidFill>
-                <a:latin typeface="+mn-lt"/>
-                <a:ea typeface="+mn-ea"/>
-                <a:cs typeface="+mn-cs"/>
-              </a:defRPr>
-            </a:lvl3pPr>
-            <a:lvl4pPr marL="1200150" indent="-171450" algn="l" defTabSz="685800" rtl="0" eaLnBrk="1" latinLnBrk="0" hangingPunct="1">
-              <a:lnSpc>
-                <a:spcPct val="90000"/>
-              </a:lnSpc>
-              <a:spcBef>
-                <a:spcPts val="375"/>
-              </a:spcBef>
-              <a:buFont typeface="Arial" panose="020B0604020202020204" pitchFamily="34" charset="0"/>
-              <a:buChar char="•"/>
-              <a:defRPr sz="1350" kern="1200">
-                <a:solidFill>
-                  <a:schemeClr val="tx1"/>
-                </a:solidFill>
-                <a:latin typeface="+mn-lt"/>
-                <a:ea typeface="+mn-ea"/>
-                <a:cs typeface="+mn-cs"/>
-              </a:defRPr>
-            </a:lvl4pPr>
-            <a:lvl5pPr marL="1543050" indent="-171450" algn="l" defTabSz="685800" rtl="0" eaLnBrk="1" latinLnBrk="0" hangingPunct="1">
-              <a:lnSpc>
-                <a:spcPct val="90000"/>
-              </a:lnSpc>
-              <a:spcBef>
-                <a:spcPts val="375"/>
-              </a:spcBef>
-              <a:buFont typeface="Arial" panose="020B0604020202020204" pitchFamily="34" charset="0"/>
-              <a:buChar char="•"/>
-              <a:defRPr sz="1350" kern="1200">
-                <a:solidFill>
-                  <a:schemeClr val="tx1"/>
-                </a:solidFill>
-                <a:latin typeface="+mn-lt"/>
-                <a:ea typeface="+mn-ea"/>
-                <a:cs typeface="+mn-cs"/>
-              </a:defRPr>
-            </a:lvl5pPr>
-            <a:lvl6pPr marL="1885950" indent="-171450" algn="l" defTabSz="685800" rtl="0" eaLnBrk="1" latinLnBrk="0" hangingPunct="1">
-              <a:lnSpc>
-                <a:spcPct val="90000"/>
-              </a:lnSpc>
-              <a:spcBef>
-                <a:spcPts val="375"/>
-              </a:spcBef>
-              <a:buFont typeface="Arial" panose="020B0604020202020204" pitchFamily="34" charset="0"/>
-              <a:buChar char="•"/>
-              <a:defRPr sz="1350" kern="1200">
-                <a:solidFill>
-                  <a:schemeClr val="tx1"/>
-                </a:solidFill>
-                <a:latin typeface="+mn-lt"/>
-                <a:ea typeface="+mn-ea"/>
-                <a:cs typeface="+mn-cs"/>
-              </a:defRPr>
-            </a:lvl6pPr>
-            <a:lvl7pPr marL="2228850" indent="-171450" algn="l" defTabSz="685800" rtl="0" eaLnBrk="1" latinLnBrk="0" hangingPunct="1">
-              <a:lnSpc>
-                <a:spcPct val="90000"/>
-              </a:lnSpc>
-              <a:spcBef>
-                <a:spcPts val="375"/>
-              </a:spcBef>
-              <a:buFont typeface="Arial" panose="020B0604020202020204" pitchFamily="34" charset="0"/>
-              <a:buChar char="•"/>
-              <a:defRPr sz="1350" kern="1200">
-                <a:solidFill>
-                  <a:schemeClr val="tx1"/>
-                </a:solidFill>
-                <a:latin typeface="+mn-lt"/>
-                <a:ea typeface="+mn-ea"/>
-                <a:cs typeface="+mn-cs"/>
-              </a:defRPr>
-            </a:lvl7pPr>
-            <a:lvl8pPr marL="2571750" indent="-171450" algn="l" defTabSz="685800" rtl="0" eaLnBrk="1" latinLnBrk="0" hangingPunct="1">
-              <a:lnSpc>
-                <a:spcPct val="90000"/>
-              </a:lnSpc>
-              <a:spcBef>
-                <a:spcPts val="375"/>
-              </a:spcBef>
-              <a:buFont typeface="Arial" panose="020B0604020202020204" pitchFamily="34" charset="0"/>
-              <a:buChar char="•"/>
-              <a:defRPr sz="1350" kern="1200">
-                <a:solidFill>
-                  <a:schemeClr val="tx1"/>
-                </a:solidFill>
-                <a:latin typeface="+mn-lt"/>
-                <a:ea typeface="+mn-ea"/>
-                <a:cs typeface="+mn-cs"/>
-              </a:defRPr>
-            </a:lvl8pPr>
-            <a:lvl9pPr marL="2914650" indent="-171450" algn="l" defTabSz="685800" rtl="0" eaLnBrk="1" latinLnBrk="0" hangingPunct="1">
-              <a:lnSpc>
-                <a:spcPct val="90000"/>
-              </a:lnSpc>
-              <a:spcBef>
-                <a:spcPts val="375"/>
-              </a:spcBef>
-              <a:buFont typeface="Arial" panose="020B0604020202020204" pitchFamily="34" charset="0"/>
-              <a:buChar char="•"/>
-              <a:defRPr sz="1350" kern="1200">
-                <a:solidFill>
-                  <a:schemeClr val="tx1"/>
-                </a:solidFill>
-                <a:latin typeface="+mn-lt"/>
-                <a:ea typeface="+mn-ea"/>
-                <a:cs typeface="+mn-cs"/>
-              </a:defRPr>
-            </a:lvl9pPr>
-          </a:lstStyle>
-          <a:p>
-            <a:pPr fontAlgn="auto">
-              <a:spcAft>
-                <a:spcPts val="0"/>
-              </a:spcAft>
-              <a:buClrTx/>
-              <a:buSzTx/>
-            </a:pPr>
-            <a:r>
-              <a:rPr lang="en-AU" sz="2200" dirty="0"/>
-              <a:t>[6 marks] Q2: </a:t>
-            </a:r>
-            <a:r>
-              <a:rPr lang="en-US" sz="2200" b="0" i="0" dirty="0">
-                <a:solidFill>
-                  <a:srgbClr val="1F2328"/>
-                </a:solidFill>
-                <a:effectLst/>
-              </a:rPr>
-              <a:t>An established financial company is about to launch their new banking application. Give 3 reasons why the company should use their own data center rather than cloud computing.</a:t>
-            </a:r>
-            <a:endParaRPr lang="en-US" sz="2200" dirty="0"/>
-          </a:p>
-          <a:p>
-            <a:pPr fontAlgn="auto">
-              <a:spcAft>
-                <a:spcPts val="0"/>
-              </a:spcAft>
-              <a:buClrTx/>
-              <a:buSzTx/>
-            </a:pPr>
-            <a:endParaRPr lang="en-AU" sz="2200" dirty="0"/>
-          </a:p>
-          <a:p>
-            <a:pPr fontAlgn="auto">
-              <a:spcAft>
-                <a:spcPts val="0"/>
-              </a:spcAft>
-              <a:buClrTx/>
-              <a:buSzTx/>
-            </a:pPr>
-            <a:r>
-              <a:rPr lang="en-US" sz="2200" dirty="0">
-                <a:solidFill>
-                  <a:srgbClr val="1F2328"/>
-                </a:solidFill>
-              </a:rPr>
-              <a:t>[2 marks] </a:t>
-            </a:r>
-            <a:r>
-              <a:rPr lang="en-US" sz="2200" b="1" dirty="0">
-                <a:solidFill>
-                  <a:srgbClr val="1F2328"/>
-                </a:solidFill>
-              </a:rPr>
-              <a:t>Data </a:t>
-            </a:r>
-            <a:r>
-              <a:rPr lang="en-AU" sz="2200" b="1" dirty="0">
-                <a:solidFill>
-                  <a:srgbClr val="1F2328"/>
-                </a:solidFill>
-              </a:rPr>
-              <a:t>Security</a:t>
-            </a:r>
-            <a:r>
-              <a:rPr lang="en-AU" sz="2200" dirty="0">
-                <a:solidFill>
-                  <a:srgbClr val="1F2328"/>
-                </a:solidFill>
-              </a:rPr>
-              <a:t>: </a:t>
-            </a:r>
-            <a:r>
-              <a:rPr lang="en-US" sz="2200" dirty="0">
-                <a:solidFill>
-                  <a:srgbClr val="1F2328"/>
-                </a:solidFill>
-              </a:rPr>
-              <a:t>Financial institutions must ensure CIA of user data security. By hosting their application in their own data center, the company can better protect their data security.</a:t>
-            </a:r>
-          </a:p>
-          <a:p>
-            <a:pPr fontAlgn="auto">
-              <a:spcAft>
-                <a:spcPts val="0"/>
-              </a:spcAft>
-              <a:buClrTx/>
-              <a:buSzTx/>
-            </a:pPr>
-            <a:r>
-              <a:rPr lang="en-US" sz="2200" dirty="0">
-                <a:solidFill>
-                  <a:srgbClr val="1F2328"/>
-                </a:solidFill>
-              </a:rPr>
-              <a:t>[2 marks] </a:t>
-            </a:r>
-            <a:r>
-              <a:rPr lang="en-US" sz="2200" b="1" dirty="0">
-                <a:solidFill>
-                  <a:srgbClr val="1F2328"/>
-                </a:solidFill>
-              </a:rPr>
-              <a:t>Data</a:t>
-            </a:r>
-            <a:r>
-              <a:rPr lang="en-US" sz="2200" dirty="0">
-                <a:solidFill>
-                  <a:srgbClr val="1F2328"/>
-                </a:solidFill>
-              </a:rPr>
-              <a:t> </a:t>
-            </a:r>
-            <a:r>
-              <a:rPr lang="en-AU" sz="2000" b="1" i="0" dirty="0">
-                <a:effectLst/>
-                <a:latin typeface="Söhne"/>
-              </a:rPr>
-              <a:t>Sovereignty: </a:t>
-            </a:r>
-            <a:r>
-              <a:rPr lang="en-US" sz="2200" dirty="0">
-                <a:solidFill>
-                  <a:srgbClr val="1F2328"/>
-                </a:solidFill>
-              </a:rPr>
-              <a:t>For international financial institutions, data sovereignty is critical because user data will be stored and processed in compliance with local laws and regulations. </a:t>
-            </a:r>
-          </a:p>
-        </p:txBody>
-      </p:sp>
-    </p:spTree>
-    <p:extLst>
-      <p:ext uri="{BB962C8B-B14F-4D97-AF65-F5344CB8AC3E}">
-        <p14:creationId xmlns:p14="http://schemas.microsoft.com/office/powerpoint/2010/main" val="3540487448"/>
-      </p:ext>
-    </p:extLst>
-  </p:cSld>
-  <p:clrMapOvr>
-    <a:masterClrMapping/>
-  </p:clrMapOvr>
-</p:sld>
-</file>
-
-<file path=ppt/slides/slide61.xml><?xml version="1.0" encoding="utf-8"?>
-<p:sld xmlns:a="http://schemas.openxmlformats.org/drawingml/2006/main" xmlns:r="http://schemas.openxmlformats.org/officeDocument/2006/relationships" xmlns:p="http://schemas.openxmlformats.org/presentationml/2006/main">
-  <p:cSld>
-    <p:spTree>
-      <p:nvGrpSpPr>
-        <p:cNvPr id="1" name=""/>
-        <p:cNvGrpSpPr/>
-        <p:nvPr/>
-      </p:nvGrpSpPr>
-      <p:grpSpPr>
-        <a:xfrm>
-          <a:off x="0" y="0"/>
-          <a:ext cx="0" cy="0"/>
-          <a:chOff x="0" y="0"/>
-          <a:chExt cx="0" cy="0"/>
-        </a:xfrm>
-      </p:grpSpPr>
-      <p:sp>
-        <p:nvSpPr>
-          <p:cNvPr id="4" name="Title 3"/>
-          <p:cNvSpPr>
-            <a:spLocks noGrp="1"/>
-          </p:cNvSpPr>
-          <p:nvPr>
-            <p:ph type="title"/>
-          </p:nvPr>
-        </p:nvSpPr>
-        <p:spPr>
-          <a:xfrm>
-            <a:off x="243840" y="157639"/>
-            <a:ext cx="3062068" cy="942975"/>
-          </a:xfrm>
-        </p:spPr>
-        <p:txBody>
-          <a:bodyPr>
-            <a:normAutofit fontScale="90000"/>
-          </a:bodyPr>
-          <a:lstStyle/>
-          <a:p>
-            <a:r>
-              <a:rPr lang="en-AU" b="1" dirty="0"/>
-              <a:t>Practice Questions</a:t>
-            </a:r>
-          </a:p>
-        </p:txBody>
-      </p:sp>
-      <p:sp>
-        <p:nvSpPr>
-          <p:cNvPr id="7" name="Content Placeholder 1">
-            <a:extLst>
-              <a:ext uri="{FF2B5EF4-FFF2-40B4-BE49-F238E27FC236}">
-                <a16:creationId xmlns:a16="http://schemas.microsoft.com/office/drawing/2014/main" id="{85F180D1-C7EF-4A34-96CA-73A86A26F467}"/>
-              </a:ext>
-            </a:extLst>
-          </p:cNvPr>
-          <p:cNvSpPr txBox="1">
-            <a:spLocks/>
-          </p:cNvSpPr>
-          <p:nvPr/>
-        </p:nvSpPr>
-        <p:spPr>
-          <a:xfrm>
-            <a:off x="243840" y="1100614"/>
-            <a:ext cx="8696960" cy="5173186"/>
-          </a:xfrm>
-          <a:prstGeom prst="rect">
-            <a:avLst/>
-          </a:prstGeom>
-        </p:spPr>
-        <p:txBody>
-          <a:bodyPr vert="horz" lIns="91440" tIns="45720" rIns="91440" bIns="45720" rtlCol="0">
-            <a:normAutofit/>
-          </a:bodyPr>
-          <a:lstStyle>
-            <a:lvl1pPr marL="171450" indent="-171450" algn="l" defTabSz="685800" rtl="0" eaLnBrk="1" latinLnBrk="0" hangingPunct="1">
-              <a:lnSpc>
-                <a:spcPct val="90000"/>
-              </a:lnSpc>
-              <a:spcBef>
-                <a:spcPts val="750"/>
-              </a:spcBef>
-              <a:buFont typeface="Arial" panose="020B0604020202020204" pitchFamily="34" charset="0"/>
-              <a:buChar char="•"/>
-              <a:defRPr sz="2100" kern="1200">
-                <a:solidFill>
-                  <a:schemeClr val="tx1"/>
-                </a:solidFill>
-                <a:latin typeface="+mn-lt"/>
-                <a:ea typeface="+mn-ea"/>
-                <a:cs typeface="+mn-cs"/>
-              </a:defRPr>
-            </a:lvl1pPr>
-            <a:lvl2pPr marL="514350" indent="-171450" algn="l" defTabSz="685800" rtl="0" eaLnBrk="1" latinLnBrk="0" hangingPunct="1">
-              <a:lnSpc>
-                <a:spcPct val="90000"/>
-              </a:lnSpc>
-              <a:spcBef>
-                <a:spcPts val="375"/>
-              </a:spcBef>
-              <a:buFont typeface="Arial" panose="020B0604020202020204" pitchFamily="34" charset="0"/>
-              <a:buChar char="•"/>
-              <a:defRPr sz="1800" kern="1200">
-                <a:solidFill>
-                  <a:schemeClr val="tx1"/>
-                </a:solidFill>
-                <a:latin typeface="+mn-lt"/>
-                <a:ea typeface="+mn-ea"/>
-                <a:cs typeface="+mn-cs"/>
-              </a:defRPr>
-            </a:lvl2pPr>
-            <a:lvl3pPr marL="857250" indent="-171450" algn="l" defTabSz="685800" rtl="0" eaLnBrk="1" latinLnBrk="0" hangingPunct="1">
-              <a:lnSpc>
-                <a:spcPct val="90000"/>
-              </a:lnSpc>
-              <a:spcBef>
-                <a:spcPts val="375"/>
-              </a:spcBef>
-              <a:buFont typeface="Arial" panose="020B0604020202020204" pitchFamily="34" charset="0"/>
-              <a:buChar char="•"/>
-              <a:defRPr sz="1500" kern="1200">
-                <a:solidFill>
-                  <a:schemeClr val="tx1"/>
-                </a:solidFill>
-                <a:latin typeface="+mn-lt"/>
-                <a:ea typeface="+mn-ea"/>
-                <a:cs typeface="+mn-cs"/>
-              </a:defRPr>
-            </a:lvl3pPr>
-            <a:lvl4pPr marL="1200150" indent="-171450" algn="l" defTabSz="685800" rtl="0" eaLnBrk="1" latinLnBrk="0" hangingPunct="1">
-              <a:lnSpc>
-                <a:spcPct val="90000"/>
-              </a:lnSpc>
-              <a:spcBef>
-                <a:spcPts val="375"/>
-              </a:spcBef>
-              <a:buFont typeface="Arial" panose="020B0604020202020204" pitchFamily="34" charset="0"/>
-              <a:buChar char="•"/>
-              <a:defRPr sz="1350" kern="1200">
-                <a:solidFill>
-                  <a:schemeClr val="tx1"/>
-                </a:solidFill>
-                <a:latin typeface="+mn-lt"/>
-                <a:ea typeface="+mn-ea"/>
-                <a:cs typeface="+mn-cs"/>
-              </a:defRPr>
-            </a:lvl4pPr>
-            <a:lvl5pPr marL="1543050" indent="-171450" algn="l" defTabSz="685800" rtl="0" eaLnBrk="1" latinLnBrk="0" hangingPunct="1">
-              <a:lnSpc>
-                <a:spcPct val="90000"/>
-              </a:lnSpc>
-              <a:spcBef>
-                <a:spcPts val="375"/>
-              </a:spcBef>
-              <a:buFont typeface="Arial" panose="020B0604020202020204" pitchFamily="34" charset="0"/>
-              <a:buChar char="•"/>
-              <a:defRPr sz="1350" kern="1200">
-                <a:solidFill>
-                  <a:schemeClr val="tx1"/>
-                </a:solidFill>
-                <a:latin typeface="+mn-lt"/>
-                <a:ea typeface="+mn-ea"/>
-                <a:cs typeface="+mn-cs"/>
-              </a:defRPr>
-            </a:lvl5pPr>
-            <a:lvl6pPr marL="1885950" indent="-171450" algn="l" defTabSz="685800" rtl="0" eaLnBrk="1" latinLnBrk="0" hangingPunct="1">
-              <a:lnSpc>
-                <a:spcPct val="90000"/>
-              </a:lnSpc>
-              <a:spcBef>
-                <a:spcPts val="375"/>
-              </a:spcBef>
-              <a:buFont typeface="Arial" panose="020B0604020202020204" pitchFamily="34" charset="0"/>
-              <a:buChar char="•"/>
-              <a:defRPr sz="1350" kern="1200">
-                <a:solidFill>
-                  <a:schemeClr val="tx1"/>
-                </a:solidFill>
-                <a:latin typeface="+mn-lt"/>
-                <a:ea typeface="+mn-ea"/>
-                <a:cs typeface="+mn-cs"/>
-              </a:defRPr>
-            </a:lvl6pPr>
-            <a:lvl7pPr marL="2228850" indent="-171450" algn="l" defTabSz="685800" rtl="0" eaLnBrk="1" latinLnBrk="0" hangingPunct="1">
-              <a:lnSpc>
-                <a:spcPct val="90000"/>
-              </a:lnSpc>
-              <a:spcBef>
-                <a:spcPts val="375"/>
-              </a:spcBef>
-              <a:buFont typeface="Arial" panose="020B0604020202020204" pitchFamily="34" charset="0"/>
-              <a:buChar char="•"/>
-              <a:defRPr sz="1350" kern="1200">
-                <a:solidFill>
-                  <a:schemeClr val="tx1"/>
-                </a:solidFill>
-                <a:latin typeface="+mn-lt"/>
-                <a:ea typeface="+mn-ea"/>
-                <a:cs typeface="+mn-cs"/>
-              </a:defRPr>
-            </a:lvl7pPr>
-            <a:lvl8pPr marL="2571750" indent="-171450" algn="l" defTabSz="685800" rtl="0" eaLnBrk="1" latinLnBrk="0" hangingPunct="1">
-              <a:lnSpc>
-                <a:spcPct val="90000"/>
-              </a:lnSpc>
-              <a:spcBef>
-                <a:spcPts val="375"/>
-              </a:spcBef>
-              <a:buFont typeface="Arial" panose="020B0604020202020204" pitchFamily="34" charset="0"/>
-              <a:buChar char="•"/>
-              <a:defRPr sz="1350" kern="1200">
-                <a:solidFill>
-                  <a:schemeClr val="tx1"/>
-                </a:solidFill>
-                <a:latin typeface="+mn-lt"/>
-                <a:ea typeface="+mn-ea"/>
-                <a:cs typeface="+mn-cs"/>
-              </a:defRPr>
-            </a:lvl8pPr>
-            <a:lvl9pPr marL="2914650" indent="-171450" algn="l" defTabSz="685800" rtl="0" eaLnBrk="1" latinLnBrk="0" hangingPunct="1">
-              <a:lnSpc>
-                <a:spcPct val="90000"/>
-              </a:lnSpc>
-              <a:spcBef>
-                <a:spcPts val="375"/>
-              </a:spcBef>
-              <a:buFont typeface="Arial" panose="020B0604020202020204" pitchFamily="34" charset="0"/>
-              <a:buChar char="•"/>
-              <a:defRPr sz="1350" kern="1200">
-                <a:solidFill>
-                  <a:schemeClr val="tx1"/>
-                </a:solidFill>
-                <a:latin typeface="+mn-lt"/>
-                <a:ea typeface="+mn-ea"/>
-                <a:cs typeface="+mn-cs"/>
-              </a:defRPr>
-            </a:lvl9pPr>
-          </a:lstStyle>
-          <a:p>
-            <a:pPr fontAlgn="auto">
-              <a:spcAft>
-                <a:spcPts val="0"/>
-              </a:spcAft>
-              <a:buClrTx/>
-              <a:buSzTx/>
-            </a:pPr>
-            <a:r>
-              <a:rPr lang="en-AU" sz="2200" dirty="0"/>
-              <a:t>[6 marks] Q2: </a:t>
-            </a:r>
-            <a:r>
-              <a:rPr lang="en-US" sz="2200" b="0" i="0" dirty="0">
-                <a:solidFill>
-                  <a:srgbClr val="1F2328"/>
-                </a:solidFill>
-                <a:effectLst/>
-              </a:rPr>
-              <a:t>An established financial company is about to launch their new banking application. Give 3 reasons why the company should use their own data center rather than cloud computing.</a:t>
-            </a:r>
-            <a:endParaRPr lang="en-US" sz="2200" dirty="0"/>
-          </a:p>
-          <a:p>
-            <a:pPr fontAlgn="auto">
-              <a:spcAft>
-                <a:spcPts val="0"/>
-              </a:spcAft>
-              <a:buClrTx/>
-              <a:buSzTx/>
-            </a:pPr>
-            <a:endParaRPr lang="en-AU" sz="2200" dirty="0"/>
-          </a:p>
-          <a:p>
-            <a:pPr fontAlgn="auto">
-              <a:spcAft>
-                <a:spcPts val="0"/>
-              </a:spcAft>
-              <a:buClrTx/>
-              <a:buSzTx/>
-            </a:pPr>
-            <a:r>
-              <a:rPr lang="en-US" sz="2200" dirty="0">
-                <a:solidFill>
-                  <a:srgbClr val="1F2328"/>
-                </a:solidFill>
-              </a:rPr>
-              <a:t>[2 marks] </a:t>
-            </a:r>
-            <a:r>
-              <a:rPr lang="en-US" sz="2200" b="1" dirty="0">
-                <a:solidFill>
-                  <a:srgbClr val="1F2328"/>
-                </a:solidFill>
-              </a:rPr>
-              <a:t>Data </a:t>
-            </a:r>
-            <a:r>
-              <a:rPr lang="en-AU" sz="2200" b="1" dirty="0">
-                <a:solidFill>
-                  <a:srgbClr val="1F2328"/>
-                </a:solidFill>
-              </a:rPr>
-              <a:t>Security</a:t>
-            </a:r>
-            <a:r>
-              <a:rPr lang="en-AU" sz="2200" dirty="0">
-                <a:solidFill>
-                  <a:srgbClr val="1F2328"/>
-                </a:solidFill>
-              </a:rPr>
-              <a:t>: </a:t>
-            </a:r>
-            <a:r>
-              <a:rPr lang="en-US" sz="2200" dirty="0">
-                <a:solidFill>
-                  <a:srgbClr val="1F2328"/>
-                </a:solidFill>
-              </a:rPr>
-              <a:t>Financial institutions must ensure CIA of user data security. By hosting their application in their own data center, the company can better protect their data security.</a:t>
-            </a:r>
-          </a:p>
-          <a:p>
-            <a:pPr fontAlgn="auto">
-              <a:spcAft>
-                <a:spcPts val="0"/>
-              </a:spcAft>
-              <a:buClrTx/>
-              <a:buSzTx/>
-            </a:pPr>
-            <a:r>
-              <a:rPr lang="en-US" sz="2200" dirty="0">
-                <a:solidFill>
-                  <a:srgbClr val="1F2328"/>
-                </a:solidFill>
-              </a:rPr>
-              <a:t>[2 marks] </a:t>
-            </a:r>
-            <a:r>
-              <a:rPr lang="en-US" sz="2200" b="1" dirty="0">
-                <a:solidFill>
-                  <a:srgbClr val="1F2328"/>
-                </a:solidFill>
-              </a:rPr>
-              <a:t>Data</a:t>
-            </a:r>
-            <a:r>
-              <a:rPr lang="en-US" sz="2200" dirty="0">
-                <a:solidFill>
-                  <a:srgbClr val="1F2328"/>
-                </a:solidFill>
-              </a:rPr>
-              <a:t> </a:t>
-            </a:r>
-            <a:r>
-              <a:rPr lang="en-AU" sz="2200" b="1" dirty="0">
-                <a:solidFill>
-                  <a:srgbClr val="1F2328"/>
-                </a:solidFill>
-              </a:rPr>
-              <a:t>Sovereignty: </a:t>
-            </a:r>
-            <a:r>
-              <a:rPr lang="en-US" sz="2200" dirty="0">
-                <a:solidFill>
-                  <a:srgbClr val="1F2328"/>
-                </a:solidFill>
-              </a:rPr>
-              <a:t>For international financial institutions, data sovereignty is critical because user data will be stored and processed in compliance with local laws and regulations. </a:t>
-            </a:r>
-          </a:p>
-          <a:p>
-            <a:pPr fontAlgn="auto">
-              <a:spcAft>
-                <a:spcPts val="0"/>
-              </a:spcAft>
-              <a:buClrTx/>
-              <a:buSzTx/>
-            </a:pPr>
-            <a:r>
-              <a:rPr lang="en-US" sz="2200" dirty="0">
-                <a:solidFill>
-                  <a:srgbClr val="1F2328"/>
-                </a:solidFill>
-              </a:rPr>
-              <a:t>[2 marks] </a:t>
-            </a:r>
-            <a:r>
-              <a:rPr lang="en-US" sz="2200" b="1" dirty="0">
-                <a:solidFill>
-                  <a:srgbClr val="1F2328"/>
-                </a:solidFill>
-              </a:rPr>
-              <a:t>Optimized</a:t>
-            </a:r>
-            <a:r>
-              <a:rPr lang="en-AU" sz="2200" b="1" dirty="0">
-                <a:solidFill>
-                  <a:srgbClr val="1F2328"/>
-                </a:solidFill>
-              </a:rPr>
-              <a:t> Performance: </a:t>
-            </a:r>
-            <a:r>
-              <a:rPr lang="en-AU" sz="2200" dirty="0">
-                <a:solidFill>
-                  <a:srgbClr val="1F2328"/>
-                </a:solidFill>
-              </a:rPr>
-              <a:t>With their own data </a:t>
-            </a:r>
-            <a:r>
-              <a:rPr lang="en-AU" sz="2200" dirty="0" err="1">
-                <a:solidFill>
-                  <a:srgbClr val="1F2328"/>
-                </a:solidFill>
-              </a:rPr>
-              <a:t>center</a:t>
-            </a:r>
-            <a:r>
-              <a:rPr lang="en-AU" sz="2200" dirty="0">
-                <a:solidFill>
-                  <a:srgbClr val="1F2328"/>
-                </a:solidFill>
-              </a:rPr>
-              <a:t>, </a:t>
-            </a:r>
-            <a:r>
-              <a:rPr lang="en-US" sz="2200" dirty="0">
-                <a:solidFill>
-                  <a:srgbClr val="1F2328"/>
-                </a:solidFill>
-              </a:rPr>
-              <a:t>the company can have consistent performance for their application. Besides, they can fine-tune the infrastructure to optimize the application’s performance.</a:t>
-            </a:r>
-          </a:p>
-        </p:txBody>
-      </p:sp>
-    </p:spTree>
-    <p:extLst>
-      <p:ext uri="{BB962C8B-B14F-4D97-AF65-F5344CB8AC3E}">
-        <p14:creationId xmlns:p14="http://schemas.microsoft.com/office/powerpoint/2010/main" val="3650811177"/>
-      </p:ext>
-    </p:extLst>
-  </p:cSld>
-  <p:clrMapOvr>
-    <a:masterClrMapping/>
-  </p:clrMapOvr>
-</p:sld>
-</file>
-
-<file path=ppt/slides/slide62.xml><?xml version="1.0" encoding="utf-8"?>
-<p:sld xmlns:a="http://schemas.openxmlformats.org/drawingml/2006/main" xmlns:r="http://schemas.openxmlformats.org/officeDocument/2006/relationships" xmlns:p="http://schemas.openxmlformats.org/presentationml/2006/main">
-  <p:cSld>
-    <p:spTree>
-      <p:nvGrpSpPr>
-        <p:cNvPr id="1" name=""/>
-        <p:cNvGrpSpPr/>
-        <p:nvPr/>
-      </p:nvGrpSpPr>
-      <p:grpSpPr>
-        <a:xfrm>
-          <a:off x="0" y="0"/>
-          <a:ext cx="0" cy="0"/>
-          <a:chOff x="0" y="0"/>
-          <a:chExt cx="0" cy="0"/>
-        </a:xfrm>
-      </p:grpSpPr>
-      <p:sp>
-        <p:nvSpPr>
-          <p:cNvPr id="2" name="Title 1">
-            <a:extLst>
-              <a:ext uri="{FF2B5EF4-FFF2-40B4-BE49-F238E27FC236}">
-                <a16:creationId xmlns:a16="http://schemas.microsoft.com/office/drawing/2014/main" id="{5C4F01C5-5333-2248-B03B-703C97F7CC69}"/>
-              </a:ext>
-            </a:extLst>
-          </p:cNvPr>
-          <p:cNvSpPr>
-            <a:spLocks noGrp="1"/>
-          </p:cNvSpPr>
-          <p:nvPr>
-            <p:ph type="title"/>
-          </p:nvPr>
-        </p:nvSpPr>
-        <p:spPr>
-          <a:xfrm>
-            <a:off x="302078" y="136524"/>
-            <a:ext cx="5140779" cy="941160"/>
-          </a:xfrm>
-        </p:spPr>
-        <p:txBody>
-          <a:bodyPr/>
-          <a:lstStyle/>
-          <a:p>
-            <a:r>
-              <a:rPr lang="en-AU" b="1" dirty="0"/>
-              <a:t>Learning Outcomes</a:t>
-            </a:r>
-          </a:p>
-        </p:txBody>
-      </p:sp>
-      <p:sp>
-        <p:nvSpPr>
-          <p:cNvPr id="3" name="Content Placeholder 2">
-            <a:extLst>
-              <a:ext uri="{FF2B5EF4-FFF2-40B4-BE49-F238E27FC236}">
-                <a16:creationId xmlns:a16="http://schemas.microsoft.com/office/drawing/2014/main" id="{F7DD7DCB-C7E2-1B4F-BD83-3B7AF005DD76}"/>
-              </a:ext>
-            </a:extLst>
-          </p:cNvPr>
-          <p:cNvSpPr>
-            <a:spLocks noGrp="1"/>
-          </p:cNvSpPr>
-          <p:nvPr>
-            <p:ph idx="1"/>
-          </p:nvPr>
-        </p:nvSpPr>
-        <p:spPr>
-          <a:xfrm>
-            <a:off x="348343" y="1077684"/>
-            <a:ext cx="8493579" cy="4339997"/>
-          </a:xfrm>
-        </p:spPr>
-        <p:txBody>
-          <a:bodyPr>
-            <a:noAutofit/>
-          </a:bodyPr>
-          <a:lstStyle/>
-          <a:p>
-            <a:pPr marL="0" indent="0" algn="l">
-              <a:buNone/>
-            </a:pPr>
-            <a:r>
-              <a:rPr lang="en-US" sz="2400" dirty="0">
-                <a:solidFill>
-                  <a:srgbClr val="FF0000"/>
-                </a:solidFill>
-              </a:rPr>
-              <a:t>U</a:t>
-            </a:r>
-            <a:r>
-              <a:rPr lang="en-US" sz="2400" b="0" i="0" dirty="0">
-                <a:solidFill>
-                  <a:srgbClr val="FF0000"/>
-                </a:solidFill>
-                <a:effectLst/>
-              </a:rPr>
-              <a:t>nderstandings</a:t>
-            </a:r>
-          </a:p>
-          <a:p>
-            <a:pPr lvl="1">
-              <a:spcBef>
-                <a:spcPts val="600"/>
-              </a:spcBef>
-              <a:spcAft>
-                <a:spcPts val="600"/>
-              </a:spcAft>
-              <a:buFont typeface="Wingdings" panose="05000000000000000000" pitchFamily="2" charset="2"/>
-              <a:buChar char="Ø"/>
-            </a:pPr>
-            <a:r>
-              <a:rPr lang="en-US" sz="2000" b="0" i="0" dirty="0">
-                <a:solidFill>
-                  <a:srgbClr val="1F2328"/>
-                </a:solidFill>
-                <a:effectLst/>
-              </a:rPr>
-              <a:t>Understand cloud services, their motivation, design and implementation</a:t>
-            </a:r>
-          </a:p>
-          <a:p>
-            <a:pPr lvl="1">
-              <a:spcBef>
-                <a:spcPts val="600"/>
-              </a:spcBef>
-              <a:spcAft>
-                <a:spcPts val="600"/>
-              </a:spcAft>
-              <a:buFont typeface="Wingdings" panose="05000000000000000000" pitchFamily="2" charset="2"/>
-              <a:buChar char="Ø"/>
-            </a:pPr>
-            <a:r>
-              <a:rPr lang="en-US" sz="2000" b="0" i="0" dirty="0">
-                <a:solidFill>
-                  <a:srgbClr val="1F2328"/>
-                </a:solidFill>
-                <a:effectLst/>
-              </a:rPr>
-              <a:t>Understand the basics of virtualization of hardware, networks and security</a:t>
-            </a:r>
-          </a:p>
-          <a:p>
-            <a:pPr lvl="1">
-              <a:spcBef>
-                <a:spcPts val="600"/>
-              </a:spcBef>
-              <a:spcAft>
-                <a:spcPts val="600"/>
-              </a:spcAft>
-              <a:buFont typeface="Wingdings" panose="05000000000000000000" pitchFamily="2" charset="2"/>
-              <a:buChar char="Ø"/>
-            </a:pPr>
-            <a:r>
-              <a:rPr lang="en-US" sz="2000" b="0" i="0" dirty="0">
-                <a:solidFill>
-                  <a:srgbClr val="1F2328"/>
-                </a:solidFill>
-                <a:effectLst/>
-              </a:rPr>
-              <a:t>Understand cloud-based web architectures and their applications</a:t>
-            </a:r>
-          </a:p>
-          <a:p>
-            <a:pPr lvl="1">
-              <a:spcBef>
-                <a:spcPts val="600"/>
-              </a:spcBef>
-              <a:spcAft>
-                <a:spcPts val="600"/>
-              </a:spcAft>
-              <a:buFont typeface="Wingdings" panose="05000000000000000000" pitchFamily="2" charset="2"/>
-              <a:buChar char="Ø"/>
-            </a:pPr>
-            <a:r>
-              <a:rPr lang="en-US" sz="2000" b="0" i="0" dirty="0">
-                <a:solidFill>
-                  <a:srgbClr val="1F2328"/>
-                </a:solidFill>
-                <a:effectLst/>
-              </a:rPr>
-              <a:t>Understand how to achieve scalability and security in a cloud</a:t>
-            </a:r>
-          </a:p>
-          <a:p>
-            <a:pPr marL="0" indent="0" algn="l">
-              <a:buNone/>
-            </a:pPr>
-            <a:r>
-              <a:rPr lang="en-US" sz="2400" dirty="0">
-                <a:solidFill>
-                  <a:srgbClr val="FF0000"/>
-                </a:solidFill>
-              </a:rPr>
-              <a:t>Hands-on skills</a:t>
-            </a:r>
-            <a:endParaRPr lang="en-US" sz="2400" b="0" i="0" dirty="0">
-              <a:solidFill>
-                <a:srgbClr val="FF0000"/>
-              </a:solidFill>
-              <a:effectLst/>
-            </a:endParaRPr>
-          </a:p>
-          <a:p>
-            <a:pPr lvl="1">
-              <a:spcBef>
-                <a:spcPts val="600"/>
-              </a:spcBef>
-              <a:spcAft>
-                <a:spcPts val="600"/>
-              </a:spcAft>
-              <a:buFont typeface="Wingdings" panose="05000000000000000000" pitchFamily="2" charset="2"/>
-              <a:buChar char="Ø"/>
-            </a:pPr>
-            <a:r>
-              <a:rPr lang="en-US" sz="2000" b="0" i="0" dirty="0">
-                <a:solidFill>
-                  <a:srgbClr val="1F2328"/>
-                </a:solidFill>
-                <a:effectLst/>
-              </a:rPr>
-              <a:t>Use DevOps to deploy and manage the creation and update of software environments</a:t>
-            </a:r>
-          </a:p>
-          <a:p>
-            <a:pPr lvl="1">
-              <a:spcBef>
-                <a:spcPts val="600"/>
-              </a:spcBef>
-              <a:spcAft>
-                <a:spcPts val="600"/>
-              </a:spcAft>
-              <a:buFont typeface="Wingdings" panose="05000000000000000000" pitchFamily="2" charset="2"/>
-              <a:buChar char="Ø"/>
-            </a:pPr>
-            <a:r>
-              <a:rPr lang="en-US" sz="2000" b="0" i="0" dirty="0">
-                <a:solidFill>
-                  <a:srgbClr val="1F2328"/>
-                </a:solidFill>
-                <a:effectLst/>
-              </a:rPr>
-              <a:t>Use cloud services to carry out specific use cases such as machine learning</a:t>
-            </a:r>
-          </a:p>
-          <a:p>
-            <a:pPr algn="l">
-              <a:buFont typeface="+mj-lt"/>
-              <a:buAutoNum type="arabicPeriod"/>
-            </a:pPr>
-            <a:endParaRPr lang="en-US" sz="1600" b="0" i="0" dirty="0">
-              <a:solidFill>
-                <a:srgbClr val="1F2328"/>
-              </a:solidFill>
-              <a:effectLst/>
-              <a:latin typeface="-apple-system"/>
-            </a:endParaRPr>
-          </a:p>
-        </p:txBody>
-      </p:sp>
-    </p:spTree>
-    <p:extLst>
-      <p:ext uri="{BB962C8B-B14F-4D97-AF65-F5344CB8AC3E}">
-        <p14:creationId xmlns:p14="http://schemas.microsoft.com/office/powerpoint/2010/main" val="1068746973"/>
-      </p:ext>
-    </p:extLst>
-  </p:cSld>
-  <p:clrMapOvr>
-    <a:masterClrMapping/>
-  </p:clrMapOvr>
-</p:sld>
-</file>
-
-<file path=ppt/slides/slide63.xml><?xml version="1.0" encoding="utf-8"?>
-<p:sld xmlns:a="http://schemas.openxmlformats.org/drawingml/2006/main" xmlns:r="http://schemas.openxmlformats.org/officeDocument/2006/relationships" xmlns:p="http://schemas.openxmlformats.org/presentationml/2006/main">
-  <p:cSld>
-    <p:spTree>
-      <p:nvGrpSpPr>
-        <p:cNvPr id="1" name=""/>
-        <p:cNvGrpSpPr/>
-        <p:nvPr/>
-      </p:nvGrpSpPr>
-      <p:grpSpPr>
-        <a:xfrm>
-          <a:off x="0" y="0"/>
-          <a:ext cx="0" cy="0"/>
-          <a:chOff x="0" y="0"/>
-          <a:chExt cx="0" cy="0"/>
-        </a:xfrm>
-      </p:grpSpPr>
-      <p:sp>
-        <p:nvSpPr>
-          <p:cNvPr id="4" name="Title 3"/>
-          <p:cNvSpPr>
-            <a:spLocks noGrp="1"/>
-          </p:cNvSpPr>
-          <p:nvPr>
-            <p:ph type="title"/>
-          </p:nvPr>
-        </p:nvSpPr>
-        <p:spPr>
-          <a:xfrm>
-            <a:off x="345622" y="212726"/>
-            <a:ext cx="7886700" cy="897617"/>
-          </a:xfrm>
-        </p:spPr>
-        <p:txBody>
-          <a:bodyPr/>
-          <a:lstStyle/>
-          <a:p>
-            <a:r>
-              <a:rPr lang="en-AU" b="1" dirty="0"/>
-              <a:t>Copyright notice</a:t>
-            </a:r>
-          </a:p>
-        </p:txBody>
-      </p:sp>
-      <p:sp>
-        <p:nvSpPr>
-          <p:cNvPr id="2" name="Content Placeholder 1">
-            <a:extLst>
-              <a:ext uri="{FF2B5EF4-FFF2-40B4-BE49-F238E27FC236}">
-                <a16:creationId xmlns:a16="http://schemas.microsoft.com/office/drawing/2014/main" id="{75A042B4-6EB2-4F38-8355-D92C4E4A5EF9}"/>
-              </a:ext>
-            </a:extLst>
-          </p:cNvPr>
-          <p:cNvSpPr>
-            <a:spLocks noGrp="1"/>
-          </p:cNvSpPr>
-          <p:nvPr>
-            <p:ph idx="1"/>
-          </p:nvPr>
-        </p:nvSpPr>
-        <p:spPr>
-          <a:xfrm>
-            <a:off x="290241" y="1411401"/>
-            <a:ext cx="8563518" cy="4035198"/>
-          </a:xfrm>
-        </p:spPr>
-        <p:txBody>
-          <a:bodyPr>
-            <a:normAutofit fontScale="92500" lnSpcReduction="20000"/>
-          </a:bodyPr>
-          <a:lstStyle/>
-          <a:p>
-            <a:pPr marL="27675" indent="0" algn="ctr">
-              <a:buNone/>
-            </a:pPr>
-            <a:r>
-              <a:rPr lang="en-AU" sz="3000" b="1" dirty="0">
-                <a:cs typeface="Arial" panose="020B0604020202020204" pitchFamily="34" charset="0"/>
-              </a:rPr>
-              <a:t>Commonwealth of Australia</a:t>
-            </a:r>
-          </a:p>
-          <a:p>
-            <a:pPr marL="27675" indent="0" algn="ctr">
-              <a:buNone/>
-            </a:pPr>
-            <a:endParaRPr lang="en-AU" dirty="0">
-              <a:cs typeface="Arial" panose="020B0604020202020204" pitchFamily="34" charset="0"/>
-            </a:endParaRPr>
-          </a:p>
-          <a:p>
-            <a:pPr marL="27675" indent="0" algn="ctr">
-              <a:buNone/>
-            </a:pPr>
-            <a:r>
-              <a:rPr lang="en-AU" sz="2200" dirty="0">
-                <a:cs typeface="Arial" panose="020B0604020202020204" pitchFamily="34" charset="0"/>
-              </a:rPr>
-              <a:t>Copyright Regulations 1969</a:t>
-            </a:r>
-          </a:p>
-          <a:p>
-            <a:pPr marL="27675" indent="0" algn="ctr">
-              <a:buNone/>
-            </a:pPr>
-            <a:endParaRPr lang="en-AU" sz="2200" dirty="0">
-              <a:cs typeface="Arial" panose="020B0604020202020204" pitchFamily="34" charset="0"/>
-            </a:endParaRPr>
-          </a:p>
-          <a:p>
-            <a:pPr marL="27675" indent="0" algn="ctr">
-              <a:buNone/>
-            </a:pPr>
-            <a:r>
-              <a:rPr lang="en-AU" sz="2200" dirty="0">
-                <a:cs typeface="Arial" panose="020B0604020202020204" pitchFamily="34" charset="0"/>
-              </a:rPr>
-              <a:t>WARNING</a:t>
-            </a:r>
-          </a:p>
-          <a:p>
-            <a:pPr marL="27675" indent="0" algn="ctr">
-              <a:buNone/>
-            </a:pPr>
-            <a:endParaRPr lang="en-AU" sz="2200" dirty="0">
-              <a:cs typeface="Arial" panose="020B0604020202020204" pitchFamily="34" charset="0"/>
-            </a:endParaRPr>
-          </a:p>
-          <a:p>
-            <a:pPr marL="27675" indent="0">
-              <a:buNone/>
-            </a:pPr>
-            <a:r>
-              <a:rPr lang="en-AU" sz="2200" dirty="0">
-                <a:cs typeface="Arial" panose="020B0604020202020204" pitchFamily="34" charset="0"/>
-              </a:rPr>
-              <a:t>Materials in this unit have been reproduced and communicated to you by or on behalf of The University of Western Australia pursuant to Part VB of the </a:t>
-            </a:r>
-            <a:r>
-              <a:rPr lang="en-AU" sz="2200" i="1" dirty="0">
-                <a:cs typeface="Arial" panose="020B0604020202020204" pitchFamily="34" charset="0"/>
-              </a:rPr>
-              <a:t>Copyright Act</a:t>
-            </a:r>
-            <a:r>
-              <a:rPr lang="en-AU" sz="2200" dirty="0">
-                <a:cs typeface="Arial" panose="020B0604020202020204" pitchFamily="34" charset="0"/>
-              </a:rPr>
-              <a:t>1968 (</a:t>
-            </a:r>
-            <a:r>
-              <a:rPr lang="en-AU" sz="2200" b="1" dirty="0">
-                <a:cs typeface="Arial" panose="020B0604020202020204" pitchFamily="34" charset="0"/>
-              </a:rPr>
-              <a:t>the Act</a:t>
-            </a:r>
-            <a:r>
-              <a:rPr lang="en-AU" sz="2200" dirty="0">
-                <a:cs typeface="Arial" panose="020B0604020202020204" pitchFamily="34" charset="0"/>
-              </a:rPr>
-              <a:t>).</a:t>
-            </a:r>
-          </a:p>
-          <a:p>
-            <a:pPr marL="27675" indent="0">
-              <a:buNone/>
-            </a:pPr>
-            <a:endParaRPr lang="en-AU" sz="2200" dirty="0">
-              <a:cs typeface="Arial" panose="020B0604020202020204" pitchFamily="34" charset="0"/>
-            </a:endParaRPr>
-          </a:p>
-          <a:p>
-            <a:pPr marL="27675" indent="0">
-              <a:buNone/>
-            </a:pPr>
-            <a:r>
-              <a:rPr lang="en-AU" sz="2200" dirty="0">
-                <a:cs typeface="Arial" panose="020B0604020202020204" pitchFamily="34" charset="0"/>
-              </a:rPr>
-              <a:t>The material in this communication may be subject to copyright under the Act. Any further reproduction or communication of this material by you may be the subject of copyright protection under the Act.</a:t>
-            </a:r>
-          </a:p>
-          <a:p>
-            <a:pPr marL="27675" indent="0">
-              <a:buNone/>
-            </a:pPr>
-            <a:endParaRPr lang="en-AU" dirty="0"/>
-          </a:p>
-        </p:txBody>
-      </p:sp>
-    </p:spTree>
-    <p:extLst>
-      <p:ext uri="{BB962C8B-B14F-4D97-AF65-F5344CB8AC3E}">
-        <p14:creationId xmlns:p14="http://schemas.microsoft.com/office/powerpoint/2010/main" val="2307588266"/>
-      </p:ext>
-    </p:extLst>
-  </p:cSld>
-  <p:clrMapOvr>
-    <a:masterClrMapping/>
-  </p:clrMapOvr>
-</p:sld>
-</file>
-
-<file path=ppt/slides/slide7.xml><?xml version="1.0" encoding="utf-8"?>
+<file path=ppt/slides/slide8.xml><?xml version="1.0" encoding="utf-8"?>
 <p:sld xmlns:a="http://schemas.openxmlformats.org/drawingml/2006/main" xmlns:r="http://schemas.openxmlformats.org/officeDocument/2006/relationships" xmlns:p="http://schemas.openxmlformats.org/presentationml/2006/main">
   <p:cSld>
     <p:spTree>
@@ -35058,7 +35602,7 @@
 </p:sld>
 </file>
 
-<file path=ppt/slides/slide8.xml><?xml version="1.0" encoding="utf-8"?>
+<file path=ppt/slides/slide9.xml><?xml version="1.0" encoding="utf-8"?>
 <p:sld xmlns:a="http://schemas.openxmlformats.org/drawingml/2006/main" xmlns:r="http://schemas.openxmlformats.org/officeDocument/2006/relationships" xmlns:p="http://schemas.openxmlformats.org/presentationml/2006/main">
   <p:cSld>
     <p:spTree>
@@ -35109,66 +35653,6 @@
     <p:extLst>
       <p:ext uri="{BB962C8B-B14F-4D97-AF65-F5344CB8AC3E}">
         <p14:creationId xmlns:p14="http://schemas.microsoft.com/office/powerpoint/2010/main" val="2158305654"/>
-      </p:ext>
-    </p:extLst>
-  </p:cSld>
-  <p:clrMapOvr>
-    <a:masterClrMapping/>
-  </p:clrMapOvr>
-</p:sld>
-</file>
-
-<file path=ppt/slides/slide9.xml><?xml version="1.0" encoding="utf-8"?>
-<p:sld xmlns:a="http://schemas.openxmlformats.org/drawingml/2006/main" xmlns:r="http://schemas.openxmlformats.org/officeDocument/2006/relationships" xmlns:p="http://schemas.openxmlformats.org/presentationml/2006/main">
-  <p:cSld>
-    <p:spTree>
-      <p:nvGrpSpPr>
-        <p:cNvPr id="1" name=""/>
-        <p:cNvGrpSpPr/>
-        <p:nvPr/>
-      </p:nvGrpSpPr>
-      <p:grpSpPr>
-        <a:xfrm>
-          <a:off x="0" y="0"/>
-          <a:ext cx="0" cy="0"/>
-          <a:chOff x="0" y="0"/>
-          <a:chExt cx="0" cy="0"/>
-        </a:xfrm>
-      </p:grpSpPr>
-      <p:pic>
-        <p:nvPicPr>
-          <p:cNvPr id="7" name="Picture 6">
-            <a:extLst>
-              <a:ext uri="{FF2B5EF4-FFF2-40B4-BE49-F238E27FC236}">
-                <a16:creationId xmlns:a16="http://schemas.microsoft.com/office/drawing/2014/main" id="{8315676F-44F3-4F0B-9E9F-723A549E6B82}"/>
-              </a:ext>
-            </a:extLst>
-          </p:cNvPr>
-          <p:cNvPicPr>
-            <a:picLocks noChangeAspect="1"/>
-          </p:cNvPicPr>
-          <p:nvPr/>
-        </p:nvPicPr>
-        <p:blipFill>
-          <a:blip r:embed="rId3"/>
-          <a:stretch>
-            <a:fillRect/>
-          </a:stretch>
-        </p:blipFill>
-        <p:spPr>
-          <a:xfrm>
-            <a:off x="1028205" y="966444"/>
-            <a:ext cx="7087589" cy="4925112"/>
-          </a:xfrm>
-          <a:prstGeom prst="rect">
-            <a:avLst/>
-          </a:prstGeom>
-        </p:spPr>
-      </p:pic>
-    </p:spTree>
-    <p:extLst>
-      <p:ext uri="{BB962C8B-B14F-4D97-AF65-F5344CB8AC3E}">
-        <p14:creationId xmlns:p14="http://schemas.microsoft.com/office/powerpoint/2010/main" val="923056585"/>
       </p:ext>
     </p:extLst>
   </p:cSld>

--- a/Lectures2024/CITS5503CloudComputingIntro_week1.pptx
+++ b/Lectures2024/CITS5503CloudComputingIntro_week1.pptx
@@ -296,7 +296,7 @@
   <pc:docChgLst>
     <pc:chgData name="张 智" userId="36bdf691fd3510be" providerId="LiveId" clId="{D05EFBDE-8E17-4BF0-9C9C-A20410AB5915}"/>
     <pc:docChg chg="undo custSel addSld delSld modSld sldOrd">
-      <pc:chgData name="张 智" userId="36bdf691fd3510be" providerId="LiveId" clId="{D05EFBDE-8E17-4BF0-9C9C-A20410AB5915}" dt="2024-07-22T15:11:33.234" v="5710" actId="20577"/>
+      <pc:chgData name="张 智" userId="36bdf691fd3510be" providerId="LiveId" clId="{D05EFBDE-8E17-4BF0-9C9C-A20410AB5915}" dt="2024-07-23T02:52:32.444" v="7638" actId="20577"/>
       <pc:docMkLst>
         <pc:docMk/>
       </pc:docMkLst>
@@ -322,6 +322,20 @@
           </ac:spMkLst>
         </pc:spChg>
       </pc:sldChg>
+      <pc:sldChg chg="modNotesTx">
+        <pc:chgData name="张 智" userId="36bdf691fd3510be" providerId="LiveId" clId="{D05EFBDE-8E17-4BF0-9C9C-A20410AB5915}" dt="2024-07-23T02:52:32.444" v="7638" actId="20577"/>
+        <pc:sldMkLst>
+          <pc:docMk/>
+          <pc:sldMk cId="1068746973" sldId="268"/>
+        </pc:sldMkLst>
+      </pc:sldChg>
+      <pc:sldChg chg="modNotesTx">
+        <pc:chgData name="张 智" userId="36bdf691fd3510be" providerId="LiveId" clId="{D05EFBDE-8E17-4BF0-9C9C-A20410AB5915}" dt="2024-07-23T02:16:35.110" v="5956" actId="20577"/>
+        <pc:sldMkLst>
+          <pc:docMk/>
+          <pc:sldMk cId="0" sldId="270"/>
+        </pc:sldMkLst>
+      </pc:sldChg>
       <pc:sldChg chg="modSp mod modNotesTx">
         <pc:chgData name="张 智" userId="36bdf691fd3510be" providerId="LiveId" clId="{D05EFBDE-8E17-4BF0-9C9C-A20410AB5915}" dt="2024-07-22T14:50:54.436" v="5483" actId="20577"/>
         <pc:sldMkLst>
@@ -352,6 +366,13 @@
           </ac:spMkLst>
         </pc:spChg>
       </pc:sldChg>
+      <pc:sldChg chg="modNotesTx">
+        <pc:chgData name="张 智" userId="36bdf691fd3510be" providerId="LiveId" clId="{D05EFBDE-8E17-4BF0-9C9C-A20410AB5915}" dt="2024-07-23T02:18:35.643" v="6185" actId="313"/>
+        <pc:sldMkLst>
+          <pc:docMk/>
+          <pc:sldMk cId="0" sldId="275"/>
+        </pc:sldMkLst>
+      </pc:sldChg>
       <pc:sldChg chg="addSp delSp modSp mod modNotesTx">
         <pc:chgData name="张 智" userId="36bdf691fd3510be" providerId="LiveId" clId="{D05EFBDE-8E17-4BF0-9C9C-A20410AB5915}" dt="2024-07-22T14:39:28.477" v="5201" actId="20577"/>
         <pc:sldMkLst>
@@ -526,6 +547,64 @@
             <ac:picMk id="25" creationId="{91E09107-2177-456B-8715-7A9E8A90A769}"/>
           </ac:picMkLst>
         </pc:picChg>
+      </pc:sldChg>
+      <pc:sldChg chg="modSp mod modNotesTx">
+        <pc:chgData name="张 智" userId="36bdf691fd3510be" providerId="LiveId" clId="{D05EFBDE-8E17-4BF0-9C9C-A20410AB5915}" dt="2024-07-23T02:34:24.141" v="7038" actId="20577"/>
+        <pc:sldMkLst>
+          <pc:docMk/>
+          <pc:sldMk cId="0" sldId="287"/>
+        </pc:sldMkLst>
+        <pc:spChg chg="mod">
+          <ac:chgData name="张 智" userId="36bdf691fd3510be" providerId="LiveId" clId="{D05EFBDE-8E17-4BF0-9C9C-A20410AB5915}" dt="2024-07-23T02:34:04.809" v="7027" actId="20577"/>
+          <ac:spMkLst>
+            <pc:docMk/>
+            <pc:sldMk cId="0" sldId="287"/>
+            <ac:spMk id="396" creationId="{00000000-0000-0000-0000-000000000000}"/>
+          </ac:spMkLst>
+        </pc:spChg>
+      </pc:sldChg>
+      <pc:sldChg chg="modNotesTx">
+        <pc:chgData name="张 智" userId="36bdf691fd3510be" providerId="LiveId" clId="{D05EFBDE-8E17-4BF0-9C9C-A20410AB5915}" dt="2024-07-23T02:02:47.881" v="5771" actId="20577"/>
+        <pc:sldMkLst>
+          <pc:docMk/>
+          <pc:sldMk cId="2725329858" sldId="288"/>
+        </pc:sldMkLst>
+      </pc:sldChg>
+      <pc:sldChg chg="modNotesTx">
+        <pc:chgData name="张 智" userId="36bdf691fd3510be" providerId="LiveId" clId="{D05EFBDE-8E17-4BF0-9C9C-A20410AB5915}" dt="2024-07-23T02:08:23.898" v="5850" actId="20577"/>
+        <pc:sldMkLst>
+          <pc:docMk/>
+          <pc:sldMk cId="23196158" sldId="290"/>
+        </pc:sldMkLst>
+      </pc:sldChg>
+      <pc:sldChg chg="modSp mod">
+        <pc:chgData name="张 智" userId="36bdf691fd3510be" providerId="LiveId" clId="{D05EFBDE-8E17-4BF0-9C9C-A20410AB5915}" dt="2024-07-23T02:36:43.080" v="7047" actId="5793"/>
+        <pc:sldMkLst>
+          <pc:docMk/>
+          <pc:sldMk cId="1580396754" sldId="291"/>
+        </pc:sldMkLst>
+        <pc:spChg chg="mod">
+          <ac:chgData name="张 智" userId="36bdf691fd3510be" providerId="LiveId" clId="{D05EFBDE-8E17-4BF0-9C9C-A20410AB5915}" dt="2024-07-23T02:36:43.080" v="7047" actId="5793"/>
+          <ac:spMkLst>
+            <pc:docMk/>
+            <pc:sldMk cId="1580396754" sldId="291"/>
+            <ac:spMk id="423" creationId="{00000000-0000-0000-0000-000000000000}"/>
+          </ac:spMkLst>
+        </pc:spChg>
+      </pc:sldChg>
+      <pc:sldChg chg="modNotesTx">
+        <pc:chgData name="张 智" userId="36bdf691fd3510be" providerId="LiveId" clId="{D05EFBDE-8E17-4BF0-9C9C-A20410AB5915}" dt="2024-07-23T02:38:22.888" v="7149" actId="20577"/>
+        <pc:sldMkLst>
+          <pc:docMk/>
+          <pc:sldMk cId="0" sldId="299"/>
+        </pc:sldMkLst>
+      </pc:sldChg>
+      <pc:sldChg chg="modNotesTx">
+        <pc:chgData name="张 智" userId="36bdf691fd3510be" providerId="LiveId" clId="{D05EFBDE-8E17-4BF0-9C9C-A20410AB5915}" dt="2024-07-23T02:39:43.351" v="7182" actId="20577"/>
+        <pc:sldMkLst>
+          <pc:docMk/>
+          <pc:sldMk cId="0" sldId="302"/>
+        </pc:sldMkLst>
       </pc:sldChg>
       <pc:sldChg chg="modSp mod modNotesTx">
         <pc:chgData name="张 智" userId="36bdf691fd3510be" providerId="LiveId" clId="{D05EFBDE-8E17-4BF0-9C9C-A20410AB5915}" dt="2024-07-22T14:40:23.173" v="5202" actId="20577"/>
@@ -768,7 +847,7 @@
         </pc:spChg>
       </pc:sldChg>
       <pc:sldChg chg="modSp mod modNotesTx">
-        <pc:chgData name="张 智" userId="36bdf691fd3510be" providerId="LiveId" clId="{D05EFBDE-8E17-4BF0-9C9C-A20410AB5915}" dt="2024-07-22T08:22:02.518" v="4491" actId="20577"/>
+        <pc:chgData name="张 智" userId="36bdf691fd3510be" providerId="LiveId" clId="{D05EFBDE-8E17-4BF0-9C9C-A20410AB5915}" dt="2024-07-23T02:41:36.504" v="7187" actId="20577"/>
         <pc:sldMkLst>
           <pc:docMk/>
           <pc:sldMk cId="1239153211" sldId="490"/>
@@ -1065,6 +1144,80 @@
             <ac:picMk id="7" creationId="{D83EF22A-4C53-486E-979E-B2316E166363}"/>
           </ac:picMkLst>
         </pc:picChg>
+      </pc:sldChg>
+      <pc:sldChg chg="modNotesTx">
+        <pc:chgData name="张 智" userId="36bdf691fd3510be" providerId="LiveId" clId="{D05EFBDE-8E17-4BF0-9C9C-A20410AB5915}" dt="2024-07-23T02:21:52.486" v="6263" actId="20577"/>
+        <pc:sldMkLst>
+          <pc:docMk/>
+          <pc:sldMk cId="1544810827" sldId="1363"/>
+        </pc:sldMkLst>
+      </pc:sldChg>
+      <pc:sldChg chg="modSp mod modNotesTx">
+        <pc:chgData name="张 智" userId="36bdf691fd3510be" providerId="LiveId" clId="{D05EFBDE-8E17-4BF0-9C9C-A20410AB5915}" dt="2024-07-23T02:10:16.460" v="5873" actId="20577"/>
+        <pc:sldMkLst>
+          <pc:docMk/>
+          <pc:sldMk cId="1485512427" sldId="1365"/>
+        </pc:sldMkLst>
+        <pc:spChg chg="mod">
+          <ac:chgData name="张 智" userId="36bdf691fd3510be" providerId="LiveId" clId="{D05EFBDE-8E17-4BF0-9C9C-A20410AB5915}" dt="2024-07-23T02:08:56.939" v="5852" actId="113"/>
+          <ac:spMkLst>
+            <pc:docMk/>
+            <pc:sldMk cId="1485512427" sldId="1365"/>
+            <ac:spMk id="418" creationId="{00000000-0000-0000-0000-000000000000}"/>
+          </ac:spMkLst>
+        </pc:spChg>
+      </pc:sldChg>
+      <pc:sldChg chg="modSp mod">
+        <pc:chgData name="张 智" userId="36bdf691fd3510be" providerId="LiveId" clId="{D05EFBDE-8E17-4BF0-9C9C-A20410AB5915}" dt="2024-07-23T02:09:07.676" v="5854" actId="113"/>
+        <pc:sldMkLst>
+          <pc:docMk/>
+          <pc:sldMk cId="2576467602" sldId="1366"/>
+        </pc:sldMkLst>
+        <pc:spChg chg="mod">
+          <ac:chgData name="张 智" userId="36bdf691fd3510be" providerId="LiveId" clId="{D05EFBDE-8E17-4BF0-9C9C-A20410AB5915}" dt="2024-07-23T02:09:07.676" v="5854" actId="113"/>
+          <ac:spMkLst>
+            <pc:docMk/>
+            <pc:sldMk cId="2576467602" sldId="1366"/>
+            <ac:spMk id="418" creationId="{00000000-0000-0000-0000-000000000000}"/>
+          </ac:spMkLst>
+        </pc:spChg>
+      </pc:sldChg>
+      <pc:sldChg chg="modSp mod">
+        <pc:chgData name="张 智" userId="36bdf691fd3510be" providerId="LiveId" clId="{D05EFBDE-8E17-4BF0-9C9C-A20410AB5915}" dt="2024-07-23T02:12:20.371" v="5874" actId="113"/>
+        <pc:sldMkLst>
+          <pc:docMk/>
+          <pc:sldMk cId="600696832" sldId="1367"/>
+        </pc:sldMkLst>
+        <pc:spChg chg="mod">
+          <ac:chgData name="张 智" userId="36bdf691fd3510be" providerId="LiveId" clId="{D05EFBDE-8E17-4BF0-9C9C-A20410AB5915}" dt="2024-07-23T02:12:20.371" v="5874" actId="113"/>
+          <ac:spMkLst>
+            <pc:docMk/>
+            <pc:sldMk cId="600696832" sldId="1367"/>
+            <ac:spMk id="418" creationId="{00000000-0000-0000-0000-000000000000}"/>
+          </ac:spMkLst>
+        </pc:spChg>
+      </pc:sldChg>
+      <pc:sldChg chg="modNotesTx">
+        <pc:chgData name="张 智" userId="36bdf691fd3510be" providerId="LiveId" clId="{D05EFBDE-8E17-4BF0-9C9C-A20410AB5915}" dt="2024-07-23T02:51:12.232" v="7633" actId="20577"/>
+        <pc:sldMkLst>
+          <pc:docMk/>
+          <pc:sldMk cId="3650811177" sldId="1371"/>
+        </pc:sldMkLst>
+      </pc:sldChg>
+      <pc:sldChg chg="modSp mod modNotesTx">
+        <pc:chgData name="张 智" userId="36bdf691fd3510be" providerId="LiveId" clId="{D05EFBDE-8E17-4BF0-9C9C-A20410AB5915}" dt="2024-07-23T02:45:07.476" v="7279" actId="20577"/>
+        <pc:sldMkLst>
+          <pc:docMk/>
+          <pc:sldMk cId="892066738" sldId="1373"/>
+        </pc:sldMkLst>
+        <pc:spChg chg="mod">
+          <ac:chgData name="张 智" userId="36bdf691fd3510be" providerId="LiveId" clId="{D05EFBDE-8E17-4BF0-9C9C-A20410AB5915}" dt="2024-07-23T02:44:19.790" v="7188" actId="20577"/>
+          <ac:spMkLst>
+            <pc:docMk/>
+            <pc:sldMk cId="892066738" sldId="1373"/>
+            <ac:spMk id="7" creationId="{85F180D1-C7EF-4A34-96CA-73A86A26F467}"/>
+          </ac:spMkLst>
+        </pc:spChg>
       </pc:sldChg>
       <pc:sldChg chg="add del">
         <pc:chgData name="张 智" userId="36bdf691fd3510be" providerId="LiveId" clId="{D05EFBDE-8E17-4BF0-9C9C-A20410AB5915}" dt="2024-07-17T04:48:20.721" v="669"/>
@@ -16113,7 +16266,7 @@
           <a:noFill/>
           <a:extLst>
             <a:ext uri="{909E8E84-426E-40dd-AFC4-6F175D3DCCD1}">
-              <a14:hiddenFill xmlns:a14="http://schemas.microsoft.com/office/drawing/2010/main" xmlns="">
+              <a14:hiddenFill xmlns="" xmlns:a14="http://schemas.microsoft.com/office/drawing/2010/main">
                 <a:solidFill>
                   <a:srgbClr val="FFFFFF"/>
                 </a:solidFill>
@@ -16523,7 +16676,7 @@
           <a:noFill/>
           <a:extLst>
             <a:ext uri="{909E8E84-426E-40dd-AFC4-6F175D3DCCD1}">
-              <a14:hiddenFill xmlns:a14="http://schemas.microsoft.com/office/drawing/2010/main" xmlns="">
+              <a14:hiddenFill xmlns="" xmlns:a14="http://schemas.microsoft.com/office/drawing/2010/main">
                 <a:solidFill>
                   <a:srgbClr val="FFFFFF"/>
                 </a:solidFill>
@@ -16570,7 +16723,7 @@
           <a:noFill/>
           <a:extLst>
             <a:ext uri="{909E8E84-426E-40dd-AFC4-6F175D3DCCD1}">
-              <a14:hiddenFill xmlns:a14="http://schemas.microsoft.com/office/drawing/2010/main" xmlns="">
+              <a14:hiddenFill xmlns="" xmlns:a14="http://schemas.microsoft.com/office/drawing/2010/main">
                 <a:solidFill>
                   <a:srgbClr val="FFFFFF"/>
                 </a:solidFill>
@@ -16617,7 +16770,7 @@
           <a:noFill/>
           <a:extLst>
             <a:ext uri="{909E8E84-426E-40dd-AFC4-6F175D3DCCD1}">
-              <a14:hiddenFill xmlns:a14="http://schemas.microsoft.com/office/drawing/2010/main" xmlns="">
+              <a14:hiddenFill xmlns="" xmlns:a14="http://schemas.microsoft.com/office/drawing/2010/main">
                 <a:solidFill>
                   <a:srgbClr val="FFFFFF"/>
                 </a:solidFill>
@@ -16664,7 +16817,7 @@
           <a:noFill/>
           <a:extLst>
             <a:ext uri="{909E8E84-426E-40dd-AFC4-6F175D3DCCD1}">
-              <a14:hiddenFill xmlns:a14="http://schemas.microsoft.com/office/drawing/2010/main" xmlns="">
+              <a14:hiddenFill xmlns="" xmlns:a14="http://schemas.microsoft.com/office/drawing/2010/main">
                 <a:solidFill>
                   <a:srgbClr val="FFFFFF"/>
                 </a:solidFill>
@@ -16711,7 +16864,7 @@
           <a:noFill/>
           <a:extLst>
             <a:ext uri="{909E8E84-426E-40dd-AFC4-6F175D3DCCD1}">
-              <a14:hiddenFill xmlns:a14="http://schemas.microsoft.com/office/drawing/2010/main" xmlns="">
+              <a14:hiddenFill xmlns="" xmlns:a14="http://schemas.microsoft.com/office/drawing/2010/main">
                 <a:solidFill>
                   <a:srgbClr val="FFFFFF"/>
                 </a:solidFill>
@@ -21135,7 +21288,7 @@
           </a:ln>
           <a:extLst>
             <a:ext uri="{C572A759-6A51-4108-AA02-DFA0A04FC94B}">
-              <ma14:wrappingTextBoxFlag xmlns:ma14="http://schemas.microsoft.com/office/mac/drawingml/2011/main" xmlns:a14="http://schemas.microsoft.com/office/drawing/2010/main" xmlns:m="http://schemas.openxmlformats.org/officeDocument/2006/math" xmlns="" val="1"/>
+              <ma14:wrappingTextBoxFlag xmlns="" xmlns:m="http://schemas.openxmlformats.org/officeDocument/2006/math" xmlns:a14="http://schemas.microsoft.com/office/drawing/2010/main" xmlns:ma14="http://schemas.microsoft.com/office/mac/drawingml/2011/main" val="1"/>
             </a:ext>
           </a:extLst>
         </p:spPr>
@@ -21704,7 +21857,7 @@
           </a:ln>
           <a:extLst>
             <a:ext uri="{C572A759-6A51-4108-AA02-DFA0A04FC94B}">
-              <ma14:wrappingTextBoxFlag xmlns:ma14="http://schemas.microsoft.com/office/mac/drawingml/2011/main" xmlns:a14="http://schemas.microsoft.com/office/drawing/2010/main" xmlns:m="http://schemas.openxmlformats.org/officeDocument/2006/math" xmlns="" val="1"/>
+              <ma14:wrappingTextBoxFlag xmlns="" xmlns:m="http://schemas.openxmlformats.org/officeDocument/2006/math" xmlns:a14="http://schemas.microsoft.com/office/drawing/2010/main" xmlns:ma14="http://schemas.microsoft.com/office/mac/drawingml/2011/main" val="1"/>
             </a:ext>
           </a:extLst>
         </p:spPr>
@@ -21960,10 +22113,10 @@
               <a:defRPr sz="2200"/>
             </a:pPr>
             <a:r>
-              <a:rPr sz="2000" dirty="0"/>
+              <a:rPr sz="2000" b="1" dirty="0"/>
               <a:t>On-demand self service</a:t>
             </a:r>
-            <a:endParaRPr lang="en-AU" sz="2000" dirty="0"/>
+            <a:endParaRPr lang="en-AU" sz="2000" b="1" dirty="0"/>
           </a:p>
           <a:p>
             <a:pPr lvl="2">
@@ -21986,10 +22139,10 @@
               <a:defRPr sz="2200"/>
             </a:pPr>
             <a:r>
-              <a:rPr sz="2000" dirty="0"/>
+              <a:rPr sz="2000" b="1" dirty="0"/>
               <a:t>Broad network access</a:t>
             </a:r>
-            <a:endParaRPr lang="en-AU" sz="2000" dirty="0"/>
+            <a:endParaRPr lang="en-AU" sz="2000" b="1" dirty="0"/>
           </a:p>
           <a:p>
             <a:pPr lvl="2">
@@ -22034,7 +22187,7 @@
           </a:ln>
           <a:extLst>
             <a:ext uri="{C572A759-6A51-4108-AA02-DFA0A04FC94B}">
-              <ma14:wrappingTextBoxFlag xmlns:ma14="http://schemas.microsoft.com/office/mac/drawingml/2011/main" xmlns:a14="http://schemas.microsoft.com/office/drawing/2010/main" xmlns:m="http://schemas.openxmlformats.org/officeDocument/2006/math" xmlns="" val="1"/>
+              <ma14:wrappingTextBoxFlag xmlns="" xmlns:m="http://schemas.openxmlformats.org/officeDocument/2006/math" xmlns:a14="http://schemas.microsoft.com/office/drawing/2010/main" xmlns:ma14="http://schemas.microsoft.com/office/mac/drawingml/2011/main" val="1"/>
             </a:ext>
           </a:extLst>
         </p:spPr>
@@ -22314,10 +22467,10 @@
               <a:defRPr sz="2200"/>
             </a:pPr>
             <a:r>
-              <a:rPr sz="2000" dirty="0"/>
+              <a:rPr sz="2000" b="1" dirty="0"/>
               <a:t>Resource pooling</a:t>
             </a:r>
-            <a:endParaRPr lang="en-AU" sz="2000" dirty="0"/>
+            <a:endParaRPr lang="en-AU" sz="2000" b="1" dirty="0"/>
           </a:p>
           <a:p>
             <a:pPr lvl="2">
@@ -22340,7 +22493,7 @@
               <a:defRPr sz="2200"/>
             </a:pPr>
             <a:r>
-              <a:rPr sz="2000" dirty="0"/>
+              <a:rPr sz="2000" b="1" dirty="0"/>
               <a:t>Rapid elasticity</a:t>
             </a:r>
           </a:p>
@@ -22378,7 +22531,7 @@
           </a:ln>
           <a:extLst>
             <a:ext uri="{C572A759-6A51-4108-AA02-DFA0A04FC94B}">
-              <ma14:wrappingTextBoxFlag xmlns:ma14="http://schemas.microsoft.com/office/mac/drawingml/2011/main" xmlns:a14="http://schemas.microsoft.com/office/drawing/2010/main" xmlns:m="http://schemas.openxmlformats.org/officeDocument/2006/math" xmlns="" val="1"/>
+              <ma14:wrappingTextBoxFlag xmlns="" xmlns:m="http://schemas.openxmlformats.org/officeDocument/2006/math" xmlns:a14="http://schemas.microsoft.com/office/drawing/2010/main" xmlns:ma14="http://schemas.microsoft.com/office/mac/drawingml/2011/main" val="1"/>
             </a:ext>
           </a:extLst>
         </p:spPr>
@@ -22685,10 +22838,10 @@
               <a:defRPr sz="2200"/>
             </a:pPr>
             <a:r>
-              <a:rPr sz="2000" dirty="0"/>
+              <a:rPr sz="2000" b="1" dirty="0"/>
               <a:t>Measured service</a:t>
             </a:r>
-            <a:endParaRPr lang="en-AU" sz="2000" dirty="0"/>
+            <a:endParaRPr lang="en-AU" sz="2000" b="1" dirty="0"/>
           </a:p>
           <a:p>
             <a:pPr lvl="2">
@@ -22733,7 +22886,7 @@
           </a:ln>
           <a:extLst>
             <a:ext uri="{C572A759-6A51-4108-AA02-DFA0A04FC94B}">
-              <ma14:wrappingTextBoxFlag xmlns:ma14="http://schemas.microsoft.com/office/mac/drawingml/2011/main" xmlns:a14="http://schemas.microsoft.com/office/drawing/2010/main" xmlns:m="http://schemas.openxmlformats.org/officeDocument/2006/math" xmlns="" val="1"/>
+              <ma14:wrappingTextBoxFlag xmlns="" xmlns:m="http://schemas.openxmlformats.org/officeDocument/2006/math" xmlns:a14="http://schemas.microsoft.com/office/drawing/2010/main" xmlns:ma14="http://schemas.microsoft.com/office/mac/drawingml/2011/main" val="1"/>
             </a:ext>
           </a:extLst>
         </p:spPr>
@@ -23096,7 +23249,7 @@
           </a:ln>
           <a:extLst>
             <a:ext uri="{C572A759-6A51-4108-AA02-DFA0A04FC94B}">
-              <ma14:wrappingTextBoxFlag xmlns:ma14="http://schemas.microsoft.com/office/mac/drawingml/2011/main" xmlns:a14="http://schemas.microsoft.com/office/drawing/2010/main" xmlns:m="http://schemas.openxmlformats.org/officeDocument/2006/math" xmlns="" val="1"/>
+              <ma14:wrappingTextBoxFlag xmlns="" xmlns:m="http://schemas.openxmlformats.org/officeDocument/2006/math" xmlns:a14="http://schemas.microsoft.com/office/drawing/2010/main" xmlns:ma14="http://schemas.microsoft.com/office/mac/drawingml/2011/main" val="1"/>
             </a:ext>
           </a:extLst>
         </p:spPr>
@@ -23144,7 +23297,7 @@
           </a:ln>
           <a:extLst>
             <a:ext uri="{C572A759-6A51-4108-AA02-DFA0A04FC94B}">
-              <ma14:wrappingTextBoxFlag xmlns:ma14="http://schemas.microsoft.com/office/mac/drawingml/2011/main" xmlns:a14="http://schemas.microsoft.com/office/drawing/2010/main" xmlns:m="http://schemas.openxmlformats.org/officeDocument/2006/math" xmlns="" val="1"/>
+              <ma14:wrappingTextBoxFlag xmlns="" xmlns:m="http://schemas.openxmlformats.org/officeDocument/2006/math" xmlns:a14="http://schemas.microsoft.com/office/drawing/2010/main" xmlns:ma14="http://schemas.microsoft.com/office/mac/drawingml/2011/main" val="1"/>
             </a:ext>
           </a:extLst>
         </p:spPr>
@@ -23192,7 +23345,7 @@
           </a:ln>
           <a:extLst>
             <a:ext uri="{C572A759-6A51-4108-AA02-DFA0A04FC94B}">
-              <ma14:wrappingTextBoxFlag xmlns:ma14="http://schemas.microsoft.com/office/mac/drawingml/2011/main" xmlns:a14="http://schemas.microsoft.com/office/drawing/2010/main" xmlns:m="http://schemas.openxmlformats.org/officeDocument/2006/math" xmlns="" val="1"/>
+              <ma14:wrappingTextBoxFlag xmlns="" xmlns:m="http://schemas.openxmlformats.org/officeDocument/2006/math" xmlns:a14="http://schemas.microsoft.com/office/drawing/2010/main" xmlns:ma14="http://schemas.microsoft.com/office/mac/drawingml/2011/main" val="1"/>
             </a:ext>
           </a:extLst>
         </p:spPr>
@@ -23664,7 +23817,7 @@
           </a:ln>
           <a:extLst>
             <a:ext uri="{C572A759-6A51-4108-AA02-DFA0A04FC94B}">
-              <ma14:wrappingTextBoxFlag xmlns:ma14="http://schemas.microsoft.com/office/mac/drawingml/2011/main" xmlns:a14="http://schemas.microsoft.com/office/drawing/2010/main" xmlns:m="http://schemas.openxmlformats.org/officeDocument/2006/math" xmlns="" val="1"/>
+              <ma14:wrappingTextBoxFlag xmlns="" xmlns:m="http://schemas.openxmlformats.org/officeDocument/2006/math" xmlns:a14="http://schemas.microsoft.com/office/drawing/2010/main" xmlns:ma14="http://schemas.microsoft.com/office/mac/drawingml/2011/main" val="1"/>
             </a:ext>
           </a:extLst>
         </p:spPr>
@@ -23730,7 +23883,7 @@
           </a:ln>
           <a:extLst>
             <a:ext uri="{C572A759-6A51-4108-AA02-DFA0A04FC94B}">
-              <ma14:wrappingTextBoxFlag xmlns:ma14="http://schemas.microsoft.com/office/mac/drawingml/2011/main" xmlns:a14="http://schemas.microsoft.com/office/drawing/2010/main" xmlns:m="http://schemas.openxmlformats.org/officeDocument/2006/math" xmlns="" val="1"/>
+              <ma14:wrappingTextBoxFlag xmlns="" xmlns:m="http://schemas.openxmlformats.org/officeDocument/2006/math" xmlns:a14="http://schemas.microsoft.com/office/drawing/2010/main" xmlns:ma14="http://schemas.microsoft.com/office/mac/drawingml/2011/main" val="1"/>
             </a:ext>
           </a:extLst>
         </p:spPr>
@@ -23810,7 +23963,7 @@
           </a:ln>
           <a:extLst>
             <a:ext uri="{C572A759-6A51-4108-AA02-DFA0A04FC94B}">
-              <ma14:wrappingTextBoxFlag xmlns:ma14="http://schemas.microsoft.com/office/mac/drawingml/2011/main" xmlns:a14="http://schemas.microsoft.com/office/drawing/2010/main" xmlns:m="http://schemas.openxmlformats.org/officeDocument/2006/math" xmlns="" val="1"/>
+              <ma14:wrappingTextBoxFlag xmlns="" xmlns:m="http://schemas.openxmlformats.org/officeDocument/2006/math" xmlns:a14="http://schemas.microsoft.com/office/drawing/2010/main" xmlns:ma14="http://schemas.microsoft.com/office/mac/drawingml/2011/main" val="1"/>
             </a:ext>
           </a:extLst>
         </p:spPr>
@@ -23895,7 +24048,7 @@
           </a:ln>
           <a:extLst>
             <a:ext uri="{C572A759-6A51-4108-AA02-DFA0A04FC94B}">
-              <ma14:wrappingTextBoxFlag xmlns:ma14="http://schemas.microsoft.com/office/mac/drawingml/2011/main" xmlns:a14="http://schemas.microsoft.com/office/drawing/2010/main" xmlns:m="http://schemas.openxmlformats.org/officeDocument/2006/math" xmlns="" val="1"/>
+              <ma14:wrappingTextBoxFlag xmlns="" xmlns:m="http://schemas.openxmlformats.org/officeDocument/2006/math" xmlns:a14="http://schemas.microsoft.com/office/drawing/2010/main" xmlns:ma14="http://schemas.microsoft.com/office/mac/drawingml/2011/main" val="1"/>
             </a:ext>
           </a:extLst>
         </p:spPr>
@@ -24725,7 +24878,7 @@
           </a:ln>
           <a:extLst>
             <a:ext uri="{C572A759-6A51-4108-AA02-DFA0A04FC94B}">
-              <ma14:wrappingTextBoxFlag xmlns:ma14="http://schemas.microsoft.com/office/mac/drawingml/2011/main" xmlns:a14="http://schemas.microsoft.com/office/drawing/2010/main" xmlns:m="http://schemas.openxmlformats.org/officeDocument/2006/math" xmlns="" val="1"/>
+              <ma14:wrappingTextBoxFlag xmlns="" xmlns:m="http://schemas.openxmlformats.org/officeDocument/2006/math" xmlns:a14="http://schemas.microsoft.com/office/drawing/2010/main" xmlns:ma14="http://schemas.microsoft.com/office/mac/drawingml/2011/main" val="1"/>
             </a:ext>
           </a:extLst>
         </p:spPr>
@@ -24773,7 +24926,7 @@
           </a:ln>
           <a:extLst>
             <a:ext uri="{C572A759-6A51-4108-AA02-DFA0A04FC94B}">
-              <ma14:wrappingTextBoxFlag xmlns:ma14="http://schemas.microsoft.com/office/mac/drawingml/2011/main" xmlns:a14="http://schemas.microsoft.com/office/drawing/2010/main" xmlns:m="http://schemas.openxmlformats.org/officeDocument/2006/math" xmlns="" val="1"/>
+              <ma14:wrappingTextBoxFlag xmlns="" xmlns:m="http://schemas.openxmlformats.org/officeDocument/2006/math" xmlns:a14="http://schemas.microsoft.com/office/drawing/2010/main" xmlns:ma14="http://schemas.microsoft.com/office/mac/drawingml/2011/main" val="1"/>
             </a:ext>
           </a:extLst>
         </p:spPr>
@@ -24821,7 +24974,7 @@
           </a:ln>
           <a:extLst>
             <a:ext uri="{C572A759-6A51-4108-AA02-DFA0A04FC94B}">
-              <ma14:wrappingTextBoxFlag xmlns:ma14="http://schemas.microsoft.com/office/mac/drawingml/2011/main" xmlns:a14="http://schemas.microsoft.com/office/drawing/2010/main" xmlns:m="http://schemas.openxmlformats.org/officeDocument/2006/math" xmlns="" val="1"/>
+              <ma14:wrappingTextBoxFlag xmlns="" xmlns:m="http://schemas.openxmlformats.org/officeDocument/2006/math" xmlns:a14="http://schemas.microsoft.com/office/drawing/2010/main" xmlns:ma14="http://schemas.microsoft.com/office/mac/drawingml/2011/main" val="1"/>
             </a:ext>
           </a:extLst>
         </p:spPr>
@@ -24869,7 +25022,7 @@
           </a:ln>
           <a:extLst>
             <a:ext uri="{C572A759-6A51-4108-AA02-DFA0A04FC94B}">
-              <ma14:wrappingTextBoxFlag xmlns:ma14="http://schemas.microsoft.com/office/mac/drawingml/2011/main" xmlns:a14="http://schemas.microsoft.com/office/drawing/2010/main" xmlns:m="http://schemas.openxmlformats.org/officeDocument/2006/math" xmlns="" val="1"/>
+              <ma14:wrappingTextBoxFlag xmlns="" xmlns:m="http://schemas.openxmlformats.org/officeDocument/2006/math" xmlns:a14="http://schemas.microsoft.com/office/drawing/2010/main" xmlns:ma14="http://schemas.microsoft.com/office/mac/drawingml/2011/main" val="1"/>
             </a:ext>
           </a:extLst>
         </p:spPr>
@@ -25169,7 +25322,7 @@
           </a:ln>
           <a:extLst>
             <a:ext uri="{C572A759-6A51-4108-AA02-DFA0A04FC94B}">
-              <ma14:wrappingTextBoxFlag xmlns:ma14="http://schemas.microsoft.com/office/mac/drawingml/2011/main" xmlns:a14="http://schemas.microsoft.com/office/drawing/2010/main" xmlns:m="http://schemas.openxmlformats.org/officeDocument/2006/math" xmlns="" val="1"/>
+              <ma14:wrappingTextBoxFlag xmlns="" xmlns:m="http://schemas.openxmlformats.org/officeDocument/2006/math" xmlns:a14="http://schemas.microsoft.com/office/drawing/2010/main" xmlns:ma14="http://schemas.microsoft.com/office/mac/drawingml/2011/main" val="1"/>
             </a:ext>
           </a:extLst>
         </p:spPr>
@@ -25244,7 +25397,7 @@
           </a:ln>
           <a:extLst>
             <a:ext uri="{C572A759-6A51-4108-AA02-DFA0A04FC94B}">
-              <ma14:wrappingTextBoxFlag xmlns:ma14="http://schemas.microsoft.com/office/mac/drawingml/2011/main" xmlns:a14="http://schemas.microsoft.com/office/drawing/2010/main" xmlns:m="http://schemas.openxmlformats.org/officeDocument/2006/math" xmlns="" val="1"/>
+              <ma14:wrappingTextBoxFlag xmlns="" xmlns:m="http://schemas.openxmlformats.org/officeDocument/2006/math" xmlns:a14="http://schemas.microsoft.com/office/drawing/2010/main" xmlns:ma14="http://schemas.microsoft.com/office/mac/drawingml/2011/main" val="1"/>
             </a:ext>
           </a:extLst>
         </p:spPr>
@@ -25298,7 +25451,7 @@
           </a:ln>
           <a:extLst>
             <a:ext uri="{C572A759-6A51-4108-AA02-DFA0A04FC94B}">
-              <ma14:wrappingTextBoxFlag xmlns:ma14="http://schemas.microsoft.com/office/mac/drawingml/2011/main" xmlns:a14="http://schemas.microsoft.com/office/drawing/2010/main" xmlns:m="http://schemas.openxmlformats.org/officeDocument/2006/math" xmlns="" val="1"/>
+              <ma14:wrappingTextBoxFlag xmlns="" xmlns:m="http://schemas.openxmlformats.org/officeDocument/2006/math" xmlns:a14="http://schemas.microsoft.com/office/drawing/2010/main" xmlns:ma14="http://schemas.microsoft.com/office/mac/drawingml/2011/main" val="1"/>
             </a:ext>
           </a:extLst>
         </p:spPr>
@@ -25648,7 +25801,7 @@
           </a:ln>
           <a:extLst>
             <a:ext uri="{C572A759-6A51-4108-AA02-DFA0A04FC94B}">
-              <ma14:wrappingTextBoxFlag xmlns:ma14="http://schemas.microsoft.com/office/mac/drawingml/2011/main" xmlns:a14="http://schemas.microsoft.com/office/drawing/2010/main" xmlns:m="http://schemas.openxmlformats.org/officeDocument/2006/math" xmlns="" val="1"/>
+              <ma14:wrappingTextBoxFlag xmlns="" xmlns:m="http://schemas.openxmlformats.org/officeDocument/2006/math" xmlns:a14="http://schemas.microsoft.com/office/drawing/2010/main" xmlns:ma14="http://schemas.microsoft.com/office/mac/drawingml/2011/main" val="1"/>
             </a:ext>
           </a:extLst>
         </p:spPr>
@@ -25750,7 +25903,7 @@
           </a:ln>
           <a:extLst>
             <a:ext uri="{C572A759-6A51-4108-AA02-DFA0A04FC94B}">
-              <ma14:wrappingTextBoxFlag xmlns:ma14="http://schemas.microsoft.com/office/mac/drawingml/2011/main" xmlns:a14="http://schemas.microsoft.com/office/drawing/2010/main" xmlns:m="http://schemas.openxmlformats.org/officeDocument/2006/math" xmlns="" val="1"/>
+              <ma14:wrappingTextBoxFlag xmlns="" xmlns:m="http://schemas.openxmlformats.org/officeDocument/2006/math" xmlns:a14="http://schemas.microsoft.com/office/drawing/2010/main" xmlns:ma14="http://schemas.microsoft.com/office/mac/drawingml/2011/main" val="1"/>
             </a:ext>
           </a:extLst>
         </p:spPr>
@@ -25959,7 +26112,7 @@
           </a:ln>
           <a:extLst>
             <a:ext uri="{C572A759-6A51-4108-AA02-DFA0A04FC94B}">
-              <ma14:wrappingTextBoxFlag xmlns:ma14="http://schemas.microsoft.com/office/mac/drawingml/2011/main" xmlns:a14="http://schemas.microsoft.com/office/drawing/2010/main" xmlns:m="http://schemas.openxmlformats.org/officeDocument/2006/math" xmlns="" val="1"/>
+              <ma14:wrappingTextBoxFlag xmlns="" xmlns:m="http://schemas.openxmlformats.org/officeDocument/2006/math" xmlns:a14="http://schemas.microsoft.com/office/drawing/2010/main" xmlns:ma14="http://schemas.microsoft.com/office/mac/drawingml/2011/main" val="1"/>
             </a:ext>
           </a:extLst>
         </p:spPr>
@@ -26186,7 +26339,7 @@
           </a:ln>
           <a:extLst>
             <a:ext uri="{C572A759-6A51-4108-AA02-DFA0A04FC94B}">
-              <ma14:wrappingTextBoxFlag xmlns:ma14="http://schemas.microsoft.com/office/mac/drawingml/2011/main" xmlns:a14="http://schemas.microsoft.com/office/drawing/2010/main" xmlns:m="http://schemas.openxmlformats.org/officeDocument/2006/math" xmlns="" val="1"/>
+              <ma14:wrappingTextBoxFlag xmlns="" xmlns:m="http://schemas.openxmlformats.org/officeDocument/2006/math" xmlns:a14="http://schemas.microsoft.com/office/drawing/2010/main" xmlns:ma14="http://schemas.microsoft.com/office/mac/drawingml/2011/main" val="1"/>
             </a:ext>
           </a:extLst>
         </p:spPr>
@@ -26536,7 +26689,7 @@
           </a:ln>
           <a:extLst>
             <a:ext uri="{C572A759-6A51-4108-AA02-DFA0A04FC94B}">
-              <ma14:wrappingTextBoxFlag xmlns:ma14="http://schemas.microsoft.com/office/mac/drawingml/2011/main" xmlns:a14="http://schemas.microsoft.com/office/drawing/2010/main" xmlns:m="http://schemas.openxmlformats.org/officeDocument/2006/math" xmlns="" val="1"/>
+              <ma14:wrappingTextBoxFlag xmlns="" xmlns:m="http://schemas.openxmlformats.org/officeDocument/2006/math" xmlns:a14="http://schemas.microsoft.com/office/drawing/2010/main" xmlns:ma14="http://schemas.microsoft.com/office/mac/drawingml/2011/main" val="1"/>
             </a:ext>
           </a:extLst>
         </p:spPr>
@@ -26584,7 +26737,7 @@
           </a:ln>
           <a:extLst>
             <a:ext uri="{C572A759-6A51-4108-AA02-DFA0A04FC94B}">
-              <ma14:wrappingTextBoxFlag xmlns:ma14="http://schemas.microsoft.com/office/mac/drawingml/2011/main" xmlns:a14="http://schemas.microsoft.com/office/drawing/2010/main" xmlns:m="http://schemas.openxmlformats.org/officeDocument/2006/math" xmlns="" val="1"/>
+              <ma14:wrappingTextBoxFlag xmlns="" xmlns:m="http://schemas.openxmlformats.org/officeDocument/2006/math" xmlns:a14="http://schemas.microsoft.com/office/drawing/2010/main" xmlns:ma14="http://schemas.microsoft.com/office/mac/drawingml/2011/main" val="1"/>
             </a:ext>
           </a:extLst>
         </p:spPr>
@@ -26632,7 +26785,7 @@
           </a:ln>
           <a:extLst>
             <a:ext uri="{C572A759-6A51-4108-AA02-DFA0A04FC94B}">
-              <ma14:wrappingTextBoxFlag xmlns:ma14="http://schemas.microsoft.com/office/mac/drawingml/2011/main" xmlns:a14="http://schemas.microsoft.com/office/drawing/2010/main" xmlns:m="http://schemas.openxmlformats.org/officeDocument/2006/math" xmlns="" val="1"/>
+              <ma14:wrappingTextBoxFlag xmlns="" xmlns:m="http://schemas.openxmlformats.org/officeDocument/2006/math" xmlns:a14="http://schemas.microsoft.com/office/drawing/2010/main" xmlns:ma14="http://schemas.microsoft.com/office/mac/drawingml/2011/main" val="1"/>
             </a:ext>
           </a:extLst>
         </p:spPr>
@@ -26680,7 +26833,7 @@
           </a:ln>
           <a:extLst>
             <a:ext uri="{C572A759-6A51-4108-AA02-DFA0A04FC94B}">
-              <ma14:wrappingTextBoxFlag xmlns:ma14="http://schemas.microsoft.com/office/mac/drawingml/2011/main" xmlns:a14="http://schemas.microsoft.com/office/drawing/2010/main" xmlns:m="http://schemas.openxmlformats.org/officeDocument/2006/math" xmlns="" val="1"/>
+              <ma14:wrappingTextBoxFlag xmlns="" xmlns:m="http://schemas.openxmlformats.org/officeDocument/2006/math" xmlns:a14="http://schemas.microsoft.com/office/drawing/2010/main" xmlns:ma14="http://schemas.microsoft.com/office/mac/drawingml/2011/main" val="1"/>
             </a:ext>
           </a:extLst>
         </p:spPr>
@@ -26728,7 +26881,7 @@
           </a:ln>
           <a:extLst>
             <a:ext uri="{C572A759-6A51-4108-AA02-DFA0A04FC94B}">
-              <ma14:wrappingTextBoxFlag xmlns:ma14="http://schemas.microsoft.com/office/mac/drawingml/2011/main" xmlns:a14="http://schemas.microsoft.com/office/drawing/2010/main" xmlns:m="http://schemas.openxmlformats.org/officeDocument/2006/math" xmlns="" val="1"/>
+              <ma14:wrappingTextBoxFlag xmlns="" xmlns:m="http://schemas.openxmlformats.org/officeDocument/2006/math" xmlns:a14="http://schemas.microsoft.com/office/drawing/2010/main" xmlns:ma14="http://schemas.microsoft.com/office/mac/drawingml/2011/main" val="1"/>
             </a:ext>
           </a:extLst>
         </p:spPr>
@@ -27681,7 +27834,7 @@
           </a:ln>
           <a:extLst>
             <a:ext uri="{C572A759-6A51-4108-AA02-DFA0A04FC94B}">
-              <ma14:wrappingTextBoxFlag xmlns:ma14="http://schemas.microsoft.com/office/mac/drawingml/2011/main" xmlns:a14="http://schemas.microsoft.com/office/drawing/2010/main" xmlns:m="http://schemas.openxmlformats.org/officeDocument/2006/math" xmlns="" val="1"/>
+              <ma14:wrappingTextBoxFlag xmlns="" xmlns:m="http://schemas.openxmlformats.org/officeDocument/2006/math" xmlns:a14="http://schemas.microsoft.com/office/drawing/2010/main" xmlns:ma14="http://schemas.microsoft.com/office/mac/drawingml/2011/main" val="1"/>
             </a:ext>
           </a:extLst>
         </p:spPr>
@@ -27998,7 +28151,7 @@
           </a:ln>
           <a:extLst>
             <a:ext uri="{C572A759-6A51-4108-AA02-DFA0A04FC94B}">
-              <ma14:wrappingTextBoxFlag xmlns:ma14="http://schemas.microsoft.com/office/mac/drawingml/2011/main" xmlns:a14="http://schemas.microsoft.com/office/drawing/2010/main" xmlns:m="http://schemas.openxmlformats.org/officeDocument/2006/math" xmlns="" val="1"/>
+              <ma14:wrappingTextBoxFlag xmlns="" xmlns:m="http://schemas.openxmlformats.org/officeDocument/2006/math" xmlns:a14="http://schemas.microsoft.com/office/drawing/2010/main" xmlns:ma14="http://schemas.microsoft.com/office/mac/drawingml/2011/main" val="1"/>
             </a:ext>
           </a:extLst>
         </p:spPr>
@@ -28986,7 +29139,7 @@
             </a:pPr>
             <a:r>
               <a:rPr sz="2000" dirty="0"/>
-              <a:t>No up-front commitment</a:t>
+              <a:t>Scalability</a:t>
             </a:r>
           </a:p>
           <a:p>
@@ -28998,35 +29151,17 @@
             </a:pPr>
             <a:r>
               <a:rPr sz="2000" dirty="0"/>
-              <a:t>No investment in </a:t>
+              <a:t>Thousands of </a:t>
             </a:r>
             <a:r>
               <a:rPr lang="en-AU" sz="2000" dirty="0"/>
-              <a:t>data </a:t>
-            </a:r>
-            <a:r>
-              <a:rPr lang="en-AU" sz="2000" dirty="0" err="1"/>
-              <a:t>centers</a:t>
-            </a:r>
-            <a:r>
-              <a:rPr lang="en-AU" sz="2000" dirty="0"/>
-              <a:t>, enabling </a:t>
+              <a:t>servers </a:t>
             </a:r>
             <a:r>
               <a:rPr sz="2000" dirty="0"/>
-              <a:t>pay-as-you-go</a:t>
-            </a:r>
-          </a:p>
-          <a:p>
-            <a:pPr>
-              <a:lnSpc>
-                <a:spcPct val="81000"/>
-              </a:lnSpc>
-            </a:pPr>
-            <a:r>
-              <a:rPr sz="2000" dirty="0"/>
-              <a:t>Scalability</a:t>
-            </a:r>
+              <a:t>available on demand</a:t>
+            </a:r>
+            <a:endParaRPr lang="en-AU" sz="2000" dirty="0"/>
           </a:p>
           <a:p>
             <a:pPr lvl="1">
@@ -29036,18 +29171,33 @@
               <a:defRPr sz="2400"/>
             </a:pPr>
             <a:r>
+              <a:rPr lang="en-AU" sz="2000" dirty="0"/>
+              <a:t>A</a:t>
+            </a:r>
+            <a:r>
               <a:rPr sz="2000" dirty="0"/>
-              <a:t>Thousands of </a:t>
+              <a:t>dd</a:t>
             </a:r>
             <a:r>
               <a:rPr lang="en-AU" sz="2000" dirty="0"/>
-              <a:t>servers </a:t>
+              <a:t> </a:t>
             </a:r>
             <a:r>
               <a:rPr sz="2000" dirty="0"/>
-              <a:t>available on demand</a:t>
+              <a:t>more within seconds</a:t>
             </a:r>
             <a:endParaRPr lang="en-AU" sz="2000" dirty="0"/>
+          </a:p>
+          <a:p>
+            <a:pPr>
+              <a:lnSpc>
+                <a:spcPct val="81000"/>
+              </a:lnSpc>
+            </a:pPr>
+            <a:r>
+              <a:rPr lang="en-US" sz="2000" dirty="0"/>
+              <a:t>No up-front commitment</a:t>
+            </a:r>
           </a:p>
           <a:p>
             <a:pPr lvl="1">
@@ -29057,20 +29207,8 @@
               <a:defRPr sz="2400"/>
             </a:pPr>
             <a:r>
-              <a:rPr lang="en-AU" sz="2000" dirty="0"/>
-              <a:t>A</a:t>
-            </a:r>
-            <a:r>
-              <a:rPr sz="2000" dirty="0"/>
-              <a:t>dd</a:t>
-            </a:r>
-            <a:r>
-              <a:rPr lang="en-AU" sz="2000" dirty="0"/>
-              <a:t> </a:t>
-            </a:r>
-            <a:r>
-              <a:rPr sz="2000" dirty="0"/>
-              <a:t>more within seconds</a:t>
+              <a:rPr lang="en-US" sz="2000" dirty="0"/>
+              <a:t>No investment in data centers, enabling pay-as-you-go</a:t>
             </a:r>
           </a:p>
         </p:txBody>
@@ -29789,12 +29927,18 @@
               <a:defRPr sz="2200"/>
             </a:pPr>
             <a:r>
+              <a:rPr lang="en-AU" sz="2000" dirty="0"/>
+              <a:t>Most</a:t>
+            </a:r>
+            <a:r>
               <a:rPr sz="2000" dirty="0"/>
-              <a:t>Some web services run on clouds, but not all</a:t>
-            </a:r>
-          </a:p>
-          <a:p>
-            <a:pPr lvl="1">
+              <a:t> web services run on clouds</a:t>
+            </a:r>
+            <a:endParaRPr lang="en-AU" sz="2000" dirty="0"/>
+          </a:p>
+          <a:p>
+            <a:pPr marL="342900" lvl="1" indent="0">
+              <a:buNone/>
               <a:defRPr sz="2200"/>
             </a:pPr>
             <a:endParaRPr sz="2000" dirty="0"/>
@@ -30224,7 +30368,7 @@
           </a:ln>
           <a:extLst>
             <a:ext uri="{C572A759-6A51-4108-AA02-DFA0A04FC94B}">
-              <ma14:wrappingTextBoxFlag xmlns:ma14="http://schemas.microsoft.com/office/mac/drawingml/2011/main" xmlns:a14="http://schemas.microsoft.com/office/drawing/2010/main" xmlns:m="http://schemas.openxmlformats.org/officeDocument/2006/math" xmlns="" val="1"/>
+              <ma14:wrappingTextBoxFlag xmlns="" xmlns:m="http://schemas.openxmlformats.org/officeDocument/2006/math" xmlns:a14="http://schemas.microsoft.com/office/drawing/2010/main" xmlns:ma14="http://schemas.microsoft.com/office/mac/drawingml/2011/main" val="1"/>
             </a:ext>
           </a:extLst>
         </p:spPr>
@@ -32519,7 +32663,7 @@
             </a:r>
             <a:r>
               <a:rPr lang="en-US" sz="2200" dirty="0"/>
-              <a:t>Cloud computing provides multi-tenant environments by allocating resources efficiently for different users, e.g., some tasks are computing intensive while some other are memory intensive.</a:t>
+              <a:t>Cloud computing provides multi-tenant environments by allocating resources efficiently for different users, e.g., some tasks are computing intensive while some others are memory intensive.</a:t>
             </a:r>
             <a:endParaRPr lang="en-AU" sz="2200" dirty="0"/>
           </a:p>
